--- a/presentation.pptx
+++ b/presentation.pptx
@@ -6,10 +6,10 @@
     <p:sldMasterId id="2147483683" r:id="rId5"/>
   </p:sldMasterIdLst>
   <p:notesMasterIdLst>
-    <p:notesMasterId r:id="rId24"/>
+    <p:notesMasterId r:id="rId38"/>
   </p:notesMasterIdLst>
   <p:handoutMasterIdLst>
-    <p:handoutMasterId r:id="rId25"/>
+    <p:handoutMasterId r:id="rId39"/>
   </p:handoutMasterIdLst>
   <p:sldIdLst>
     <p:sldId id="279" r:id="rId6"/>
@@ -30,6 +30,20 @@
     <p:sldId id="290" r:id="rId21"/>
     <p:sldId id="291" r:id="rId22"/>
     <p:sldId id="292" r:id="rId23"/>
+    <p:sldId id="304" r:id="rId24"/>
+    <p:sldId id="309" r:id="rId25"/>
+    <p:sldId id="303" r:id="rId26"/>
+    <p:sldId id="305" r:id="rId27"/>
+    <p:sldId id="306" r:id="rId28"/>
+    <p:sldId id="307" r:id="rId29"/>
+    <p:sldId id="308" r:id="rId30"/>
+    <p:sldId id="310" r:id="rId31"/>
+    <p:sldId id="311" r:id="rId32"/>
+    <p:sldId id="312" r:id="rId33"/>
+    <p:sldId id="313" r:id="rId34"/>
+    <p:sldId id="314" r:id="rId35"/>
+    <p:sldId id="315" r:id="rId36"/>
+    <p:sldId id="316" r:id="rId37"/>
   </p:sldIdLst>
   <p:sldSz cx="12188825" cy="6858000"/>
   <p:notesSz cx="6858000" cy="9144000"/>
@@ -2570,13 +2584,13 @@
   <p:clrMapOvr>
     <a:masterClrMapping/>
   </p:clrMapOvr>
-  <mc:AlternateContent xmlns:mc="http://schemas.openxmlformats.org/markup-compatibility/2006">
-    <mc:Choice xmlns:p14="http://schemas.microsoft.com/office/powerpoint/2010/main" Requires="p14">
+  <mc:AlternateContent xmlns:mc="http://schemas.openxmlformats.org/markup-compatibility/2006" xmlns:p14="http://schemas.microsoft.com/office/powerpoint/2010/main">
+    <mc:Choice Requires="p14">
       <p:transition spd="med" p14:dur="700">
         <p:fade/>
       </p:transition>
     </mc:Choice>
-    <mc:Fallback>
+    <mc:Fallback xmlns="">
       <p:transition spd="med">
         <p:fade/>
       </p:transition>
@@ -2839,13 +2853,13 @@
   <p:clrMapOvr>
     <a:masterClrMapping/>
   </p:clrMapOvr>
-  <mc:AlternateContent xmlns:mc="http://schemas.openxmlformats.org/markup-compatibility/2006">
-    <mc:Choice xmlns:p14="http://schemas.microsoft.com/office/powerpoint/2010/main" Requires="p14">
+  <mc:AlternateContent xmlns:mc="http://schemas.openxmlformats.org/markup-compatibility/2006" xmlns:p14="http://schemas.microsoft.com/office/powerpoint/2010/main">
+    <mc:Choice Requires="p14">
       <p:transition spd="med" p14:dur="700">
         <p:fade/>
       </p:transition>
     </mc:Choice>
-    <mc:Fallback>
+    <mc:Fallback xmlns="">
       <p:transition spd="med">
         <p:fade/>
       </p:transition>
@@ -3032,13 +3046,13 @@
   <p:clrMapOvr>
     <a:masterClrMapping/>
   </p:clrMapOvr>
-  <mc:AlternateContent xmlns:mc="http://schemas.openxmlformats.org/markup-compatibility/2006">
-    <mc:Choice xmlns:p14="http://schemas.microsoft.com/office/powerpoint/2010/main" Requires="p14">
+  <mc:AlternateContent xmlns:mc="http://schemas.openxmlformats.org/markup-compatibility/2006" xmlns:p14="http://schemas.microsoft.com/office/powerpoint/2010/main">
+    <mc:Choice Requires="p14">
       <p:transition spd="med" p14:dur="700">
         <p:fade/>
       </p:transition>
     </mc:Choice>
-    <mc:Fallback>
+    <mc:Fallback xmlns="">
       <p:transition spd="med">
         <p:fade/>
       </p:transition>
@@ -3235,13 +3249,13 @@
   <p:clrMapOvr>
     <a:masterClrMapping/>
   </p:clrMapOvr>
-  <mc:AlternateContent xmlns:mc="http://schemas.openxmlformats.org/markup-compatibility/2006">
-    <mc:Choice xmlns:p14="http://schemas.microsoft.com/office/powerpoint/2010/main" Requires="p14">
+  <mc:AlternateContent xmlns:mc="http://schemas.openxmlformats.org/markup-compatibility/2006" xmlns:p14="http://schemas.microsoft.com/office/powerpoint/2010/main">
+    <mc:Choice Requires="p14">
       <p:transition spd="med" p14:dur="700">
         <p:fade/>
       </p:transition>
     </mc:Choice>
-    <mc:Fallback>
+    <mc:Fallback xmlns="">
       <p:transition spd="med">
         <p:fade/>
       </p:transition>
@@ -3439,13 +3453,13 @@
   <p:clrMapOvr>
     <a:masterClrMapping/>
   </p:clrMapOvr>
-  <mc:AlternateContent xmlns:mc="http://schemas.openxmlformats.org/markup-compatibility/2006">
-    <mc:Choice xmlns:p14="http://schemas.microsoft.com/office/powerpoint/2010/main" Requires="p14">
+  <mc:AlternateContent xmlns:mc="http://schemas.openxmlformats.org/markup-compatibility/2006" xmlns:p14="http://schemas.microsoft.com/office/powerpoint/2010/main">
+    <mc:Choice Requires="p14">
       <p:transition spd="med" p14:dur="700">
         <p:fade/>
       </p:transition>
     </mc:Choice>
-    <mc:Fallback>
+    <mc:Fallback xmlns="">
       <p:transition spd="med">
         <p:fade/>
       </p:transition>
@@ -3628,13 +3642,13 @@
   <p:clrMapOvr>
     <a:masterClrMapping/>
   </p:clrMapOvr>
-  <mc:AlternateContent xmlns:mc="http://schemas.openxmlformats.org/markup-compatibility/2006">
-    <mc:Choice xmlns:p14="http://schemas.microsoft.com/office/powerpoint/2010/main" Requires="p14">
+  <mc:AlternateContent xmlns:mc="http://schemas.openxmlformats.org/markup-compatibility/2006" xmlns:p14="http://schemas.microsoft.com/office/powerpoint/2010/main">
+    <mc:Choice Requires="p14">
       <p:transition spd="med" p14:dur="700">
         <p:fade/>
       </p:transition>
     </mc:Choice>
-    <mc:Fallback>
+    <mc:Fallback xmlns="">
       <p:transition spd="med">
         <p:fade/>
       </p:transition>
@@ -3893,13 +3907,13 @@
   <p:clrMapOvr>
     <a:masterClrMapping/>
   </p:clrMapOvr>
-  <mc:AlternateContent xmlns:mc="http://schemas.openxmlformats.org/markup-compatibility/2006">
-    <mc:Choice xmlns:p14="http://schemas.microsoft.com/office/powerpoint/2010/main" Requires="p14">
+  <mc:AlternateContent xmlns:mc="http://schemas.openxmlformats.org/markup-compatibility/2006" xmlns:p14="http://schemas.microsoft.com/office/powerpoint/2010/main">
+    <mc:Choice Requires="p14">
       <p:transition spd="med" p14:dur="700">
         <p:fade/>
       </p:transition>
     </mc:Choice>
-    <mc:Fallback>
+    <mc:Fallback xmlns="">
       <p:transition spd="med">
         <p:fade/>
       </p:transition>
@@ -4144,13 +4158,13 @@
   <p:clrMapOvr>
     <a:masterClrMapping/>
   </p:clrMapOvr>
-  <mc:AlternateContent xmlns:mc="http://schemas.openxmlformats.org/markup-compatibility/2006">
-    <mc:Choice xmlns:p14="http://schemas.microsoft.com/office/powerpoint/2010/main" Requires="p14">
+  <mc:AlternateContent xmlns:mc="http://schemas.openxmlformats.org/markup-compatibility/2006" xmlns:p14="http://schemas.microsoft.com/office/powerpoint/2010/main">
+    <mc:Choice Requires="p14">
       <p:transition spd="med" p14:dur="700">
         <p:fade/>
       </p:transition>
     </mc:Choice>
-    <mc:Fallback>
+    <mc:Fallback xmlns="">
       <p:transition spd="med">
         <p:fade/>
       </p:transition>
@@ -4530,13 +4544,13 @@
   <p:clrMapOvr>
     <a:masterClrMapping/>
   </p:clrMapOvr>
-  <mc:AlternateContent xmlns:mc="http://schemas.openxmlformats.org/markup-compatibility/2006">
-    <mc:Choice xmlns:p14="http://schemas.microsoft.com/office/powerpoint/2010/main" Requires="p14">
+  <mc:AlternateContent xmlns:mc="http://schemas.openxmlformats.org/markup-compatibility/2006" xmlns:p14="http://schemas.microsoft.com/office/powerpoint/2010/main">
+    <mc:Choice Requires="p14">
       <p:transition spd="med" p14:dur="700">
         <p:fade/>
       </p:transition>
     </mc:Choice>
-    <mc:Fallback>
+    <mc:Fallback xmlns="">
       <p:transition spd="med">
         <p:fade/>
       </p:transition>
@@ -4667,13 +4681,13 @@
   <p:clrMapOvr>
     <a:masterClrMapping/>
   </p:clrMapOvr>
-  <mc:AlternateContent xmlns:mc="http://schemas.openxmlformats.org/markup-compatibility/2006">
-    <mc:Choice xmlns:p14="http://schemas.microsoft.com/office/powerpoint/2010/main" Requires="p14">
+  <mc:AlternateContent xmlns:mc="http://schemas.openxmlformats.org/markup-compatibility/2006" xmlns:p14="http://schemas.microsoft.com/office/powerpoint/2010/main">
+    <mc:Choice Requires="p14">
       <p:transition spd="med" p14:dur="700">
         <p:fade/>
       </p:transition>
     </mc:Choice>
-    <mc:Fallback>
+    <mc:Fallback xmlns="">
       <p:transition spd="med">
         <p:fade/>
       </p:transition>
@@ -4781,13 +4795,13 @@
   <p:clrMapOvr>
     <a:masterClrMapping/>
   </p:clrMapOvr>
-  <mc:AlternateContent xmlns:mc="http://schemas.openxmlformats.org/markup-compatibility/2006">
-    <mc:Choice xmlns:p14="http://schemas.microsoft.com/office/powerpoint/2010/main" Requires="p14">
+  <mc:AlternateContent xmlns:mc="http://schemas.openxmlformats.org/markup-compatibility/2006" xmlns:p14="http://schemas.microsoft.com/office/powerpoint/2010/main">
+    <mc:Choice Requires="p14">
       <p:transition spd="med" p14:dur="700">
         <p:fade/>
       </p:transition>
     </mc:Choice>
-    <mc:Fallback>
+    <mc:Fallback xmlns="">
       <p:transition spd="med">
         <p:fade/>
       </p:transition>
@@ -4981,13 +4995,13 @@
   <p:clrMapOvr>
     <a:masterClrMapping/>
   </p:clrMapOvr>
-  <mc:AlternateContent xmlns:mc="http://schemas.openxmlformats.org/markup-compatibility/2006">
-    <mc:Choice xmlns:p14="http://schemas.microsoft.com/office/powerpoint/2010/main" Requires="p14">
+  <mc:AlternateContent xmlns:mc="http://schemas.openxmlformats.org/markup-compatibility/2006" xmlns:p14="http://schemas.microsoft.com/office/powerpoint/2010/main">
+    <mc:Choice Requires="p14">
       <p:transition spd="med" p14:dur="700">
         <p:fade/>
       </p:transition>
     </mc:Choice>
-    <mc:Fallback>
+    <mc:Fallback xmlns="">
       <p:transition spd="med">
         <p:fade/>
       </p:transition>
@@ -5270,13 +5284,13 @@
   <p:clrMapOvr>
     <a:masterClrMapping/>
   </p:clrMapOvr>
-  <mc:AlternateContent xmlns:mc="http://schemas.openxmlformats.org/markup-compatibility/2006">
-    <mc:Choice xmlns:p14="http://schemas.microsoft.com/office/powerpoint/2010/main" Requires="p14">
+  <mc:AlternateContent xmlns:mc="http://schemas.openxmlformats.org/markup-compatibility/2006" xmlns:p14="http://schemas.microsoft.com/office/powerpoint/2010/main">
+    <mc:Choice Requires="p14">
       <p:transition spd="med" p14:dur="700">
         <p:fade/>
       </p:transition>
     </mc:Choice>
-    <mc:Fallback>
+    <mc:Fallback xmlns="">
       <p:transition spd="med">
         <p:fade/>
       </p:transition>
@@ -5542,13 +5556,13 @@
   <p:clrMapOvr>
     <a:masterClrMapping/>
   </p:clrMapOvr>
-  <mc:AlternateContent xmlns:mc="http://schemas.openxmlformats.org/markup-compatibility/2006">
-    <mc:Choice xmlns:p14="http://schemas.microsoft.com/office/powerpoint/2010/main" Requires="p14">
+  <mc:AlternateContent xmlns:mc="http://schemas.openxmlformats.org/markup-compatibility/2006" xmlns:p14="http://schemas.microsoft.com/office/powerpoint/2010/main">
+    <mc:Choice Requires="p14">
       <p:transition spd="med" p14:dur="700">
         <p:fade/>
       </p:transition>
     </mc:Choice>
-    <mc:Fallback>
+    <mc:Fallback xmlns="">
       <p:transition spd="med">
         <p:fade/>
       </p:transition>
@@ -5731,13 +5745,13 @@
   <p:clrMapOvr>
     <a:masterClrMapping/>
   </p:clrMapOvr>
-  <mc:AlternateContent xmlns:mc="http://schemas.openxmlformats.org/markup-compatibility/2006">
-    <mc:Choice xmlns:p14="http://schemas.microsoft.com/office/powerpoint/2010/main" Requires="p14">
+  <mc:AlternateContent xmlns:mc="http://schemas.openxmlformats.org/markup-compatibility/2006" xmlns:p14="http://schemas.microsoft.com/office/powerpoint/2010/main">
+    <mc:Choice Requires="p14">
       <p:transition spd="med" p14:dur="700">
         <p:fade/>
       </p:transition>
     </mc:Choice>
-    <mc:Fallback>
+    <mc:Fallback xmlns="">
       <p:transition spd="med">
         <p:fade/>
       </p:transition>
@@ -5930,13 +5944,13 @@
   <p:clrMapOvr>
     <a:masterClrMapping/>
   </p:clrMapOvr>
-  <mc:AlternateContent xmlns:mc="http://schemas.openxmlformats.org/markup-compatibility/2006">
-    <mc:Choice xmlns:p14="http://schemas.microsoft.com/office/powerpoint/2010/main" Requires="p14">
+  <mc:AlternateContent xmlns:mc="http://schemas.openxmlformats.org/markup-compatibility/2006" xmlns:p14="http://schemas.microsoft.com/office/powerpoint/2010/main">
+    <mc:Choice Requires="p14">
       <p:transition spd="med" p14:dur="700">
         <p:fade/>
       </p:transition>
     </mc:Choice>
-    <mc:Fallback>
+    <mc:Fallback xmlns="">
       <p:transition spd="med">
         <p:fade/>
       </p:transition>
@@ -6683,13 +6697,13 @@
   <p:clrMapOvr>
     <a:masterClrMapping/>
   </p:clrMapOvr>
-  <mc:AlternateContent xmlns:mc="http://schemas.openxmlformats.org/markup-compatibility/2006">
-    <mc:Choice xmlns:p14="http://schemas.microsoft.com/office/powerpoint/2010/main" Requires="p14">
+  <mc:AlternateContent xmlns:mc="http://schemas.openxmlformats.org/markup-compatibility/2006" xmlns:p14="http://schemas.microsoft.com/office/powerpoint/2010/main">
+    <mc:Choice Requires="p14">
       <p:transition spd="med" p14:dur="700">
         <p:fade/>
       </p:transition>
     </mc:Choice>
-    <mc:Fallback>
+    <mc:Fallback xmlns="">
       <p:transition spd="med">
         <p:fade/>
       </p:transition>
@@ -6982,13 +6996,13 @@
   <p:clrMapOvr>
     <a:masterClrMapping/>
   </p:clrMapOvr>
-  <mc:AlternateContent xmlns:mc="http://schemas.openxmlformats.org/markup-compatibility/2006">
-    <mc:Choice xmlns:p14="http://schemas.microsoft.com/office/powerpoint/2010/main" Requires="p14">
+  <mc:AlternateContent xmlns:mc="http://schemas.openxmlformats.org/markup-compatibility/2006" xmlns:p14="http://schemas.microsoft.com/office/powerpoint/2010/main">
+    <mc:Choice Requires="p14">
       <p:transition spd="med" p14:dur="700">
         <p:fade/>
       </p:transition>
     </mc:Choice>
-    <mc:Fallback>
+    <mc:Fallback xmlns="">
       <p:transition spd="med">
         <p:fade/>
       </p:transition>
@@ -7439,13 +7453,13 @@
   <p:clrMapOvr>
     <a:masterClrMapping/>
   </p:clrMapOvr>
-  <mc:AlternateContent xmlns:mc="http://schemas.openxmlformats.org/markup-compatibility/2006">
-    <mc:Choice xmlns:p14="http://schemas.microsoft.com/office/powerpoint/2010/main" Requires="p14">
+  <mc:AlternateContent xmlns:mc="http://schemas.openxmlformats.org/markup-compatibility/2006" xmlns:p14="http://schemas.microsoft.com/office/powerpoint/2010/main">
+    <mc:Choice Requires="p14">
       <p:transition spd="med" p14:dur="700">
         <p:fade/>
       </p:transition>
     </mc:Choice>
-    <mc:Fallback>
+    <mc:Fallback xmlns="">
       <p:transition spd="med">
         <p:fade/>
       </p:transition>
@@ -7564,13 +7578,13 @@
   <p:clrMapOvr>
     <a:masterClrMapping/>
   </p:clrMapOvr>
-  <mc:AlternateContent xmlns:mc="http://schemas.openxmlformats.org/markup-compatibility/2006">
-    <mc:Choice xmlns:p14="http://schemas.microsoft.com/office/powerpoint/2010/main" Requires="p14">
+  <mc:AlternateContent xmlns:mc="http://schemas.openxmlformats.org/markup-compatibility/2006" xmlns:p14="http://schemas.microsoft.com/office/powerpoint/2010/main">
+    <mc:Choice Requires="p14">
       <p:transition spd="med" p14:dur="700">
         <p:fade/>
       </p:transition>
     </mc:Choice>
-    <mc:Fallback>
+    <mc:Fallback xmlns="">
       <p:transition spd="med">
         <p:fade/>
       </p:transition>
@@ -7601,13 +7615,13 @@
   <p:clrMapOvr>
     <a:masterClrMapping/>
   </p:clrMapOvr>
-  <mc:AlternateContent xmlns:mc="http://schemas.openxmlformats.org/markup-compatibility/2006">
-    <mc:Choice xmlns:p14="http://schemas.microsoft.com/office/powerpoint/2010/main" Requires="p14">
+  <mc:AlternateContent xmlns:mc="http://schemas.openxmlformats.org/markup-compatibility/2006" xmlns:p14="http://schemas.microsoft.com/office/powerpoint/2010/main">
+    <mc:Choice Requires="p14">
       <p:transition spd="med" p14:dur="700">
         <p:fade/>
       </p:transition>
     </mc:Choice>
-    <mc:Fallback>
+    <mc:Fallback xmlns="">
       <p:transition spd="med">
         <p:fade/>
       </p:transition>
@@ -7879,13 +7893,13 @@
   <p:clrMapOvr>
     <a:masterClrMapping/>
   </p:clrMapOvr>
-  <mc:AlternateContent xmlns:mc="http://schemas.openxmlformats.org/markup-compatibility/2006">
-    <mc:Choice xmlns:p14="http://schemas.microsoft.com/office/powerpoint/2010/main" Requires="p14">
+  <mc:AlternateContent xmlns:mc="http://schemas.openxmlformats.org/markup-compatibility/2006" xmlns:p14="http://schemas.microsoft.com/office/powerpoint/2010/main">
+    <mc:Choice Requires="p14">
       <p:transition spd="med" p14:dur="700">
         <p:fade/>
       </p:transition>
     </mc:Choice>
-    <mc:Fallback>
+    <mc:Fallback xmlns="">
       <p:transition spd="med">
         <p:fade/>
       </p:transition>
@@ -8631,13 +8645,13 @@
   <p:clrMapOvr>
     <a:masterClrMapping/>
   </p:clrMapOvr>
-  <mc:AlternateContent xmlns:mc="http://schemas.openxmlformats.org/markup-compatibility/2006">
-    <mc:Choice xmlns:p14="http://schemas.microsoft.com/office/powerpoint/2010/main" Requires="p14">
+  <mc:AlternateContent xmlns:mc="http://schemas.openxmlformats.org/markup-compatibility/2006" xmlns:p14="http://schemas.microsoft.com/office/powerpoint/2010/main">
+    <mc:Choice Requires="p14">
       <p:transition spd="med" p14:dur="700">
         <p:fade/>
       </p:transition>
     </mc:Choice>
-    <mc:Fallback>
+    <mc:Fallback xmlns="">
       <p:transition spd="med">
         <p:fade/>
       </p:transition>
@@ -8896,13 +8910,13 @@
     <p:sldLayoutId id="2147483678" r:id="rId11"/>
     <p:sldLayoutId id="2147483679" r:id="rId12"/>
   </p:sldLayoutIdLst>
-  <mc:AlternateContent xmlns:mc="http://schemas.openxmlformats.org/markup-compatibility/2006">
-    <mc:Choice xmlns:p14="http://schemas.microsoft.com/office/powerpoint/2010/main" Requires="p14">
+  <mc:AlternateContent xmlns:mc="http://schemas.openxmlformats.org/markup-compatibility/2006" xmlns:p14="http://schemas.microsoft.com/office/powerpoint/2010/main">
+    <mc:Choice Requires="p14">
       <p:transition spd="med" p14:dur="700">
         <p:fade/>
       </p:transition>
     </mc:Choice>
-    <mc:Fallback>
+    <mc:Fallback xmlns="">
       <p:transition spd="med">
         <p:fade/>
       </p:transition>
@@ -9499,13 +9513,13 @@
     <p:sldLayoutId id="2147483693" r:id="rId10"/>
     <p:sldLayoutId id="2147483694" r:id="rId11"/>
   </p:sldLayoutIdLst>
-  <mc:AlternateContent xmlns:mc="http://schemas.openxmlformats.org/markup-compatibility/2006">
-    <mc:Choice xmlns:p14="http://schemas.microsoft.com/office/powerpoint/2010/main" Requires="p14">
+  <mc:AlternateContent xmlns:mc="http://schemas.openxmlformats.org/markup-compatibility/2006" xmlns:p14="http://schemas.microsoft.com/office/powerpoint/2010/main">
+    <mc:Choice Requires="p14">
       <p:transition spd="med" p14:dur="700">
         <p:fade/>
       </p:transition>
     </mc:Choice>
-    <mc:Fallback>
+    <mc:Fallback xmlns="">
       <p:transition spd="med">
         <p:fade/>
       </p:transition>
@@ -10400,13 +10414,13 @@
   <p:clrMapOvr>
     <a:masterClrMapping/>
   </p:clrMapOvr>
-  <mc:AlternateContent xmlns:mc="http://schemas.openxmlformats.org/markup-compatibility/2006">
-    <mc:Choice xmlns:p14="http://schemas.microsoft.com/office/powerpoint/2010/main" Requires="p14">
+  <mc:AlternateContent xmlns:mc="http://schemas.openxmlformats.org/markup-compatibility/2006" xmlns:p14="http://schemas.microsoft.com/office/powerpoint/2010/main">
+    <mc:Choice Requires="p14">
       <p:transition spd="med" p14:dur="700">
         <p:fade/>
       </p:transition>
     </mc:Choice>
-    <mc:Fallback>
+    <mc:Fallback xmlns="">
       <p:transition spd="med">
         <p:fade/>
       </p:transition>
@@ -11236,13 +11250,13 @@
   <p:clrMapOvr>
     <a:masterClrMapping/>
   </p:clrMapOvr>
-  <mc:AlternateContent xmlns:mc="http://schemas.openxmlformats.org/markup-compatibility/2006">
-    <mc:Choice xmlns:p14="http://schemas.microsoft.com/office/powerpoint/2010/main" Requires="p14">
+  <mc:AlternateContent xmlns:mc="http://schemas.openxmlformats.org/markup-compatibility/2006" xmlns:p14="http://schemas.microsoft.com/office/powerpoint/2010/main">
+    <mc:Choice Requires="p14">
       <p:transition spd="med" p14:dur="700">
         <p:fade/>
       </p:transition>
     </mc:Choice>
-    <mc:Fallback>
+    <mc:Fallback xmlns="">
       <p:transition spd="med">
         <p:fade/>
       </p:transition>
@@ -11848,13 +11862,13 @@
   <p:clrMapOvr>
     <a:masterClrMapping/>
   </p:clrMapOvr>
-  <mc:AlternateContent xmlns:mc="http://schemas.openxmlformats.org/markup-compatibility/2006">
-    <mc:Choice xmlns:p14="http://schemas.microsoft.com/office/powerpoint/2010/main" Requires="p14">
+  <mc:AlternateContent xmlns:mc="http://schemas.openxmlformats.org/markup-compatibility/2006" xmlns:p14="http://schemas.microsoft.com/office/powerpoint/2010/main">
+    <mc:Choice Requires="p14">
       <p:transition spd="med" p14:dur="700">
         <p:fade/>
       </p:transition>
     </mc:Choice>
-    <mc:Fallback>
+    <mc:Fallback xmlns="">
       <p:transition spd="med">
         <p:fade/>
       </p:transition>
@@ -12090,14 +12104,7 @@
                 <a:latin typeface="Behdad" panose="02000503000000000000" pitchFamily="2" charset="-78"/>
                 <a:cs typeface="Behdad" panose="02000503000000000000" pitchFamily="2" charset="-78"/>
               </a:rPr>
-              <a:t>در صورت کلیک بر روی لینک بالا وارد صفحه </a:t>
-            </a:r>
-            <a:r>
-              <a:rPr lang="fa-IR" sz="2000" dirty="0" smtClean="0">
-                <a:latin typeface="Behdad" panose="02000503000000000000" pitchFamily="2" charset="-78"/>
-                <a:cs typeface="Behdad" panose="02000503000000000000" pitchFamily="2" charset="-78"/>
-              </a:rPr>
-              <a:t>وب سرویس تولید شده را مشاهده میکنید که در اصل بک اند کاررا ، در اختیار دارد . این ای پی آی تولید شده توسط تیم توانایی ایجاد ارتباط بین اپلیکیشن  و دیتابیس را در اختیار دارد . </a:t>
+              <a:t>در صورت کلیک بر روی لینک بالا وارد صفحه وب سرویس تولید شده را مشاهده میکنید که در اصل بک اند کاررا ، در اختیار دارد . این ای پی آی تولید شده توسط تیم توانایی ایجاد ارتباط بین اپلیکیشن  و دیتابیس را در اختیار دارد . </a:t>
             </a:r>
             <a:endParaRPr lang="en-US" sz="2000" dirty="0">
               <a:latin typeface="Behdad" panose="02000503000000000000" pitchFamily="2" charset="-78"/>
@@ -12530,13 +12537,13 @@
   <p:clrMapOvr>
     <a:masterClrMapping/>
   </p:clrMapOvr>
-  <mc:AlternateContent xmlns:mc="http://schemas.openxmlformats.org/markup-compatibility/2006">
-    <mc:Choice xmlns:p14="http://schemas.microsoft.com/office/powerpoint/2010/main" Requires="p14">
+  <mc:AlternateContent xmlns:mc="http://schemas.openxmlformats.org/markup-compatibility/2006" xmlns:p14="http://schemas.microsoft.com/office/powerpoint/2010/main">
+    <mc:Choice Requires="p14">
       <p:transition spd="med" p14:dur="700">
         <p:fade/>
       </p:transition>
     </mc:Choice>
-    <mc:Fallback>
+    <mc:Fallback xmlns="">
       <p:transition spd="med">
         <p:fade/>
       </p:transition>
@@ -13243,13 +13250,13 @@
   <p:clrMapOvr>
     <a:masterClrMapping/>
   </p:clrMapOvr>
-  <mc:AlternateContent xmlns:mc="http://schemas.openxmlformats.org/markup-compatibility/2006">
-    <mc:Choice xmlns:p14="http://schemas.microsoft.com/office/powerpoint/2010/main" Requires="p14">
+  <mc:AlternateContent xmlns:mc="http://schemas.openxmlformats.org/markup-compatibility/2006" xmlns:p14="http://schemas.microsoft.com/office/powerpoint/2010/main">
+    <mc:Choice Requires="p14">
       <p:transition spd="med" p14:dur="700">
         <p:fade/>
       </p:transition>
     </mc:Choice>
-    <mc:Fallback>
+    <mc:Fallback xmlns="">
       <p:transition spd="med">
         <p:fade/>
       </p:transition>
@@ -13907,13 +13914,13 @@
   <p:clrMapOvr>
     <a:masterClrMapping/>
   </p:clrMapOvr>
-  <mc:AlternateContent xmlns:mc="http://schemas.openxmlformats.org/markup-compatibility/2006">
-    <mc:Choice xmlns:p14="http://schemas.microsoft.com/office/powerpoint/2010/main" Requires="p14">
+  <mc:AlternateContent xmlns:mc="http://schemas.openxmlformats.org/markup-compatibility/2006" xmlns:p14="http://schemas.microsoft.com/office/powerpoint/2010/main">
+    <mc:Choice Requires="p14">
       <p:transition spd="med" p14:dur="700">
         <p:fade/>
       </p:transition>
     </mc:Choice>
-    <mc:Fallback>
+    <mc:Fallback xmlns="">
       <p:transition spd="med">
         <p:fade/>
       </p:transition>
@@ -14186,10 +14193,6 @@
               </a:rPr>
               <a:t>فایل هایی مانند کلاس ها ، مدل ها ، ویژگی ها را میتوان مشاهده کرد</a:t>
             </a:r>
-            <a:endParaRPr lang="fa-IR" sz="2000" dirty="0" smtClean="0">
-              <a:latin typeface="Behdad" panose="02000503000000000000" pitchFamily="2" charset="-78"/>
-              <a:cs typeface="Behdad" panose="02000503000000000000" pitchFamily="2" charset="-78"/>
-            </a:endParaRPr>
           </a:p>
           <a:p>
             <a:pPr algn="r" rtl="1">
@@ -14635,13 +14638,13 @@
   <p:clrMapOvr>
     <a:masterClrMapping/>
   </p:clrMapOvr>
-  <mc:AlternateContent xmlns:mc="http://schemas.openxmlformats.org/markup-compatibility/2006">
-    <mc:Choice xmlns:p14="http://schemas.microsoft.com/office/powerpoint/2010/main" Requires="p14">
+  <mc:AlternateContent xmlns:mc="http://schemas.openxmlformats.org/markup-compatibility/2006" xmlns:p14="http://schemas.microsoft.com/office/powerpoint/2010/main">
+    <mc:Choice Requires="p14">
       <p:transition spd="med" p14:dur="700">
         <p:fade/>
       </p:transition>
     </mc:Choice>
-    <mc:Fallback>
+    <mc:Fallback xmlns="">
       <p:transition spd="med">
         <p:fade/>
       </p:transition>
@@ -15409,13 +15412,13 @@
   <p:clrMapOvr>
     <a:masterClrMapping/>
   </p:clrMapOvr>
-  <mc:AlternateContent xmlns:mc="http://schemas.openxmlformats.org/markup-compatibility/2006">
-    <mc:Choice xmlns:p14="http://schemas.microsoft.com/office/powerpoint/2010/main" Requires="p14">
+  <mc:AlternateContent xmlns:mc="http://schemas.openxmlformats.org/markup-compatibility/2006" xmlns:p14="http://schemas.microsoft.com/office/powerpoint/2010/main">
+    <mc:Choice Requires="p14">
       <p:transition spd="med" p14:dur="700">
         <p:fade/>
       </p:transition>
     </mc:Choice>
-    <mc:Fallback>
+    <mc:Fallback xmlns="">
       <p:transition spd="med">
         <p:fade/>
       </p:transition>
@@ -16248,13 +16251,13 @@
   <p:clrMapOvr>
     <a:masterClrMapping/>
   </p:clrMapOvr>
-  <mc:AlternateContent xmlns:mc="http://schemas.openxmlformats.org/markup-compatibility/2006">
-    <mc:Choice xmlns:p14="http://schemas.microsoft.com/office/powerpoint/2010/main" Requires="p14">
+  <mc:AlternateContent xmlns:mc="http://schemas.openxmlformats.org/markup-compatibility/2006" xmlns:p14="http://schemas.microsoft.com/office/powerpoint/2010/main">
+    <mc:Choice Requires="p14">
       <p:transition spd="med" p14:dur="700">
         <p:fade/>
       </p:transition>
     </mc:Choice>
-    <mc:Fallback>
+    <mc:Fallback xmlns="">
       <p:transition spd="med">
         <p:fade/>
       </p:transition>
@@ -17120,13 +17123,13 @@
   <p:clrMapOvr>
     <a:masterClrMapping/>
   </p:clrMapOvr>
-  <mc:AlternateContent xmlns:mc="http://schemas.openxmlformats.org/markup-compatibility/2006">
-    <mc:Choice xmlns:p14="http://schemas.microsoft.com/office/powerpoint/2010/main" Requires="p14">
+  <mc:AlternateContent xmlns:mc="http://schemas.openxmlformats.org/markup-compatibility/2006" xmlns:p14="http://schemas.microsoft.com/office/powerpoint/2010/main">
+    <mc:Choice Requires="p14">
       <p:transition spd="med" p14:dur="700">
         <p:fade/>
       </p:transition>
     </mc:Choice>
-    <mc:Fallback>
+    <mc:Fallback xmlns="">
       <p:transition spd="med">
         <p:fade/>
       </p:transition>
@@ -17465,6 +17468,934 @@
 </p:sld>
 </file>
 
+<file path=ppt/slides/slide19.xml><?xml version="1.0" encoding="utf-8"?>
+<p:sld xmlns:a="http://schemas.openxmlformats.org/drawingml/2006/main" xmlns:r="http://schemas.openxmlformats.org/officeDocument/2006/relationships" xmlns:p="http://schemas.openxmlformats.org/presentationml/2006/main">
+  <p:cSld>
+    <p:spTree>
+      <p:nvGrpSpPr>
+        <p:cNvPr id="1" name=""/>
+        <p:cNvGrpSpPr/>
+        <p:nvPr/>
+      </p:nvGrpSpPr>
+      <p:grpSpPr>
+        <a:xfrm>
+          <a:off x="0" y="0"/>
+          <a:ext cx="0" cy="0"/>
+          <a:chOff x="0" y="0"/>
+          <a:chExt cx="0" cy="0"/>
+        </a:xfrm>
+      </p:grpSpPr>
+      <p:sp>
+        <p:nvSpPr>
+          <p:cNvPr id="2" name="Title 1"/>
+          <p:cNvSpPr>
+            <a:spLocks noGrp="1"/>
+          </p:cNvSpPr>
+          <p:nvPr>
+            <p:ph type="ctrTitle"/>
+          </p:nvPr>
+        </p:nvSpPr>
+        <p:spPr>
+          <a:xfrm>
+            <a:off x="1185919" y="2014686"/>
+            <a:ext cx="9751060" cy="2147926"/>
+          </a:xfrm>
+        </p:spPr>
+        <p:txBody>
+          <a:bodyPr/>
+          <a:lstStyle/>
+          <a:p>
+            <a:r>
+              <a:rPr lang="en-US" dirty="0" err="1" smtClean="0"/>
+              <a:t>WireFrame</a:t>
+            </a:r>
+            <a:endParaRPr lang="en-US" dirty="0"/>
+          </a:p>
+        </p:txBody>
+      </p:sp>
+      <p:sp>
+        <p:nvSpPr>
+          <p:cNvPr id="3" name="Subtitle 2"/>
+          <p:cNvSpPr>
+            <a:spLocks noGrp="1"/>
+          </p:cNvSpPr>
+          <p:nvPr>
+            <p:ph type="subTitle" idx="1"/>
+          </p:nvPr>
+        </p:nvSpPr>
+        <p:spPr/>
+        <p:txBody>
+          <a:bodyPr/>
+          <a:lstStyle/>
+          <a:p>
+            <a:r>
+              <a:rPr lang="en-US" dirty="0" smtClean="0"/>
+              <a:t>ACB Project</a:t>
+            </a:r>
+            <a:endParaRPr lang="en-US" dirty="0"/>
+          </a:p>
+        </p:txBody>
+      </p:sp>
+      <p:grpSp>
+        <p:nvGrpSpPr>
+          <p:cNvPr id="4" name="Group 3"/>
+          <p:cNvGrpSpPr/>
+          <p:nvPr/>
+        </p:nvGrpSpPr>
+        <p:grpSpPr>
+          <a:xfrm>
+            <a:off x="1086269" y="2302286"/>
+            <a:ext cx="1361508" cy="1330443"/>
+            <a:chOff x="2657475" y="1044575"/>
+            <a:chExt cx="4900613" cy="4900613"/>
+          </a:xfrm>
+          <a:solidFill>
+            <a:sysClr val="window" lastClr="FFFFFF"/>
+          </a:solidFill>
+        </p:grpSpPr>
+        <p:sp>
+          <p:nvSpPr>
+            <p:cNvPr id="5" name="Freeform 4"/>
+            <p:cNvSpPr>
+              <a:spLocks noEditPoints="1"/>
+            </p:cNvSpPr>
+            <p:nvPr/>
+          </p:nvSpPr>
+          <p:spPr bwMode="auto">
+            <a:xfrm>
+              <a:off x="2865438" y="1252538"/>
+              <a:ext cx="4484688" cy="4484688"/>
+            </a:xfrm>
+            <a:custGeom>
+              <a:avLst/>
+              <a:gdLst>
+                <a:gd name="T0" fmla="*/ 908 w 1816"/>
+                <a:gd name="T1" fmla="*/ 0 h 1816"/>
+                <a:gd name="T2" fmla="*/ 0 w 1816"/>
+                <a:gd name="T3" fmla="*/ 908 h 1816"/>
+                <a:gd name="T4" fmla="*/ 908 w 1816"/>
+                <a:gd name="T5" fmla="*/ 1816 h 1816"/>
+                <a:gd name="T6" fmla="*/ 1816 w 1816"/>
+                <a:gd name="T7" fmla="*/ 908 h 1816"/>
+                <a:gd name="T8" fmla="*/ 908 w 1816"/>
+                <a:gd name="T9" fmla="*/ 0 h 1816"/>
+                <a:gd name="T10" fmla="*/ 908 w 1816"/>
+                <a:gd name="T11" fmla="*/ 1798 h 1816"/>
+                <a:gd name="T12" fmla="*/ 18 w 1816"/>
+                <a:gd name="T13" fmla="*/ 908 h 1816"/>
+                <a:gd name="T14" fmla="*/ 908 w 1816"/>
+                <a:gd name="T15" fmla="*/ 18 h 1816"/>
+                <a:gd name="T16" fmla="*/ 1798 w 1816"/>
+                <a:gd name="T17" fmla="*/ 908 h 1816"/>
+                <a:gd name="T18" fmla="*/ 908 w 1816"/>
+                <a:gd name="T19" fmla="*/ 1798 h 1816"/>
+              </a:gdLst>
+              <a:ahLst/>
+              <a:cxnLst>
+                <a:cxn ang="0">
+                  <a:pos x="T0" y="T1"/>
+                </a:cxn>
+                <a:cxn ang="0">
+                  <a:pos x="T2" y="T3"/>
+                </a:cxn>
+                <a:cxn ang="0">
+                  <a:pos x="T4" y="T5"/>
+                </a:cxn>
+                <a:cxn ang="0">
+                  <a:pos x="T6" y="T7"/>
+                </a:cxn>
+                <a:cxn ang="0">
+                  <a:pos x="T8" y="T9"/>
+                </a:cxn>
+                <a:cxn ang="0">
+                  <a:pos x="T10" y="T11"/>
+                </a:cxn>
+                <a:cxn ang="0">
+                  <a:pos x="T12" y="T13"/>
+                </a:cxn>
+                <a:cxn ang="0">
+                  <a:pos x="T14" y="T15"/>
+                </a:cxn>
+                <a:cxn ang="0">
+                  <a:pos x="T16" y="T17"/>
+                </a:cxn>
+                <a:cxn ang="0">
+                  <a:pos x="T18" y="T19"/>
+                </a:cxn>
+              </a:cxnLst>
+              <a:rect l="0" t="0" r="r" b="b"/>
+              <a:pathLst>
+                <a:path w="1816" h="1816">
+                  <a:moveTo>
+                    <a:pt x="908" y="0"/>
+                  </a:moveTo>
+                  <a:cubicBezTo>
+                    <a:pt x="407" y="0"/>
+                    <a:pt x="0" y="407"/>
+                    <a:pt x="0" y="908"/>
+                  </a:cubicBezTo>
+                  <a:cubicBezTo>
+                    <a:pt x="0" y="1409"/>
+                    <a:pt x="407" y="1816"/>
+                    <a:pt x="908" y="1816"/>
+                  </a:cubicBezTo>
+                  <a:cubicBezTo>
+                    <a:pt x="1409" y="1816"/>
+                    <a:pt x="1816" y="1409"/>
+                    <a:pt x="1816" y="908"/>
+                  </a:cubicBezTo>
+                  <a:cubicBezTo>
+                    <a:pt x="1816" y="407"/>
+                    <a:pt x="1409" y="0"/>
+                    <a:pt x="908" y="0"/>
+                  </a:cubicBezTo>
+                  <a:close/>
+                  <a:moveTo>
+                    <a:pt x="908" y="1798"/>
+                  </a:moveTo>
+                  <a:cubicBezTo>
+                    <a:pt x="416" y="1798"/>
+                    <a:pt x="18" y="1400"/>
+                    <a:pt x="18" y="908"/>
+                  </a:cubicBezTo>
+                  <a:cubicBezTo>
+                    <a:pt x="18" y="416"/>
+                    <a:pt x="416" y="18"/>
+                    <a:pt x="908" y="18"/>
+                  </a:cubicBezTo>
+                  <a:cubicBezTo>
+                    <a:pt x="1400" y="18"/>
+                    <a:pt x="1798" y="416"/>
+                    <a:pt x="1798" y="908"/>
+                  </a:cubicBezTo>
+                  <a:cubicBezTo>
+                    <a:pt x="1798" y="1400"/>
+                    <a:pt x="1400" y="1798"/>
+                    <a:pt x="908" y="1798"/>
+                  </a:cubicBezTo>
+                  <a:close/>
+                </a:path>
+              </a:pathLst>
+            </a:custGeom>
+            <a:solidFill>
+              <a:srgbClr val="D32E2E"/>
+            </a:solidFill>
+            <a:ln>
+              <a:noFill/>
+            </a:ln>
+            <a:extLst>
+              <a:ext uri="{91240B29-F687-4F45-9708-019B960494DF}">
+                <a14:hiddenLine xmlns:a14="http://schemas.microsoft.com/office/drawing/2010/main" w="9525">
+                  <a:solidFill>
+                    <a:srgbClr val="000000"/>
+                  </a:solidFill>
+                  <a:round/>
+                  <a:headEnd/>
+                  <a:tailEnd/>
+                </a14:hiddenLine>
+              </a:ext>
+            </a:extLst>
+          </p:spPr>
+          <p:txBody>
+            <a:bodyPr vert="horz" wrap="square" lIns="91440" tIns="45720" rIns="91440" bIns="45720" numCol="1" anchor="t" anchorCtr="0" compatLnSpc="1">
+              <a:prstTxWarp prst="textNoShape">
+                <a:avLst/>
+              </a:prstTxWarp>
+            </a:bodyPr>
+            <a:lstStyle/>
+            <a:p>
+              <a:pPr marL="0" marR="0" lvl="0" indent="0" defTabSz="914400" eaLnBrk="1" fontAlgn="auto" latinLnBrk="0" hangingPunct="1">
+                <a:lnSpc>
+                  <a:spcPct val="100000"/>
+                </a:lnSpc>
+                <a:spcBef>
+                  <a:spcPts val="0"/>
+                </a:spcBef>
+                <a:spcAft>
+                  <a:spcPts val="0"/>
+                </a:spcAft>
+                <a:buClrTx/>
+                <a:buSzTx/>
+                <a:buFontTx/>
+                <a:buNone/>
+                <a:tabLst/>
+                <a:defRPr/>
+              </a:pPr>
+              <a:endParaRPr kumimoji="0" lang="en-US" sz="1800" b="0" i="0" u="none" strike="noStrike" kern="0" cap="none" spc="0" normalizeH="0" baseline="0" noProof="0" smtClean="0">
+                <a:ln>
+                  <a:noFill/>
+                </a:ln>
+                <a:solidFill>
+                  <a:prstClr val="black"/>
+                </a:solidFill>
+                <a:effectLst/>
+                <a:uLnTx/>
+                <a:uFillTx/>
+                <a:latin typeface="Century Gothic"/>
+              </a:endParaRPr>
+            </a:p>
+          </p:txBody>
+        </p:sp>
+        <p:sp>
+          <p:nvSpPr>
+            <p:cNvPr id="6" name="Freeform 5"/>
+            <p:cNvSpPr>
+              <a:spLocks noEditPoints="1"/>
+            </p:cNvSpPr>
+            <p:nvPr/>
+          </p:nvSpPr>
+          <p:spPr bwMode="auto">
+            <a:xfrm>
+              <a:off x="2657475" y="1044575"/>
+              <a:ext cx="4900613" cy="4900613"/>
+            </a:xfrm>
+            <a:custGeom>
+              <a:avLst/>
+              <a:gdLst>
+                <a:gd name="T0" fmla="*/ 992 w 1984"/>
+                <a:gd name="T1" fmla="*/ 0 h 1984"/>
+                <a:gd name="T2" fmla="*/ 0 w 1984"/>
+                <a:gd name="T3" fmla="*/ 992 h 1984"/>
+                <a:gd name="T4" fmla="*/ 992 w 1984"/>
+                <a:gd name="T5" fmla="*/ 1984 h 1984"/>
+                <a:gd name="T6" fmla="*/ 1984 w 1984"/>
+                <a:gd name="T7" fmla="*/ 992 h 1984"/>
+                <a:gd name="T8" fmla="*/ 992 w 1984"/>
+                <a:gd name="T9" fmla="*/ 0 h 1984"/>
+                <a:gd name="T10" fmla="*/ 992 w 1984"/>
+                <a:gd name="T11" fmla="*/ 1934 h 1984"/>
+                <a:gd name="T12" fmla="*/ 50 w 1984"/>
+                <a:gd name="T13" fmla="*/ 992 h 1984"/>
+                <a:gd name="T14" fmla="*/ 992 w 1984"/>
+                <a:gd name="T15" fmla="*/ 50 h 1984"/>
+                <a:gd name="T16" fmla="*/ 1934 w 1984"/>
+                <a:gd name="T17" fmla="*/ 992 h 1984"/>
+                <a:gd name="T18" fmla="*/ 992 w 1984"/>
+                <a:gd name="T19" fmla="*/ 1934 h 1984"/>
+              </a:gdLst>
+              <a:ahLst/>
+              <a:cxnLst>
+                <a:cxn ang="0">
+                  <a:pos x="T0" y="T1"/>
+                </a:cxn>
+                <a:cxn ang="0">
+                  <a:pos x="T2" y="T3"/>
+                </a:cxn>
+                <a:cxn ang="0">
+                  <a:pos x="T4" y="T5"/>
+                </a:cxn>
+                <a:cxn ang="0">
+                  <a:pos x="T6" y="T7"/>
+                </a:cxn>
+                <a:cxn ang="0">
+                  <a:pos x="T8" y="T9"/>
+                </a:cxn>
+                <a:cxn ang="0">
+                  <a:pos x="T10" y="T11"/>
+                </a:cxn>
+                <a:cxn ang="0">
+                  <a:pos x="T12" y="T13"/>
+                </a:cxn>
+                <a:cxn ang="0">
+                  <a:pos x="T14" y="T15"/>
+                </a:cxn>
+                <a:cxn ang="0">
+                  <a:pos x="T16" y="T17"/>
+                </a:cxn>
+                <a:cxn ang="0">
+                  <a:pos x="T18" y="T19"/>
+                </a:cxn>
+              </a:cxnLst>
+              <a:rect l="0" t="0" r="r" b="b"/>
+              <a:pathLst>
+                <a:path w="1984" h="1984">
+                  <a:moveTo>
+                    <a:pt x="992" y="0"/>
+                  </a:moveTo>
+                  <a:cubicBezTo>
+                    <a:pt x="444" y="0"/>
+                    <a:pt x="0" y="444"/>
+                    <a:pt x="0" y="992"/>
+                  </a:cubicBezTo>
+                  <a:cubicBezTo>
+                    <a:pt x="0" y="1540"/>
+                    <a:pt x="444" y="1984"/>
+                    <a:pt x="992" y="1984"/>
+                  </a:cubicBezTo>
+                  <a:cubicBezTo>
+                    <a:pt x="1540" y="1984"/>
+                    <a:pt x="1984" y="1540"/>
+                    <a:pt x="1984" y="992"/>
+                  </a:cubicBezTo>
+                  <a:cubicBezTo>
+                    <a:pt x="1984" y="444"/>
+                    <a:pt x="1540" y="0"/>
+                    <a:pt x="992" y="0"/>
+                  </a:cubicBezTo>
+                  <a:close/>
+                  <a:moveTo>
+                    <a:pt x="992" y="1934"/>
+                  </a:moveTo>
+                  <a:cubicBezTo>
+                    <a:pt x="472" y="1934"/>
+                    <a:pt x="50" y="1512"/>
+                    <a:pt x="50" y="992"/>
+                  </a:cubicBezTo>
+                  <a:cubicBezTo>
+                    <a:pt x="50" y="472"/>
+                    <a:pt x="472" y="50"/>
+                    <a:pt x="992" y="50"/>
+                  </a:cubicBezTo>
+                  <a:cubicBezTo>
+                    <a:pt x="1512" y="50"/>
+                    <a:pt x="1934" y="472"/>
+                    <a:pt x="1934" y="992"/>
+                  </a:cubicBezTo>
+                  <a:cubicBezTo>
+                    <a:pt x="1934" y="1512"/>
+                    <a:pt x="1512" y="1934"/>
+                    <a:pt x="992" y="1934"/>
+                  </a:cubicBezTo>
+                  <a:close/>
+                </a:path>
+              </a:pathLst>
+            </a:custGeom>
+            <a:solidFill>
+              <a:srgbClr val="D32E2E"/>
+            </a:solidFill>
+            <a:ln>
+              <a:noFill/>
+            </a:ln>
+            <a:extLst>
+              <a:ext uri="{91240B29-F687-4F45-9708-019B960494DF}">
+                <a14:hiddenLine xmlns:a14="http://schemas.microsoft.com/office/drawing/2010/main" w="9525">
+                  <a:solidFill>
+                    <a:srgbClr val="000000"/>
+                  </a:solidFill>
+                  <a:round/>
+                  <a:headEnd/>
+                  <a:tailEnd/>
+                </a14:hiddenLine>
+              </a:ext>
+            </a:extLst>
+          </p:spPr>
+          <p:txBody>
+            <a:bodyPr vert="horz" wrap="square" lIns="91440" tIns="45720" rIns="91440" bIns="45720" numCol="1" anchor="t" anchorCtr="0" compatLnSpc="1">
+              <a:prstTxWarp prst="textNoShape">
+                <a:avLst/>
+              </a:prstTxWarp>
+            </a:bodyPr>
+            <a:lstStyle/>
+            <a:p>
+              <a:pPr marL="0" marR="0" lvl="0" indent="0" defTabSz="914400" eaLnBrk="1" fontAlgn="auto" latinLnBrk="0" hangingPunct="1">
+                <a:lnSpc>
+                  <a:spcPct val="100000"/>
+                </a:lnSpc>
+                <a:spcBef>
+                  <a:spcPts val="0"/>
+                </a:spcBef>
+                <a:spcAft>
+                  <a:spcPts val="0"/>
+                </a:spcAft>
+                <a:buClrTx/>
+                <a:buSzTx/>
+                <a:buFontTx/>
+                <a:buNone/>
+                <a:tabLst/>
+                <a:defRPr/>
+              </a:pPr>
+              <a:endParaRPr kumimoji="0" lang="en-US" sz="1800" b="0" i="0" u="none" strike="noStrike" kern="0" cap="none" spc="0" normalizeH="0" baseline="0" noProof="0" smtClean="0">
+                <a:ln>
+                  <a:noFill/>
+                </a:ln>
+                <a:solidFill>
+                  <a:prstClr val="black"/>
+                </a:solidFill>
+                <a:effectLst/>
+                <a:uLnTx/>
+                <a:uFillTx/>
+                <a:latin typeface="Century Gothic"/>
+              </a:endParaRPr>
+            </a:p>
+          </p:txBody>
+        </p:sp>
+      </p:grpSp>
+      <p:pic>
+        <p:nvPicPr>
+          <p:cNvPr id="7" name="Picture 6"/>
+          <p:cNvPicPr>
+            <a:picLocks noChangeAspect="1"/>
+          </p:cNvPicPr>
+          <p:nvPr/>
+        </p:nvPicPr>
+        <p:blipFill>
+          <a:blip r:embed="rId2" cstate="print">
+            <a:extLst>
+              <a:ext uri="{28A0092B-C50C-407E-A947-70E740481C1C}">
+                <a14:useLocalDpi xmlns:a14="http://schemas.microsoft.com/office/drawing/2010/main" val="0"/>
+              </a:ext>
+            </a:extLst>
+          </a:blip>
+          <a:stretch>
+            <a:fillRect/>
+          </a:stretch>
+        </p:blipFill>
+        <p:spPr>
+          <a:xfrm>
+            <a:off x="1218883" y="2412222"/>
+            <a:ext cx="1096280" cy="1096280"/>
+          </a:xfrm>
+          <a:prstGeom prst="rect">
+            <a:avLst/>
+          </a:prstGeom>
+        </p:spPr>
+      </p:pic>
+      <p:grpSp>
+        <p:nvGrpSpPr>
+          <p:cNvPr id="8" name="Group 7"/>
+          <p:cNvGrpSpPr/>
+          <p:nvPr/>
+        </p:nvGrpSpPr>
+        <p:grpSpPr>
+          <a:xfrm>
+            <a:off x="9924198" y="2320216"/>
+            <a:ext cx="1361508" cy="1330443"/>
+            <a:chOff x="2657475" y="1044575"/>
+            <a:chExt cx="4900613" cy="4900613"/>
+          </a:xfrm>
+          <a:solidFill>
+            <a:sysClr val="window" lastClr="FFFFFF"/>
+          </a:solidFill>
+        </p:grpSpPr>
+        <p:sp>
+          <p:nvSpPr>
+            <p:cNvPr id="9" name="Freeform 8"/>
+            <p:cNvSpPr>
+              <a:spLocks noEditPoints="1"/>
+            </p:cNvSpPr>
+            <p:nvPr/>
+          </p:nvSpPr>
+          <p:spPr bwMode="auto">
+            <a:xfrm>
+              <a:off x="2865438" y="1252538"/>
+              <a:ext cx="4484688" cy="4484688"/>
+            </a:xfrm>
+            <a:custGeom>
+              <a:avLst/>
+              <a:gdLst>
+                <a:gd name="T0" fmla="*/ 908 w 1816"/>
+                <a:gd name="T1" fmla="*/ 0 h 1816"/>
+                <a:gd name="T2" fmla="*/ 0 w 1816"/>
+                <a:gd name="T3" fmla="*/ 908 h 1816"/>
+                <a:gd name="T4" fmla="*/ 908 w 1816"/>
+                <a:gd name="T5" fmla="*/ 1816 h 1816"/>
+                <a:gd name="T6" fmla="*/ 1816 w 1816"/>
+                <a:gd name="T7" fmla="*/ 908 h 1816"/>
+                <a:gd name="T8" fmla="*/ 908 w 1816"/>
+                <a:gd name="T9" fmla="*/ 0 h 1816"/>
+                <a:gd name="T10" fmla="*/ 908 w 1816"/>
+                <a:gd name="T11" fmla="*/ 1798 h 1816"/>
+                <a:gd name="T12" fmla="*/ 18 w 1816"/>
+                <a:gd name="T13" fmla="*/ 908 h 1816"/>
+                <a:gd name="T14" fmla="*/ 908 w 1816"/>
+                <a:gd name="T15" fmla="*/ 18 h 1816"/>
+                <a:gd name="T16" fmla="*/ 1798 w 1816"/>
+                <a:gd name="T17" fmla="*/ 908 h 1816"/>
+                <a:gd name="T18" fmla="*/ 908 w 1816"/>
+                <a:gd name="T19" fmla="*/ 1798 h 1816"/>
+              </a:gdLst>
+              <a:ahLst/>
+              <a:cxnLst>
+                <a:cxn ang="0">
+                  <a:pos x="T0" y="T1"/>
+                </a:cxn>
+                <a:cxn ang="0">
+                  <a:pos x="T2" y="T3"/>
+                </a:cxn>
+                <a:cxn ang="0">
+                  <a:pos x="T4" y="T5"/>
+                </a:cxn>
+                <a:cxn ang="0">
+                  <a:pos x="T6" y="T7"/>
+                </a:cxn>
+                <a:cxn ang="0">
+                  <a:pos x="T8" y="T9"/>
+                </a:cxn>
+                <a:cxn ang="0">
+                  <a:pos x="T10" y="T11"/>
+                </a:cxn>
+                <a:cxn ang="0">
+                  <a:pos x="T12" y="T13"/>
+                </a:cxn>
+                <a:cxn ang="0">
+                  <a:pos x="T14" y="T15"/>
+                </a:cxn>
+                <a:cxn ang="0">
+                  <a:pos x="T16" y="T17"/>
+                </a:cxn>
+                <a:cxn ang="0">
+                  <a:pos x="T18" y="T19"/>
+                </a:cxn>
+              </a:cxnLst>
+              <a:rect l="0" t="0" r="r" b="b"/>
+              <a:pathLst>
+                <a:path w="1816" h="1816">
+                  <a:moveTo>
+                    <a:pt x="908" y="0"/>
+                  </a:moveTo>
+                  <a:cubicBezTo>
+                    <a:pt x="407" y="0"/>
+                    <a:pt x="0" y="407"/>
+                    <a:pt x="0" y="908"/>
+                  </a:cubicBezTo>
+                  <a:cubicBezTo>
+                    <a:pt x="0" y="1409"/>
+                    <a:pt x="407" y="1816"/>
+                    <a:pt x="908" y="1816"/>
+                  </a:cubicBezTo>
+                  <a:cubicBezTo>
+                    <a:pt x="1409" y="1816"/>
+                    <a:pt x="1816" y="1409"/>
+                    <a:pt x="1816" y="908"/>
+                  </a:cubicBezTo>
+                  <a:cubicBezTo>
+                    <a:pt x="1816" y="407"/>
+                    <a:pt x="1409" y="0"/>
+                    <a:pt x="908" y="0"/>
+                  </a:cubicBezTo>
+                  <a:close/>
+                  <a:moveTo>
+                    <a:pt x="908" y="1798"/>
+                  </a:moveTo>
+                  <a:cubicBezTo>
+                    <a:pt x="416" y="1798"/>
+                    <a:pt x="18" y="1400"/>
+                    <a:pt x="18" y="908"/>
+                  </a:cubicBezTo>
+                  <a:cubicBezTo>
+                    <a:pt x="18" y="416"/>
+                    <a:pt x="416" y="18"/>
+                    <a:pt x="908" y="18"/>
+                  </a:cubicBezTo>
+                  <a:cubicBezTo>
+                    <a:pt x="1400" y="18"/>
+                    <a:pt x="1798" y="416"/>
+                    <a:pt x="1798" y="908"/>
+                  </a:cubicBezTo>
+                  <a:cubicBezTo>
+                    <a:pt x="1798" y="1400"/>
+                    <a:pt x="1400" y="1798"/>
+                    <a:pt x="908" y="1798"/>
+                  </a:cubicBezTo>
+                  <a:close/>
+                </a:path>
+              </a:pathLst>
+            </a:custGeom>
+            <a:solidFill>
+              <a:srgbClr val="D32E2E"/>
+            </a:solidFill>
+            <a:ln>
+              <a:noFill/>
+            </a:ln>
+            <a:extLst>
+              <a:ext uri="{91240B29-F687-4F45-9708-019B960494DF}">
+                <a14:hiddenLine xmlns:a14="http://schemas.microsoft.com/office/drawing/2010/main" w="9525">
+                  <a:solidFill>
+                    <a:srgbClr val="000000"/>
+                  </a:solidFill>
+                  <a:round/>
+                  <a:headEnd/>
+                  <a:tailEnd/>
+                </a14:hiddenLine>
+              </a:ext>
+            </a:extLst>
+          </p:spPr>
+          <p:txBody>
+            <a:bodyPr vert="horz" wrap="square" lIns="91440" tIns="45720" rIns="91440" bIns="45720" numCol="1" anchor="t" anchorCtr="0" compatLnSpc="1">
+              <a:prstTxWarp prst="textNoShape">
+                <a:avLst/>
+              </a:prstTxWarp>
+            </a:bodyPr>
+            <a:lstStyle/>
+            <a:p>
+              <a:pPr marL="0" marR="0" lvl="0" indent="0" defTabSz="914400" eaLnBrk="1" fontAlgn="auto" latinLnBrk="0" hangingPunct="1">
+                <a:lnSpc>
+                  <a:spcPct val="100000"/>
+                </a:lnSpc>
+                <a:spcBef>
+                  <a:spcPts val="0"/>
+                </a:spcBef>
+                <a:spcAft>
+                  <a:spcPts val="0"/>
+                </a:spcAft>
+                <a:buClrTx/>
+                <a:buSzTx/>
+                <a:buFontTx/>
+                <a:buNone/>
+                <a:tabLst/>
+                <a:defRPr/>
+              </a:pPr>
+              <a:endParaRPr kumimoji="0" lang="en-US" sz="1800" b="0" i="0" u="none" strike="noStrike" kern="0" cap="none" spc="0" normalizeH="0" baseline="0" noProof="0" smtClean="0">
+                <a:ln>
+                  <a:noFill/>
+                </a:ln>
+                <a:solidFill>
+                  <a:prstClr val="black"/>
+                </a:solidFill>
+                <a:effectLst/>
+                <a:uLnTx/>
+                <a:uFillTx/>
+                <a:latin typeface="Century Gothic"/>
+              </a:endParaRPr>
+            </a:p>
+          </p:txBody>
+        </p:sp>
+        <p:sp>
+          <p:nvSpPr>
+            <p:cNvPr id="10" name="Freeform 9"/>
+            <p:cNvSpPr>
+              <a:spLocks noEditPoints="1"/>
+            </p:cNvSpPr>
+            <p:nvPr/>
+          </p:nvSpPr>
+          <p:spPr bwMode="auto">
+            <a:xfrm>
+              <a:off x="2657475" y="1044575"/>
+              <a:ext cx="4900613" cy="4900613"/>
+            </a:xfrm>
+            <a:custGeom>
+              <a:avLst/>
+              <a:gdLst>
+                <a:gd name="T0" fmla="*/ 992 w 1984"/>
+                <a:gd name="T1" fmla="*/ 0 h 1984"/>
+                <a:gd name="T2" fmla="*/ 0 w 1984"/>
+                <a:gd name="T3" fmla="*/ 992 h 1984"/>
+                <a:gd name="T4" fmla="*/ 992 w 1984"/>
+                <a:gd name="T5" fmla="*/ 1984 h 1984"/>
+                <a:gd name="T6" fmla="*/ 1984 w 1984"/>
+                <a:gd name="T7" fmla="*/ 992 h 1984"/>
+                <a:gd name="T8" fmla="*/ 992 w 1984"/>
+                <a:gd name="T9" fmla="*/ 0 h 1984"/>
+                <a:gd name="T10" fmla="*/ 992 w 1984"/>
+                <a:gd name="T11" fmla="*/ 1934 h 1984"/>
+                <a:gd name="T12" fmla="*/ 50 w 1984"/>
+                <a:gd name="T13" fmla="*/ 992 h 1984"/>
+                <a:gd name="T14" fmla="*/ 992 w 1984"/>
+                <a:gd name="T15" fmla="*/ 50 h 1984"/>
+                <a:gd name="T16" fmla="*/ 1934 w 1984"/>
+                <a:gd name="T17" fmla="*/ 992 h 1984"/>
+                <a:gd name="T18" fmla="*/ 992 w 1984"/>
+                <a:gd name="T19" fmla="*/ 1934 h 1984"/>
+              </a:gdLst>
+              <a:ahLst/>
+              <a:cxnLst>
+                <a:cxn ang="0">
+                  <a:pos x="T0" y="T1"/>
+                </a:cxn>
+                <a:cxn ang="0">
+                  <a:pos x="T2" y="T3"/>
+                </a:cxn>
+                <a:cxn ang="0">
+                  <a:pos x="T4" y="T5"/>
+                </a:cxn>
+                <a:cxn ang="0">
+                  <a:pos x="T6" y="T7"/>
+                </a:cxn>
+                <a:cxn ang="0">
+                  <a:pos x="T8" y="T9"/>
+                </a:cxn>
+                <a:cxn ang="0">
+                  <a:pos x="T10" y="T11"/>
+                </a:cxn>
+                <a:cxn ang="0">
+                  <a:pos x="T12" y="T13"/>
+                </a:cxn>
+                <a:cxn ang="0">
+                  <a:pos x="T14" y="T15"/>
+                </a:cxn>
+                <a:cxn ang="0">
+                  <a:pos x="T16" y="T17"/>
+                </a:cxn>
+                <a:cxn ang="0">
+                  <a:pos x="T18" y="T19"/>
+                </a:cxn>
+              </a:cxnLst>
+              <a:rect l="0" t="0" r="r" b="b"/>
+              <a:pathLst>
+                <a:path w="1984" h="1984">
+                  <a:moveTo>
+                    <a:pt x="992" y="0"/>
+                  </a:moveTo>
+                  <a:cubicBezTo>
+                    <a:pt x="444" y="0"/>
+                    <a:pt x="0" y="444"/>
+                    <a:pt x="0" y="992"/>
+                  </a:cubicBezTo>
+                  <a:cubicBezTo>
+                    <a:pt x="0" y="1540"/>
+                    <a:pt x="444" y="1984"/>
+                    <a:pt x="992" y="1984"/>
+                  </a:cubicBezTo>
+                  <a:cubicBezTo>
+                    <a:pt x="1540" y="1984"/>
+                    <a:pt x="1984" y="1540"/>
+                    <a:pt x="1984" y="992"/>
+                  </a:cubicBezTo>
+                  <a:cubicBezTo>
+                    <a:pt x="1984" y="444"/>
+                    <a:pt x="1540" y="0"/>
+                    <a:pt x="992" y="0"/>
+                  </a:cubicBezTo>
+                  <a:close/>
+                  <a:moveTo>
+                    <a:pt x="992" y="1934"/>
+                  </a:moveTo>
+                  <a:cubicBezTo>
+                    <a:pt x="472" y="1934"/>
+                    <a:pt x="50" y="1512"/>
+                    <a:pt x="50" y="992"/>
+                  </a:cubicBezTo>
+                  <a:cubicBezTo>
+                    <a:pt x="50" y="472"/>
+                    <a:pt x="472" y="50"/>
+                    <a:pt x="992" y="50"/>
+                  </a:cubicBezTo>
+                  <a:cubicBezTo>
+                    <a:pt x="1512" y="50"/>
+                    <a:pt x="1934" y="472"/>
+                    <a:pt x="1934" y="992"/>
+                  </a:cubicBezTo>
+                  <a:cubicBezTo>
+                    <a:pt x="1934" y="1512"/>
+                    <a:pt x="1512" y="1934"/>
+                    <a:pt x="992" y="1934"/>
+                  </a:cubicBezTo>
+                  <a:close/>
+                </a:path>
+              </a:pathLst>
+            </a:custGeom>
+            <a:solidFill>
+              <a:srgbClr val="D32E2E"/>
+            </a:solidFill>
+            <a:ln>
+              <a:noFill/>
+            </a:ln>
+            <a:extLst>
+              <a:ext uri="{91240B29-F687-4F45-9708-019B960494DF}">
+                <a14:hiddenLine xmlns:a14="http://schemas.microsoft.com/office/drawing/2010/main" w="9525">
+                  <a:solidFill>
+                    <a:srgbClr val="000000"/>
+                  </a:solidFill>
+                  <a:round/>
+                  <a:headEnd/>
+                  <a:tailEnd/>
+                </a14:hiddenLine>
+              </a:ext>
+            </a:extLst>
+          </p:spPr>
+          <p:txBody>
+            <a:bodyPr vert="horz" wrap="square" lIns="91440" tIns="45720" rIns="91440" bIns="45720" numCol="1" anchor="t" anchorCtr="0" compatLnSpc="1">
+              <a:prstTxWarp prst="textNoShape">
+                <a:avLst/>
+              </a:prstTxWarp>
+            </a:bodyPr>
+            <a:lstStyle/>
+            <a:p>
+              <a:pPr marL="0" marR="0" lvl="0" indent="0" defTabSz="914400" eaLnBrk="1" fontAlgn="auto" latinLnBrk="0" hangingPunct="1">
+                <a:lnSpc>
+                  <a:spcPct val="100000"/>
+                </a:lnSpc>
+                <a:spcBef>
+                  <a:spcPts val="0"/>
+                </a:spcBef>
+                <a:spcAft>
+                  <a:spcPts val="0"/>
+                </a:spcAft>
+                <a:buClrTx/>
+                <a:buSzTx/>
+                <a:buFontTx/>
+                <a:buNone/>
+                <a:tabLst/>
+                <a:defRPr/>
+              </a:pPr>
+              <a:endParaRPr kumimoji="0" lang="en-US" sz="1800" b="0" i="0" u="none" strike="noStrike" kern="0" cap="none" spc="0" normalizeH="0" baseline="0" noProof="0" smtClean="0">
+                <a:ln>
+                  <a:noFill/>
+                </a:ln>
+                <a:solidFill>
+                  <a:prstClr val="black"/>
+                </a:solidFill>
+                <a:effectLst/>
+                <a:uLnTx/>
+                <a:uFillTx/>
+                <a:latin typeface="Century Gothic"/>
+              </a:endParaRPr>
+            </a:p>
+          </p:txBody>
+        </p:sp>
+      </p:grpSp>
+      <p:pic>
+        <p:nvPicPr>
+          <p:cNvPr id="11" name="Picture 10"/>
+          <p:cNvPicPr>
+            <a:picLocks noChangeAspect="1"/>
+          </p:cNvPicPr>
+          <p:nvPr/>
+        </p:nvPicPr>
+        <p:blipFill>
+          <a:blip r:embed="rId2" cstate="print">
+            <a:extLst>
+              <a:ext uri="{28A0092B-C50C-407E-A947-70E740481C1C}">
+                <a14:useLocalDpi xmlns:a14="http://schemas.microsoft.com/office/drawing/2010/main" val="0"/>
+              </a:ext>
+            </a:extLst>
+          </a:blip>
+          <a:stretch>
+            <a:fillRect/>
+          </a:stretch>
+        </p:blipFill>
+        <p:spPr>
+          <a:xfrm>
+            <a:off x="10056812" y="2430152"/>
+            <a:ext cx="1096280" cy="1096280"/>
+          </a:xfrm>
+          <a:prstGeom prst="rect">
+            <a:avLst/>
+          </a:prstGeom>
+        </p:spPr>
+      </p:pic>
+    </p:spTree>
+    <p:extLst>
+      <p:ext uri="{BB962C8B-B14F-4D97-AF65-F5344CB8AC3E}">
+        <p14:creationId xmlns:p14="http://schemas.microsoft.com/office/powerpoint/2010/main" val="3402184981"/>
+      </p:ext>
+    </p:extLst>
+  </p:cSld>
+  <p:clrMapOvr>
+    <a:masterClrMapping/>
+  </p:clrMapOvr>
+  <mc:AlternateContent xmlns:mc="http://schemas.openxmlformats.org/markup-compatibility/2006" xmlns:p14="http://schemas.microsoft.com/office/powerpoint/2010/main">
+    <mc:Choice Requires="p14">
+      <p:transition spd="med" p14:dur="700">
+        <p:fade/>
+      </p:transition>
+    </mc:Choice>
+    <mc:Fallback xmlns="">
+      <p:transition spd="med">
+        <p:fade/>
+      </p:transition>
+    </mc:Fallback>
+  </mc:AlternateContent>
+  <p:timing>
+    <p:tnLst>
+      <p:par>
+        <p:cTn id="1" dur="indefinite" restart="never" nodeType="tmRoot"/>
+      </p:par>
+    </p:tnLst>
+  </p:timing>
+</p:sld>
+</file>
+
 <file path=ppt/slides/slide2.xml><?xml version="1.0" encoding="utf-8"?>
 <p:sld xmlns:a="http://schemas.openxmlformats.org/drawingml/2006/main" xmlns:r="http://schemas.openxmlformats.org/officeDocument/2006/relationships" xmlns:p="http://schemas.openxmlformats.org/presentationml/2006/main">
   <p:cSld>
@@ -18077,13 +19008,13 @@
   <p:clrMapOvr>
     <a:masterClrMapping/>
   </p:clrMapOvr>
-  <mc:AlternateContent xmlns:mc="http://schemas.openxmlformats.org/markup-compatibility/2006">
-    <mc:Choice xmlns:p14="http://schemas.microsoft.com/office/powerpoint/2010/main" Requires="p14">
+  <mc:AlternateContent xmlns:mc="http://schemas.openxmlformats.org/markup-compatibility/2006" xmlns:p14="http://schemas.microsoft.com/office/powerpoint/2010/main">
+    <mc:Choice Requires="p14">
       <p:transition spd="med" p14:dur="700">
         <p:fade/>
       </p:transition>
     </mc:Choice>
-    <mc:Fallback>
+    <mc:Fallback xmlns="">
       <p:transition spd="med">
         <p:fade/>
       </p:transition>
@@ -18404,6 +19335,5324 @@
       <p:bldP spid="13" grpId="0"/>
     </p:bldLst>
   </p:timing>
+</p:sld>
+</file>
+
+<file path=ppt/slides/slide20.xml><?xml version="1.0" encoding="utf-8"?>
+<p:sld xmlns:a="http://schemas.openxmlformats.org/drawingml/2006/main" xmlns:r="http://schemas.openxmlformats.org/officeDocument/2006/relationships" xmlns:p="http://schemas.openxmlformats.org/presentationml/2006/main">
+  <p:cSld>
+    <p:spTree>
+      <p:nvGrpSpPr>
+        <p:cNvPr id="1" name=""/>
+        <p:cNvGrpSpPr/>
+        <p:nvPr/>
+      </p:nvGrpSpPr>
+      <p:grpSpPr>
+        <a:xfrm>
+          <a:off x="0" y="0"/>
+          <a:ext cx="0" cy="0"/>
+          <a:chOff x="0" y="0"/>
+          <a:chExt cx="0" cy="0"/>
+        </a:xfrm>
+      </p:grpSpPr>
+      <p:sp>
+        <p:nvSpPr>
+          <p:cNvPr id="2" name="Title 1"/>
+          <p:cNvSpPr>
+            <a:spLocks noGrp="1"/>
+          </p:cNvSpPr>
+          <p:nvPr>
+            <p:ph type="title"/>
+          </p:nvPr>
+        </p:nvSpPr>
+        <p:spPr/>
+        <p:txBody>
+          <a:bodyPr/>
+          <a:lstStyle/>
+          <a:p>
+            <a:endParaRPr lang="en-US"/>
+          </a:p>
+        </p:txBody>
+      </p:sp>
+      <p:sp>
+        <p:nvSpPr>
+          <p:cNvPr id="4" name="Text Placeholder 3"/>
+          <p:cNvSpPr>
+            <a:spLocks noGrp="1"/>
+          </p:cNvSpPr>
+          <p:nvPr>
+            <p:ph type="body" sz="half" idx="2"/>
+          </p:nvPr>
+        </p:nvSpPr>
+        <p:spPr/>
+        <p:txBody>
+          <a:bodyPr/>
+          <a:lstStyle/>
+          <a:p>
+            <a:endParaRPr lang="en-US"/>
+          </a:p>
+        </p:txBody>
+      </p:sp>
+      <p:grpSp>
+        <p:nvGrpSpPr>
+          <p:cNvPr id="7" name="Group 6"/>
+          <p:cNvGrpSpPr/>
+          <p:nvPr/>
+        </p:nvGrpSpPr>
+        <p:grpSpPr>
+          <a:xfrm>
+            <a:off x="308258" y="227525"/>
+            <a:ext cx="1361508" cy="1330443"/>
+            <a:chOff x="2657475" y="1044575"/>
+            <a:chExt cx="4900613" cy="4900613"/>
+          </a:xfrm>
+          <a:solidFill>
+            <a:sysClr val="window" lastClr="FFFFFF"/>
+          </a:solidFill>
+        </p:grpSpPr>
+        <p:sp>
+          <p:nvSpPr>
+            <p:cNvPr id="8" name="Freeform 7"/>
+            <p:cNvSpPr>
+              <a:spLocks noEditPoints="1"/>
+            </p:cNvSpPr>
+            <p:nvPr/>
+          </p:nvSpPr>
+          <p:spPr bwMode="auto">
+            <a:xfrm>
+              <a:off x="2865438" y="1252538"/>
+              <a:ext cx="4484688" cy="4484688"/>
+            </a:xfrm>
+            <a:custGeom>
+              <a:avLst/>
+              <a:gdLst>
+                <a:gd name="T0" fmla="*/ 908 w 1816"/>
+                <a:gd name="T1" fmla="*/ 0 h 1816"/>
+                <a:gd name="T2" fmla="*/ 0 w 1816"/>
+                <a:gd name="T3" fmla="*/ 908 h 1816"/>
+                <a:gd name="T4" fmla="*/ 908 w 1816"/>
+                <a:gd name="T5" fmla="*/ 1816 h 1816"/>
+                <a:gd name="T6" fmla="*/ 1816 w 1816"/>
+                <a:gd name="T7" fmla="*/ 908 h 1816"/>
+                <a:gd name="T8" fmla="*/ 908 w 1816"/>
+                <a:gd name="T9" fmla="*/ 0 h 1816"/>
+                <a:gd name="T10" fmla="*/ 908 w 1816"/>
+                <a:gd name="T11" fmla="*/ 1798 h 1816"/>
+                <a:gd name="T12" fmla="*/ 18 w 1816"/>
+                <a:gd name="T13" fmla="*/ 908 h 1816"/>
+                <a:gd name="T14" fmla="*/ 908 w 1816"/>
+                <a:gd name="T15" fmla="*/ 18 h 1816"/>
+                <a:gd name="T16" fmla="*/ 1798 w 1816"/>
+                <a:gd name="T17" fmla="*/ 908 h 1816"/>
+                <a:gd name="T18" fmla="*/ 908 w 1816"/>
+                <a:gd name="T19" fmla="*/ 1798 h 1816"/>
+              </a:gdLst>
+              <a:ahLst/>
+              <a:cxnLst>
+                <a:cxn ang="0">
+                  <a:pos x="T0" y="T1"/>
+                </a:cxn>
+                <a:cxn ang="0">
+                  <a:pos x="T2" y="T3"/>
+                </a:cxn>
+                <a:cxn ang="0">
+                  <a:pos x="T4" y="T5"/>
+                </a:cxn>
+                <a:cxn ang="0">
+                  <a:pos x="T6" y="T7"/>
+                </a:cxn>
+                <a:cxn ang="0">
+                  <a:pos x="T8" y="T9"/>
+                </a:cxn>
+                <a:cxn ang="0">
+                  <a:pos x="T10" y="T11"/>
+                </a:cxn>
+                <a:cxn ang="0">
+                  <a:pos x="T12" y="T13"/>
+                </a:cxn>
+                <a:cxn ang="0">
+                  <a:pos x="T14" y="T15"/>
+                </a:cxn>
+                <a:cxn ang="0">
+                  <a:pos x="T16" y="T17"/>
+                </a:cxn>
+                <a:cxn ang="0">
+                  <a:pos x="T18" y="T19"/>
+                </a:cxn>
+              </a:cxnLst>
+              <a:rect l="0" t="0" r="r" b="b"/>
+              <a:pathLst>
+                <a:path w="1816" h="1816">
+                  <a:moveTo>
+                    <a:pt x="908" y="0"/>
+                  </a:moveTo>
+                  <a:cubicBezTo>
+                    <a:pt x="407" y="0"/>
+                    <a:pt x="0" y="407"/>
+                    <a:pt x="0" y="908"/>
+                  </a:cubicBezTo>
+                  <a:cubicBezTo>
+                    <a:pt x="0" y="1409"/>
+                    <a:pt x="407" y="1816"/>
+                    <a:pt x="908" y="1816"/>
+                  </a:cubicBezTo>
+                  <a:cubicBezTo>
+                    <a:pt x="1409" y="1816"/>
+                    <a:pt x="1816" y="1409"/>
+                    <a:pt x="1816" y="908"/>
+                  </a:cubicBezTo>
+                  <a:cubicBezTo>
+                    <a:pt x="1816" y="407"/>
+                    <a:pt x="1409" y="0"/>
+                    <a:pt x="908" y="0"/>
+                  </a:cubicBezTo>
+                  <a:close/>
+                  <a:moveTo>
+                    <a:pt x="908" y="1798"/>
+                  </a:moveTo>
+                  <a:cubicBezTo>
+                    <a:pt x="416" y="1798"/>
+                    <a:pt x="18" y="1400"/>
+                    <a:pt x="18" y="908"/>
+                  </a:cubicBezTo>
+                  <a:cubicBezTo>
+                    <a:pt x="18" y="416"/>
+                    <a:pt x="416" y="18"/>
+                    <a:pt x="908" y="18"/>
+                  </a:cubicBezTo>
+                  <a:cubicBezTo>
+                    <a:pt x="1400" y="18"/>
+                    <a:pt x="1798" y="416"/>
+                    <a:pt x="1798" y="908"/>
+                  </a:cubicBezTo>
+                  <a:cubicBezTo>
+                    <a:pt x="1798" y="1400"/>
+                    <a:pt x="1400" y="1798"/>
+                    <a:pt x="908" y="1798"/>
+                  </a:cubicBezTo>
+                  <a:close/>
+                </a:path>
+              </a:pathLst>
+            </a:custGeom>
+            <a:solidFill>
+              <a:srgbClr val="D32E2E"/>
+            </a:solidFill>
+            <a:ln>
+              <a:noFill/>
+            </a:ln>
+            <a:extLst>
+              <a:ext uri="{91240B29-F687-4F45-9708-019B960494DF}">
+                <a14:hiddenLine xmlns:a14="http://schemas.microsoft.com/office/drawing/2010/main" w="9525">
+                  <a:solidFill>
+                    <a:srgbClr val="000000"/>
+                  </a:solidFill>
+                  <a:round/>
+                  <a:headEnd/>
+                  <a:tailEnd/>
+                </a14:hiddenLine>
+              </a:ext>
+            </a:extLst>
+          </p:spPr>
+          <p:txBody>
+            <a:bodyPr vert="horz" wrap="square" lIns="91440" tIns="45720" rIns="91440" bIns="45720" numCol="1" anchor="t" anchorCtr="0" compatLnSpc="1">
+              <a:prstTxWarp prst="textNoShape">
+                <a:avLst/>
+              </a:prstTxWarp>
+            </a:bodyPr>
+            <a:lstStyle/>
+            <a:p>
+              <a:pPr marL="0" marR="0" lvl="0" indent="0" defTabSz="914400" eaLnBrk="1" fontAlgn="auto" latinLnBrk="0" hangingPunct="1">
+                <a:lnSpc>
+                  <a:spcPct val="100000"/>
+                </a:lnSpc>
+                <a:spcBef>
+                  <a:spcPts val="0"/>
+                </a:spcBef>
+                <a:spcAft>
+                  <a:spcPts val="0"/>
+                </a:spcAft>
+                <a:buClrTx/>
+                <a:buSzTx/>
+                <a:buFontTx/>
+                <a:buNone/>
+                <a:tabLst/>
+                <a:defRPr/>
+              </a:pPr>
+              <a:endParaRPr kumimoji="0" lang="en-US" sz="1800" b="0" i="0" u="none" strike="noStrike" kern="0" cap="none" spc="0" normalizeH="0" baseline="0" noProof="0" smtClean="0">
+                <a:ln>
+                  <a:noFill/>
+                </a:ln>
+                <a:solidFill>
+                  <a:prstClr val="black"/>
+                </a:solidFill>
+                <a:effectLst/>
+                <a:uLnTx/>
+                <a:uFillTx/>
+                <a:latin typeface="Century Gothic"/>
+              </a:endParaRPr>
+            </a:p>
+          </p:txBody>
+        </p:sp>
+        <p:sp>
+          <p:nvSpPr>
+            <p:cNvPr id="9" name="Freeform 8"/>
+            <p:cNvSpPr>
+              <a:spLocks noEditPoints="1"/>
+            </p:cNvSpPr>
+            <p:nvPr/>
+          </p:nvSpPr>
+          <p:spPr bwMode="auto">
+            <a:xfrm>
+              <a:off x="2657475" y="1044575"/>
+              <a:ext cx="4900613" cy="4900613"/>
+            </a:xfrm>
+            <a:custGeom>
+              <a:avLst/>
+              <a:gdLst>
+                <a:gd name="T0" fmla="*/ 992 w 1984"/>
+                <a:gd name="T1" fmla="*/ 0 h 1984"/>
+                <a:gd name="T2" fmla="*/ 0 w 1984"/>
+                <a:gd name="T3" fmla="*/ 992 h 1984"/>
+                <a:gd name="T4" fmla="*/ 992 w 1984"/>
+                <a:gd name="T5" fmla="*/ 1984 h 1984"/>
+                <a:gd name="T6" fmla="*/ 1984 w 1984"/>
+                <a:gd name="T7" fmla="*/ 992 h 1984"/>
+                <a:gd name="T8" fmla="*/ 992 w 1984"/>
+                <a:gd name="T9" fmla="*/ 0 h 1984"/>
+                <a:gd name="T10" fmla="*/ 992 w 1984"/>
+                <a:gd name="T11" fmla="*/ 1934 h 1984"/>
+                <a:gd name="T12" fmla="*/ 50 w 1984"/>
+                <a:gd name="T13" fmla="*/ 992 h 1984"/>
+                <a:gd name="T14" fmla="*/ 992 w 1984"/>
+                <a:gd name="T15" fmla="*/ 50 h 1984"/>
+                <a:gd name="T16" fmla="*/ 1934 w 1984"/>
+                <a:gd name="T17" fmla="*/ 992 h 1984"/>
+                <a:gd name="T18" fmla="*/ 992 w 1984"/>
+                <a:gd name="T19" fmla="*/ 1934 h 1984"/>
+              </a:gdLst>
+              <a:ahLst/>
+              <a:cxnLst>
+                <a:cxn ang="0">
+                  <a:pos x="T0" y="T1"/>
+                </a:cxn>
+                <a:cxn ang="0">
+                  <a:pos x="T2" y="T3"/>
+                </a:cxn>
+                <a:cxn ang="0">
+                  <a:pos x="T4" y="T5"/>
+                </a:cxn>
+                <a:cxn ang="0">
+                  <a:pos x="T6" y="T7"/>
+                </a:cxn>
+                <a:cxn ang="0">
+                  <a:pos x="T8" y="T9"/>
+                </a:cxn>
+                <a:cxn ang="0">
+                  <a:pos x="T10" y="T11"/>
+                </a:cxn>
+                <a:cxn ang="0">
+                  <a:pos x="T12" y="T13"/>
+                </a:cxn>
+                <a:cxn ang="0">
+                  <a:pos x="T14" y="T15"/>
+                </a:cxn>
+                <a:cxn ang="0">
+                  <a:pos x="T16" y="T17"/>
+                </a:cxn>
+                <a:cxn ang="0">
+                  <a:pos x="T18" y="T19"/>
+                </a:cxn>
+              </a:cxnLst>
+              <a:rect l="0" t="0" r="r" b="b"/>
+              <a:pathLst>
+                <a:path w="1984" h="1984">
+                  <a:moveTo>
+                    <a:pt x="992" y="0"/>
+                  </a:moveTo>
+                  <a:cubicBezTo>
+                    <a:pt x="444" y="0"/>
+                    <a:pt x="0" y="444"/>
+                    <a:pt x="0" y="992"/>
+                  </a:cubicBezTo>
+                  <a:cubicBezTo>
+                    <a:pt x="0" y="1540"/>
+                    <a:pt x="444" y="1984"/>
+                    <a:pt x="992" y="1984"/>
+                  </a:cubicBezTo>
+                  <a:cubicBezTo>
+                    <a:pt x="1540" y="1984"/>
+                    <a:pt x="1984" y="1540"/>
+                    <a:pt x="1984" y="992"/>
+                  </a:cubicBezTo>
+                  <a:cubicBezTo>
+                    <a:pt x="1984" y="444"/>
+                    <a:pt x="1540" y="0"/>
+                    <a:pt x="992" y="0"/>
+                  </a:cubicBezTo>
+                  <a:close/>
+                  <a:moveTo>
+                    <a:pt x="992" y="1934"/>
+                  </a:moveTo>
+                  <a:cubicBezTo>
+                    <a:pt x="472" y="1934"/>
+                    <a:pt x="50" y="1512"/>
+                    <a:pt x="50" y="992"/>
+                  </a:cubicBezTo>
+                  <a:cubicBezTo>
+                    <a:pt x="50" y="472"/>
+                    <a:pt x="472" y="50"/>
+                    <a:pt x="992" y="50"/>
+                  </a:cubicBezTo>
+                  <a:cubicBezTo>
+                    <a:pt x="1512" y="50"/>
+                    <a:pt x="1934" y="472"/>
+                    <a:pt x="1934" y="992"/>
+                  </a:cubicBezTo>
+                  <a:cubicBezTo>
+                    <a:pt x="1934" y="1512"/>
+                    <a:pt x="1512" y="1934"/>
+                    <a:pt x="992" y="1934"/>
+                  </a:cubicBezTo>
+                  <a:close/>
+                </a:path>
+              </a:pathLst>
+            </a:custGeom>
+            <a:solidFill>
+              <a:srgbClr val="D32E2E"/>
+            </a:solidFill>
+            <a:ln>
+              <a:noFill/>
+            </a:ln>
+            <a:extLst>
+              <a:ext uri="{91240B29-F687-4F45-9708-019B960494DF}">
+                <a14:hiddenLine xmlns:a14="http://schemas.microsoft.com/office/drawing/2010/main" w="9525">
+                  <a:solidFill>
+                    <a:srgbClr val="000000"/>
+                  </a:solidFill>
+                  <a:round/>
+                  <a:headEnd/>
+                  <a:tailEnd/>
+                </a14:hiddenLine>
+              </a:ext>
+            </a:extLst>
+          </p:spPr>
+          <p:txBody>
+            <a:bodyPr vert="horz" wrap="square" lIns="91440" tIns="45720" rIns="91440" bIns="45720" numCol="1" anchor="t" anchorCtr="0" compatLnSpc="1">
+              <a:prstTxWarp prst="textNoShape">
+                <a:avLst/>
+              </a:prstTxWarp>
+            </a:bodyPr>
+            <a:lstStyle/>
+            <a:p>
+              <a:pPr marL="0" marR="0" lvl="0" indent="0" defTabSz="914400" eaLnBrk="1" fontAlgn="auto" latinLnBrk="0" hangingPunct="1">
+                <a:lnSpc>
+                  <a:spcPct val="100000"/>
+                </a:lnSpc>
+                <a:spcBef>
+                  <a:spcPts val="0"/>
+                </a:spcBef>
+                <a:spcAft>
+                  <a:spcPts val="0"/>
+                </a:spcAft>
+                <a:buClrTx/>
+                <a:buSzTx/>
+                <a:buFontTx/>
+                <a:buNone/>
+                <a:tabLst/>
+                <a:defRPr/>
+              </a:pPr>
+              <a:endParaRPr kumimoji="0" lang="en-US" sz="1800" b="0" i="0" u="none" strike="noStrike" kern="0" cap="none" spc="0" normalizeH="0" baseline="0" noProof="0" smtClean="0">
+                <a:ln>
+                  <a:noFill/>
+                </a:ln>
+                <a:solidFill>
+                  <a:prstClr val="black"/>
+                </a:solidFill>
+                <a:effectLst/>
+                <a:uLnTx/>
+                <a:uFillTx/>
+                <a:latin typeface="Century Gothic"/>
+              </a:endParaRPr>
+            </a:p>
+          </p:txBody>
+        </p:sp>
+      </p:grpSp>
+      <p:pic>
+        <p:nvPicPr>
+          <p:cNvPr id="10" name="Picture 9"/>
+          <p:cNvPicPr>
+            <a:picLocks noChangeAspect="1"/>
+          </p:cNvPicPr>
+          <p:nvPr/>
+        </p:nvPicPr>
+        <p:blipFill>
+          <a:blip r:embed="rId2" cstate="print">
+            <a:extLst>
+              <a:ext uri="{28A0092B-C50C-407E-A947-70E740481C1C}">
+                <a14:useLocalDpi xmlns:a14="http://schemas.microsoft.com/office/drawing/2010/main" val="0"/>
+              </a:ext>
+            </a:extLst>
+          </a:blip>
+          <a:stretch>
+            <a:fillRect/>
+          </a:stretch>
+        </p:blipFill>
+        <p:spPr>
+          <a:xfrm>
+            <a:off x="440872" y="337461"/>
+            <a:ext cx="1096280" cy="1096280"/>
+          </a:xfrm>
+          <a:prstGeom prst="rect">
+            <a:avLst/>
+          </a:prstGeom>
+        </p:spPr>
+      </p:pic>
+      <p:pic>
+        <p:nvPicPr>
+          <p:cNvPr id="3" name="Picture 2"/>
+          <p:cNvPicPr>
+            <a:picLocks noChangeAspect="1"/>
+          </p:cNvPicPr>
+          <p:nvPr/>
+        </p:nvPicPr>
+        <p:blipFill>
+          <a:blip r:embed="rId3">
+            <a:extLst>
+              <a:ext uri="{28A0092B-C50C-407E-A947-70E740481C1C}">
+                <a14:useLocalDpi xmlns:a14="http://schemas.microsoft.com/office/drawing/2010/main" val="0"/>
+              </a:ext>
+            </a:extLst>
+          </a:blip>
+          <a:stretch>
+            <a:fillRect/>
+          </a:stretch>
+        </p:blipFill>
+        <p:spPr>
+          <a:xfrm>
+            <a:off x="1535564" y="885601"/>
+            <a:ext cx="4121856" cy="5357347"/>
+          </a:xfrm>
+          <a:prstGeom prst="rect">
+            <a:avLst/>
+          </a:prstGeom>
+        </p:spPr>
+      </p:pic>
+    </p:spTree>
+    <p:extLst>
+      <p:ext uri="{BB962C8B-B14F-4D97-AF65-F5344CB8AC3E}">
+        <p14:creationId xmlns:p14="http://schemas.microsoft.com/office/powerpoint/2010/main" val="1425195988"/>
+      </p:ext>
+    </p:extLst>
+  </p:cSld>
+  <p:clrMapOvr>
+    <a:masterClrMapping/>
+  </p:clrMapOvr>
+  <mc:AlternateContent xmlns:mc="http://schemas.openxmlformats.org/markup-compatibility/2006" xmlns:p14="http://schemas.microsoft.com/office/powerpoint/2010/main">
+    <mc:Choice Requires="p14">
+      <p:transition spd="med" p14:dur="700">
+        <p:fade/>
+      </p:transition>
+    </mc:Choice>
+    <mc:Fallback xmlns="">
+      <p:transition spd="med">
+        <p:fade/>
+      </p:transition>
+    </mc:Fallback>
+  </mc:AlternateContent>
+</p:sld>
+</file>
+
+<file path=ppt/slides/slide21.xml><?xml version="1.0" encoding="utf-8"?>
+<p:sld xmlns:a="http://schemas.openxmlformats.org/drawingml/2006/main" xmlns:r="http://schemas.openxmlformats.org/officeDocument/2006/relationships" xmlns:p="http://schemas.openxmlformats.org/presentationml/2006/main">
+  <p:cSld>
+    <p:spTree>
+      <p:nvGrpSpPr>
+        <p:cNvPr id="1" name=""/>
+        <p:cNvGrpSpPr/>
+        <p:nvPr/>
+      </p:nvGrpSpPr>
+      <p:grpSpPr>
+        <a:xfrm>
+          <a:off x="0" y="0"/>
+          <a:ext cx="0" cy="0"/>
+          <a:chOff x="0" y="0"/>
+          <a:chExt cx="0" cy="0"/>
+        </a:xfrm>
+      </p:grpSpPr>
+      <p:sp>
+        <p:nvSpPr>
+          <p:cNvPr id="2" name="Title 1"/>
+          <p:cNvSpPr>
+            <a:spLocks noGrp="1"/>
+          </p:cNvSpPr>
+          <p:nvPr>
+            <p:ph type="title"/>
+          </p:nvPr>
+        </p:nvSpPr>
+        <p:spPr/>
+        <p:txBody>
+          <a:bodyPr/>
+          <a:lstStyle/>
+          <a:p>
+            <a:r>
+              <a:rPr lang="en-US" dirty="0" smtClean="0"/>
+              <a:t>Login</a:t>
+            </a:r>
+            <a:endParaRPr lang="en-US" dirty="0"/>
+          </a:p>
+        </p:txBody>
+      </p:sp>
+      <p:pic>
+        <p:nvPicPr>
+          <p:cNvPr id="5" name="Content Placeholder 4"/>
+          <p:cNvPicPr>
+            <a:picLocks noGrp="1" noChangeAspect="1"/>
+          </p:cNvPicPr>
+          <p:nvPr>
+            <p:ph idx="1"/>
+          </p:nvPr>
+        </p:nvPicPr>
+        <p:blipFill>
+          <a:blip r:embed="rId2">
+            <a:extLst>
+              <a:ext uri="{28A0092B-C50C-407E-A947-70E740481C1C}">
+                <a14:useLocalDpi xmlns:a14="http://schemas.microsoft.com/office/drawing/2010/main" val="0"/>
+              </a:ext>
+            </a:extLst>
+          </a:blip>
+          <a:stretch>
+            <a:fillRect/>
+          </a:stretch>
+        </p:blipFill>
+        <p:spPr>
+          <a:xfrm>
+            <a:off x="1522412" y="838200"/>
+            <a:ext cx="4114800" cy="5348177"/>
+          </a:xfrm>
+        </p:spPr>
+      </p:pic>
+      <p:sp>
+        <p:nvSpPr>
+          <p:cNvPr id="4" name="Text Placeholder 3"/>
+          <p:cNvSpPr>
+            <a:spLocks noGrp="1"/>
+          </p:cNvSpPr>
+          <p:nvPr>
+            <p:ph type="body" sz="half" idx="2"/>
+          </p:nvPr>
+        </p:nvSpPr>
+        <p:spPr/>
+        <p:txBody>
+          <a:bodyPr/>
+          <a:lstStyle/>
+          <a:p>
+            <a:endParaRPr lang="en-US"/>
+          </a:p>
+        </p:txBody>
+      </p:sp>
+      <p:grpSp>
+        <p:nvGrpSpPr>
+          <p:cNvPr id="6" name="Group 5"/>
+          <p:cNvGrpSpPr/>
+          <p:nvPr/>
+        </p:nvGrpSpPr>
+        <p:grpSpPr>
+          <a:xfrm>
+            <a:off x="308258" y="227525"/>
+            <a:ext cx="1361508" cy="1330443"/>
+            <a:chOff x="2657475" y="1044575"/>
+            <a:chExt cx="4900613" cy="4900613"/>
+          </a:xfrm>
+          <a:solidFill>
+            <a:sysClr val="window" lastClr="FFFFFF"/>
+          </a:solidFill>
+        </p:grpSpPr>
+        <p:sp>
+          <p:nvSpPr>
+            <p:cNvPr id="7" name="Freeform 6"/>
+            <p:cNvSpPr>
+              <a:spLocks noEditPoints="1"/>
+            </p:cNvSpPr>
+            <p:nvPr/>
+          </p:nvSpPr>
+          <p:spPr bwMode="auto">
+            <a:xfrm>
+              <a:off x="2865438" y="1252538"/>
+              <a:ext cx="4484688" cy="4484688"/>
+            </a:xfrm>
+            <a:custGeom>
+              <a:avLst/>
+              <a:gdLst>
+                <a:gd name="T0" fmla="*/ 908 w 1816"/>
+                <a:gd name="T1" fmla="*/ 0 h 1816"/>
+                <a:gd name="T2" fmla="*/ 0 w 1816"/>
+                <a:gd name="T3" fmla="*/ 908 h 1816"/>
+                <a:gd name="T4" fmla="*/ 908 w 1816"/>
+                <a:gd name="T5" fmla="*/ 1816 h 1816"/>
+                <a:gd name="T6" fmla="*/ 1816 w 1816"/>
+                <a:gd name="T7" fmla="*/ 908 h 1816"/>
+                <a:gd name="T8" fmla="*/ 908 w 1816"/>
+                <a:gd name="T9" fmla="*/ 0 h 1816"/>
+                <a:gd name="T10" fmla="*/ 908 w 1816"/>
+                <a:gd name="T11" fmla="*/ 1798 h 1816"/>
+                <a:gd name="T12" fmla="*/ 18 w 1816"/>
+                <a:gd name="T13" fmla="*/ 908 h 1816"/>
+                <a:gd name="T14" fmla="*/ 908 w 1816"/>
+                <a:gd name="T15" fmla="*/ 18 h 1816"/>
+                <a:gd name="T16" fmla="*/ 1798 w 1816"/>
+                <a:gd name="T17" fmla="*/ 908 h 1816"/>
+                <a:gd name="T18" fmla="*/ 908 w 1816"/>
+                <a:gd name="T19" fmla="*/ 1798 h 1816"/>
+              </a:gdLst>
+              <a:ahLst/>
+              <a:cxnLst>
+                <a:cxn ang="0">
+                  <a:pos x="T0" y="T1"/>
+                </a:cxn>
+                <a:cxn ang="0">
+                  <a:pos x="T2" y="T3"/>
+                </a:cxn>
+                <a:cxn ang="0">
+                  <a:pos x="T4" y="T5"/>
+                </a:cxn>
+                <a:cxn ang="0">
+                  <a:pos x="T6" y="T7"/>
+                </a:cxn>
+                <a:cxn ang="0">
+                  <a:pos x="T8" y="T9"/>
+                </a:cxn>
+                <a:cxn ang="0">
+                  <a:pos x="T10" y="T11"/>
+                </a:cxn>
+                <a:cxn ang="0">
+                  <a:pos x="T12" y="T13"/>
+                </a:cxn>
+                <a:cxn ang="0">
+                  <a:pos x="T14" y="T15"/>
+                </a:cxn>
+                <a:cxn ang="0">
+                  <a:pos x="T16" y="T17"/>
+                </a:cxn>
+                <a:cxn ang="0">
+                  <a:pos x="T18" y="T19"/>
+                </a:cxn>
+              </a:cxnLst>
+              <a:rect l="0" t="0" r="r" b="b"/>
+              <a:pathLst>
+                <a:path w="1816" h="1816">
+                  <a:moveTo>
+                    <a:pt x="908" y="0"/>
+                  </a:moveTo>
+                  <a:cubicBezTo>
+                    <a:pt x="407" y="0"/>
+                    <a:pt x="0" y="407"/>
+                    <a:pt x="0" y="908"/>
+                  </a:cubicBezTo>
+                  <a:cubicBezTo>
+                    <a:pt x="0" y="1409"/>
+                    <a:pt x="407" y="1816"/>
+                    <a:pt x="908" y="1816"/>
+                  </a:cubicBezTo>
+                  <a:cubicBezTo>
+                    <a:pt x="1409" y="1816"/>
+                    <a:pt x="1816" y="1409"/>
+                    <a:pt x="1816" y="908"/>
+                  </a:cubicBezTo>
+                  <a:cubicBezTo>
+                    <a:pt x="1816" y="407"/>
+                    <a:pt x="1409" y="0"/>
+                    <a:pt x="908" y="0"/>
+                  </a:cubicBezTo>
+                  <a:close/>
+                  <a:moveTo>
+                    <a:pt x="908" y="1798"/>
+                  </a:moveTo>
+                  <a:cubicBezTo>
+                    <a:pt x="416" y="1798"/>
+                    <a:pt x="18" y="1400"/>
+                    <a:pt x="18" y="908"/>
+                  </a:cubicBezTo>
+                  <a:cubicBezTo>
+                    <a:pt x="18" y="416"/>
+                    <a:pt x="416" y="18"/>
+                    <a:pt x="908" y="18"/>
+                  </a:cubicBezTo>
+                  <a:cubicBezTo>
+                    <a:pt x="1400" y="18"/>
+                    <a:pt x="1798" y="416"/>
+                    <a:pt x="1798" y="908"/>
+                  </a:cubicBezTo>
+                  <a:cubicBezTo>
+                    <a:pt x="1798" y="1400"/>
+                    <a:pt x="1400" y="1798"/>
+                    <a:pt x="908" y="1798"/>
+                  </a:cubicBezTo>
+                  <a:close/>
+                </a:path>
+              </a:pathLst>
+            </a:custGeom>
+            <a:solidFill>
+              <a:srgbClr val="D32E2E"/>
+            </a:solidFill>
+            <a:ln>
+              <a:noFill/>
+            </a:ln>
+            <a:extLst>
+              <a:ext uri="{91240B29-F687-4F45-9708-019B960494DF}">
+                <a14:hiddenLine xmlns:a14="http://schemas.microsoft.com/office/drawing/2010/main" w="9525">
+                  <a:solidFill>
+                    <a:srgbClr val="000000"/>
+                  </a:solidFill>
+                  <a:round/>
+                  <a:headEnd/>
+                  <a:tailEnd/>
+                </a14:hiddenLine>
+              </a:ext>
+            </a:extLst>
+          </p:spPr>
+          <p:txBody>
+            <a:bodyPr vert="horz" wrap="square" lIns="91440" tIns="45720" rIns="91440" bIns="45720" numCol="1" anchor="t" anchorCtr="0" compatLnSpc="1">
+              <a:prstTxWarp prst="textNoShape">
+                <a:avLst/>
+              </a:prstTxWarp>
+            </a:bodyPr>
+            <a:lstStyle/>
+            <a:p>
+              <a:pPr marL="0" marR="0" lvl="0" indent="0" defTabSz="914400" eaLnBrk="1" fontAlgn="auto" latinLnBrk="0" hangingPunct="1">
+                <a:lnSpc>
+                  <a:spcPct val="100000"/>
+                </a:lnSpc>
+                <a:spcBef>
+                  <a:spcPts val="0"/>
+                </a:spcBef>
+                <a:spcAft>
+                  <a:spcPts val="0"/>
+                </a:spcAft>
+                <a:buClrTx/>
+                <a:buSzTx/>
+                <a:buFontTx/>
+                <a:buNone/>
+                <a:tabLst/>
+                <a:defRPr/>
+              </a:pPr>
+              <a:endParaRPr kumimoji="0" lang="en-US" sz="1800" b="0" i="0" u="none" strike="noStrike" kern="0" cap="none" spc="0" normalizeH="0" baseline="0" noProof="0" smtClean="0">
+                <a:ln>
+                  <a:noFill/>
+                </a:ln>
+                <a:solidFill>
+                  <a:prstClr val="black"/>
+                </a:solidFill>
+                <a:effectLst/>
+                <a:uLnTx/>
+                <a:uFillTx/>
+                <a:latin typeface="Century Gothic"/>
+              </a:endParaRPr>
+            </a:p>
+          </p:txBody>
+        </p:sp>
+        <p:sp>
+          <p:nvSpPr>
+            <p:cNvPr id="8" name="Freeform 7"/>
+            <p:cNvSpPr>
+              <a:spLocks noEditPoints="1"/>
+            </p:cNvSpPr>
+            <p:nvPr/>
+          </p:nvSpPr>
+          <p:spPr bwMode="auto">
+            <a:xfrm>
+              <a:off x="2657475" y="1044575"/>
+              <a:ext cx="4900613" cy="4900613"/>
+            </a:xfrm>
+            <a:custGeom>
+              <a:avLst/>
+              <a:gdLst>
+                <a:gd name="T0" fmla="*/ 992 w 1984"/>
+                <a:gd name="T1" fmla="*/ 0 h 1984"/>
+                <a:gd name="T2" fmla="*/ 0 w 1984"/>
+                <a:gd name="T3" fmla="*/ 992 h 1984"/>
+                <a:gd name="T4" fmla="*/ 992 w 1984"/>
+                <a:gd name="T5" fmla="*/ 1984 h 1984"/>
+                <a:gd name="T6" fmla="*/ 1984 w 1984"/>
+                <a:gd name="T7" fmla="*/ 992 h 1984"/>
+                <a:gd name="T8" fmla="*/ 992 w 1984"/>
+                <a:gd name="T9" fmla="*/ 0 h 1984"/>
+                <a:gd name="T10" fmla="*/ 992 w 1984"/>
+                <a:gd name="T11" fmla="*/ 1934 h 1984"/>
+                <a:gd name="T12" fmla="*/ 50 w 1984"/>
+                <a:gd name="T13" fmla="*/ 992 h 1984"/>
+                <a:gd name="T14" fmla="*/ 992 w 1984"/>
+                <a:gd name="T15" fmla="*/ 50 h 1984"/>
+                <a:gd name="T16" fmla="*/ 1934 w 1984"/>
+                <a:gd name="T17" fmla="*/ 992 h 1984"/>
+                <a:gd name="T18" fmla="*/ 992 w 1984"/>
+                <a:gd name="T19" fmla="*/ 1934 h 1984"/>
+              </a:gdLst>
+              <a:ahLst/>
+              <a:cxnLst>
+                <a:cxn ang="0">
+                  <a:pos x="T0" y="T1"/>
+                </a:cxn>
+                <a:cxn ang="0">
+                  <a:pos x="T2" y="T3"/>
+                </a:cxn>
+                <a:cxn ang="0">
+                  <a:pos x="T4" y="T5"/>
+                </a:cxn>
+                <a:cxn ang="0">
+                  <a:pos x="T6" y="T7"/>
+                </a:cxn>
+                <a:cxn ang="0">
+                  <a:pos x="T8" y="T9"/>
+                </a:cxn>
+                <a:cxn ang="0">
+                  <a:pos x="T10" y="T11"/>
+                </a:cxn>
+                <a:cxn ang="0">
+                  <a:pos x="T12" y="T13"/>
+                </a:cxn>
+                <a:cxn ang="0">
+                  <a:pos x="T14" y="T15"/>
+                </a:cxn>
+                <a:cxn ang="0">
+                  <a:pos x="T16" y="T17"/>
+                </a:cxn>
+                <a:cxn ang="0">
+                  <a:pos x="T18" y="T19"/>
+                </a:cxn>
+              </a:cxnLst>
+              <a:rect l="0" t="0" r="r" b="b"/>
+              <a:pathLst>
+                <a:path w="1984" h="1984">
+                  <a:moveTo>
+                    <a:pt x="992" y="0"/>
+                  </a:moveTo>
+                  <a:cubicBezTo>
+                    <a:pt x="444" y="0"/>
+                    <a:pt x="0" y="444"/>
+                    <a:pt x="0" y="992"/>
+                  </a:cubicBezTo>
+                  <a:cubicBezTo>
+                    <a:pt x="0" y="1540"/>
+                    <a:pt x="444" y="1984"/>
+                    <a:pt x="992" y="1984"/>
+                  </a:cubicBezTo>
+                  <a:cubicBezTo>
+                    <a:pt x="1540" y="1984"/>
+                    <a:pt x="1984" y="1540"/>
+                    <a:pt x="1984" y="992"/>
+                  </a:cubicBezTo>
+                  <a:cubicBezTo>
+                    <a:pt x="1984" y="444"/>
+                    <a:pt x="1540" y="0"/>
+                    <a:pt x="992" y="0"/>
+                  </a:cubicBezTo>
+                  <a:close/>
+                  <a:moveTo>
+                    <a:pt x="992" y="1934"/>
+                  </a:moveTo>
+                  <a:cubicBezTo>
+                    <a:pt x="472" y="1934"/>
+                    <a:pt x="50" y="1512"/>
+                    <a:pt x="50" y="992"/>
+                  </a:cubicBezTo>
+                  <a:cubicBezTo>
+                    <a:pt x="50" y="472"/>
+                    <a:pt x="472" y="50"/>
+                    <a:pt x="992" y="50"/>
+                  </a:cubicBezTo>
+                  <a:cubicBezTo>
+                    <a:pt x="1512" y="50"/>
+                    <a:pt x="1934" y="472"/>
+                    <a:pt x="1934" y="992"/>
+                  </a:cubicBezTo>
+                  <a:cubicBezTo>
+                    <a:pt x="1934" y="1512"/>
+                    <a:pt x="1512" y="1934"/>
+                    <a:pt x="992" y="1934"/>
+                  </a:cubicBezTo>
+                  <a:close/>
+                </a:path>
+              </a:pathLst>
+            </a:custGeom>
+            <a:solidFill>
+              <a:srgbClr val="D32E2E"/>
+            </a:solidFill>
+            <a:ln>
+              <a:noFill/>
+            </a:ln>
+            <a:extLst>
+              <a:ext uri="{91240B29-F687-4F45-9708-019B960494DF}">
+                <a14:hiddenLine xmlns:a14="http://schemas.microsoft.com/office/drawing/2010/main" w="9525">
+                  <a:solidFill>
+                    <a:srgbClr val="000000"/>
+                  </a:solidFill>
+                  <a:round/>
+                  <a:headEnd/>
+                  <a:tailEnd/>
+                </a14:hiddenLine>
+              </a:ext>
+            </a:extLst>
+          </p:spPr>
+          <p:txBody>
+            <a:bodyPr vert="horz" wrap="square" lIns="91440" tIns="45720" rIns="91440" bIns="45720" numCol="1" anchor="t" anchorCtr="0" compatLnSpc="1">
+              <a:prstTxWarp prst="textNoShape">
+                <a:avLst/>
+              </a:prstTxWarp>
+            </a:bodyPr>
+            <a:lstStyle/>
+            <a:p>
+              <a:pPr marL="0" marR="0" lvl="0" indent="0" defTabSz="914400" eaLnBrk="1" fontAlgn="auto" latinLnBrk="0" hangingPunct="1">
+                <a:lnSpc>
+                  <a:spcPct val="100000"/>
+                </a:lnSpc>
+                <a:spcBef>
+                  <a:spcPts val="0"/>
+                </a:spcBef>
+                <a:spcAft>
+                  <a:spcPts val="0"/>
+                </a:spcAft>
+                <a:buClrTx/>
+                <a:buSzTx/>
+                <a:buFontTx/>
+                <a:buNone/>
+                <a:tabLst/>
+                <a:defRPr/>
+              </a:pPr>
+              <a:endParaRPr kumimoji="0" lang="en-US" sz="1800" b="0" i="0" u="none" strike="noStrike" kern="0" cap="none" spc="0" normalizeH="0" baseline="0" noProof="0" smtClean="0">
+                <a:ln>
+                  <a:noFill/>
+                </a:ln>
+                <a:solidFill>
+                  <a:prstClr val="black"/>
+                </a:solidFill>
+                <a:effectLst/>
+                <a:uLnTx/>
+                <a:uFillTx/>
+                <a:latin typeface="Century Gothic"/>
+              </a:endParaRPr>
+            </a:p>
+          </p:txBody>
+        </p:sp>
+      </p:grpSp>
+      <p:pic>
+        <p:nvPicPr>
+          <p:cNvPr id="9" name="Picture 8"/>
+          <p:cNvPicPr>
+            <a:picLocks noChangeAspect="1"/>
+          </p:cNvPicPr>
+          <p:nvPr/>
+        </p:nvPicPr>
+        <p:blipFill>
+          <a:blip r:embed="rId3" cstate="print">
+            <a:extLst>
+              <a:ext uri="{28A0092B-C50C-407E-A947-70E740481C1C}">
+                <a14:useLocalDpi xmlns:a14="http://schemas.microsoft.com/office/drawing/2010/main" val="0"/>
+              </a:ext>
+            </a:extLst>
+          </a:blip>
+          <a:stretch>
+            <a:fillRect/>
+          </a:stretch>
+        </p:blipFill>
+        <p:spPr>
+          <a:xfrm>
+            <a:off x="440872" y="337461"/>
+            <a:ext cx="1096280" cy="1096280"/>
+          </a:xfrm>
+          <a:prstGeom prst="rect">
+            <a:avLst/>
+          </a:prstGeom>
+        </p:spPr>
+      </p:pic>
+    </p:spTree>
+    <p:extLst>
+      <p:ext uri="{BB962C8B-B14F-4D97-AF65-F5344CB8AC3E}">
+        <p14:creationId xmlns:p14="http://schemas.microsoft.com/office/powerpoint/2010/main" val="847175875"/>
+      </p:ext>
+    </p:extLst>
+  </p:cSld>
+  <p:clrMapOvr>
+    <a:masterClrMapping/>
+  </p:clrMapOvr>
+  <mc:AlternateContent xmlns:mc="http://schemas.openxmlformats.org/markup-compatibility/2006" xmlns:p14="http://schemas.microsoft.com/office/powerpoint/2010/main">
+    <mc:Choice Requires="p14">
+      <p:transition spd="med" p14:dur="700">
+        <p:fade/>
+      </p:transition>
+    </mc:Choice>
+    <mc:Fallback xmlns="">
+      <p:transition spd="med">
+        <p:fade/>
+      </p:transition>
+    </mc:Fallback>
+  </mc:AlternateContent>
+  <p:timing>
+    <p:tnLst>
+      <p:par>
+        <p:cTn id="1" dur="indefinite" restart="never" nodeType="tmRoot"/>
+      </p:par>
+    </p:tnLst>
+  </p:timing>
+</p:sld>
+</file>
+
+<file path=ppt/slides/slide22.xml><?xml version="1.0" encoding="utf-8"?>
+<p:sld xmlns:a="http://schemas.openxmlformats.org/drawingml/2006/main" xmlns:r="http://schemas.openxmlformats.org/officeDocument/2006/relationships" xmlns:p="http://schemas.openxmlformats.org/presentationml/2006/main">
+  <p:cSld>
+    <p:spTree>
+      <p:nvGrpSpPr>
+        <p:cNvPr id="1" name=""/>
+        <p:cNvGrpSpPr/>
+        <p:nvPr/>
+      </p:nvGrpSpPr>
+      <p:grpSpPr>
+        <a:xfrm>
+          <a:off x="0" y="0"/>
+          <a:ext cx="0" cy="0"/>
+          <a:chOff x="0" y="0"/>
+          <a:chExt cx="0" cy="0"/>
+        </a:xfrm>
+      </p:grpSpPr>
+      <p:sp>
+        <p:nvSpPr>
+          <p:cNvPr id="2" name="Title 1"/>
+          <p:cNvSpPr>
+            <a:spLocks noGrp="1"/>
+          </p:cNvSpPr>
+          <p:nvPr>
+            <p:ph type="title"/>
+          </p:nvPr>
+        </p:nvSpPr>
+        <p:spPr/>
+        <p:txBody>
+          <a:bodyPr/>
+          <a:lstStyle/>
+          <a:p>
+            <a:r>
+              <a:rPr lang="en-US" dirty="0" smtClean="0"/>
+              <a:t>Access</a:t>
+            </a:r>
+            <a:endParaRPr lang="en-US" dirty="0"/>
+          </a:p>
+        </p:txBody>
+      </p:sp>
+      <p:pic>
+        <p:nvPicPr>
+          <p:cNvPr id="6" name="Picture 5"/>
+          <p:cNvPicPr>
+            <a:picLocks noChangeAspect="1"/>
+          </p:cNvPicPr>
+          <p:nvPr/>
+        </p:nvPicPr>
+        <p:blipFill>
+          <a:blip r:embed="rId2">
+            <a:extLst>
+              <a:ext uri="{28A0092B-C50C-407E-A947-70E740481C1C}">
+                <a14:useLocalDpi xmlns:a14="http://schemas.microsoft.com/office/drawing/2010/main" val="0"/>
+              </a:ext>
+            </a:extLst>
+          </a:blip>
+          <a:stretch>
+            <a:fillRect/>
+          </a:stretch>
+        </p:blipFill>
+        <p:spPr>
+          <a:xfrm>
+            <a:off x="1522412" y="838200"/>
+            <a:ext cx="4108541" cy="5407586"/>
+          </a:xfrm>
+          <a:prstGeom prst="rect">
+            <a:avLst/>
+          </a:prstGeom>
+        </p:spPr>
+      </p:pic>
+      <p:grpSp>
+        <p:nvGrpSpPr>
+          <p:cNvPr id="7" name="Group 6"/>
+          <p:cNvGrpSpPr/>
+          <p:nvPr/>
+        </p:nvGrpSpPr>
+        <p:grpSpPr>
+          <a:xfrm>
+            <a:off x="308258" y="227525"/>
+            <a:ext cx="1361508" cy="1330443"/>
+            <a:chOff x="2657475" y="1044575"/>
+            <a:chExt cx="4900613" cy="4900613"/>
+          </a:xfrm>
+          <a:solidFill>
+            <a:sysClr val="window" lastClr="FFFFFF"/>
+          </a:solidFill>
+        </p:grpSpPr>
+        <p:sp>
+          <p:nvSpPr>
+            <p:cNvPr id="8" name="Freeform 7"/>
+            <p:cNvSpPr>
+              <a:spLocks noEditPoints="1"/>
+            </p:cNvSpPr>
+            <p:nvPr/>
+          </p:nvSpPr>
+          <p:spPr bwMode="auto">
+            <a:xfrm>
+              <a:off x="2865438" y="1252538"/>
+              <a:ext cx="4484688" cy="4484688"/>
+            </a:xfrm>
+            <a:custGeom>
+              <a:avLst/>
+              <a:gdLst>
+                <a:gd name="T0" fmla="*/ 908 w 1816"/>
+                <a:gd name="T1" fmla="*/ 0 h 1816"/>
+                <a:gd name="T2" fmla="*/ 0 w 1816"/>
+                <a:gd name="T3" fmla="*/ 908 h 1816"/>
+                <a:gd name="T4" fmla="*/ 908 w 1816"/>
+                <a:gd name="T5" fmla="*/ 1816 h 1816"/>
+                <a:gd name="T6" fmla="*/ 1816 w 1816"/>
+                <a:gd name="T7" fmla="*/ 908 h 1816"/>
+                <a:gd name="T8" fmla="*/ 908 w 1816"/>
+                <a:gd name="T9" fmla="*/ 0 h 1816"/>
+                <a:gd name="T10" fmla="*/ 908 w 1816"/>
+                <a:gd name="T11" fmla="*/ 1798 h 1816"/>
+                <a:gd name="T12" fmla="*/ 18 w 1816"/>
+                <a:gd name="T13" fmla="*/ 908 h 1816"/>
+                <a:gd name="T14" fmla="*/ 908 w 1816"/>
+                <a:gd name="T15" fmla="*/ 18 h 1816"/>
+                <a:gd name="T16" fmla="*/ 1798 w 1816"/>
+                <a:gd name="T17" fmla="*/ 908 h 1816"/>
+                <a:gd name="T18" fmla="*/ 908 w 1816"/>
+                <a:gd name="T19" fmla="*/ 1798 h 1816"/>
+              </a:gdLst>
+              <a:ahLst/>
+              <a:cxnLst>
+                <a:cxn ang="0">
+                  <a:pos x="T0" y="T1"/>
+                </a:cxn>
+                <a:cxn ang="0">
+                  <a:pos x="T2" y="T3"/>
+                </a:cxn>
+                <a:cxn ang="0">
+                  <a:pos x="T4" y="T5"/>
+                </a:cxn>
+                <a:cxn ang="0">
+                  <a:pos x="T6" y="T7"/>
+                </a:cxn>
+                <a:cxn ang="0">
+                  <a:pos x="T8" y="T9"/>
+                </a:cxn>
+                <a:cxn ang="0">
+                  <a:pos x="T10" y="T11"/>
+                </a:cxn>
+                <a:cxn ang="0">
+                  <a:pos x="T12" y="T13"/>
+                </a:cxn>
+                <a:cxn ang="0">
+                  <a:pos x="T14" y="T15"/>
+                </a:cxn>
+                <a:cxn ang="0">
+                  <a:pos x="T16" y="T17"/>
+                </a:cxn>
+                <a:cxn ang="0">
+                  <a:pos x="T18" y="T19"/>
+                </a:cxn>
+              </a:cxnLst>
+              <a:rect l="0" t="0" r="r" b="b"/>
+              <a:pathLst>
+                <a:path w="1816" h="1816">
+                  <a:moveTo>
+                    <a:pt x="908" y="0"/>
+                  </a:moveTo>
+                  <a:cubicBezTo>
+                    <a:pt x="407" y="0"/>
+                    <a:pt x="0" y="407"/>
+                    <a:pt x="0" y="908"/>
+                  </a:cubicBezTo>
+                  <a:cubicBezTo>
+                    <a:pt x="0" y="1409"/>
+                    <a:pt x="407" y="1816"/>
+                    <a:pt x="908" y="1816"/>
+                  </a:cubicBezTo>
+                  <a:cubicBezTo>
+                    <a:pt x="1409" y="1816"/>
+                    <a:pt x="1816" y="1409"/>
+                    <a:pt x="1816" y="908"/>
+                  </a:cubicBezTo>
+                  <a:cubicBezTo>
+                    <a:pt x="1816" y="407"/>
+                    <a:pt x="1409" y="0"/>
+                    <a:pt x="908" y="0"/>
+                  </a:cubicBezTo>
+                  <a:close/>
+                  <a:moveTo>
+                    <a:pt x="908" y="1798"/>
+                  </a:moveTo>
+                  <a:cubicBezTo>
+                    <a:pt x="416" y="1798"/>
+                    <a:pt x="18" y="1400"/>
+                    <a:pt x="18" y="908"/>
+                  </a:cubicBezTo>
+                  <a:cubicBezTo>
+                    <a:pt x="18" y="416"/>
+                    <a:pt x="416" y="18"/>
+                    <a:pt x="908" y="18"/>
+                  </a:cubicBezTo>
+                  <a:cubicBezTo>
+                    <a:pt x="1400" y="18"/>
+                    <a:pt x="1798" y="416"/>
+                    <a:pt x="1798" y="908"/>
+                  </a:cubicBezTo>
+                  <a:cubicBezTo>
+                    <a:pt x="1798" y="1400"/>
+                    <a:pt x="1400" y="1798"/>
+                    <a:pt x="908" y="1798"/>
+                  </a:cubicBezTo>
+                  <a:close/>
+                </a:path>
+              </a:pathLst>
+            </a:custGeom>
+            <a:solidFill>
+              <a:srgbClr val="D32E2E"/>
+            </a:solidFill>
+            <a:ln>
+              <a:noFill/>
+            </a:ln>
+            <a:extLst>
+              <a:ext uri="{91240B29-F687-4F45-9708-019B960494DF}">
+                <a14:hiddenLine xmlns:a14="http://schemas.microsoft.com/office/drawing/2010/main" w="9525">
+                  <a:solidFill>
+                    <a:srgbClr val="000000"/>
+                  </a:solidFill>
+                  <a:round/>
+                  <a:headEnd/>
+                  <a:tailEnd/>
+                </a14:hiddenLine>
+              </a:ext>
+            </a:extLst>
+          </p:spPr>
+          <p:txBody>
+            <a:bodyPr vert="horz" wrap="square" lIns="91440" tIns="45720" rIns="91440" bIns="45720" numCol="1" anchor="t" anchorCtr="0" compatLnSpc="1">
+              <a:prstTxWarp prst="textNoShape">
+                <a:avLst/>
+              </a:prstTxWarp>
+            </a:bodyPr>
+            <a:lstStyle/>
+            <a:p>
+              <a:pPr marL="0" marR="0" lvl="0" indent="0" defTabSz="914400" eaLnBrk="1" fontAlgn="auto" latinLnBrk="0" hangingPunct="1">
+                <a:lnSpc>
+                  <a:spcPct val="100000"/>
+                </a:lnSpc>
+                <a:spcBef>
+                  <a:spcPts val="0"/>
+                </a:spcBef>
+                <a:spcAft>
+                  <a:spcPts val="0"/>
+                </a:spcAft>
+                <a:buClrTx/>
+                <a:buSzTx/>
+                <a:buFontTx/>
+                <a:buNone/>
+                <a:tabLst/>
+                <a:defRPr/>
+              </a:pPr>
+              <a:endParaRPr kumimoji="0" lang="en-US" sz="1800" b="0" i="0" u="none" strike="noStrike" kern="0" cap="none" spc="0" normalizeH="0" baseline="0" noProof="0" smtClean="0">
+                <a:ln>
+                  <a:noFill/>
+                </a:ln>
+                <a:solidFill>
+                  <a:prstClr val="black"/>
+                </a:solidFill>
+                <a:effectLst/>
+                <a:uLnTx/>
+                <a:uFillTx/>
+                <a:latin typeface="Century Gothic"/>
+              </a:endParaRPr>
+            </a:p>
+          </p:txBody>
+        </p:sp>
+        <p:sp>
+          <p:nvSpPr>
+            <p:cNvPr id="9" name="Freeform 8"/>
+            <p:cNvSpPr>
+              <a:spLocks noEditPoints="1"/>
+            </p:cNvSpPr>
+            <p:nvPr/>
+          </p:nvSpPr>
+          <p:spPr bwMode="auto">
+            <a:xfrm>
+              <a:off x="2657475" y="1044575"/>
+              <a:ext cx="4900613" cy="4900613"/>
+            </a:xfrm>
+            <a:custGeom>
+              <a:avLst/>
+              <a:gdLst>
+                <a:gd name="T0" fmla="*/ 992 w 1984"/>
+                <a:gd name="T1" fmla="*/ 0 h 1984"/>
+                <a:gd name="T2" fmla="*/ 0 w 1984"/>
+                <a:gd name="T3" fmla="*/ 992 h 1984"/>
+                <a:gd name="T4" fmla="*/ 992 w 1984"/>
+                <a:gd name="T5" fmla="*/ 1984 h 1984"/>
+                <a:gd name="T6" fmla="*/ 1984 w 1984"/>
+                <a:gd name="T7" fmla="*/ 992 h 1984"/>
+                <a:gd name="T8" fmla="*/ 992 w 1984"/>
+                <a:gd name="T9" fmla="*/ 0 h 1984"/>
+                <a:gd name="T10" fmla="*/ 992 w 1984"/>
+                <a:gd name="T11" fmla="*/ 1934 h 1984"/>
+                <a:gd name="T12" fmla="*/ 50 w 1984"/>
+                <a:gd name="T13" fmla="*/ 992 h 1984"/>
+                <a:gd name="T14" fmla="*/ 992 w 1984"/>
+                <a:gd name="T15" fmla="*/ 50 h 1984"/>
+                <a:gd name="T16" fmla="*/ 1934 w 1984"/>
+                <a:gd name="T17" fmla="*/ 992 h 1984"/>
+                <a:gd name="T18" fmla="*/ 992 w 1984"/>
+                <a:gd name="T19" fmla="*/ 1934 h 1984"/>
+              </a:gdLst>
+              <a:ahLst/>
+              <a:cxnLst>
+                <a:cxn ang="0">
+                  <a:pos x="T0" y="T1"/>
+                </a:cxn>
+                <a:cxn ang="0">
+                  <a:pos x="T2" y="T3"/>
+                </a:cxn>
+                <a:cxn ang="0">
+                  <a:pos x="T4" y="T5"/>
+                </a:cxn>
+                <a:cxn ang="0">
+                  <a:pos x="T6" y="T7"/>
+                </a:cxn>
+                <a:cxn ang="0">
+                  <a:pos x="T8" y="T9"/>
+                </a:cxn>
+                <a:cxn ang="0">
+                  <a:pos x="T10" y="T11"/>
+                </a:cxn>
+                <a:cxn ang="0">
+                  <a:pos x="T12" y="T13"/>
+                </a:cxn>
+                <a:cxn ang="0">
+                  <a:pos x="T14" y="T15"/>
+                </a:cxn>
+                <a:cxn ang="0">
+                  <a:pos x="T16" y="T17"/>
+                </a:cxn>
+                <a:cxn ang="0">
+                  <a:pos x="T18" y="T19"/>
+                </a:cxn>
+              </a:cxnLst>
+              <a:rect l="0" t="0" r="r" b="b"/>
+              <a:pathLst>
+                <a:path w="1984" h="1984">
+                  <a:moveTo>
+                    <a:pt x="992" y="0"/>
+                  </a:moveTo>
+                  <a:cubicBezTo>
+                    <a:pt x="444" y="0"/>
+                    <a:pt x="0" y="444"/>
+                    <a:pt x="0" y="992"/>
+                  </a:cubicBezTo>
+                  <a:cubicBezTo>
+                    <a:pt x="0" y="1540"/>
+                    <a:pt x="444" y="1984"/>
+                    <a:pt x="992" y="1984"/>
+                  </a:cubicBezTo>
+                  <a:cubicBezTo>
+                    <a:pt x="1540" y="1984"/>
+                    <a:pt x="1984" y="1540"/>
+                    <a:pt x="1984" y="992"/>
+                  </a:cubicBezTo>
+                  <a:cubicBezTo>
+                    <a:pt x="1984" y="444"/>
+                    <a:pt x="1540" y="0"/>
+                    <a:pt x="992" y="0"/>
+                  </a:cubicBezTo>
+                  <a:close/>
+                  <a:moveTo>
+                    <a:pt x="992" y="1934"/>
+                  </a:moveTo>
+                  <a:cubicBezTo>
+                    <a:pt x="472" y="1934"/>
+                    <a:pt x="50" y="1512"/>
+                    <a:pt x="50" y="992"/>
+                  </a:cubicBezTo>
+                  <a:cubicBezTo>
+                    <a:pt x="50" y="472"/>
+                    <a:pt x="472" y="50"/>
+                    <a:pt x="992" y="50"/>
+                  </a:cubicBezTo>
+                  <a:cubicBezTo>
+                    <a:pt x="1512" y="50"/>
+                    <a:pt x="1934" y="472"/>
+                    <a:pt x="1934" y="992"/>
+                  </a:cubicBezTo>
+                  <a:cubicBezTo>
+                    <a:pt x="1934" y="1512"/>
+                    <a:pt x="1512" y="1934"/>
+                    <a:pt x="992" y="1934"/>
+                  </a:cubicBezTo>
+                  <a:close/>
+                </a:path>
+              </a:pathLst>
+            </a:custGeom>
+            <a:solidFill>
+              <a:srgbClr val="D32E2E"/>
+            </a:solidFill>
+            <a:ln>
+              <a:noFill/>
+            </a:ln>
+            <a:extLst>
+              <a:ext uri="{91240B29-F687-4F45-9708-019B960494DF}">
+                <a14:hiddenLine xmlns:a14="http://schemas.microsoft.com/office/drawing/2010/main" w="9525">
+                  <a:solidFill>
+                    <a:srgbClr val="000000"/>
+                  </a:solidFill>
+                  <a:round/>
+                  <a:headEnd/>
+                  <a:tailEnd/>
+                </a14:hiddenLine>
+              </a:ext>
+            </a:extLst>
+          </p:spPr>
+          <p:txBody>
+            <a:bodyPr vert="horz" wrap="square" lIns="91440" tIns="45720" rIns="91440" bIns="45720" numCol="1" anchor="t" anchorCtr="0" compatLnSpc="1">
+              <a:prstTxWarp prst="textNoShape">
+                <a:avLst/>
+              </a:prstTxWarp>
+            </a:bodyPr>
+            <a:lstStyle/>
+            <a:p>
+              <a:pPr marL="0" marR="0" lvl="0" indent="0" defTabSz="914400" eaLnBrk="1" fontAlgn="auto" latinLnBrk="0" hangingPunct="1">
+                <a:lnSpc>
+                  <a:spcPct val="100000"/>
+                </a:lnSpc>
+                <a:spcBef>
+                  <a:spcPts val="0"/>
+                </a:spcBef>
+                <a:spcAft>
+                  <a:spcPts val="0"/>
+                </a:spcAft>
+                <a:buClrTx/>
+                <a:buSzTx/>
+                <a:buFontTx/>
+                <a:buNone/>
+                <a:tabLst/>
+                <a:defRPr/>
+              </a:pPr>
+              <a:endParaRPr kumimoji="0" lang="en-US" sz="1800" b="0" i="0" u="none" strike="noStrike" kern="0" cap="none" spc="0" normalizeH="0" baseline="0" noProof="0" smtClean="0">
+                <a:ln>
+                  <a:noFill/>
+                </a:ln>
+                <a:solidFill>
+                  <a:prstClr val="black"/>
+                </a:solidFill>
+                <a:effectLst/>
+                <a:uLnTx/>
+                <a:uFillTx/>
+                <a:latin typeface="Century Gothic"/>
+              </a:endParaRPr>
+            </a:p>
+          </p:txBody>
+        </p:sp>
+      </p:grpSp>
+      <p:pic>
+        <p:nvPicPr>
+          <p:cNvPr id="10" name="Picture 9"/>
+          <p:cNvPicPr>
+            <a:picLocks noChangeAspect="1"/>
+          </p:cNvPicPr>
+          <p:nvPr/>
+        </p:nvPicPr>
+        <p:blipFill>
+          <a:blip r:embed="rId3" cstate="print">
+            <a:extLst>
+              <a:ext uri="{28A0092B-C50C-407E-A947-70E740481C1C}">
+                <a14:useLocalDpi xmlns:a14="http://schemas.microsoft.com/office/drawing/2010/main" val="0"/>
+              </a:ext>
+            </a:extLst>
+          </a:blip>
+          <a:stretch>
+            <a:fillRect/>
+          </a:stretch>
+        </p:blipFill>
+        <p:spPr>
+          <a:xfrm>
+            <a:off x="440872" y="337461"/>
+            <a:ext cx="1096280" cy="1096280"/>
+          </a:xfrm>
+          <a:prstGeom prst="rect">
+            <a:avLst/>
+          </a:prstGeom>
+        </p:spPr>
+      </p:pic>
+    </p:spTree>
+    <p:extLst>
+      <p:ext uri="{BB962C8B-B14F-4D97-AF65-F5344CB8AC3E}">
+        <p14:creationId xmlns:p14="http://schemas.microsoft.com/office/powerpoint/2010/main" val="1827612239"/>
+      </p:ext>
+    </p:extLst>
+  </p:cSld>
+  <p:clrMapOvr>
+    <a:masterClrMapping/>
+  </p:clrMapOvr>
+  <mc:AlternateContent xmlns:mc="http://schemas.openxmlformats.org/markup-compatibility/2006" xmlns:p14="http://schemas.microsoft.com/office/powerpoint/2010/main">
+    <mc:Choice Requires="p14">
+      <p:transition spd="med" p14:dur="700">
+        <p:fade/>
+      </p:transition>
+    </mc:Choice>
+    <mc:Fallback xmlns="">
+      <p:transition spd="med">
+        <p:fade/>
+      </p:transition>
+    </mc:Fallback>
+  </mc:AlternateContent>
+</p:sld>
+</file>
+
+<file path=ppt/slides/slide23.xml><?xml version="1.0" encoding="utf-8"?>
+<p:sld xmlns:a="http://schemas.openxmlformats.org/drawingml/2006/main" xmlns:r="http://schemas.openxmlformats.org/officeDocument/2006/relationships" xmlns:p="http://schemas.openxmlformats.org/presentationml/2006/main">
+  <p:cSld>
+    <p:spTree>
+      <p:nvGrpSpPr>
+        <p:cNvPr id="1" name=""/>
+        <p:cNvGrpSpPr/>
+        <p:nvPr/>
+      </p:nvGrpSpPr>
+      <p:grpSpPr>
+        <a:xfrm>
+          <a:off x="0" y="0"/>
+          <a:ext cx="0" cy="0"/>
+          <a:chOff x="0" y="0"/>
+          <a:chExt cx="0" cy="0"/>
+        </a:xfrm>
+      </p:grpSpPr>
+      <p:sp>
+        <p:nvSpPr>
+          <p:cNvPr id="2" name="Title 1"/>
+          <p:cNvSpPr>
+            <a:spLocks noGrp="1"/>
+          </p:cNvSpPr>
+          <p:nvPr>
+            <p:ph type="title"/>
+          </p:nvPr>
+        </p:nvSpPr>
+        <p:spPr/>
+        <p:txBody>
+          <a:bodyPr/>
+          <a:lstStyle/>
+          <a:p>
+            <a:endParaRPr lang="en-US"/>
+          </a:p>
+        </p:txBody>
+      </p:sp>
+      <p:sp>
+        <p:nvSpPr>
+          <p:cNvPr id="4" name="Text Placeholder 3"/>
+          <p:cNvSpPr>
+            <a:spLocks noGrp="1"/>
+          </p:cNvSpPr>
+          <p:nvPr>
+            <p:ph type="body" sz="half" idx="2"/>
+          </p:nvPr>
+        </p:nvSpPr>
+        <p:spPr/>
+        <p:txBody>
+          <a:bodyPr/>
+          <a:lstStyle/>
+          <a:p>
+            <a:endParaRPr lang="en-US"/>
+          </a:p>
+        </p:txBody>
+      </p:sp>
+      <p:pic>
+        <p:nvPicPr>
+          <p:cNvPr id="8" name="Picture 7"/>
+          <p:cNvPicPr>
+            <a:picLocks noChangeAspect="1"/>
+          </p:cNvPicPr>
+          <p:nvPr/>
+        </p:nvPicPr>
+        <p:blipFill>
+          <a:blip r:embed="rId2">
+            <a:extLst>
+              <a:ext uri="{28A0092B-C50C-407E-A947-70E740481C1C}">
+                <a14:useLocalDpi xmlns:a14="http://schemas.microsoft.com/office/drawing/2010/main" val="0"/>
+              </a:ext>
+            </a:extLst>
+          </a:blip>
+          <a:stretch>
+            <a:fillRect/>
+          </a:stretch>
+        </p:blipFill>
+        <p:spPr>
+          <a:xfrm>
+            <a:off x="1522412" y="838200"/>
+            <a:ext cx="4189606" cy="5410200"/>
+          </a:xfrm>
+          <a:prstGeom prst="rect">
+            <a:avLst/>
+          </a:prstGeom>
+        </p:spPr>
+      </p:pic>
+      <p:grpSp>
+        <p:nvGrpSpPr>
+          <p:cNvPr id="9" name="Group 8"/>
+          <p:cNvGrpSpPr/>
+          <p:nvPr/>
+        </p:nvGrpSpPr>
+        <p:grpSpPr>
+          <a:xfrm>
+            <a:off x="308258" y="227525"/>
+            <a:ext cx="1361508" cy="1330443"/>
+            <a:chOff x="2657475" y="1044575"/>
+            <a:chExt cx="4900613" cy="4900613"/>
+          </a:xfrm>
+          <a:solidFill>
+            <a:sysClr val="window" lastClr="FFFFFF"/>
+          </a:solidFill>
+        </p:grpSpPr>
+        <p:sp>
+          <p:nvSpPr>
+            <p:cNvPr id="10" name="Freeform 9"/>
+            <p:cNvSpPr>
+              <a:spLocks noEditPoints="1"/>
+            </p:cNvSpPr>
+            <p:nvPr/>
+          </p:nvSpPr>
+          <p:spPr bwMode="auto">
+            <a:xfrm>
+              <a:off x="2865438" y="1252538"/>
+              <a:ext cx="4484688" cy="4484688"/>
+            </a:xfrm>
+            <a:custGeom>
+              <a:avLst/>
+              <a:gdLst>
+                <a:gd name="T0" fmla="*/ 908 w 1816"/>
+                <a:gd name="T1" fmla="*/ 0 h 1816"/>
+                <a:gd name="T2" fmla="*/ 0 w 1816"/>
+                <a:gd name="T3" fmla="*/ 908 h 1816"/>
+                <a:gd name="T4" fmla="*/ 908 w 1816"/>
+                <a:gd name="T5" fmla="*/ 1816 h 1816"/>
+                <a:gd name="T6" fmla="*/ 1816 w 1816"/>
+                <a:gd name="T7" fmla="*/ 908 h 1816"/>
+                <a:gd name="T8" fmla="*/ 908 w 1816"/>
+                <a:gd name="T9" fmla="*/ 0 h 1816"/>
+                <a:gd name="T10" fmla="*/ 908 w 1816"/>
+                <a:gd name="T11" fmla="*/ 1798 h 1816"/>
+                <a:gd name="T12" fmla="*/ 18 w 1816"/>
+                <a:gd name="T13" fmla="*/ 908 h 1816"/>
+                <a:gd name="T14" fmla="*/ 908 w 1816"/>
+                <a:gd name="T15" fmla="*/ 18 h 1816"/>
+                <a:gd name="T16" fmla="*/ 1798 w 1816"/>
+                <a:gd name="T17" fmla="*/ 908 h 1816"/>
+                <a:gd name="T18" fmla="*/ 908 w 1816"/>
+                <a:gd name="T19" fmla="*/ 1798 h 1816"/>
+              </a:gdLst>
+              <a:ahLst/>
+              <a:cxnLst>
+                <a:cxn ang="0">
+                  <a:pos x="T0" y="T1"/>
+                </a:cxn>
+                <a:cxn ang="0">
+                  <a:pos x="T2" y="T3"/>
+                </a:cxn>
+                <a:cxn ang="0">
+                  <a:pos x="T4" y="T5"/>
+                </a:cxn>
+                <a:cxn ang="0">
+                  <a:pos x="T6" y="T7"/>
+                </a:cxn>
+                <a:cxn ang="0">
+                  <a:pos x="T8" y="T9"/>
+                </a:cxn>
+                <a:cxn ang="0">
+                  <a:pos x="T10" y="T11"/>
+                </a:cxn>
+                <a:cxn ang="0">
+                  <a:pos x="T12" y="T13"/>
+                </a:cxn>
+                <a:cxn ang="0">
+                  <a:pos x="T14" y="T15"/>
+                </a:cxn>
+                <a:cxn ang="0">
+                  <a:pos x="T16" y="T17"/>
+                </a:cxn>
+                <a:cxn ang="0">
+                  <a:pos x="T18" y="T19"/>
+                </a:cxn>
+              </a:cxnLst>
+              <a:rect l="0" t="0" r="r" b="b"/>
+              <a:pathLst>
+                <a:path w="1816" h="1816">
+                  <a:moveTo>
+                    <a:pt x="908" y="0"/>
+                  </a:moveTo>
+                  <a:cubicBezTo>
+                    <a:pt x="407" y="0"/>
+                    <a:pt x="0" y="407"/>
+                    <a:pt x="0" y="908"/>
+                  </a:cubicBezTo>
+                  <a:cubicBezTo>
+                    <a:pt x="0" y="1409"/>
+                    <a:pt x="407" y="1816"/>
+                    <a:pt x="908" y="1816"/>
+                  </a:cubicBezTo>
+                  <a:cubicBezTo>
+                    <a:pt x="1409" y="1816"/>
+                    <a:pt x="1816" y="1409"/>
+                    <a:pt x="1816" y="908"/>
+                  </a:cubicBezTo>
+                  <a:cubicBezTo>
+                    <a:pt x="1816" y="407"/>
+                    <a:pt x="1409" y="0"/>
+                    <a:pt x="908" y="0"/>
+                  </a:cubicBezTo>
+                  <a:close/>
+                  <a:moveTo>
+                    <a:pt x="908" y="1798"/>
+                  </a:moveTo>
+                  <a:cubicBezTo>
+                    <a:pt x="416" y="1798"/>
+                    <a:pt x="18" y="1400"/>
+                    <a:pt x="18" y="908"/>
+                  </a:cubicBezTo>
+                  <a:cubicBezTo>
+                    <a:pt x="18" y="416"/>
+                    <a:pt x="416" y="18"/>
+                    <a:pt x="908" y="18"/>
+                  </a:cubicBezTo>
+                  <a:cubicBezTo>
+                    <a:pt x="1400" y="18"/>
+                    <a:pt x="1798" y="416"/>
+                    <a:pt x="1798" y="908"/>
+                  </a:cubicBezTo>
+                  <a:cubicBezTo>
+                    <a:pt x="1798" y="1400"/>
+                    <a:pt x="1400" y="1798"/>
+                    <a:pt x="908" y="1798"/>
+                  </a:cubicBezTo>
+                  <a:close/>
+                </a:path>
+              </a:pathLst>
+            </a:custGeom>
+            <a:solidFill>
+              <a:srgbClr val="D32E2E"/>
+            </a:solidFill>
+            <a:ln>
+              <a:noFill/>
+            </a:ln>
+            <a:extLst>
+              <a:ext uri="{91240B29-F687-4F45-9708-019B960494DF}">
+                <a14:hiddenLine xmlns:a14="http://schemas.microsoft.com/office/drawing/2010/main" w="9525">
+                  <a:solidFill>
+                    <a:srgbClr val="000000"/>
+                  </a:solidFill>
+                  <a:round/>
+                  <a:headEnd/>
+                  <a:tailEnd/>
+                </a14:hiddenLine>
+              </a:ext>
+            </a:extLst>
+          </p:spPr>
+          <p:txBody>
+            <a:bodyPr vert="horz" wrap="square" lIns="91440" tIns="45720" rIns="91440" bIns="45720" numCol="1" anchor="t" anchorCtr="0" compatLnSpc="1">
+              <a:prstTxWarp prst="textNoShape">
+                <a:avLst/>
+              </a:prstTxWarp>
+            </a:bodyPr>
+            <a:lstStyle/>
+            <a:p>
+              <a:pPr marL="0" marR="0" lvl="0" indent="0" defTabSz="914400" eaLnBrk="1" fontAlgn="auto" latinLnBrk="0" hangingPunct="1">
+                <a:lnSpc>
+                  <a:spcPct val="100000"/>
+                </a:lnSpc>
+                <a:spcBef>
+                  <a:spcPts val="0"/>
+                </a:spcBef>
+                <a:spcAft>
+                  <a:spcPts val="0"/>
+                </a:spcAft>
+                <a:buClrTx/>
+                <a:buSzTx/>
+                <a:buFontTx/>
+                <a:buNone/>
+                <a:tabLst/>
+                <a:defRPr/>
+              </a:pPr>
+              <a:endParaRPr kumimoji="0" lang="en-US" sz="1800" b="0" i="0" u="none" strike="noStrike" kern="0" cap="none" spc="0" normalizeH="0" baseline="0" noProof="0" smtClean="0">
+                <a:ln>
+                  <a:noFill/>
+                </a:ln>
+                <a:solidFill>
+                  <a:prstClr val="black"/>
+                </a:solidFill>
+                <a:effectLst/>
+                <a:uLnTx/>
+                <a:uFillTx/>
+                <a:latin typeface="Century Gothic"/>
+              </a:endParaRPr>
+            </a:p>
+          </p:txBody>
+        </p:sp>
+        <p:sp>
+          <p:nvSpPr>
+            <p:cNvPr id="11" name="Freeform 10"/>
+            <p:cNvSpPr>
+              <a:spLocks noEditPoints="1"/>
+            </p:cNvSpPr>
+            <p:nvPr/>
+          </p:nvSpPr>
+          <p:spPr bwMode="auto">
+            <a:xfrm>
+              <a:off x="2657475" y="1044575"/>
+              <a:ext cx="4900613" cy="4900613"/>
+            </a:xfrm>
+            <a:custGeom>
+              <a:avLst/>
+              <a:gdLst>
+                <a:gd name="T0" fmla="*/ 992 w 1984"/>
+                <a:gd name="T1" fmla="*/ 0 h 1984"/>
+                <a:gd name="T2" fmla="*/ 0 w 1984"/>
+                <a:gd name="T3" fmla="*/ 992 h 1984"/>
+                <a:gd name="T4" fmla="*/ 992 w 1984"/>
+                <a:gd name="T5" fmla="*/ 1984 h 1984"/>
+                <a:gd name="T6" fmla="*/ 1984 w 1984"/>
+                <a:gd name="T7" fmla="*/ 992 h 1984"/>
+                <a:gd name="T8" fmla="*/ 992 w 1984"/>
+                <a:gd name="T9" fmla="*/ 0 h 1984"/>
+                <a:gd name="T10" fmla="*/ 992 w 1984"/>
+                <a:gd name="T11" fmla="*/ 1934 h 1984"/>
+                <a:gd name="T12" fmla="*/ 50 w 1984"/>
+                <a:gd name="T13" fmla="*/ 992 h 1984"/>
+                <a:gd name="T14" fmla="*/ 992 w 1984"/>
+                <a:gd name="T15" fmla="*/ 50 h 1984"/>
+                <a:gd name="T16" fmla="*/ 1934 w 1984"/>
+                <a:gd name="T17" fmla="*/ 992 h 1984"/>
+                <a:gd name="T18" fmla="*/ 992 w 1984"/>
+                <a:gd name="T19" fmla="*/ 1934 h 1984"/>
+              </a:gdLst>
+              <a:ahLst/>
+              <a:cxnLst>
+                <a:cxn ang="0">
+                  <a:pos x="T0" y="T1"/>
+                </a:cxn>
+                <a:cxn ang="0">
+                  <a:pos x="T2" y="T3"/>
+                </a:cxn>
+                <a:cxn ang="0">
+                  <a:pos x="T4" y="T5"/>
+                </a:cxn>
+                <a:cxn ang="0">
+                  <a:pos x="T6" y="T7"/>
+                </a:cxn>
+                <a:cxn ang="0">
+                  <a:pos x="T8" y="T9"/>
+                </a:cxn>
+                <a:cxn ang="0">
+                  <a:pos x="T10" y="T11"/>
+                </a:cxn>
+                <a:cxn ang="0">
+                  <a:pos x="T12" y="T13"/>
+                </a:cxn>
+                <a:cxn ang="0">
+                  <a:pos x="T14" y="T15"/>
+                </a:cxn>
+                <a:cxn ang="0">
+                  <a:pos x="T16" y="T17"/>
+                </a:cxn>
+                <a:cxn ang="0">
+                  <a:pos x="T18" y="T19"/>
+                </a:cxn>
+              </a:cxnLst>
+              <a:rect l="0" t="0" r="r" b="b"/>
+              <a:pathLst>
+                <a:path w="1984" h="1984">
+                  <a:moveTo>
+                    <a:pt x="992" y="0"/>
+                  </a:moveTo>
+                  <a:cubicBezTo>
+                    <a:pt x="444" y="0"/>
+                    <a:pt x="0" y="444"/>
+                    <a:pt x="0" y="992"/>
+                  </a:cubicBezTo>
+                  <a:cubicBezTo>
+                    <a:pt x="0" y="1540"/>
+                    <a:pt x="444" y="1984"/>
+                    <a:pt x="992" y="1984"/>
+                  </a:cubicBezTo>
+                  <a:cubicBezTo>
+                    <a:pt x="1540" y="1984"/>
+                    <a:pt x="1984" y="1540"/>
+                    <a:pt x="1984" y="992"/>
+                  </a:cubicBezTo>
+                  <a:cubicBezTo>
+                    <a:pt x="1984" y="444"/>
+                    <a:pt x="1540" y="0"/>
+                    <a:pt x="992" y="0"/>
+                  </a:cubicBezTo>
+                  <a:close/>
+                  <a:moveTo>
+                    <a:pt x="992" y="1934"/>
+                  </a:moveTo>
+                  <a:cubicBezTo>
+                    <a:pt x="472" y="1934"/>
+                    <a:pt x="50" y="1512"/>
+                    <a:pt x="50" y="992"/>
+                  </a:cubicBezTo>
+                  <a:cubicBezTo>
+                    <a:pt x="50" y="472"/>
+                    <a:pt x="472" y="50"/>
+                    <a:pt x="992" y="50"/>
+                  </a:cubicBezTo>
+                  <a:cubicBezTo>
+                    <a:pt x="1512" y="50"/>
+                    <a:pt x="1934" y="472"/>
+                    <a:pt x="1934" y="992"/>
+                  </a:cubicBezTo>
+                  <a:cubicBezTo>
+                    <a:pt x="1934" y="1512"/>
+                    <a:pt x="1512" y="1934"/>
+                    <a:pt x="992" y="1934"/>
+                  </a:cubicBezTo>
+                  <a:close/>
+                </a:path>
+              </a:pathLst>
+            </a:custGeom>
+            <a:solidFill>
+              <a:srgbClr val="D32E2E"/>
+            </a:solidFill>
+            <a:ln>
+              <a:noFill/>
+            </a:ln>
+            <a:extLst>
+              <a:ext uri="{91240B29-F687-4F45-9708-019B960494DF}">
+                <a14:hiddenLine xmlns:a14="http://schemas.microsoft.com/office/drawing/2010/main" w="9525">
+                  <a:solidFill>
+                    <a:srgbClr val="000000"/>
+                  </a:solidFill>
+                  <a:round/>
+                  <a:headEnd/>
+                  <a:tailEnd/>
+                </a14:hiddenLine>
+              </a:ext>
+            </a:extLst>
+          </p:spPr>
+          <p:txBody>
+            <a:bodyPr vert="horz" wrap="square" lIns="91440" tIns="45720" rIns="91440" bIns="45720" numCol="1" anchor="t" anchorCtr="0" compatLnSpc="1">
+              <a:prstTxWarp prst="textNoShape">
+                <a:avLst/>
+              </a:prstTxWarp>
+            </a:bodyPr>
+            <a:lstStyle/>
+            <a:p>
+              <a:pPr marL="0" marR="0" lvl="0" indent="0" defTabSz="914400" eaLnBrk="1" fontAlgn="auto" latinLnBrk="0" hangingPunct="1">
+                <a:lnSpc>
+                  <a:spcPct val="100000"/>
+                </a:lnSpc>
+                <a:spcBef>
+                  <a:spcPts val="0"/>
+                </a:spcBef>
+                <a:spcAft>
+                  <a:spcPts val="0"/>
+                </a:spcAft>
+                <a:buClrTx/>
+                <a:buSzTx/>
+                <a:buFontTx/>
+                <a:buNone/>
+                <a:tabLst/>
+                <a:defRPr/>
+              </a:pPr>
+              <a:endParaRPr kumimoji="0" lang="en-US" sz="1800" b="0" i="0" u="none" strike="noStrike" kern="0" cap="none" spc="0" normalizeH="0" baseline="0" noProof="0" smtClean="0">
+                <a:ln>
+                  <a:noFill/>
+                </a:ln>
+                <a:solidFill>
+                  <a:prstClr val="black"/>
+                </a:solidFill>
+                <a:effectLst/>
+                <a:uLnTx/>
+                <a:uFillTx/>
+                <a:latin typeface="Century Gothic"/>
+              </a:endParaRPr>
+            </a:p>
+          </p:txBody>
+        </p:sp>
+      </p:grpSp>
+      <p:pic>
+        <p:nvPicPr>
+          <p:cNvPr id="12" name="Picture 11"/>
+          <p:cNvPicPr>
+            <a:picLocks noChangeAspect="1"/>
+          </p:cNvPicPr>
+          <p:nvPr/>
+        </p:nvPicPr>
+        <p:blipFill>
+          <a:blip r:embed="rId3" cstate="print">
+            <a:extLst>
+              <a:ext uri="{28A0092B-C50C-407E-A947-70E740481C1C}">
+                <a14:useLocalDpi xmlns:a14="http://schemas.microsoft.com/office/drawing/2010/main" val="0"/>
+              </a:ext>
+            </a:extLst>
+          </a:blip>
+          <a:stretch>
+            <a:fillRect/>
+          </a:stretch>
+        </p:blipFill>
+        <p:spPr>
+          <a:xfrm>
+            <a:off x="440872" y="337461"/>
+            <a:ext cx="1096280" cy="1096280"/>
+          </a:xfrm>
+          <a:prstGeom prst="rect">
+            <a:avLst/>
+          </a:prstGeom>
+        </p:spPr>
+      </p:pic>
+    </p:spTree>
+    <p:extLst>
+      <p:ext uri="{BB962C8B-B14F-4D97-AF65-F5344CB8AC3E}">
+        <p14:creationId xmlns:p14="http://schemas.microsoft.com/office/powerpoint/2010/main" val="880379958"/>
+      </p:ext>
+    </p:extLst>
+  </p:cSld>
+  <p:clrMapOvr>
+    <a:masterClrMapping/>
+  </p:clrMapOvr>
+  <mc:AlternateContent xmlns:mc="http://schemas.openxmlformats.org/markup-compatibility/2006" xmlns:p14="http://schemas.microsoft.com/office/powerpoint/2010/main">
+    <mc:Choice Requires="p14">
+      <p:transition spd="med" p14:dur="700">
+        <p:fade/>
+      </p:transition>
+    </mc:Choice>
+    <mc:Fallback xmlns="">
+      <p:transition spd="med">
+        <p:fade/>
+      </p:transition>
+    </mc:Fallback>
+  </mc:AlternateContent>
+</p:sld>
+</file>
+
+<file path=ppt/slides/slide24.xml><?xml version="1.0" encoding="utf-8"?>
+<p:sld xmlns:a="http://schemas.openxmlformats.org/drawingml/2006/main" xmlns:r="http://schemas.openxmlformats.org/officeDocument/2006/relationships" xmlns:p="http://schemas.openxmlformats.org/presentationml/2006/main">
+  <p:cSld>
+    <p:spTree>
+      <p:nvGrpSpPr>
+        <p:cNvPr id="1" name=""/>
+        <p:cNvGrpSpPr/>
+        <p:nvPr/>
+      </p:nvGrpSpPr>
+      <p:grpSpPr>
+        <a:xfrm>
+          <a:off x="0" y="0"/>
+          <a:ext cx="0" cy="0"/>
+          <a:chOff x="0" y="0"/>
+          <a:chExt cx="0" cy="0"/>
+        </a:xfrm>
+      </p:grpSpPr>
+      <p:sp>
+        <p:nvSpPr>
+          <p:cNvPr id="2" name="Title 1"/>
+          <p:cNvSpPr>
+            <a:spLocks noGrp="1"/>
+          </p:cNvSpPr>
+          <p:nvPr>
+            <p:ph type="title"/>
+          </p:nvPr>
+        </p:nvSpPr>
+        <p:spPr/>
+        <p:txBody>
+          <a:bodyPr/>
+          <a:lstStyle/>
+          <a:p>
+            <a:endParaRPr lang="en-US"/>
+          </a:p>
+        </p:txBody>
+      </p:sp>
+      <p:sp>
+        <p:nvSpPr>
+          <p:cNvPr id="4" name="Text Placeholder 3"/>
+          <p:cNvSpPr>
+            <a:spLocks noGrp="1"/>
+          </p:cNvSpPr>
+          <p:nvPr>
+            <p:ph type="body" sz="half" idx="2"/>
+          </p:nvPr>
+        </p:nvSpPr>
+        <p:spPr/>
+        <p:txBody>
+          <a:bodyPr/>
+          <a:lstStyle/>
+          <a:p>
+            <a:endParaRPr lang="en-US"/>
+          </a:p>
+        </p:txBody>
+      </p:sp>
+      <p:pic>
+        <p:nvPicPr>
+          <p:cNvPr id="6" name="Picture 5"/>
+          <p:cNvPicPr>
+            <a:picLocks noChangeAspect="1"/>
+          </p:cNvPicPr>
+          <p:nvPr/>
+        </p:nvPicPr>
+        <p:blipFill>
+          <a:blip r:embed="rId2">
+            <a:extLst>
+              <a:ext uri="{28A0092B-C50C-407E-A947-70E740481C1C}">
+                <a14:useLocalDpi xmlns:a14="http://schemas.microsoft.com/office/drawing/2010/main" val="0"/>
+              </a:ext>
+            </a:extLst>
+          </a:blip>
+          <a:stretch>
+            <a:fillRect/>
+          </a:stretch>
+        </p:blipFill>
+        <p:spPr>
+          <a:xfrm>
+            <a:off x="1522412" y="838200"/>
+            <a:ext cx="4121856" cy="5257800"/>
+          </a:xfrm>
+          <a:prstGeom prst="rect">
+            <a:avLst/>
+          </a:prstGeom>
+        </p:spPr>
+      </p:pic>
+      <p:grpSp>
+        <p:nvGrpSpPr>
+          <p:cNvPr id="7" name="Group 6"/>
+          <p:cNvGrpSpPr/>
+          <p:nvPr/>
+        </p:nvGrpSpPr>
+        <p:grpSpPr>
+          <a:xfrm>
+            <a:off x="308258" y="227525"/>
+            <a:ext cx="1361508" cy="1330443"/>
+            <a:chOff x="2657475" y="1044575"/>
+            <a:chExt cx="4900613" cy="4900613"/>
+          </a:xfrm>
+          <a:solidFill>
+            <a:sysClr val="window" lastClr="FFFFFF"/>
+          </a:solidFill>
+        </p:grpSpPr>
+        <p:sp>
+          <p:nvSpPr>
+            <p:cNvPr id="8" name="Freeform 7"/>
+            <p:cNvSpPr>
+              <a:spLocks noEditPoints="1"/>
+            </p:cNvSpPr>
+            <p:nvPr/>
+          </p:nvSpPr>
+          <p:spPr bwMode="auto">
+            <a:xfrm>
+              <a:off x="2865438" y="1252538"/>
+              <a:ext cx="4484688" cy="4484688"/>
+            </a:xfrm>
+            <a:custGeom>
+              <a:avLst/>
+              <a:gdLst>
+                <a:gd name="T0" fmla="*/ 908 w 1816"/>
+                <a:gd name="T1" fmla="*/ 0 h 1816"/>
+                <a:gd name="T2" fmla="*/ 0 w 1816"/>
+                <a:gd name="T3" fmla="*/ 908 h 1816"/>
+                <a:gd name="T4" fmla="*/ 908 w 1816"/>
+                <a:gd name="T5" fmla="*/ 1816 h 1816"/>
+                <a:gd name="T6" fmla="*/ 1816 w 1816"/>
+                <a:gd name="T7" fmla="*/ 908 h 1816"/>
+                <a:gd name="T8" fmla="*/ 908 w 1816"/>
+                <a:gd name="T9" fmla="*/ 0 h 1816"/>
+                <a:gd name="T10" fmla="*/ 908 w 1816"/>
+                <a:gd name="T11" fmla="*/ 1798 h 1816"/>
+                <a:gd name="T12" fmla="*/ 18 w 1816"/>
+                <a:gd name="T13" fmla="*/ 908 h 1816"/>
+                <a:gd name="T14" fmla="*/ 908 w 1816"/>
+                <a:gd name="T15" fmla="*/ 18 h 1816"/>
+                <a:gd name="T16" fmla="*/ 1798 w 1816"/>
+                <a:gd name="T17" fmla="*/ 908 h 1816"/>
+                <a:gd name="T18" fmla="*/ 908 w 1816"/>
+                <a:gd name="T19" fmla="*/ 1798 h 1816"/>
+              </a:gdLst>
+              <a:ahLst/>
+              <a:cxnLst>
+                <a:cxn ang="0">
+                  <a:pos x="T0" y="T1"/>
+                </a:cxn>
+                <a:cxn ang="0">
+                  <a:pos x="T2" y="T3"/>
+                </a:cxn>
+                <a:cxn ang="0">
+                  <a:pos x="T4" y="T5"/>
+                </a:cxn>
+                <a:cxn ang="0">
+                  <a:pos x="T6" y="T7"/>
+                </a:cxn>
+                <a:cxn ang="0">
+                  <a:pos x="T8" y="T9"/>
+                </a:cxn>
+                <a:cxn ang="0">
+                  <a:pos x="T10" y="T11"/>
+                </a:cxn>
+                <a:cxn ang="0">
+                  <a:pos x="T12" y="T13"/>
+                </a:cxn>
+                <a:cxn ang="0">
+                  <a:pos x="T14" y="T15"/>
+                </a:cxn>
+                <a:cxn ang="0">
+                  <a:pos x="T16" y="T17"/>
+                </a:cxn>
+                <a:cxn ang="0">
+                  <a:pos x="T18" y="T19"/>
+                </a:cxn>
+              </a:cxnLst>
+              <a:rect l="0" t="0" r="r" b="b"/>
+              <a:pathLst>
+                <a:path w="1816" h="1816">
+                  <a:moveTo>
+                    <a:pt x="908" y="0"/>
+                  </a:moveTo>
+                  <a:cubicBezTo>
+                    <a:pt x="407" y="0"/>
+                    <a:pt x="0" y="407"/>
+                    <a:pt x="0" y="908"/>
+                  </a:cubicBezTo>
+                  <a:cubicBezTo>
+                    <a:pt x="0" y="1409"/>
+                    <a:pt x="407" y="1816"/>
+                    <a:pt x="908" y="1816"/>
+                  </a:cubicBezTo>
+                  <a:cubicBezTo>
+                    <a:pt x="1409" y="1816"/>
+                    <a:pt x="1816" y="1409"/>
+                    <a:pt x="1816" y="908"/>
+                  </a:cubicBezTo>
+                  <a:cubicBezTo>
+                    <a:pt x="1816" y="407"/>
+                    <a:pt x="1409" y="0"/>
+                    <a:pt x="908" y="0"/>
+                  </a:cubicBezTo>
+                  <a:close/>
+                  <a:moveTo>
+                    <a:pt x="908" y="1798"/>
+                  </a:moveTo>
+                  <a:cubicBezTo>
+                    <a:pt x="416" y="1798"/>
+                    <a:pt x="18" y="1400"/>
+                    <a:pt x="18" y="908"/>
+                  </a:cubicBezTo>
+                  <a:cubicBezTo>
+                    <a:pt x="18" y="416"/>
+                    <a:pt x="416" y="18"/>
+                    <a:pt x="908" y="18"/>
+                  </a:cubicBezTo>
+                  <a:cubicBezTo>
+                    <a:pt x="1400" y="18"/>
+                    <a:pt x="1798" y="416"/>
+                    <a:pt x="1798" y="908"/>
+                  </a:cubicBezTo>
+                  <a:cubicBezTo>
+                    <a:pt x="1798" y="1400"/>
+                    <a:pt x="1400" y="1798"/>
+                    <a:pt x="908" y="1798"/>
+                  </a:cubicBezTo>
+                  <a:close/>
+                </a:path>
+              </a:pathLst>
+            </a:custGeom>
+            <a:solidFill>
+              <a:srgbClr val="D32E2E"/>
+            </a:solidFill>
+            <a:ln>
+              <a:noFill/>
+            </a:ln>
+            <a:extLst>
+              <a:ext uri="{91240B29-F687-4F45-9708-019B960494DF}">
+                <a14:hiddenLine xmlns:a14="http://schemas.microsoft.com/office/drawing/2010/main" w="9525">
+                  <a:solidFill>
+                    <a:srgbClr val="000000"/>
+                  </a:solidFill>
+                  <a:round/>
+                  <a:headEnd/>
+                  <a:tailEnd/>
+                </a14:hiddenLine>
+              </a:ext>
+            </a:extLst>
+          </p:spPr>
+          <p:txBody>
+            <a:bodyPr vert="horz" wrap="square" lIns="91440" tIns="45720" rIns="91440" bIns="45720" numCol="1" anchor="t" anchorCtr="0" compatLnSpc="1">
+              <a:prstTxWarp prst="textNoShape">
+                <a:avLst/>
+              </a:prstTxWarp>
+            </a:bodyPr>
+            <a:lstStyle/>
+            <a:p>
+              <a:pPr marL="0" marR="0" lvl="0" indent="0" defTabSz="914400" eaLnBrk="1" fontAlgn="auto" latinLnBrk="0" hangingPunct="1">
+                <a:lnSpc>
+                  <a:spcPct val="100000"/>
+                </a:lnSpc>
+                <a:spcBef>
+                  <a:spcPts val="0"/>
+                </a:spcBef>
+                <a:spcAft>
+                  <a:spcPts val="0"/>
+                </a:spcAft>
+                <a:buClrTx/>
+                <a:buSzTx/>
+                <a:buFontTx/>
+                <a:buNone/>
+                <a:tabLst/>
+                <a:defRPr/>
+              </a:pPr>
+              <a:endParaRPr kumimoji="0" lang="en-US" sz="1800" b="0" i="0" u="none" strike="noStrike" kern="0" cap="none" spc="0" normalizeH="0" baseline="0" noProof="0" smtClean="0">
+                <a:ln>
+                  <a:noFill/>
+                </a:ln>
+                <a:solidFill>
+                  <a:prstClr val="black"/>
+                </a:solidFill>
+                <a:effectLst/>
+                <a:uLnTx/>
+                <a:uFillTx/>
+                <a:latin typeface="Century Gothic"/>
+              </a:endParaRPr>
+            </a:p>
+          </p:txBody>
+        </p:sp>
+        <p:sp>
+          <p:nvSpPr>
+            <p:cNvPr id="9" name="Freeform 8"/>
+            <p:cNvSpPr>
+              <a:spLocks noEditPoints="1"/>
+            </p:cNvSpPr>
+            <p:nvPr/>
+          </p:nvSpPr>
+          <p:spPr bwMode="auto">
+            <a:xfrm>
+              <a:off x="2657475" y="1044575"/>
+              <a:ext cx="4900613" cy="4900613"/>
+            </a:xfrm>
+            <a:custGeom>
+              <a:avLst/>
+              <a:gdLst>
+                <a:gd name="T0" fmla="*/ 992 w 1984"/>
+                <a:gd name="T1" fmla="*/ 0 h 1984"/>
+                <a:gd name="T2" fmla="*/ 0 w 1984"/>
+                <a:gd name="T3" fmla="*/ 992 h 1984"/>
+                <a:gd name="T4" fmla="*/ 992 w 1984"/>
+                <a:gd name="T5" fmla="*/ 1984 h 1984"/>
+                <a:gd name="T6" fmla="*/ 1984 w 1984"/>
+                <a:gd name="T7" fmla="*/ 992 h 1984"/>
+                <a:gd name="T8" fmla="*/ 992 w 1984"/>
+                <a:gd name="T9" fmla="*/ 0 h 1984"/>
+                <a:gd name="T10" fmla="*/ 992 w 1984"/>
+                <a:gd name="T11" fmla="*/ 1934 h 1984"/>
+                <a:gd name="T12" fmla="*/ 50 w 1984"/>
+                <a:gd name="T13" fmla="*/ 992 h 1984"/>
+                <a:gd name="T14" fmla="*/ 992 w 1984"/>
+                <a:gd name="T15" fmla="*/ 50 h 1984"/>
+                <a:gd name="T16" fmla="*/ 1934 w 1984"/>
+                <a:gd name="T17" fmla="*/ 992 h 1984"/>
+                <a:gd name="T18" fmla="*/ 992 w 1984"/>
+                <a:gd name="T19" fmla="*/ 1934 h 1984"/>
+              </a:gdLst>
+              <a:ahLst/>
+              <a:cxnLst>
+                <a:cxn ang="0">
+                  <a:pos x="T0" y="T1"/>
+                </a:cxn>
+                <a:cxn ang="0">
+                  <a:pos x="T2" y="T3"/>
+                </a:cxn>
+                <a:cxn ang="0">
+                  <a:pos x="T4" y="T5"/>
+                </a:cxn>
+                <a:cxn ang="0">
+                  <a:pos x="T6" y="T7"/>
+                </a:cxn>
+                <a:cxn ang="0">
+                  <a:pos x="T8" y="T9"/>
+                </a:cxn>
+                <a:cxn ang="0">
+                  <a:pos x="T10" y="T11"/>
+                </a:cxn>
+                <a:cxn ang="0">
+                  <a:pos x="T12" y="T13"/>
+                </a:cxn>
+                <a:cxn ang="0">
+                  <a:pos x="T14" y="T15"/>
+                </a:cxn>
+                <a:cxn ang="0">
+                  <a:pos x="T16" y="T17"/>
+                </a:cxn>
+                <a:cxn ang="0">
+                  <a:pos x="T18" y="T19"/>
+                </a:cxn>
+              </a:cxnLst>
+              <a:rect l="0" t="0" r="r" b="b"/>
+              <a:pathLst>
+                <a:path w="1984" h="1984">
+                  <a:moveTo>
+                    <a:pt x="992" y="0"/>
+                  </a:moveTo>
+                  <a:cubicBezTo>
+                    <a:pt x="444" y="0"/>
+                    <a:pt x="0" y="444"/>
+                    <a:pt x="0" y="992"/>
+                  </a:cubicBezTo>
+                  <a:cubicBezTo>
+                    <a:pt x="0" y="1540"/>
+                    <a:pt x="444" y="1984"/>
+                    <a:pt x="992" y="1984"/>
+                  </a:cubicBezTo>
+                  <a:cubicBezTo>
+                    <a:pt x="1540" y="1984"/>
+                    <a:pt x="1984" y="1540"/>
+                    <a:pt x="1984" y="992"/>
+                  </a:cubicBezTo>
+                  <a:cubicBezTo>
+                    <a:pt x="1984" y="444"/>
+                    <a:pt x="1540" y="0"/>
+                    <a:pt x="992" y="0"/>
+                  </a:cubicBezTo>
+                  <a:close/>
+                  <a:moveTo>
+                    <a:pt x="992" y="1934"/>
+                  </a:moveTo>
+                  <a:cubicBezTo>
+                    <a:pt x="472" y="1934"/>
+                    <a:pt x="50" y="1512"/>
+                    <a:pt x="50" y="992"/>
+                  </a:cubicBezTo>
+                  <a:cubicBezTo>
+                    <a:pt x="50" y="472"/>
+                    <a:pt x="472" y="50"/>
+                    <a:pt x="992" y="50"/>
+                  </a:cubicBezTo>
+                  <a:cubicBezTo>
+                    <a:pt x="1512" y="50"/>
+                    <a:pt x="1934" y="472"/>
+                    <a:pt x="1934" y="992"/>
+                  </a:cubicBezTo>
+                  <a:cubicBezTo>
+                    <a:pt x="1934" y="1512"/>
+                    <a:pt x="1512" y="1934"/>
+                    <a:pt x="992" y="1934"/>
+                  </a:cubicBezTo>
+                  <a:close/>
+                </a:path>
+              </a:pathLst>
+            </a:custGeom>
+            <a:solidFill>
+              <a:srgbClr val="D32E2E"/>
+            </a:solidFill>
+            <a:ln>
+              <a:noFill/>
+            </a:ln>
+            <a:extLst>
+              <a:ext uri="{91240B29-F687-4F45-9708-019B960494DF}">
+                <a14:hiddenLine xmlns:a14="http://schemas.microsoft.com/office/drawing/2010/main" w="9525">
+                  <a:solidFill>
+                    <a:srgbClr val="000000"/>
+                  </a:solidFill>
+                  <a:round/>
+                  <a:headEnd/>
+                  <a:tailEnd/>
+                </a14:hiddenLine>
+              </a:ext>
+            </a:extLst>
+          </p:spPr>
+          <p:txBody>
+            <a:bodyPr vert="horz" wrap="square" lIns="91440" tIns="45720" rIns="91440" bIns="45720" numCol="1" anchor="t" anchorCtr="0" compatLnSpc="1">
+              <a:prstTxWarp prst="textNoShape">
+                <a:avLst/>
+              </a:prstTxWarp>
+            </a:bodyPr>
+            <a:lstStyle/>
+            <a:p>
+              <a:pPr marL="0" marR="0" lvl="0" indent="0" defTabSz="914400" eaLnBrk="1" fontAlgn="auto" latinLnBrk="0" hangingPunct="1">
+                <a:lnSpc>
+                  <a:spcPct val="100000"/>
+                </a:lnSpc>
+                <a:spcBef>
+                  <a:spcPts val="0"/>
+                </a:spcBef>
+                <a:spcAft>
+                  <a:spcPts val="0"/>
+                </a:spcAft>
+                <a:buClrTx/>
+                <a:buSzTx/>
+                <a:buFontTx/>
+                <a:buNone/>
+                <a:tabLst/>
+                <a:defRPr/>
+              </a:pPr>
+              <a:endParaRPr kumimoji="0" lang="en-US" sz="1800" b="0" i="0" u="none" strike="noStrike" kern="0" cap="none" spc="0" normalizeH="0" baseline="0" noProof="0" smtClean="0">
+                <a:ln>
+                  <a:noFill/>
+                </a:ln>
+                <a:solidFill>
+                  <a:prstClr val="black"/>
+                </a:solidFill>
+                <a:effectLst/>
+                <a:uLnTx/>
+                <a:uFillTx/>
+                <a:latin typeface="Century Gothic"/>
+              </a:endParaRPr>
+            </a:p>
+          </p:txBody>
+        </p:sp>
+      </p:grpSp>
+      <p:pic>
+        <p:nvPicPr>
+          <p:cNvPr id="10" name="Picture 9"/>
+          <p:cNvPicPr>
+            <a:picLocks noChangeAspect="1"/>
+          </p:cNvPicPr>
+          <p:nvPr/>
+        </p:nvPicPr>
+        <p:blipFill>
+          <a:blip r:embed="rId3" cstate="print">
+            <a:extLst>
+              <a:ext uri="{28A0092B-C50C-407E-A947-70E740481C1C}">
+                <a14:useLocalDpi xmlns:a14="http://schemas.microsoft.com/office/drawing/2010/main" val="0"/>
+              </a:ext>
+            </a:extLst>
+          </a:blip>
+          <a:stretch>
+            <a:fillRect/>
+          </a:stretch>
+        </p:blipFill>
+        <p:spPr>
+          <a:xfrm>
+            <a:off x="440872" y="337461"/>
+            <a:ext cx="1096280" cy="1096280"/>
+          </a:xfrm>
+          <a:prstGeom prst="rect">
+            <a:avLst/>
+          </a:prstGeom>
+        </p:spPr>
+      </p:pic>
+    </p:spTree>
+    <p:extLst>
+      <p:ext uri="{BB962C8B-B14F-4D97-AF65-F5344CB8AC3E}">
+        <p14:creationId xmlns:p14="http://schemas.microsoft.com/office/powerpoint/2010/main" val="3843668426"/>
+      </p:ext>
+    </p:extLst>
+  </p:cSld>
+  <p:clrMapOvr>
+    <a:masterClrMapping/>
+  </p:clrMapOvr>
+  <mc:AlternateContent xmlns:mc="http://schemas.openxmlformats.org/markup-compatibility/2006" xmlns:p14="http://schemas.microsoft.com/office/powerpoint/2010/main">
+    <mc:Choice Requires="p14">
+      <p:transition spd="med" p14:dur="700">
+        <p:fade/>
+      </p:transition>
+    </mc:Choice>
+    <mc:Fallback xmlns="">
+      <p:transition spd="med">
+        <p:fade/>
+      </p:transition>
+    </mc:Fallback>
+  </mc:AlternateContent>
+</p:sld>
+</file>
+
+<file path=ppt/slides/slide25.xml><?xml version="1.0" encoding="utf-8"?>
+<p:sld xmlns:a="http://schemas.openxmlformats.org/drawingml/2006/main" xmlns:r="http://schemas.openxmlformats.org/officeDocument/2006/relationships" xmlns:p="http://schemas.openxmlformats.org/presentationml/2006/main">
+  <p:cSld>
+    <p:spTree>
+      <p:nvGrpSpPr>
+        <p:cNvPr id="1" name=""/>
+        <p:cNvGrpSpPr/>
+        <p:nvPr/>
+      </p:nvGrpSpPr>
+      <p:grpSpPr>
+        <a:xfrm>
+          <a:off x="0" y="0"/>
+          <a:ext cx="0" cy="0"/>
+          <a:chOff x="0" y="0"/>
+          <a:chExt cx="0" cy="0"/>
+        </a:xfrm>
+      </p:grpSpPr>
+      <p:sp>
+        <p:nvSpPr>
+          <p:cNvPr id="2" name="Title 1"/>
+          <p:cNvSpPr>
+            <a:spLocks noGrp="1"/>
+          </p:cNvSpPr>
+          <p:nvPr>
+            <p:ph type="title"/>
+          </p:nvPr>
+        </p:nvSpPr>
+        <p:spPr/>
+        <p:txBody>
+          <a:bodyPr/>
+          <a:lstStyle/>
+          <a:p>
+            <a:endParaRPr lang="en-US"/>
+          </a:p>
+        </p:txBody>
+      </p:sp>
+      <p:sp>
+        <p:nvSpPr>
+          <p:cNvPr id="4" name="Text Placeholder 3"/>
+          <p:cNvSpPr>
+            <a:spLocks noGrp="1"/>
+          </p:cNvSpPr>
+          <p:nvPr>
+            <p:ph type="body" sz="half" idx="2"/>
+          </p:nvPr>
+        </p:nvSpPr>
+        <p:spPr/>
+        <p:txBody>
+          <a:bodyPr/>
+          <a:lstStyle/>
+          <a:p>
+            <a:endParaRPr lang="en-US"/>
+          </a:p>
+        </p:txBody>
+      </p:sp>
+      <p:grpSp>
+        <p:nvGrpSpPr>
+          <p:cNvPr id="7" name="Group 6"/>
+          <p:cNvGrpSpPr/>
+          <p:nvPr/>
+        </p:nvGrpSpPr>
+        <p:grpSpPr>
+          <a:xfrm>
+            <a:off x="308258" y="227525"/>
+            <a:ext cx="1361508" cy="1330443"/>
+            <a:chOff x="2657475" y="1044575"/>
+            <a:chExt cx="4900613" cy="4900613"/>
+          </a:xfrm>
+          <a:solidFill>
+            <a:sysClr val="window" lastClr="FFFFFF"/>
+          </a:solidFill>
+        </p:grpSpPr>
+        <p:sp>
+          <p:nvSpPr>
+            <p:cNvPr id="8" name="Freeform 7"/>
+            <p:cNvSpPr>
+              <a:spLocks noEditPoints="1"/>
+            </p:cNvSpPr>
+            <p:nvPr/>
+          </p:nvSpPr>
+          <p:spPr bwMode="auto">
+            <a:xfrm>
+              <a:off x="2865438" y="1252538"/>
+              <a:ext cx="4484688" cy="4484688"/>
+            </a:xfrm>
+            <a:custGeom>
+              <a:avLst/>
+              <a:gdLst>
+                <a:gd name="T0" fmla="*/ 908 w 1816"/>
+                <a:gd name="T1" fmla="*/ 0 h 1816"/>
+                <a:gd name="T2" fmla="*/ 0 w 1816"/>
+                <a:gd name="T3" fmla="*/ 908 h 1816"/>
+                <a:gd name="T4" fmla="*/ 908 w 1816"/>
+                <a:gd name="T5" fmla="*/ 1816 h 1816"/>
+                <a:gd name="T6" fmla="*/ 1816 w 1816"/>
+                <a:gd name="T7" fmla="*/ 908 h 1816"/>
+                <a:gd name="T8" fmla="*/ 908 w 1816"/>
+                <a:gd name="T9" fmla="*/ 0 h 1816"/>
+                <a:gd name="T10" fmla="*/ 908 w 1816"/>
+                <a:gd name="T11" fmla="*/ 1798 h 1816"/>
+                <a:gd name="T12" fmla="*/ 18 w 1816"/>
+                <a:gd name="T13" fmla="*/ 908 h 1816"/>
+                <a:gd name="T14" fmla="*/ 908 w 1816"/>
+                <a:gd name="T15" fmla="*/ 18 h 1816"/>
+                <a:gd name="T16" fmla="*/ 1798 w 1816"/>
+                <a:gd name="T17" fmla="*/ 908 h 1816"/>
+                <a:gd name="T18" fmla="*/ 908 w 1816"/>
+                <a:gd name="T19" fmla="*/ 1798 h 1816"/>
+              </a:gdLst>
+              <a:ahLst/>
+              <a:cxnLst>
+                <a:cxn ang="0">
+                  <a:pos x="T0" y="T1"/>
+                </a:cxn>
+                <a:cxn ang="0">
+                  <a:pos x="T2" y="T3"/>
+                </a:cxn>
+                <a:cxn ang="0">
+                  <a:pos x="T4" y="T5"/>
+                </a:cxn>
+                <a:cxn ang="0">
+                  <a:pos x="T6" y="T7"/>
+                </a:cxn>
+                <a:cxn ang="0">
+                  <a:pos x="T8" y="T9"/>
+                </a:cxn>
+                <a:cxn ang="0">
+                  <a:pos x="T10" y="T11"/>
+                </a:cxn>
+                <a:cxn ang="0">
+                  <a:pos x="T12" y="T13"/>
+                </a:cxn>
+                <a:cxn ang="0">
+                  <a:pos x="T14" y="T15"/>
+                </a:cxn>
+                <a:cxn ang="0">
+                  <a:pos x="T16" y="T17"/>
+                </a:cxn>
+                <a:cxn ang="0">
+                  <a:pos x="T18" y="T19"/>
+                </a:cxn>
+              </a:cxnLst>
+              <a:rect l="0" t="0" r="r" b="b"/>
+              <a:pathLst>
+                <a:path w="1816" h="1816">
+                  <a:moveTo>
+                    <a:pt x="908" y="0"/>
+                  </a:moveTo>
+                  <a:cubicBezTo>
+                    <a:pt x="407" y="0"/>
+                    <a:pt x="0" y="407"/>
+                    <a:pt x="0" y="908"/>
+                  </a:cubicBezTo>
+                  <a:cubicBezTo>
+                    <a:pt x="0" y="1409"/>
+                    <a:pt x="407" y="1816"/>
+                    <a:pt x="908" y="1816"/>
+                  </a:cubicBezTo>
+                  <a:cubicBezTo>
+                    <a:pt x="1409" y="1816"/>
+                    <a:pt x="1816" y="1409"/>
+                    <a:pt x="1816" y="908"/>
+                  </a:cubicBezTo>
+                  <a:cubicBezTo>
+                    <a:pt x="1816" y="407"/>
+                    <a:pt x="1409" y="0"/>
+                    <a:pt x="908" y="0"/>
+                  </a:cubicBezTo>
+                  <a:close/>
+                  <a:moveTo>
+                    <a:pt x="908" y="1798"/>
+                  </a:moveTo>
+                  <a:cubicBezTo>
+                    <a:pt x="416" y="1798"/>
+                    <a:pt x="18" y="1400"/>
+                    <a:pt x="18" y="908"/>
+                  </a:cubicBezTo>
+                  <a:cubicBezTo>
+                    <a:pt x="18" y="416"/>
+                    <a:pt x="416" y="18"/>
+                    <a:pt x="908" y="18"/>
+                  </a:cubicBezTo>
+                  <a:cubicBezTo>
+                    <a:pt x="1400" y="18"/>
+                    <a:pt x="1798" y="416"/>
+                    <a:pt x="1798" y="908"/>
+                  </a:cubicBezTo>
+                  <a:cubicBezTo>
+                    <a:pt x="1798" y="1400"/>
+                    <a:pt x="1400" y="1798"/>
+                    <a:pt x="908" y="1798"/>
+                  </a:cubicBezTo>
+                  <a:close/>
+                </a:path>
+              </a:pathLst>
+            </a:custGeom>
+            <a:solidFill>
+              <a:srgbClr val="D32E2E"/>
+            </a:solidFill>
+            <a:ln>
+              <a:noFill/>
+            </a:ln>
+            <a:extLst>
+              <a:ext uri="{91240B29-F687-4F45-9708-019B960494DF}">
+                <a14:hiddenLine xmlns:a14="http://schemas.microsoft.com/office/drawing/2010/main" w="9525">
+                  <a:solidFill>
+                    <a:srgbClr val="000000"/>
+                  </a:solidFill>
+                  <a:round/>
+                  <a:headEnd/>
+                  <a:tailEnd/>
+                </a14:hiddenLine>
+              </a:ext>
+            </a:extLst>
+          </p:spPr>
+          <p:txBody>
+            <a:bodyPr vert="horz" wrap="square" lIns="91440" tIns="45720" rIns="91440" bIns="45720" numCol="1" anchor="t" anchorCtr="0" compatLnSpc="1">
+              <a:prstTxWarp prst="textNoShape">
+                <a:avLst/>
+              </a:prstTxWarp>
+            </a:bodyPr>
+            <a:lstStyle/>
+            <a:p>
+              <a:pPr marL="0" marR="0" lvl="0" indent="0" defTabSz="914400" eaLnBrk="1" fontAlgn="auto" latinLnBrk="0" hangingPunct="1">
+                <a:lnSpc>
+                  <a:spcPct val="100000"/>
+                </a:lnSpc>
+                <a:spcBef>
+                  <a:spcPts val="0"/>
+                </a:spcBef>
+                <a:spcAft>
+                  <a:spcPts val="0"/>
+                </a:spcAft>
+                <a:buClrTx/>
+                <a:buSzTx/>
+                <a:buFontTx/>
+                <a:buNone/>
+                <a:tabLst/>
+                <a:defRPr/>
+              </a:pPr>
+              <a:endParaRPr kumimoji="0" lang="en-US" sz="1800" b="0" i="0" u="none" strike="noStrike" kern="0" cap="none" spc="0" normalizeH="0" baseline="0" noProof="0" smtClean="0">
+                <a:ln>
+                  <a:noFill/>
+                </a:ln>
+                <a:solidFill>
+                  <a:prstClr val="black"/>
+                </a:solidFill>
+                <a:effectLst/>
+                <a:uLnTx/>
+                <a:uFillTx/>
+                <a:latin typeface="Century Gothic"/>
+              </a:endParaRPr>
+            </a:p>
+          </p:txBody>
+        </p:sp>
+        <p:sp>
+          <p:nvSpPr>
+            <p:cNvPr id="9" name="Freeform 8"/>
+            <p:cNvSpPr>
+              <a:spLocks noEditPoints="1"/>
+            </p:cNvSpPr>
+            <p:nvPr/>
+          </p:nvSpPr>
+          <p:spPr bwMode="auto">
+            <a:xfrm>
+              <a:off x="2657475" y="1044575"/>
+              <a:ext cx="4900613" cy="4900613"/>
+            </a:xfrm>
+            <a:custGeom>
+              <a:avLst/>
+              <a:gdLst>
+                <a:gd name="T0" fmla="*/ 992 w 1984"/>
+                <a:gd name="T1" fmla="*/ 0 h 1984"/>
+                <a:gd name="T2" fmla="*/ 0 w 1984"/>
+                <a:gd name="T3" fmla="*/ 992 h 1984"/>
+                <a:gd name="T4" fmla="*/ 992 w 1984"/>
+                <a:gd name="T5" fmla="*/ 1984 h 1984"/>
+                <a:gd name="T6" fmla="*/ 1984 w 1984"/>
+                <a:gd name="T7" fmla="*/ 992 h 1984"/>
+                <a:gd name="T8" fmla="*/ 992 w 1984"/>
+                <a:gd name="T9" fmla="*/ 0 h 1984"/>
+                <a:gd name="T10" fmla="*/ 992 w 1984"/>
+                <a:gd name="T11" fmla="*/ 1934 h 1984"/>
+                <a:gd name="T12" fmla="*/ 50 w 1984"/>
+                <a:gd name="T13" fmla="*/ 992 h 1984"/>
+                <a:gd name="T14" fmla="*/ 992 w 1984"/>
+                <a:gd name="T15" fmla="*/ 50 h 1984"/>
+                <a:gd name="T16" fmla="*/ 1934 w 1984"/>
+                <a:gd name="T17" fmla="*/ 992 h 1984"/>
+                <a:gd name="T18" fmla="*/ 992 w 1984"/>
+                <a:gd name="T19" fmla="*/ 1934 h 1984"/>
+              </a:gdLst>
+              <a:ahLst/>
+              <a:cxnLst>
+                <a:cxn ang="0">
+                  <a:pos x="T0" y="T1"/>
+                </a:cxn>
+                <a:cxn ang="0">
+                  <a:pos x="T2" y="T3"/>
+                </a:cxn>
+                <a:cxn ang="0">
+                  <a:pos x="T4" y="T5"/>
+                </a:cxn>
+                <a:cxn ang="0">
+                  <a:pos x="T6" y="T7"/>
+                </a:cxn>
+                <a:cxn ang="0">
+                  <a:pos x="T8" y="T9"/>
+                </a:cxn>
+                <a:cxn ang="0">
+                  <a:pos x="T10" y="T11"/>
+                </a:cxn>
+                <a:cxn ang="0">
+                  <a:pos x="T12" y="T13"/>
+                </a:cxn>
+                <a:cxn ang="0">
+                  <a:pos x="T14" y="T15"/>
+                </a:cxn>
+                <a:cxn ang="0">
+                  <a:pos x="T16" y="T17"/>
+                </a:cxn>
+                <a:cxn ang="0">
+                  <a:pos x="T18" y="T19"/>
+                </a:cxn>
+              </a:cxnLst>
+              <a:rect l="0" t="0" r="r" b="b"/>
+              <a:pathLst>
+                <a:path w="1984" h="1984">
+                  <a:moveTo>
+                    <a:pt x="992" y="0"/>
+                  </a:moveTo>
+                  <a:cubicBezTo>
+                    <a:pt x="444" y="0"/>
+                    <a:pt x="0" y="444"/>
+                    <a:pt x="0" y="992"/>
+                  </a:cubicBezTo>
+                  <a:cubicBezTo>
+                    <a:pt x="0" y="1540"/>
+                    <a:pt x="444" y="1984"/>
+                    <a:pt x="992" y="1984"/>
+                  </a:cubicBezTo>
+                  <a:cubicBezTo>
+                    <a:pt x="1540" y="1984"/>
+                    <a:pt x="1984" y="1540"/>
+                    <a:pt x="1984" y="992"/>
+                  </a:cubicBezTo>
+                  <a:cubicBezTo>
+                    <a:pt x="1984" y="444"/>
+                    <a:pt x="1540" y="0"/>
+                    <a:pt x="992" y="0"/>
+                  </a:cubicBezTo>
+                  <a:close/>
+                  <a:moveTo>
+                    <a:pt x="992" y="1934"/>
+                  </a:moveTo>
+                  <a:cubicBezTo>
+                    <a:pt x="472" y="1934"/>
+                    <a:pt x="50" y="1512"/>
+                    <a:pt x="50" y="992"/>
+                  </a:cubicBezTo>
+                  <a:cubicBezTo>
+                    <a:pt x="50" y="472"/>
+                    <a:pt x="472" y="50"/>
+                    <a:pt x="992" y="50"/>
+                  </a:cubicBezTo>
+                  <a:cubicBezTo>
+                    <a:pt x="1512" y="50"/>
+                    <a:pt x="1934" y="472"/>
+                    <a:pt x="1934" y="992"/>
+                  </a:cubicBezTo>
+                  <a:cubicBezTo>
+                    <a:pt x="1934" y="1512"/>
+                    <a:pt x="1512" y="1934"/>
+                    <a:pt x="992" y="1934"/>
+                  </a:cubicBezTo>
+                  <a:close/>
+                </a:path>
+              </a:pathLst>
+            </a:custGeom>
+            <a:solidFill>
+              <a:srgbClr val="D32E2E"/>
+            </a:solidFill>
+            <a:ln>
+              <a:noFill/>
+            </a:ln>
+            <a:extLst>
+              <a:ext uri="{91240B29-F687-4F45-9708-019B960494DF}">
+                <a14:hiddenLine xmlns:a14="http://schemas.microsoft.com/office/drawing/2010/main" w="9525">
+                  <a:solidFill>
+                    <a:srgbClr val="000000"/>
+                  </a:solidFill>
+                  <a:round/>
+                  <a:headEnd/>
+                  <a:tailEnd/>
+                </a14:hiddenLine>
+              </a:ext>
+            </a:extLst>
+          </p:spPr>
+          <p:txBody>
+            <a:bodyPr vert="horz" wrap="square" lIns="91440" tIns="45720" rIns="91440" bIns="45720" numCol="1" anchor="t" anchorCtr="0" compatLnSpc="1">
+              <a:prstTxWarp prst="textNoShape">
+                <a:avLst/>
+              </a:prstTxWarp>
+            </a:bodyPr>
+            <a:lstStyle/>
+            <a:p>
+              <a:pPr marL="0" marR="0" lvl="0" indent="0" defTabSz="914400" eaLnBrk="1" fontAlgn="auto" latinLnBrk="0" hangingPunct="1">
+                <a:lnSpc>
+                  <a:spcPct val="100000"/>
+                </a:lnSpc>
+                <a:spcBef>
+                  <a:spcPts val="0"/>
+                </a:spcBef>
+                <a:spcAft>
+                  <a:spcPts val="0"/>
+                </a:spcAft>
+                <a:buClrTx/>
+                <a:buSzTx/>
+                <a:buFontTx/>
+                <a:buNone/>
+                <a:tabLst/>
+                <a:defRPr/>
+              </a:pPr>
+              <a:endParaRPr kumimoji="0" lang="en-US" sz="1800" b="0" i="0" u="none" strike="noStrike" kern="0" cap="none" spc="0" normalizeH="0" baseline="0" noProof="0" smtClean="0">
+                <a:ln>
+                  <a:noFill/>
+                </a:ln>
+                <a:solidFill>
+                  <a:prstClr val="black"/>
+                </a:solidFill>
+                <a:effectLst/>
+                <a:uLnTx/>
+                <a:uFillTx/>
+                <a:latin typeface="Century Gothic"/>
+              </a:endParaRPr>
+            </a:p>
+          </p:txBody>
+        </p:sp>
+      </p:grpSp>
+      <p:pic>
+        <p:nvPicPr>
+          <p:cNvPr id="10" name="Picture 9"/>
+          <p:cNvPicPr>
+            <a:picLocks noChangeAspect="1"/>
+          </p:cNvPicPr>
+          <p:nvPr/>
+        </p:nvPicPr>
+        <p:blipFill>
+          <a:blip r:embed="rId2" cstate="print">
+            <a:extLst>
+              <a:ext uri="{28A0092B-C50C-407E-A947-70E740481C1C}">
+                <a14:useLocalDpi xmlns:a14="http://schemas.microsoft.com/office/drawing/2010/main" val="0"/>
+              </a:ext>
+            </a:extLst>
+          </a:blip>
+          <a:stretch>
+            <a:fillRect/>
+          </a:stretch>
+        </p:blipFill>
+        <p:spPr>
+          <a:xfrm>
+            <a:off x="440872" y="337461"/>
+            <a:ext cx="1096280" cy="1096280"/>
+          </a:xfrm>
+          <a:prstGeom prst="rect">
+            <a:avLst/>
+          </a:prstGeom>
+        </p:spPr>
+      </p:pic>
+      <p:pic>
+        <p:nvPicPr>
+          <p:cNvPr id="3" name="Picture 2"/>
+          <p:cNvPicPr>
+            <a:picLocks noChangeAspect="1"/>
+          </p:cNvPicPr>
+          <p:nvPr/>
+        </p:nvPicPr>
+        <p:blipFill>
+          <a:blip r:embed="rId3">
+            <a:extLst>
+              <a:ext uri="{28A0092B-C50C-407E-A947-70E740481C1C}">
+                <a14:useLocalDpi xmlns:a14="http://schemas.microsoft.com/office/drawing/2010/main" val="0"/>
+              </a:ext>
+            </a:extLst>
+          </a:blip>
+          <a:stretch>
+            <a:fillRect/>
+          </a:stretch>
+        </p:blipFill>
+        <p:spPr>
+          <a:xfrm>
+            <a:off x="1605668" y="609600"/>
+            <a:ext cx="4038600" cy="5571972"/>
+          </a:xfrm>
+          <a:prstGeom prst="rect">
+            <a:avLst/>
+          </a:prstGeom>
+        </p:spPr>
+      </p:pic>
+    </p:spTree>
+    <p:extLst>
+      <p:ext uri="{BB962C8B-B14F-4D97-AF65-F5344CB8AC3E}">
+        <p14:creationId xmlns:p14="http://schemas.microsoft.com/office/powerpoint/2010/main" val="3492623048"/>
+      </p:ext>
+    </p:extLst>
+  </p:cSld>
+  <p:clrMapOvr>
+    <a:masterClrMapping/>
+  </p:clrMapOvr>
+  <mc:AlternateContent xmlns:mc="http://schemas.openxmlformats.org/markup-compatibility/2006" xmlns:p14="http://schemas.microsoft.com/office/powerpoint/2010/main">
+    <mc:Choice Requires="p14">
+      <p:transition spd="med" p14:dur="700">
+        <p:fade/>
+      </p:transition>
+    </mc:Choice>
+    <mc:Fallback xmlns="">
+      <p:transition spd="med">
+        <p:fade/>
+      </p:transition>
+    </mc:Fallback>
+  </mc:AlternateContent>
+</p:sld>
+</file>
+
+<file path=ppt/slides/slide26.xml><?xml version="1.0" encoding="utf-8"?>
+<p:sld xmlns:a="http://schemas.openxmlformats.org/drawingml/2006/main" xmlns:r="http://schemas.openxmlformats.org/officeDocument/2006/relationships" xmlns:p="http://schemas.openxmlformats.org/presentationml/2006/main">
+  <p:cSld>
+    <p:spTree>
+      <p:nvGrpSpPr>
+        <p:cNvPr id="1" name=""/>
+        <p:cNvGrpSpPr/>
+        <p:nvPr/>
+      </p:nvGrpSpPr>
+      <p:grpSpPr>
+        <a:xfrm>
+          <a:off x="0" y="0"/>
+          <a:ext cx="0" cy="0"/>
+          <a:chOff x="0" y="0"/>
+          <a:chExt cx="0" cy="0"/>
+        </a:xfrm>
+      </p:grpSpPr>
+      <p:sp>
+        <p:nvSpPr>
+          <p:cNvPr id="2" name="Title 1"/>
+          <p:cNvSpPr>
+            <a:spLocks noGrp="1"/>
+          </p:cNvSpPr>
+          <p:nvPr>
+            <p:ph type="title"/>
+          </p:nvPr>
+        </p:nvSpPr>
+        <p:spPr/>
+        <p:txBody>
+          <a:bodyPr/>
+          <a:lstStyle/>
+          <a:p>
+            <a:endParaRPr lang="en-US"/>
+          </a:p>
+        </p:txBody>
+      </p:sp>
+      <p:sp>
+        <p:nvSpPr>
+          <p:cNvPr id="4" name="Text Placeholder 3"/>
+          <p:cNvSpPr>
+            <a:spLocks noGrp="1"/>
+          </p:cNvSpPr>
+          <p:nvPr>
+            <p:ph type="body" sz="half" idx="2"/>
+          </p:nvPr>
+        </p:nvSpPr>
+        <p:spPr/>
+        <p:txBody>
+          <a:bodyPr/>
+          <a:lstStyle/>
+          <a:p>
+            <a:endParaRPr lang="en-US"/>
+          </a:p>
+        </p:txBody>
+      </p:sp>
+      <p:pic>
+        <p:nvPicPr>
+          <p:cNvPr id="3" name="Picture 2"/>
+          <p:cNvPicPr>
+            <a:picLocks noChangeAspect="1"/>
+          </p:cNvPicPr>
+          <p:nvPr/>
+        </p:nvPicPr>
+        <p:blipFill>
+          <a:blip r:embed="rId2">
+            <a:extLst>
+              <a:ext uri="{28A0092B-C50C-407E-A947-70E740481C1C}">
+                <a14:useLocalDpi xmlns:a14="http://schemas.microsoft.com/office/drawing/2010/main" val="0"/>
+              </a:ext>
+            </a:extLst>
+          </a:blip>
+          <a:stretch>
+            <a:fillRect/>
+          </a:stretch>
+        </p:blipFill>
+        <p:spPr>
+          <a:xfrm>
+            <a:off x="1141412" y="892746"/>
+            <a:ext cx="4022534" cy="5257800"/>
+          </a:xfrm>
+          <a:prstGeom prst="rect">
+            <a:avLst/>
+          </a:prstGeom>
+        </p:spPr>
+      </p:pic>
+      <p:grpSp>
+        <p:nvGrpSpPr>
+          <p:cNvPr id="11" name="Group 10"/>
+          <p:cNvGrpSpPr/>
+          <p:nvPr/>
+        </p:nvGrpSpPr>
+        <p:grpSpPr>
+          <a:xfrm>
+            <a:off x="308258" y="227525"/>
+            <a:ext cx="1361508" cy="1330443"/>
+            <a:chOff x="2657475" y="1044575"/>
+            <a:chExt cx="4900613" cy="4900613"/>
+          </a:xfrm>
+          <a:solidFill>
+            <a:sysClr val="window" lastClr="FFFFFF"/>
+          </a:solidFill>
+        </p:grpSpPr>
+        <p:sp>
+          <p:nvSpPr>
+            <p:cNvPr id="12" name="Freeform 11"/>
+            <p:cNvSpPr>
+              <a:spLocks noEditPoints="1"/>
+            </p:cNvSpPr>
+            <p:nvPr/>
+          </p:nvSpPr>
+          <p:spPr bwMode="auto">
+            <a:xfrm>
+              <a:off x="2865438" y="1252538"/>
+              <a:ext cx="4484688" cy="4484688"/>
+            </a:xfrm>
+            <a:custGeom>
+              <a:avLst/>
+              <a:gdLst>
+                <a:gd name="T0" fmla="*/ 908 w 1816"/>
+                <a:gd name="T1" fmla="*/ 0 h 1816"/>
+                <a:gd name="T2" fmla="*/ 0 w 1816"/>
+                <a:gd name="T3" fmla="*/ 908 h 1816"/>
+                <a:gd name="T4" fmla="*/ 908 w 1816"/>
+                <a:gd name="T5" fmla="*/ 1816 h 1816"/>
+                <a:gd name="T6" fmla="*/ 1816 w 1816"/>
+                <a:gd name="T7" fmla="*/ 908 h 1816"/>
+                <a:gd name="T8" fmla="*/ 908 w 1816"/>
+                <a:gd name="T9" fmla="*/ 0 h 1816"/>
+                <a:gd name="T10" fmla="*/ 908 w 1816"/>
+                <a:gd name="T11" fmla="*/ 1798 h 1816"/>
+                <a:gd name="T12" fmla="*/ 18 w 1816"/>
+                <a:gd name="T13" fmla="*/ 908 h 1816"/>
+                <a:gd name="T14" fmla="*/ 908 w 1816"/>
+                <a:gd name="T15" fmla="*/ 18 h 1816"/>
+                <a:gd name="T16" fmla="*/ 1798 w 1816"/>
+                <a:gd name="T17" fmla="*/ 908 h 1816"/>
+                <a:gd name="T18" fmla="*/ 908 w 1816"/>
+                <a:gd name="T19" fmla="*/ 1798 h 1816"/>
+              </a:gdLst>
+              <a:ahLst/>
+              <a:cxnLst>
+                <a:cxn ang="0">
+                  <a:pos x="T0" y="T1"/>
+                </a:cxn>
+                <a:cxn ang="0">
+                  <a:pos x="T2" y="T3"/>
+                </a:cxn>
+                <a:cxn ang="0">
+                  <a:pos x="T4" y="T5"/>
+                </a:cxn>
+                <a:cxn ang="0">
+                  <a:pos x="T6" y="T7"/>
+                </a:cxn>
+                <a:cxn ang="0">
+                  <a:pos x="T8" y="T9"/>
+                </a:cxn>
+                <a:cxn ang="0">
+                  <a:pos x="T10" y="T11"/>
+                </a:cxn>
+                <a:cxn ang="0">
+                  <a:pos x="T12" y="T13"/>
+                </a:cxn>
+                <a:cxn ang="0">
+                  <a:pos x="T14" y="T15"/>
+                </a:cxn>
+                <a:cxn ang="0">
+                  <a:pos x="T16" y="T17"/>
+                </a:cxn>
+                <a:cxn ang="0">
+                  <a:pos x="T18" y="T19"/>
+                </a:cxn>
+              </a:cxnLst>
+              <a:rect l="0" t="0" r="r" b="b"/>
+              <a:pathLst>
+                <a:path w="1816" h="1816">
+                  <a:moveTo>
+                    <a:pt x="908" y="0"/>
+                  </a:moveTo>
+                  <a:cubicBezTo>
+                    <a:pt x="407" y="0"/>
+                    <a:pt x="0" y="407"/>
+                    <a:pt x="0" y="908"/>
+                  </a:cubicBezTo>
+                  <a:cubicBezTo>
+                    <a:pt x="0" y="1409"/>
+                    <a:pt x="407" y="1816"/>
+                    <a:pt x="908" y="1816"/>
+                  </a:cubicBezTo>
+                  <a:cubicBezTo>
+                    <a:pt x="1409" y="1816"/>
+                    <a:pt x="1816" y="1409"/>
+                    <a:pt x="1816" y="908"/>
+                  </a:cubicBezTo>
+                  <a:cubicBezTo>
+                    <a:pt x="1816" y="407"/>
+                    <a:pt x="1409" y="0"/>
+                    <a:pt x="908" y="0"/>
+                  </a:cubicBezTo>
+                  <a:close/>
+                  <a:moveTo>
+                    <a:pt x="908" y="1798"/>
+                  </a:moveTo>
+                  <a:cubicBezTo>
+                    <a:pt x="416" y="1798"/>
+                    <a:pt x="18" y="1400"/>
+                    <a:pt x="18" y="908"/>
+                  </a:cubicBezTo>
+                  <a:cubicBezTo>
+                    <a:pt x="18" y="416"/>
+                    <a:pt x="416" y="18"/>
+                    <a:pt x="908" y="18"/>
+                  </a:cubicBezTo>
+                  <a:cubicBezTo>
+                    <a:pt x="1400" y="18"/>
+                    <a:pt x="1798" y="416"/>
+                    <a:pt x="1798" y="908"/>
+                  </a:cubicBezTo>
+                  <a:cubicBezTo>
+                    <a:pt x="1798" y="1400"/>
+                    <a:pt x="1400" y="1798"/>
+                    <a:pt x="908" y="1798"/>
+                  </a:cubicBezTo>
+                  <a:close/>
+                </a:path>
+              </a:pathLst>
+            </a:custGeom>
+            <a:solidFill>
+              <a:srgbClr val="D32E2E"/>
+            </a:solidFill>
+            <a:ln>
+              <a:noFill/>
+            </a:ln>
+            <a:extLst>
+              <a:ext uri="{91240B29-F687-4F45-9708-019B960494DF}">
+                <a14:hiddenLine xmlns:a14="http://schemas.microsoft.com/office/drawing/2010/main" w="9525">
+                  <a:solidFill>
+                    <a:srgbClr val="000000"/>
+                  </a:solidFill>
+                  <a:round/>
+                  <a:headEnd/>
+                  <a:tailEnd/>
+                </a14:hiddenLine>
+              </a:ext>
+            </a:extLst>
+          </p:spPr>
+          <p:txBody>
+            <a:bodyPr vert="horz" wrap="square" lIns="91440" tIns="45720" rIns="91440" bIns="45720" numCol="1" anchor="t" anchorCtr="0" compatLnSpc="1">
+              <a:prstTxWarp prst="textNoShape">
+                <a:avLst/>
+              </a:prstTxWarp>
+            </a:bodyPr>
+            <a:lstStyle/>
+            <a:p>
+              <a:pPr marL="0" marR="0" lvl="0" indent="0" defTabSz="914400" eaLnBrk="1" fontAlgn="auto" latinLnBrk="0" hangingPunct="1">
+                <a:lnSpc>
+                  <a:spcPct val="100000"/>
+                </a:lnSpc>
+                <a:spcBef>
+                  <a:spcPts val="0"/>
+                </a:spcBef>
+                <a:spcAft>
+                  <a:spcPts val="0"/>
+                </a:spcAft>
+                <a:buClrTx/>
+                <a:buSzTx/>
+                <a:buFontTx/>
+                <a:buNone/>
+                <a:tabLst/>
+                <a:defRPr/>
+              </a:pPr>
+              <a:endParaRPr kumimoji="0" lang="en-US" sz="1800" b="0" i="0" u="none" strike="noStrike" kern="0" cap="none" spc="0" normalizeH="0" baseline="0" noProof="0" smtClean="0">
+                <a:ln>
+                  <a:noFill/>
+                </a:ln>
+                <a:solidFill>
+                  <a:prstClr val="black"/>
+                </a:solidFill>
+                <a:effectLst/>
+                <a:uLnTx/>
+                <a:uFillTx/>
+                <a:latin typeface="Century Gothic"/>
+              </a:endParaRPr>
+            </a:p>
+          </p:txBody>
+        </p:sp>
+        <p:sp>
+          <p:nvSpPr>
+            <p:cNvPr id="13" name="Freeform 12"/>
+            <p:cNvSpPr>
+              <a:spLocks noEditPoints="1"/>
+            </p:cNvSpPr>
+            <p:nvPr/>
+          </p:nvSpPr>
+          <p:spPr bwMode="auto">
+            <a:xfrm>
+              <a:off x="2657475" y="1044575"/>
+              <a:ext cx="4900613" cy="4900613"/>
+            </a:xfrm>
+            <a:custGeom>
+              <a:avLst/>
+              <a:gdLst>
+                <a:gd name="T0" fmla="*/ 992 w 1984"/>
+                <a:gd name="T1" fmla="*/ 0 h 1984"/>
+                <a:gd name="T2" fmla="*/ 0 w 1984"/>
+                <a:gd name="T3" fmla="*/ 992 h 1984"/>
+                <a:gd name="T4" fmla="*/ 992 w 1984"/>
+                <a:gd name="T5" fmla="*/ 1984 h 1984"/>
+                <a:gd name="T6" fmla="*/ 1984 w 1984"/>
+                <a:gd name="T7" fmla="*/ 992 h 1984"/>
+                <a:gd name="T8" fmla="*/ 992 w 1984"/>
+                <a:gd name="T9" fmla="*/ 0 h 1984"/>
+                <a:gd name="T10" fmla="*/ 992 w 1984"/>
+                <a:gd name="T11" fmla="*/ 1934 h 1984"/>
+                <a:gd name="T12" fmla="*/ 50 w 1984"/>
+                <a:gd name="T13" fmla="*/ 992 h 1984"/>
+                <a:gd name="T14" fmla="*/ 992 w 1984"/>
+                <a:gd name="T15" fmla="*/ 50 h 1984"/>
+                <a:gd name="T16" fmla="*/ 1934 w 1984"/>
+                <a:gd name="T17" fmla="*/ 992 h 1984"/>
+                <a:gd name="T18" fmla="*/ 992 w 1984"/>
+                <a:gd name="T19" fmla="*/ 1934 h 1984"/>
+              </a:gdLst>
+              <a:ahLst/>
+              <a:cxnLst>
+                <a:cxn ang="0">
+                  <a:pos x="T0" y="T1"/>
+                </a:cxn>
+                <a:cxn ang="0">
+                  <a:pos x="T2" y="T3"/>
+                </a:cxn>
+                <a:cxn ang="0">
+                  <a:pos x="T4" y="T5"/>
+                </a:cxn>
+                <a:cxn ang="0">
+                  <a:pos x="T6" y="T7"/>
+                </a:cxn>
+                <a:cxn ang="0">
+                  <a:pos x="T8" y="T9"/>
+                </a:cxn>
+                <a:cxn ang="0">
+                  <a:pos x="T10" y="T11"/>
+                </a:cxn>
+                <a:cxn ang="0">
+                  <a:pos x="T12" y="T13"/>
+                </a:cxn>
+                <a:cxn ang="0">
+                  <a:pos x="T14" y="T15"/>
+                </a:cxn>
+                <a:cxn ang="0">
+                  <a:pos x="T16" y="T17"/>
+                </a:cxn>
+                <a:cxn ang="0">
+                  <a:pos x="T18" y="T19"/>
+                </a:cxn>
+              </a:cxnLst>
+              <a:rect l="0" t="0" r="r" b="b"/>
+              <a:pathLst>
+                <a:path w="1984" h="1984">
+                  <a:moveTo>
+                    <a:pt x="992" y="0"/>
+                  </a:moveTo>
+                  <a:cubicBezTo>
+                    <a:pt x="444" y="0"/>
+                    <a:pt x="0" y="444"/>
+                    <a:pt x="0" y="992"/>
+                  </a:cubicBezTo>
+                  <a:cubicBezTo>
+                    <a:pt x="0" y="1540"/>
+                    <a:pt x="444" y="1984"/>
+                    <a:pt x="992" y="1984"/>
+                  </a:cubicBezTo>
+                  <a:cubicBezTo>
+                    <a:pt x="1540" y="1984"/>
+                    <a:pt x="1984" y="1540"/>
+                    <a:pt x="1984" y="992"/>
+                  </a:cubicBezTo>
+                  <a:cubicBezTo>
+                    <a:pt x="1984" y="444"/>
+                    <a:pt x="1540" y="0"/>
+                    <a:pt x="992" y="0"/>
+                  </a:cubicBezTo>
+                  <a:close/>
+                  <a:moveTo>
+                    <a:pt x="992" y="1934"/>
+                  </a:moveTo>
+                  <a:cubicBezTo>
+                    <a:pt x="472" y="1934"/>
+                    <a:pt x="50" y="1512"/>
+                    <a:pt x="50" y="992"/>
+                  </a:cubicBezTo>
+                  <a:cubicBezTo>
+                    <a:pt x="50" y="472"/>
+                    <a:pt x="472" y="50"/>
+                    <a:pt x="992" y="50"/>
+                  </a:cubicBezTo>
+                  <a:cubicBezTo>
+                    <a:pt x="1512" y="50"/>
+                    <a:pt x="1934" y="472"/>
+                    <a:pt x="1934" y="992"/>
+                  </a:cubicBezTo>
+                  <a:cubicBezTo>
+                    <a:pt x="1934" y="1512"/>
+                    <a:pt x="1512" y="1934"/>
+                    <a:pt x="992" y="1934"/>
+                  </a:cubicBezTo>
+                  <a:close/>
+                </a:path>
+              </a:pathLst>
+            </a:custGeom>
+            <a:solidFill>
+              <a:srgbClr val="D32E2E"/>
+            </a:solidFill>
+            <a:ln>
+              <a:noFill/>
+            </a:ln>
+            <a:extLst>
+              <a:ext uri="{91240B29-F687-4F45-9708-019B960494DF}">
+                <a14:hiddenLine xmlns:a14="http://schemas.microsoft.com/office/drawing/2010/main" w="9525">
+                  <a:solidFill>
+                    <a:srgbClr val="000000"/>
+                  </a:solidFill>
+                  <a:round/>
+                  <a:headEnd/>
+                  <a:tailEnd/>
+                </a14:hiddenLine>
+              </a:ext>
+            </a:extLst>
+          </p:spPr>
+          <p:txBody>
+            <a:bodyPr vert="horz" wrap="square" lIns="91440" tIns="45720" rIns="91440" bIns="45720" numCol="1" anchor="t" anchorCtr="0" compatLnSpc="1">
+              <a:prstTxWarp prst="textNoShape">
+                <a:avLst/>
+              </a:prstTxWarp>
+            </a:bodyPr>
+            <a:lstStyle/>
+            <a:p>
+              <a:pPr marL="0" marR="0" lvl="0" indent="0" defTabSz="914400" eaLnBrk="1" fontAlgn="auto" latinLnBrk="0" hangingPunct="1">
+                <a:lnSpc>
+                  <a:spcPct val="100000"/>
+                </a:lnSpc>
+                <a:spcBef>
+                  <a:spcPts val="0"/>
+                </a:spcBef>
+                <a:spcAft>
+                  <a:spcPts val="0"/>
+                </a:spcAft>
+                <a:buClrTx/>
+                <a:buSzTx/>
+                <a:buFontTx/>
+                <a:buNone/>
+                <a:tabLst/>
+                <a:defRPr/>
+              </a:pPr>
+              <a:endParaRPr kumimoji="0" lang="en-US" sz="1800" b="0" i="0" u="none" strike="noStrike" kern="0" cap="none" spc="0" normalizeH="0" baseline="0" noProof="0" smtClean="0">
+                <a:ln>
+                  <a:noFill/>
+                </a:ln>
+                <a:solidFill>
+                  <a:prstClr val="black"/>
+                </a:solidFill>
+                <a:effectLst/>
+                <a:uLnTx/>
+                <a:uFillTx/>
+                <a:latin typeface="Century Gothic"/>
+              </a:endParaRPr>
+            </a:p>
+          </p:txBody>
+        </p:sp>
+      </p:grpSp>
+      <p:pic>
+        <p:nvPicPr>
+          <p:cNvPr id="14" name="Picture 13"/>
+          <p:cNvPicPr>
+            <a:picLocks noChangeAspect="1"/>
+          </p:cNvPicPr>
+          <p:nvPr/>
+        </p:nvPicPr>
+        <p:blipFill>
+          <a:blip r:embed="rId3" cstate="print">
+            <a:extLst>
+              <a:ext uri="{28A0092B-C50C-407E-A947-70E740481C1C}">
+                <a14:useLocalDpi xmlns:a14="http://schemas.microsoft.com/office/drawing/2010/main" val="0"/>
+              </a:ext>
+            </a:extLst>
+          </a:blip>
+          <a:stretch>
+            <a:fillRect/>
+          </a:stretch>
+        </p:blipFill>
+        <p:spPr>
+          <a:xfrm>
+            <a:off x="440872" y="337461"/>
+            <a:ext cx="1096280" cy="1096280"/>
+          </a:xfrm>
+          <a:prstGeom prst="rect">
+            <a:avLst/>
+          </a:prstGeom>
+        </p:spPr>
+      </p:pic>
+    </p:spTree>
+    <p:extLst>
+      <p:ext uri="{BB962C8B-B14F-4D97-AF65-F5344CB8AC3E}">
+        <p14:creationId xmlns:p14="http://schemas.microsoft.com/office/powerpoint/2010/main" val="1537447573"/>
+      </p:ext>
+    </p:extLst>
+  </p:cSld>
+  <p:clrMapOvr>
+    <a:masterClrMapping/>
+  </p:clrMapOvr>
+  <mc:AlternateContent xmlns:mc="http://schemas.openxmlformats.org/markup-compatibility/2006" xmlns:p14="http://schemas.microsoft.com/office/powerpoint/2010/main">
+    <mc:Choice Requires="p14">
+      <p:transition spd="med" p14:dur="700">
+        <p:fade/>
+      </p:transition>
+    </mc:Choice>
+    <mc:Fallback xmlns="">
+      <p:transition spd="med">
+        <p:fade/>
+      </p:transition>
+    </mc:Fallback>
+  </mc:AlternateContent>
+  <p:timing>
+    <p:tnLst>
+      <p:par>
+        <p:cTn id="1" dur="indefinite" restart="never" nodeType="tmRoot">
+          <p:childTnLst>
+            <p:seq concurrent="1" nextAc="seek">
+              <p:cTn id="2" dur="indefinite" nodeType="mainSeq">
+                <p:childTnLst>
+                  <p:par>
+                    <p:cTn id="3" fill="hold">
+                      <p:stCondLst>
+                        <p:cond delay="indefinite"/>
+                      </p:stCondLst>
+                      <p:childTnLst>
+                        <p:par>
+                          <p:cTn id="4" fill="hold">
+                            <p:stCondLst>
+                              <p:cond delay="0"/>
+                            </p:stCondLst>
+                            <p:childTnLst>
+                              <p:par>
+                                <p:cTn id="5" presetID="22" presetClass="entr" presetSubtype="1" fill="hold" nodeType="clickEffect">
+                                  <p:stCondLst>
+                                    <p:cond delay="0"/>
+                                  </p:stCondLst>
+                                  <p:childTnLst>
+                                    <p:set>
+                                      <p:cBhvr>
+                                        <p:cTn id="6" dur="1" fill="hold">
+                                          <p:stCondLst>
+                                            <p:cond delay="0"/>
+                                          </p:stCondLst>
+                                        </p:cTn>
+                                        <p:tgtEl>
+                                          <p:spTgt spid="3"/>
+                                        </p:tgtEl>
+                                        <p:attrNameLst>
+                                          <p:attrName>style.visibility</p:attrName>
+                                        </p:attrNameLst>
+                                      </p:cBhvr>
+                                      <p:to>
+                                        <p:strVal val="visible"/>
+                                      </p:to>
+                                    </p:set>
+                                    <p:animEffect transition="in" filter="wipe(up)">
+                                      <p:cBhvr>
+                                        <p:cTn id="7" dur="500"/>
+                                        <p:tgtEl>
+                                          <p:spTgt spid="3"/>
+                                        </p:tgtEl>
+                                      </p:cBhvr>
+                                    </p:animEffect>
+                                  </p:childTnLst>
+                                </p:cTn>
+                              </p:par>
+                            </p:childTnLst>
+                          </p:cTn>
+                        </p:par>
+                      </p:childTnLst>
+                    </p:cTn>
+                  </p:par>
+                </p:childTnLst>
+              </p:cTn>
+              <p:prevCondLst>
+                <p:cond evt="onPrev" delay="0">
+                  <p:tgtEl>
+                    <p:sldTgt/>
+                  </p:tgtEl>
+                </p:cond>
+              </p:prevCondLst>
+              <p:nextCondLst>
+                <p:cond evt="onNext" delay="0">
+                  <p:tgtEl>
+                    <p:sldTgt/>
+                  </p:tgtEl>
+                </p:cond>
+              </p:nextCondLst>
+            </p:seq>
+          </p:childTnLst>
+        </p:cTn>
+      </p:par>
+    </p:tnLst>
+  </p:timing>
+</p:sld>
+</file>
+
+<file path=ppt/slides/slide27.xml><?xml version="1.0" encoding="utf-8"?>
+<p:sld xmlns:a="http://schemas.openxmlformats.org/drawingml/2006/main" xmlns:r="http://schemas.openxmlformats.org/officeDocument/2006/relationships" xmlns:p="http://schemas.openxmlformats.org/presentationml/2006/main">
+  <p:cSld>
+    <p:spTree>
+      <p:nvGrpSpPr>
+        <p:cNvPr id="1" name=""/>
+        <p:cNvGrpSpPr/>
+        <p:nvPr/>
+      </p:nvGrpSpPr>
+      <p:grpSpPr>
+        <a:xfrm>
+          <a:off x="0" y="0"/>
+          <a:ext cx="0" cy="0"/>
+          <a:chOff x="0" y="0"/>
+          <a:chExt cx="0" cy="0"/>
+        </a:xfrm>
+      </p:grpSpPr>
+      <p:sp>
+        <p:nvSpPr>
+          <p:cNvPr id="2" name="Title 1"/>
+          <p:cNvSpPr>
+            <a:spLocks noGrp="1"/>
+          </p:cNvSpPr>
+          <p:nvPr>
+            <p:ph type="title"/>
+          </p:nvPr>
+        </p:nvSpPr>
+        <p:spPr/>
+        <p:txBody>
+          <a:bodyPr/>
+          <a:lstStyle/>
+          <a:p>
+            <a:endParaRPr lang="en-US"/>
+          </a:p>
+        </p:txBody>
+      </p:sp>
+      <p:sp>
+        <p:nvSpPr>
+          <p:cNvPr id="4" name="Text Placeholder 3"/>
+          <p:cNvSpPr>
+            <a:spLocks noGrp="1"/>
+          </p:cNvSpPr>
+          <p:nvPr>
+            <p:ph type="body" sz="half" idx="2"/>
+          </p:nvPr>
+        </p:nvSpPr>
+        <p:spPr/>
+        <p:txBody>
+          <a:bodyPr/>
+          <a:lstStyle/>
+          <a:p>
+            <a:endParaRPr lang="en-US"/>
+          </a:p>
+        </p:txBody>
+      </p:sp>
+      <p:pic>
+        <p:nvPicPr>
+          <p:cNvPr id="3" name="Picture 2"/>
+          <p:cNvPicPr>
+            <a:picLocks noChangeAspect="1"/>
+          </p:cNvPicPr>
+          <p:nvPr/>
+        </p:nvPicPr>
+        <p:blipFill>
+          <a:blip r:embed="rId2">
+            <a:extLst>
+              <a:ext uri="{28A0092B-C50C-407E-A947-70E740481C1C}">
+                <a14:useLocalDpi xmlns:a14="http://schemas.microsoft.com/office/drawing/2010/main" val="0"/>
+              </a:ext>
+            </a:extLst>
+          </a:blip>
+          <a:stretch>
+            <a:fillRect/>
+          </a:stretch>
+        </p:blipFill>
+        <p:spPr>
+          <a:xfrm>
+            <a:off x="1141412" y="961476"/>
+            <a:ext cx="4155878" cy="5400477"/>
+          </a:xfrm>
+          <a:prstGeom prst="rect">
+            <a:avLst/>
+          </a:prstGeom>
+        </p:spPr>
+      </p:pic>
+      <p:grpSp>
+        <p:nvGrpSpPr>
+          <p:cNvPr id="11" name="Group 10"/>
+          <p:cNvGrpSpPr/>
+          <p:nvPr/>
+        </p:nvGrpSpPr>
+        <p:grpSpPr>
+          <a:xfrm>
+            <a:off x="308258" y="227525"/>
+            <a:ext cx="1361508" cy="1330443"/>
+            <a:chOff x="2657475" y="1044575"/>
+            <a:chExt cx="4900613" cy="4900613"/>
+          </a:xfrm>
+          <a:solidFill>
+            <a:sysClr val="window" lastClr="FFFFFF"/>
+          </a:solidFill>
+        </p:grpSpPr>
+        <p:sp>
+          <p:nvSpPr>
+            <p:cNvPr id="12" name="Freeform 11"/>
+            <p:cNvSpPr>
+              <a:spLocks noEditPoints="1"/>
+            </p:cNvSpPr>
+            <p:nvPr/>
+          </p:nvSpPr>
+          <p:spPr bwMode="auto">
+            <a:xfrm>
+              <a:off x="2865438" y="1252538"/>
+              <a:ext cx="4484688" cy="4484688"/>
+            </a:xfrm>
+            <a:custGeom>
+              <a:avLst/>
+              <a:gdLst>
+                <a:gd name="T0" fmla="*/ 908 w 1816"/>
+                <a:gd name="T1" fmla="*/ 0 h 1816"/>
+                <a:gd name="T2" fmla="*/ 0 w 1816"/>
+                <a:gd name="T3" fmla="*/ 908 h 1816"/>
+                <a:gd name="T4" fmla="*/ 908 w 1816"/>
+                <a:gd name="T5" fmla="*/ 1816 h 1816"/>
+                <a:gd name="T6" fmla="*/ 1816 w 1816"/>
+                <a:gd name="T7" fmla="*/ 908 h 1816"/>
+                <a:gd name="T8" fmla="*/ 908 w 1816"/>
+                <a:gd name="T9" fmla="*/ 0 h 1816"/>
+                <a:gd name="T10" fmla="*/ 908 w 1816"/>
+                <a:gd name="T11" fmla="*/ 1798 h 1816"/>
+                <a:gd name="T12" fmla="*/ 18 w 1816"/>
+                <a:gd name="T13" fmla="*/ 908 h 1816"/>
+                <a:gd name="T14" fmla="*/ 908 w 1816"/>
+                <a:gd name="T15" fmla="*/ 18 h 1816"/>
+                <a:gd name="T16" fmla="*/ 1798 w 1816"/>
+                <a:gd name="T17" fmla="*/ 908 h 1816"/>
+                <a:gd name="T18" fmla="*/ 908 w 1816"/>
+                <a:gd name="T19" fmla="*/ 1798 h 1816"/>
+              </a:gdLst>
+              <a:ahLst/>
+              <a:cxnLst>
+                <a:cxn ang="0">
+                  <a:pos x="T0" y="T1"/>
+                </a:cxn>
+                <a:cxn ang="0">
+                  <a:pos x="T2" y="T3"/>
+                </a:cxn>
+                <a:cxn ang="0">
+                  <a:pos x="T4" y="T5"/>
+                </a:cxn>
+                <a:cxn ang="0">
+                  <a:pos x="T6" y="T7"/>
+                </a:cxn>
+                <a:cxn ang="0">
+                  <a:pos x="T8" y="T9"/>
+                </a:cxn>
+                <a:cxn ang="0">
+                  <a:pos x="T10" y="T11"/>
+                </a:cxn>
+                <a:cxn ang="0">
+                  <a:pos x="T12" y="T13"/>
+                </a:cxn>
+                <a:cxn ang="0">
+                  <a:pos x="T14" y="T15"/>
+                </a:cxn>
+                <a:cxn ang="0">
+                  <a:pos x="T16" y="T17"/>
+                </a:cxn>
+                <a:cxn ang="0">
+                  <a:pos x="T18" y="T19"/>
+                </a:cxn>
+              </a:cxnLst>
+              <a:rect l="0" t="0" r="r" b="b"/>
+              <a:pathLst>
+                <a:path w="1816" h="1816">
+                  <a:moveTo>
+                    <a:pt x="908" y="0"/>
+                  </a:moveTo>
+                  <a:cubicBezTo>
+                    <a:pt x="407" y="0"/>
+                    <a:pt x="0" y="407"/>
+                    <a:pt x="0" y="908"/>
+                  </a:cubicBezTo>
+                  <a:cubicBezTo>
+                    <a:pt x="0" y="1409"/>
+                    <a:pt x="407" y="1816"/>
+                    <a:pt x="908" y="1816"/>
+                  </a:cubicBezTo>
+                  <a:cubicBezTo>
+                    <a:pt x="1409" y="1816"/>
+                    <a:pt x="1816" y="1409"/>
+                    <a:pt x="1816" y="908"/>
+                  </a:cubicBezTo>
+                  <a:cubicBezTo>
+                    <a:pt x="1816" y="407"/>
+                    <a:pt x="1409" y="0"/>
+                    <a:pt x="908" y="0"/>
+                  </a:cubicBezTo>
+                  <a:close/>
+                  <a:moveTo>
+                    <a:pt x="908" y="1798"/>
+                  </a:moveTo>
+                  <a:cubicBezTo>
+                    <a:pt x="416" y="1798"/>
+                    <a:pt x="18" y="1400"/>
+                    <a:pt x="18" y="908"/>
+                  </a:cubicBezTo>
+                  <a:cubicBezTo>
+                    <a:pt x="18" y="416"/>
+                    <a:pt x="416" y="18"/>
+                    <a:pt x="908" y="18"/>
+                  </a:cubicBezTo>
+                  <a:cubicBezTo>
+                    <a:pt x="1400" y="18"/>
+                    <a:pt x="1798" y="416"/>
+                    <a:pt x="1798" y="908"/>
+                  </a:cubicBezTo>
+                  <a:cubicBezTo>
+                    <a:pt x="1798" y="1400"/>
+                    <a:pt x="1400" y="1798"/>
+                    <a:pt x="908" y="1798"/>
+                  </a:cubicBezTo>
+                  <a:close/>
+                </a:path>
+              </a:pathLst>
+            </a:custGeom>
+            <a:solidFill>
+              <a:srgbClr val="D32E2E"/>
+            </a:solidFill>
+            <a:ln>
+              <a:noFill/>
+            </a:ln>
+            <a:extLst>
+              <a:ext uri="{91240B29-F687-4F45-9708-019B960494DF}">
+                <a14:hiddenLine xmlns:a14="http://schemas.microsoft.com/office/drawing/2010/main" w="9525">
+                  <a:solidFill>
+                    <a:srgbClr val="000000"/>
+                  </a:solidFill>
+                  <a:round/>
+                  <a:headEnd/>
+                  <a:tailEnd/>
+                </a14:hiddenLine>
+              </a:ext>
+            </a:extLst>
+          </p:spPr>
+          <p:txBody>
+            <a:bodyPr vert="horz" wrap="square" lIns="91440" tIns="45720" rIns="91440" bIns="45720" numCol="1" anchor="t" anchorCtr="0" compatLnSpc="1">
+              <a:prstTxWarp prst="textNoShape">
+                <a:avLst/>
+              </a:prstTxWarp>
+            </a:bodyPr>
+            <a:lstStyle/>
+            <a:p>
+              <a:pPr marL="0" marR="0" lvl="0" indent="0" defTabSz="914400" eaLnBrk="1" fontAlgn="auto" latinLnBrk="0" hangingPunct="1">
+                <a:lnSpc>
+                  <a:spcPct val="100000"/>
+                </a:lnSpc>
+                <a:spcBef>
+                  <a:spcPts val="0"/>
+                </a:spcBef>
+                <a:spcAft>
+                  <a:spcPts val="0"/>
+                </a:spcAft>
+                <a:buClrTx/>
+                <a:buSzTx/>
+                <a:buFontTx/>
+                <a:buNone/>
+                <a:tabLst/>
+                <a:defRPr/>
+              </a:pPr>
+              <a:endParaRPr kumimoji="0" lang="en-US" sz="1800" b="0" i="0" u="none" strike="noStrike" kern="0" cap="none" spc="0" normalizeH="0" baseline="0" noProof="0" smtClean="0">
+                <a:ln>
+                  <a:noFill/>
+                </a:ln>
+                <a:solidFill>
+                  <a:prstClr val="black"/>
+                </a:solidFill>
+                <a:effectLst/>
+                <a:uLnTx/>
+                <a:uFillTx/>
+                <a:latin typeface="Century Gothic"/>
+              </a:endParaRPr>
+            </a:p>
+          </p:txBody>
+        </p:sp>
+        <p:sp>
+          <p:nvSpPr>
+            <p:cNvPr id="13" name="Freeform 12"/>
+            <p:cNvSpPr>
+              <a:spLocks noEditPoints="1"/>
+            </p:cNvSpPr>
+            <p:nvPr/>
+          </p:nvSpPr>
+          <p:spPr bwMode="auto">
+            <a:xfrm>
+              <a:off x="2657475" y="1044575"/>
+              <a:ext cx="4900613" cy="4900613"/>
+            </a:xfrm>
+            <a:custGeom>
+              <a:avLst/>
+              <a:gdLst>
+                <a:gd name="T0" fmla="*/ 992 w 1984"/>
+                <a:gd name="T1" fmla="*/ 0 h 1984"/>
+                <a:gd name="T2" fmla="*/ 0 w 1984"/>
+                <a:gd name="T3" fmla="*/ 992 h 1984"/>
+                <a:gd name="T4" fmla="*/ 992 w 1984"/>
+                <a:gd name="T5" fmla="*/ 1984 h 1984"/>
+                <a:gd name="T6" fmla="*/ 1984 w 1984"/>
+                <a:gd name="T7" fmla="*/ 992 h 1984"/>
+                <a:gd name="T8" fmla="*/ 992 w 1984"/>
+                <a:gd name="T9" fmla="*/ 0 h 1984"/>
+                <a:gd name="T10" fmla="*/ 992 w 1984"/>
+                <a:gd name="T11" fmla="*/ 1934 h 1984"/>
+                <a:gd name="T12" fmla="*/ 50 w 1984"/>
+                <a:gd name="T13" fmla="*/ 992 h 1984"/>
+                <a:gd name="T14" fmla="*/ 992 w 1984"/>
+                <a:gd name="T15" fmla="*/ 50 h 1984"/>
+                <a:gd name="T16" fmla="*/ 1934 w 1984"/>
+                <a:gd name="T17" fmla="*/ 992 h 1984"/>
+                <a:gd name="T18" fmla="*/ 992 w 1984"/>
+                <a:gd name="T19" fmla="*/ 1934 h 1984"/>
+              </a:gdLst>
+              <a:ahLst/>
+              <a:cxnLst>
+                <a:cxn ang="0">
+                  <a:pos x="T0" y="T1"/>
+                </a:cxn>
+                <a:cxn ang="0">
+                  <a:pos x="T2" y="T3"/>
+                </a:cxn>
+                <a:cxn ang="0">
+                  <a:pos x="T4" y="T5"/>
+                </a:cxn>
+                <a:cxn ang="0">
+                  <a:pos x="T6" y="T7"/>
+                </a:cxn>
+                <a:cxn ang="0">
+                  <a:pos x="T8" y="T9"/>
+                </a:cxn>
+                <a:cxn ang="0">
+                  <a:pos x="T10" y="T11"/>
+                </a:cxn>
+                <a:cxn ang="0">
+                  <a:pos x="T12" y="T13"/>
+                </a:cxn>
+                <a:cxn ang="0">
+                  <a:pos x="T14" y="T15"/>
+                </a:cxn>
+                <a:cxn ang="0">
+                  <a:pos x="T16" y="T17"/>
+                </a:cxn>
+                <a:cxn ang="0">
+                  <a:pos x="T18" y="T19"/>
+                </a:cxn>
+              </a:cxnLst>
+              <a:rect l="0" t="0" r="r" b="b"/>
+              <a:pathLst>
+                <a:path w="1984" h="1984">
+                  <a:moveTo>
+                    <a:pt x="992" y="0"/>
+                  </a:moveTo>
+                  <a:cubicBezTo>
+                    <a:pt x="444" y="0"/>
+                    <a:pt x="0" y="444"/>
+                    <a:pt x="0" y="992"/>
+                  </a:cubicBezTo>
+                  <a:cubicBezTo>
+                    <a:pt x="0" y="1540"/>
+                    <a:pt x="444" y="1984"/>
+                    <a:pt x="992" y="1984"/>
+                  </a:cubicBezTo>
+                  <a:cubicBezTo>
+                    <a:pt x="1540" y="1984"/>
+                    <a:pt x="1984" y="1540"/>
+                    <a:pt x="1984" y="992"/>
+                  </a:cubicBezTo>
+                  <a:cubicBezTo>
+                    <a:pt x="1984" y="444"/>
+                    <a:pt x="1540" y="0"/>
+                    <a:pt x="992" y="0"/>
+                  </a:cubicBezTo>
+                  <a:close/>
+                  <a:moveTo>
+                    <a:pt x="992" y="1934"/>
+                  </a:moveTo>
+                  <a:cubicBezTo>
+                    <a:pt x="472" y="1934"/>
+                    <a:pt x="50" y="1512"/>
+                    <a:pt x="50" y="992"/>
+                  </a:cubicBezTo>
+                  <a:cubicBezTo>
+                    <a:pt x="50" y="472"/>
+                    <a:pt x="472" y="50"/>
+                    <a:pt x="992" y="50"/>
+                  </a:cubicBezTo>
+                  <a:cubicBezTo>
+                    <a:pt x="1512" y="50"/>
+                    <a:pt x="1934" y="472"/>
+                    <a:pt x="1934" y="992"/>
+                  </a:cubicBezTo>
+                  <a:cubicBezTo>
+                    <a:pt x="1934" y="1512"/>
+                    <a:pt x="1512" y="1934"/>
+                    <a:pt x="992" y="1934"/>
+                  </a:cubicBezTo>
+                  <a:close/>
+                </a:path>
+              </a:pathLst>
+            </a:custGeom>
+            <a:solidFill>
+              <a:srgbClr val="D32E2E"/>
+            </a:solidFill>
+            <a:ln>
+              <a:noFill/>
+            </a:ln>
+            <a:extLst>
+              <a:ext uri="{91240B29-F687-4F45-9708-019B960494DF}">
+                <a14:hiddenLine xmlns:a14="http://schemas.microsoft.com/office/drawing/2010/main" w="9525">
+                  <a:solidFill>
+                    <a:srgbClr val="000000"/>
+                  </a:solidFill>
+                  <a:round/>
+                  <a:headEnd/>
+                  <a:tailEnd/>
+                </a14:hiddenLine>
+              </a:ext>
+            </a:extLst>
+          </p:spPr>
+          <p:txBody>
+            <a:bodyPr vert="horz" wrap="square" lIns="91440" tIns="45720" rIns="91440" bIns="45720" numCol="1" anchor="t" anchorCtr="0" compatLnSpc="1">
+              <a:prstTxWarp prst="textNoShape">
+                <a:avLst/>
+              </a:prstTxWarp>
+            </a:bodyPr>
+            <a:lstStyle/>
+            <a:p>
+              <a:pPr marL="0" marR="0" lvl="0" indent="0" defTabSz="914400" eaLnBrk="1" fontAlgn="auto" latinLnBrk="0" hangingPunct="1">
+                <a:lnSpc>
+                  <a:spcPct val="100000"/>
+                </a:lnSpc>
+                <a:spcBef>
+                  <a:spcPts val="0"/>
+                </a:spcBef>
+                <a:spcAft>
+                  <a:spcPts val="0"/>
+                </a:spcAft>
+                <a:buClrTx/>
+                <a:buSzTx/>
+                <a:buFontTx/>
+                <a:buNone/>
+                <a:tabLst/>
+                <a:defRPr/>
+              </a:pPr>
+              <a:endParaRPr kumimoji="0" lang="en-US" sz="1800" b="0" i="0" u="none" strike="noStrike" kern="0" cap="none" spc="0" normalizeH="0" baseline="0" noProof="0" smtClean="0">
+                <a:ln>
+                  <a:noFill/>
+                </a:ln>
+                <a:solidFill>
+                  <a:prstClr val="black"/>
+                </a:solidFill>
+                <a:effectLst/>
+                <a:uLnTx/>
+                <a:uFillTx/>
+                <a:latin typeface="Century Gothic"/>
+              </a:endParaRPr>
+            </a:p>
+          </p:txBody>
+        </p:sp>
+      </p:grpSp>
+      <p:pic>
+        <p:nvPicPr>
+          <p:cNvPr id="14" name="Picture 13"/>
+          <p:cNvPicPr>
+            <a:picLocks noChangeAspect="1"/>
+          </p:cNvPicPr>
+          <p:nvPr/>
+        </p:nvPicPr>
+        <p:blipFill>
+          <a:blip r:embed="rId3" cstate="print">
+            <a:extLst>
+              <a:ext uri="{28A0092B-C50C-407E-A947-70E740481C1C}">
+                <a14:useLocalDpi xmlns:a14="http://schemas.microsoft.com/office/drawing/2010/main" val="0"/>
+              </a:ext>
+            </a:extLst>
+          </a:blip>
+          <a:stretch>
+            <a:fillRect/>
+          </a:stretch>
+        </p:blipFill>
+        <p:spPr>
+          <a:xfrm>
+            <a:off x="440872" y="337461"/>
+            <a:ext cx="1096280" cy="1096280"/>
+          </a:xfrm>
+          <a:prstGeom prst="rect">
+            <a:avLst/>
+          </a:prstGeom>
+        </p:spPr>
+      </p:pic>
+    </p:spTree>
+    <p:extLst>
+      <p:ext uri="{BB962C8B-B14F-4D97-AF65-F5344CB8AC3E}">
+        <p14:creationId xmlns:p14="http://schemas.microsoft.com/office/powerpoint/2010/main" val="2285501411"/>
+      </p:ext>
+    </p:extLst>
+  </p:cSld>
+  <p:clrMapOvr>
+    <a:masterClrMapping/>
+  </p:clrMapOvr>
+  <mc:AlternateContent xmlns:mc="http://schemas.openxmlformats.org/markup-compatibility/2006" xmlns:p14="http://schemas.microsoft.com/office/powerpoint/2010/main">
+    <mc:Choice Requires="p14">
+      <p:transition spd="med" p14:dur="700">
+        <p:fade/>
+      </p:transition>
+    </mc:Choice>
+    <mc:Fallback xmlns="">
+      <p:transition spd="med">
+        <p:fade/>
+      </p:transition>
+    </mc:Fallback>
+  </mc:AlternateContent>
+</p:sld>
+</file>
+
+<file path=ppt/slides/slide28.xml><?xml version="1.0" encoding="utf-8"?>
+<p:sld xmlns:a="http://schemas.openxmlformats.org/drawingml/2006/main" xmlns:r="http://schemas.openxmlformats.org/officeDocument/2006/relationships" xmlns:p="http://schemas.openxmlformats.org/presentationml/2006/main">
+  <p:cSld>
+    <p:spTree>
+      <p:nvGrpSpPr>
+        <p:cNvPr id="1" name=""/>
+        <p:cNvGrpSpPr/>
+        <p:nvPr/>
+      </p:nvGrpSpPr>
+      <p:grpSpPr>
+        <a:xfrm>
+          <a:off x="0" y="0"/>
+          <a:ext cx="0" cy="0"/>
+          <a:chOff x="0" y="0"/>
+          <a:chExt cx="0" cy="0"/>
+        </a:xfrm>
+      </p:grpSpPr>
+      <p:sp>
+        <p:nvSpPr>
+          <p:cNvPr id="2" name="Title 1"/>
+          <p:cNvSpPr>
+            <a:spLocks noGrp="1"/>
+          </p:cNvSpPr>
+          <p:nvPr>
+            <p:ph type="title"/>
+          </p:nvPr>
+        </p:nvSpPr>
+        <p:spPr/>
+        <p:txBody>
+          <a:bodyPr/>
+          <a:lstStyle/>
+          <a:p>
+            <a:endParaRPr lang="en-US"/>
+          </a:p>
+        </p:txBody>
+      </p:sp>
+      <p:sp>
+        <p:nvSpPr>
+          <p:cNvPr id="4" name="Text Placeholder 3"/>
+          <p:cNvSpPr>
+            <a:spLocks noGrp="1"/>
+          </p:cNvSpPr>
+          <p:nvPr>
+            <p:ph type="body" sz="half" idx="2"/>
+          </p:nvPr>
+        </p:nvSpPr>
+        <p:spPr/>
+        <p:txBody>
+          <a:bodyPr/>
+          <a:lstStyle/>
+          <a:p>
+            <a:endParaRPr lang="en-US"/>
+          </a:p>
+        </p:txBody>
+      </p:sp>
+      <p:pic>
+        <p:nvPicPr>
+          <p:cNvPr id="6" name="Picture 5"/>
+          <p:cNvPicPr>
+            <a:picLocks noChangeAspect="1"/>
+          </p:cNvPicPr>
+          <p:nvPr/>
+        </p:nvPicPr>
+        <p:blipFill>
+          <a:blip r:embed="rId2">
+            <a:extLst>
+              <a:ext uri="{28A0092B-C50C-407E-A947-70E740481C1C}">
+                <a14:useLocalDpi xmlns:a14="http://schemas.microsoft.com/office/drawing/2010/main" val="0"/>
+              </a:ext>
+            </a:extLst>
+          </a:blip>
+          <a:stretch>
+            <a:fillRect/>
+          </a:stretch>
+        </p:blipFill>
+        <p:spPr>
+          <a:xfrm>
+            <a:off x="1522412" y="838200"/>
+            <a:ext cx="4121856" cy="5257800"/>
+          </a:xfrm>
+          <a:prstGeom prst="rect">
+            <a:avLst/>
+          </a:prstGeom>
+        </p:spPr>
+      </p:pic>
+      <p:grpSp>
+        <p:nvGrpSpPr>
+          <p:cNvPr id="7" name="Group 6"/>
+          <p:cNvGrpSpPr/>
+          <p:nvPr/>
+        </p:nvGrpSpPr>
+        <p:grpSpPr>
+          <a:xfrm>
+            <a:off x="308258" y="227525"/>
+            <a:ext cx="1361508" cy="1330443"/>
+            <a:chOff x="2657475" y="1044575"/>
+            <a:chExt cx="4900613" cy="4900613"/>
+          </a:xfrm>
+          <a:solidFill>
+            <a:sysClr val="window" lastClr="FFFFFF"/>
+          </a:solidFill>
+        </p:grpSpPr>
+        <p:sp>
+          <p:nvSpPr>
+            <p:cNvPr id="8" name="Freeform 7"/>
+            <p:cNvSpPr>
+              <a:spLocks noEditPoints="1"/>
+            </p:cNvSpPr>
+            <p:nvPr/>
+          </p:nvSpPr>
+          <p:spPr bwMode="auto">
+            <a:xfrm>
+              <a:off x="2865438" y="1252538"/>
+              <a:ext cx="4484688" cy="4484688"/>
+            </a:xfrm>
+            <a:custGeom>
+              <a:avLst/>
+              <a:gdLst>
+                <a:gd name="T0" fmla="*/ 908 w 1816"/>
+                <a:gd name="T1" fmla="*/ 0 h 1816"/>
+                <a:gd name="T2" fmla="*/ 0 w 1816"/>
+                <a:gd name="T3" fmla="*/ 908 h 1816"/>
+                <a:gd name="T4" fmla="*/ 908 w 1816"/>
+                <a:gd name="T5" fmla="*/ 1816 h 1816"/>
+                <a:gd name="T6" fmla="*/ 1816 w 1816"/>
+                <a:gd name="T7" fmla="*/ 908 h 1816"/>
+                <a:gd name="T8" fmla="*/ 908 w 1816"/>
+                <a:gd name="T9" fmla="*/ 0 h 1816"/>
+                <a:gd name="T10" fmla="*/ 908 w 1816"/>
+                <a:gd name="T11" fmla="*/ 1798 h 1816"/>
+                <a:gd name="T12" fmla="*/ 18 w 1816"/>
+                <a:gd name="T13" fmla="*/ 908 h 1816"/>
+                <a:gd name="T14" fmla="*/ 908 w 1816"/>
+                <a:gd name="T15" fmla="*/ 18 h 1816"/>
+                <a:gd name="T16" fmla="*/ 1798 w 1816"/>
+                <a:gd name="T17" fmla="*/ 908 h 1816"/>
+                <a:gd name="T18" fmla="*/ 908 w 1816"/>
+                <a:gd name="T19" fmla="*/ 1798 h 1816"/>
+              </a:gdLst>
+              <a:ahLst/>
+              <a:cxnLst>
+                <a:cxn ang="0">
+                  <a:pos x="T0" y="T1"/>
+                </a:cxn>
+                <a:cxn ang="0">
+                  <a:pos x="T2" y="T3"/>
+                </a:cxn>
+                <a:cxn ang="0">
+                  <a:pos x="T4" y="T5"/>
+                </a:cxn>
+                <a:cxn ang="0">
+                  <a:pos x="T6" y="T7"/>
+                </a:cxn>
+                <a:cxn ang="0">
+                  <a:pos x="T8" y="T9"/>
+                </a:cxn>
+                <a:cxn ang="0">
+                  <a:pos x="T10" y="T11"/>
+                </a:cxn>
+                <a:cxn ang="0">
+                  <a:pos x="T12" y="T13"/>
+                </a:cxn>
+                <a:cxn ang="0">
+                  <a:pos x="T14" y="T15"/>
+                </a:cxn>
+                <a:cxn ang="0">
+                  <a:pos x="T16" y="T17"/>
+                </a:cxn>
+                <a:cxn ang="0">
+                  <a:pos x="T18" y="T19"/>
+                </a:cxn>
+              </a:cxnLst>
+              <a:rect l="0" t="0" r="r" b="b"/>
+              <a:pathLst>
+                <a:path w="1816" h="1816">
+                  <a:moveTo>
+                    <a:pt x="908" y="0"/>
+                  </a:moveTo>
+                  <a:cubicBezTo>
+                    <a:pt x="407" y="0"/>
+                    <a:pt x="0" y="407"/>
+                    <a:pt x="0" y="908"/>
+                  </a:cubicBezTo>
+                  <a:cubicBezTo>
+                    <a:pt x="0" y="1409"/>
+                    <a:pt x="407" y="1816"/>
+                    <a:pt x="908" y="1816"/>
+                  </a:cubicBezTo>
+                  <a:cubicBezTo>
+                    <a:pt x="1409" y="1816"/>
+                    <a:pt x="1816" y="1409"/>
+                    <a:pt x="1816" y="908"/>
+                  </a:cubicBezTo>
+                  <a:cubicBezTo>
+                    <a:pt x="1816" y="407"/>
+                    <a:pt x="1409" y="0"/>
+                    <a:pt x="908" y="0"/>
+                  </a:cubicBezTo>
+                  <a:close/>
+                  <a:moveTo>
+                    <a:pt x="908" y="1798"/>
+                  </a:moveTo>
+                  <a:cubicBezTo>
+                    <a:pt x="416" y="1798"/>
+                    <a:pt x="18" y="1400"/>
+                    <a:pt x="18" y="908"/>
+                  </a:cubicBezTo>
+                  <a:cubicBezTo>
+                    <a:pt x="18" y="416"/>
+                    <a:pt x="416" y="18"/>
+                    <a:pt x="908" y="18"/>
+                  </a:cubicBezTo>
+                  <a:cubicBezTo>
+                    <a:pt x="1400" y="18"/>
+                    <a:pt x="1798" y="416"/>
+                    <a:pt x="1798" y="908"/>
+                  </a:cubicBezTo>
+                  <a:cubicBezTo>
+                    <a:pt x="1798" y="1400"/>
+                    <a:pt x="1400" y="1798"/>
+                    <a:pt x="908" y="1798"/>
+                  </a:cubicBezTo>
+                  <a:close/>
+                </a:path>
+              </a:pathLst>
+            </a:custGeom>
+            <a:solidFill>
+              <a:srgbClr val="D32E2E"/>
+            </a:solidFill>
+            <a:ln>
+              <a:noFill/>
+            </a:ln>
+            <a:extLst>
+              <a:ext uri="{91240B29-F687-4F45-9708-019B960494DF}">
+                <a14:hiddenLine xmlns:a14="http://schemas.microsoft.com/office/drawing/2010/main" w="9525">
+                  <a:solidFill>
+                    <a:srgbClr val="000000"/>
+                  </a:solidFill>
+                  <a:round/>
+                  <a:headEnd/>
+                  <a:tailEnd/>
+                </a14:hiddenLine>
+              </a:ext>
+            </a:extLst>
+          </p:spPr>
+          <p:txBody>
+            <a:bodyPr vert="horz" wrap="square" lIns="91440" tIns="45720" rIns="91440" bIns="45720" numCol="1" anchor="t" anchorCtr="0" compatLnSpc="1">
+              <a:prstTxWarp prst="textNoShape">
+                <a:avLst/>
+              </a:prstTxWarp>
+            </a:bodyPr>
+            <a:lstStyle/>
+            <a:p>
+              <a:pPr marL="0" marR="0" lvl="0" indent="0" defTabSz="914400" eaLnBrk="1" fontAlgn="auto" latinLnBrk="0" hangingPunct="1">
+                <a:lnSpc>
+                  <a:spcPct val="100000"/>
+                </a:lnSpc>
+                <a:spcBef>
+                  <a:spcPts val="0"/>
+                </a:spcBef>
+                <a:spcAft>
+                  <a:spcPts val="0"/>
+                </a:spcAft>
+                <a:buClrTx/>
+                <a:buSzTx/>
+                <a:buFontTx/>
+                <a:buNone/>
+                <a:tabLst/>
+                <a:defRPr/>
+              </a:pPr>
+              <a:endParaRPr kumimoji="0" lang="en-US" sz="1800" b="0" i="0" u="none" strike="noStrike" kern="0" cap="none" spc="0" normalizeH="0" baseline="0" noProof="0" smtClean="0">
+                <a:ln>
+                  <a:noFill/>
+                </a:ln>
+                <a:solidFill>
+                  <a:prstClr val="black"/>
+                </a:solidFill>
+                <a:effectLst/>
+                <a:uLnTx/>
+                <a:uFillTx/>
+                <a:latin typeface="Century Gothic"/>
+              </a:endParaRPr>
+            </a:p>
+          </p:txBody>
+        </p:sp>
+        <p:sp>
+          <p:nvSpPr>
+            <p:cNvPr id="9" name="Freeform 8"/>
+            <p:cNvSpPr>
+              <a:spLocks noEditPoints="1"/>
+            </p:cNvSpPr>
+            <p:nvPr/>
+          </p:nvSpPr>
+          <p:spPr bwMode="auto">
+            <a:xfrm>
+              <a:off x="2657475" y="1044575"/>
+              <a:ext cx="4900613" cy="4900613"/>
+            </a:xfrm>
+            <a:custGeom>
+              <a:avLst/>
+              <a:gdLst>
+                <a:gd name="T0" fmla="*/ 992 w 1984"/>
+                <a:gd name="T1" fmla="*/ 0 h 1984"/>
+                <a:gd name="T2" fmla="*/ 0 w 1984"/>
+                <a:gd name="T3" fmla="*/ 992 h 1984"/>
+                <a:gd name="T4" fmla="*/ 992 w 1984"/>
+                <a:gd name="T5" fmla="*/ 1984 h 1984"/>
+                <a:gd name="T6" fmla="*/ 1984 w 1984"/>
+                <a:gd name="T7" fmla="*/ 992 h 1984"/>
+                <a:gd name="T8" fmla="*/ 992 w 1984"/>
+                <a:gd name="T9" fmla="*/ 0 h 1984"/>
+                <a:gd name="T10" fmla="*/ 992 w 1984"/>
+                <a:gd name="T11" fmla="*/ 1934 h 1984"/>
+                <a:gd name="T12" fmla="*/ 50 w 1984"/>
+                <a:gd name="T13" fmla="*/ 992 h 1984"/>
+                <a:gd name="T14" fmla="*/ 992 w 1984"/>
+                <a:gd name="T15" fmla="*/ 50 h 1984"/>
+                <a:gd name="T16" fmla="*/ 1934 w 1984"/>
+                <a:gd name="T17" fmla="*/ 992 h 1984"/>
+                <a:gd name="T18" fmla="*/ 992 w 1984"/>
+                <a:gd name="T19" fmla="*/ 1934 h 1984"/>
+              </a:gdLst>
+              <a:ahLst/>
+              <a:cxnLst>
+                <a:cxn ang="0">
+                  <a:pos x="T0" y="T1"/>
+                </a:cxn>
+                <a:cxn ang="0">
+                  <a:pos x="T2" y="T3"/>
+                </a:cxn>
+                <a:cxn ang="0">
+                  <a:pos x="T4" y="T5"/>
+                </a:cxn>
+                <a:cxn ang="0">
+                  <a:pos x="T6" y="T7"/>
+                </a:cxn>
+                <a:cxn ang="0">
+                  <a:pos x="T8" y="T9"/>
+                </a:cxn>
+                <a:cxn ang="0">
+                  <a:pos x="T10" y="T11"/>
+                </a:cxn>
+                <a:cxn ang="0">
+                  <a:pos x="T12" y="T13"/>
+                </a:cxn>
+                <a:cxn ang="0">
+                  <a:pos x="T14" y="T15"/>
+                </a:cxn>
+                <a:cxn ang="0">
+                  <a:pos x="T16" y="T17"/>
+                </a:cxn>
+                <a:cxn ang="0">
+                  <a:pos x="T18" y="T19"/>
+                </a:cxn>
+              </a:cxnLst>
+              <a:rect l="0" t="0" r="r" b="b"/>
+              <a:pathLst>
+                <a:path w="1984" h="1984">
+                  <a:moveTo>
+                    <a:pt x="992" y="0"/>
+                  </a:moveTo>
+                  <a:cubicBezTo>
+                    <a:pt x="444" y="0"/>
+                    <a:pt x="0" y="444"/>
+                    <a:pt x="0" y="992"/>
+                  </a:cubicBezTo>
+                  <a:cubicBezTo>
+                    <a:pt x="0" y="1540"/>
+                    <a:pt x="444" y="1984"/>
+                    <a:pt x="992" y="1984"/>
+                  </a:cubicBezTo>
+                  <a:cubicBezTo>
+                    <a:pt x="1540" y="1984"/>
+                    <a:pt x="1984" y="1540"/>
+                    <a:pt x="1984" y="992"/>
+                  </a:cubicBezTo>
+                  <a:cubicBezTo>
+                    <a:pt x="1984" y="444"/>
+                    <a:pt x="1540" y="0"/>
+                    <a:pt x="992" y="0"/>
+                  </a:cubicBezTo>
+                  <a:close/>
+                  <a:moveTo>
+                    <a:pt x="992" y="1934"/>
+                  </a:moveTo>
+                  <a:cubicBezTo>
+                    <a:pt x="472" y="1934"/>
+                    <a:pt x="50" y="1512"/>
+                    <a:pt x="50" y="992"/>
+                  </a:cubicBezTo>
+                  <a:cubicBezTo>
+                    <a:pt x="50" y="472"/>
+                    <a:pt x="472" y="50"/>
+                    <a:pt x="992" y="50"/>
+                  </a:cubicBezTo>
+                  <a:cubicBezTo>
+                    <a:pt x="1512" y="50"/>
+                    <a:pt x="1934" y="472"/>
+                    <a:pt x="1934" y="992"/>
+                  </a:cubicBezTo>
+                  <a:cubicBezTo>
+                    <a:pt x="1934" y="1512"/>
+                    <a:pt x="1512" y="1934"/>
+                    <a:pt x="992" y="1934"/>
+                  </a:cubicBezTo>
+                  <a:close/>
+                </a:path>
+              </a:pathLst>
+            </a:custGeom>
+            <a:solidFill>
+              <a:srgbClr val="D32E2E"/>
+            </a:solidFill>
+            <a:ln>
+              <a:noFill/>
+            </a:ln>
+            <a:extLst>
+              <a:ext uri="{91240B29-F687-4F45-9708-019B960494DF}">
+                <a14:hiddenLine xmlns:a14="http://schemas.microsoft.com/office/drawing/2010/main" w="9525">
+                  <a:solidFill>
+                    <a:srgbClr val="000000"/>
+                  </a:solidFill>
+                  <a:round/>
+                  <a:headEnd/>
+                  <a:tailEnd/>
+                </a14:hiddenLine>
+              </a:ext>
+            </a:extLst>
+          </p:spPr>
+          <p:txBody>
+            <a:bodyPr vert="horz" wrap="square" lIns="91440" tIns="45720" rIns="91440" bIns="45720" numCol="1" anchor="t" anchorCtr="0" compatLnSpc="1">
+              <a:prstTxWarp prst="textNoShape">
+                <a:avLst/>
+              </a:prstTxWarp>
+            </a:bodyPr>
+            <a:lstStyle/>
+            <a:p>
+              <a:pPr marL="0" marR="0" lvl="0" indent="0" defTabSz="914400" eaLnBrk="1" fontAlgn="auto" latinLnBrk="0" hangingPunct="1">
+                <a:lnSpc>
+                  <a:spcPct val="100000"/>
+                </a:lnSpc>
+                <a:spcBef>
+                  <a:spcPts val="0"/>
+                </a:spcBef>
+                <a:spcAft>
+                  <a:spcPts val="0"/>
+                </a:spcAft>
+                <a:buClrTx/>
+                <a:buSzTx/>
+                <a:buFontTx/>
+                <a:buNone/>
+                <a:tabLst/>
+                <a:defRPr/>
+              </a:pPr>
+              <a:endParaRPr kumimoji="0" lang="en-US" sz="1800" b="0" i="0" u="none" strike="noStrike" kern="0" cap="none" spc="0" normalizeH="0" baseline="0" noProof="0" smtClean="0">
+                <a:ln>
+                  <a:noFill/>
+                </a:ln>
+                <a:solidFill>
+                  <a:prstClr val="black"/>
+                </a:solidFill>
+                <a:effectLst/>
+                <a:uLnTx/>
+                <a:uFillTx/>
+                <a:latin typeface="Century Gothic"/>
+              </a:endParaRPr>
+            </a:p>
+          </p:txBody>
+        </p:sp>
+      </p:grpSp>
+      <p:pic>
+        <p:nvPicPr>
+          <p:cNvPr id="10" name="Picture 9"/>
+          <p:cNvPicPr>
+            <a:picLocks noChangeAspect="1"/>
+          </p:cNvPicPr>
+          <p:nvPr/>
+        </p:nvPicPr>
+        <p:blipFill>
+          <a:blip r:embed="rId3" cstate="print">
+            <a:extLst>
+              <a:ext uri="{28A0092B-C50C-407E-A947-70E740481C1C}">
+                <a14:useLocalDpi xmlns:a14="http://schemas.microsoft.com/office/drawing/2010/main" val="0"/>
+              </a:ext>
+            </a:extLst>
+          </a:blip>
+          <a:stretch>
+            <a:fillRect/>
+          </a:stretch>
+        </p:blipFill>
+        <p:spPr>
+          <a:xfrm>
+            <a:off x="440872" y="337461"/>
+            <a:ext cx="1096280" cy="1096280"/>
+          </a:xfrm>
+          <a:prstGeom prst="rect">
+            <a:avLst/>
+          </a:prstGeom>
+        </p:spPr>
+      </p:pic>
+    </p:spTree>
+    <p:extLst>
+      <p:ext uri="{BB962C8B-B14F-4D97-AF65-F5344CB8AC3E}">
+        <p14:creationId xmlns:p14="http://schemas.microsoft.com/office/powerpoint/2010/main" val="2102042778"/>
+      </p:ext>
+    </p:extLst>
+  </p:cSld>
+  <p:clrMapOvr>
+    <a:masterClrMapping/>
+  </p:clrMapOvr>
+  <mc:AlternateContent xmlns:mc="http://schemas.openxmlformats.org/markup-compatibility/2006" xmlns:p14="http://schemas.microsoft.com/office/powerpoint/2010/main">
+    <mc:Choice Requires="p14">
+      <p:transition spd="med" p14:dur="700">
+        <p:fade/>
+      </p:transition>
+    </mc:Choice>
+    <mc:Fallback xmlns="">
+      <p:transition spd="med">
+        <p:fade/>
+      </p:transition>
+    </mc:Fallback>
+  </mc:AlternateContent>
+</p:sld>
+</file>
+
+<file path=ppt/slides/slide29.xml><?xml version="1.0" encoding="utf-8"?>
+<p:sld xmlns:a="http://schemas.openxmlformats.org/drawingml/2006/main" xmlns:r="http://schemas.openxmlformats.org/officeDocument/2006/relationships" xmlns:p="http://schemas.openxmlformats.org/presentationml/2006/main">
+  <p:cSld>
+    <p:spTree>
+      <p:nvGrpSpPr>
+        <p:cNvPr id="1" name=""/>
+        <p:cNvGrpSpPr/>
+        <p:nvPr/>
+      </p:nvGrpSpPr>
+      <p:grpSpPr>
+        <a:xfrm>
+          <a:off x="0" y="0"/>
+          <a:ext cx="0" cy="0"/>
+          <a:chOff x="0" y="0"/>
+          <a:chExt cx="0" cy="0"/>
+        </a:xfrm>
+      </p:grpSpPr>
+      <p:sp>
+        <p:nvSpPr>
+          <p:cNvPr id="2" name="Title 1"/>
+          <p:cNvSpPr>
+            <a:spLocks noGrp="1"/>
+          </p:cNvSpPr>
+          <p:nvPr>
+            <p:ph type="title"/>
+          </p:nvPr>
+        </p:nvSpPr>
+        <p:spPr/>
+        <p:txBody>
+          <a:bodyPr/>
+          <a:lstStyle/>
+          <a:p>
+            <a:endParaRPr lang="en-US"/>
+          </a:p>
+        </p:txBody>
+      </p:sp>
+      <p:sp>
+        <p:nvSpPr>
+          <p:cNvPr id="4" name="Text Placeholder 3"/>
+          <p:cNvSpPr>
+            <a:spLocks noGrp="1"/>
+          </p:cNvSpPr>
+          <p:nvPr>
+            <p:ph type="body" sz="half" idx="2"/>
+          </p:nvPr>
+        </p:nvSpPr>
+        <p:spPr/>
+        <p:txBody>
+          <a:bodyPr/>
+          <a:lstStyle/>
+          <a:p>
+            <a:endParaRPr lang="en-US"/>
+          </a:p>
+        </p:txBody>
+      </p:sp>
+      <p:pic>
+        <p:nvPicPr>
+          <p:cNvPr id="6" name="Picture 5"/>
+          <p:cNvPicPr>
+            <a:picLocks noChangeAspect="1"/>
+          </p:cNvPicPr>
+          <p:nvPr/>
+        </p:nvPicPr>
+        <p:blipFill>
+          <a:blip r:embed="rId2">
+            <a:extLst>
+              <a:ext uri="{28A0092B-C50C-407E-A947-70E740481C1C}">
+                <a14:useLocalDpi xmlns:a14="http://schemas.microsoft.com/office/drawing/2010/main" val="0"/>
+              </a:ext>
+            </a:extLst>
+          </a:blip>
+          <a:stretch>
+            <a:fillRect/>
+          </a:stretch>
+        </p:blipFill>
+        <p:spPr>
+          <a:xfrm>
+            <a:off x="1522412" y="838200"/>
+            <a:ext cx="4121856" cy="5257800"/>
+          </a:xfrm>
+          <a:prstGeom prst="rect">
+            <a:avLst/>
+          </a:prstGeom>
+        </p:spPr>
+      </p:pic>
+      <p:grpSp>
+        <p:nvGrpSpPr>
+          <p:cNvPr id="7" name="Group 6"/>
+          <p:cNvGrpSpPr/>
+          <p:nvPr/>
+        </p:nvGrpSpPr>
+        <p:grpSpPr>
+          <a:xfrm>
+            <a:off x="308258" y="227525"/>
+            <a:ext cx="1361508" cy="1330443"/>
+            <a:chOff x="2657475" y="1044575"/>
+            <a:chExt cx="4900613" cy="4900613"/>
+          </a:xfrm>
+          <a:solidFill>
+            <a:sysClr val="window" lastClr="FFFFFF"/>
+          </a:solidFill>
+        </p:grpSpPr>
+        <p:sp>
+          <p:nvSpPr>
+            <p:cNvPr id="8" name="Freeform 7"/>
+            <p:cNvSpPr>
+              <a:spLocks noEditPoints="1"/>
+            </p:cNvSpPr>
+            <p:nvPr/>
+          </p:nvSpPr>
+          <p:spPr bwMode="auto">
+            <a:xfrm>
+              <a:off x="2865438" y="1252538"/>
+              <a:ext cx="4484688" cy="4484688"/>
+            </a:xfrm>
+            <a:custGeom>
+              <a:avLst/>
+              <a:gdLst>
+                <a:gd name="T0" fmla="*/ 908 w 1816"/>
+                <a:gd name="T1" fmla="*/ 0 h 1816"/>
+                <a:gd name="T2" fmla="*/ 0 w 1816"/>
+                <a:gd name="T3" fmla="*/ 908 h 1816"/>
+                <a:gd name="T4" fmla="*/ 908 w 1816"/>
+                <a:gd name="T5" fmla="*/ 1816 h 1816"/>
+                <a:gd name="T6" fmla="*/ 1816 w 1816"/>
+                <a:gd name="T7" fmla="*/ 908 h 1816"/>
+                <a:gd name="T8" fmla="*/ 908 w 1816"/>
+                <a:gd name="T9" fmla="*/ 0 h 1816"/>
+                <a:gd name="T10" fmla="*/ 908 w 1816"/>
+                <a:gd name="T11" fmla="*/ 1798 h 1816"/>
+                <a:gd name="T12" fmla="*/ 18 w 1816"/>
+                <a:gd name="T13" fmla="*/ 908 h 1816"/>
+                <a:gd name="T14" fmla="*/ 908 w 1816"/>
+                <a:gd name="T15" fmla="*/ 18 h 1816"/>
+                <a:gd name="T16" fmla="*/ 1798 w 1816"/>
+                <a:gd name="T17" fmla="*/ 908 h 1816"/>
+                <a:gd name="T18" fmla="*/ 908 w 1816"/>
+                <a:gd name="T19" fmla="*/ 1798 h 1816"/>
+              </a:gdLst>
+              <a:ahLst/>
+              <a:cxnLst>
+                <a:cxn ang="0">
+                  <a:pos x="T0" y="T1"/>
+                </a:cxn>
+                <a:cxn ang="0">
+                  <a:pos x="T2" y="T3"/>
+                </a:cxn>
+                <a:cxn ang="0">
+                  <a:pos x="T4" y="T5"/>
+                </a:cxn>
+                <a:cxn ang="0">
+                  <a:pos x="T6" y="T7"/>
+                </a:cxn>
+                <a:cxn ang="0">
+                  <a:pos x="T8" y="T9"/>
+                </a:cxn>
+                <a:cxn ang="0">
+                  <a:pos x="T10" y="T11"/>
+                </a:cxn>
+                <a:cxn ang="0">
+                  <a:pos x="T12" y="T13"/>
+                </a:cxn>
+                <a:cxn ang="0">
+                  <a:pos x="T14" y="T15"/>
+                </a:cxn>
+                <a:cxn ang="0">
+                  <a:pos x="T16" y="T17"/>
+                </a:cxn>
+                <a:cxn ang="0">
+                  <a:pos x="T18" y="T19"/>
+                </a:cxn>
+              </a:cxnLst>
+              <a:rect l="0" t="0" r="r" b="b"/>
+              <a:pathLst>
+                <a:path w="1816" h="1816">
+                  <a:moveTo>
+                    <a:pt x="908" y="0"/>
+                  </a:moveTo>
+                  <a:cubicBezTo>
+                    <a:pt x="407" y="0"/>
+                    <a:pt x="0" y="407"/>
+                    <a:pt x="0" y="908"/>
+                  </a:cubicBezTo>
+                  <a:cubicBezTo>
+                    <a:pt x="0" y="1409"/>
+                    <a:pt x="407" y="1816"/>
+                    <a:pt x="908" y="1816"/>
+                  </a:cubicBezTo>
+                  <a:cubicBezTo>
+                    <a:pt x="1409" y="1816"/>
+                    <a:pt x="1816" y="1409"/>
+                    <a:pt x="1816" y="908"/>
+                  </a:cubicBezTo>
+                  <a:cubicBezTo>
+                    <a:pt x="1816" y="407"/>
+                    <a:pt x="1409" y="0"/>
+                    <a:pt x="908" y="0"/>
+                  </a:cubicBezTo>
+                  <a:close/>
+                  <a:moveTo>
+                    <a:pt x="908" y="1798"/>
+                  </a:moveTo>
+                  <a:cubicBezTo>
+                    <a:pt x="416" y="1798"/>
+                    <a:pt x="18" y="1400"/>
+                    <a:pt x="18" y="908"/>
+                  </a:cubicBezTo>
+                  <a:cubicBezTo>
+                    <a:pt x="18" y="416"/>
+                    <a:pt x="416" y="18"/>
+                    <a:pt x="908" y="18"/>
+                  </a:cubicBezTo>
+                  <a:cubicBezTo>
+                    <a:pt x="1400" y="18"/>
+                    <a:pt x="1798" y="416"/>
+                    <a:pt x="1798" y="908"/>
+                  </a:cubicBezTo>
+                  <a:cubicBezTo>
+                    <a:pt x="1798" y="1400"/>
+                    <a:pt x="1400" y="1798"/>
+                    <a:pt x="908" y="1798"/>
+                  </a:cubicBezTo>
+                  <a:close/>
+                </a:path>
+              </a:pathLst>
+            </a:custGeom>
+            <a:solidFill>
+              <a:srgbClr val="D32E2E"/>
+            </a:solidFill>
+            <a:ln>
+              <a:noFill/>
+            </a:ln>
+            <a:extLst>
+              <a:ext uri="{91240B29-F687-4F45-9708-019B960494DF}">
+                <a14:hiddenLine xmlns:a14="http://schemas.microsoft.com/office/drawing/2010/main" w="9525">
+                  <a:solidFill>
+                    <a:srgbClr val="000000"/>
+                  </a:solidFill>
+                  <a:round/>
+                  <a:headEnd/>
+                  <a:tailEnd/>
+                </a14:hiddenLine>
+              </a:ext>
+            </a:extLst>
+          </p:spPr>
+          <p:txBody>
+            <a:bodyPr vert="horz" wrap="square" lIns="91440" tIns="45720" rIns="91440" bIns="45720" numCol="1" anchor="t" anchorCtr="0" compatLnSpc="1">
+              <a:prstTxWarp prst="textNoShape">
+                <a:avLst/>
+              </a:prstTxWarp>
+            </a:bodyPr>
+            <a:lstStyle/>
+            <a:p>
+              <a:pPr marL="0" marR="0" lvl="0" indent="0" defTabSz="914400" eaLnBrk="1" fontAlgn="auto" latinLnBrk="0" hangingPunct="1">
+                <a:lnSpc>
+                  <a:spcPct val="100000"/>
+                </a:lnSpc>
+                <a:spcBef>
+                  <a:spcPts val="0"/>
+                </a:spcBef>
+                <a:spcAft>
+                  <a:spcPts val="0"/>
+                </a:spcAft>
+                <a:buClrTx/>
+                <a:buSzTx/>
+                <a:buFontTx/>
+                <a:buNone/>
+                <a:tabLst/>
+                <a:defRPr/>
+              </a:pPr>
+              <a:endParaRPr kumimoji="0" lang="en-US" sz="1800" b="0" i="0" u="none" strike="noStrike" kern="0" cap="none" spc="0" normalizeH="0" baseline="0" noProof="0" smtClean="0">
+                <a:ln>
+                  <a:noFill/>
+                </a:ln>
+                <a:solidFill>
+                  <a:prstClr val="black"/>
+                </a:solidFill>
+                <a:effectLst/>
+                <a:uLnTx/>
+                <a:uFillTx/>
+                <a:latin typeface="Century Gothic"/>
+              </a:endParaRPr>
+            </a:p>
+          </p:txBody>
+        </p:sp>
+        <p:sp>
+          <p:nvSpPr>
+            <p:cNvPr id="9" name="Freeform 8"/>
+            <p:cNvSpPr>
+              <a:spLocks noEditPoints="1"/>
+            </p:cNvSpPr>
+            <p:nvPr/>
+          </p:nvSpPr>
+          <p:spPr bwMode="auto">
+            <a:xfrm>
+              <a:off x="2657475" y="1044575"/>
+              <a:ext cx="4900613" cy="4900613"/>
+            </a:xfrm>
+            <a:custGeom>
+              <a:avLst/>
+              <a:gdLst>
+                <a:gd name="T0" fmla="*/ 992 w 1984"/>
+                <a:gd name="T1" fmla="*/ 0 h 1984"/>
+                <a:gd name="T2" fmla="*/ 0 w 1984"/>
+                <a:gd name="T3" fmla="*/ 992 h 1984"/>
+                <a:gd name="T4" fmla="*/ 992 w 1984"/>
+                <a:gd name="T5" fmla="*/ 1984 h 1984"/>
+                <a:gd name="T6" fmla="*/ 1984 w 1984"/>
+                <a:gd name="T7" fmla="*/ 992 h 1984"/>
+                <a:gd name="T8" fmla="*/ 992 w 1984"/>
+                <a:gd name="T9" fmla="*/ 0 h 1984"/>
+                <a:gd name="T10" fmla="*/ 992 w 1984"/>
+                <a:gd name="T11" fmla="*/ 1934 h 1984"/>
+                <a:gd name="T12" fmla="*/ 50 w 1984"/>
+                <a:gd name="T13" fmla="*/ 992 h 1984"/>
+                <a:gd name="T14" fmla="*/ 992 w 1984"/>
+                <a:gd name="T15" fmla="*/ 50 h 1984"/>
+                <a:gd name="T16" fmla="*/ 1934 w 1984"/>
+                <a:gd name="T17" fmla="*/ 992 h 1984"/>
+                <a:gd name="T18" fmla="*/ 992 w 1984"/>
+                <a:gd name="T19" fmla="*/ 1934 h 1984"/>
+              </a:gdLst>
+              <a:ahLst/>
+              <a:cxnLst>
+                <a:cxn ang="0">
+                  <a:pos x="T0" y="T1"/>
+                </a:cxn>
+                <a:cxn ang="0">
+                  <a:pos x="T2" y="T3"/>
+                </a:cxn>
+                <a:cxn ang="0">
+                  <a:pos x="T4" y="T5"/>
+                </a:cxn>
+                <a:cxn ang="0">
+                  <a:pos x="T6" y="T7"/>
+                </a:cxn>
+                <a:cxn ang="0">
+                  <a:pos x="T8" y="T9"/>
+                </a:cxn>
+                <a:cxn ang="0">
+                  <a:pos x="T10" y="T11"/>
+                </a:cxn>
+                <a:cxn ang="0">
+                  <a:pos x="T12" y="T13"/>
+                </a:cxn>
+                <a:cxn ang="0">
+                  <a:pos x="T14" y="T15"/>
+                </a:cxn>
+                <a:cxn ang="0">
+                  <a:pos x="T16" y="T17"/>
+                </a:cxn>
+                <a:cxn ang="0">
+                  <a:pos x="T18" y="T19"/>
+                </a:cxn>
+              </a:cxnLst>
+              <a:rect l="0" t="0" r="r" b="b"/>
+              <a:pathLst>
+                <a:path w="1984" h="1984">
+                  <a:moveTo>
+                    <a:pt x="992" y="0"/>
+                  </a:moveTo>
+                  <a:cubicBezTo>
+                    <a:pt x="444" y="0"/>
+                    <a:pt x="0" y="444"/>
+                    <a:pt x="0" y="992"/>
+                  </a:cubicBezTo>
+                  <a:cubicBezTo>
+                    <a:pt x="0" y="1540"/>
+                    <a:pt x="444" y="1984"/>
+                    <a:pt x="992" y="1984"/>
+                  </a:cubicBezTo>
+                  <a:cubicBezTo>
+                    <a:pt x="1540" y="1984"/>
+                    <a:pt x="1984" y="1540"/>
+                    <a:pt x="1984" y="992"/>
+                  </a:cubicBezTo>
+                  <a:cubicBezTo>
+                    <a:pt x="1984" y="444"/>
+                    <a:pt x="1540" y="0"/>
+                    <a:pt x="992" y="0"/>
+                  </a:cubicBezTo>
+                  <a:close/>
+                  <a:moveTo>
+                    <a:pt x="992" y="1934"/>
+                  </a:moveTo>
+                  <a:cubicBezTo>
+                    <a:pt x="472" y="1934"/>
+                    <a:pt x="50" y="1512"/>
+                    <a:pt x="50" y="992"/>
+                  </a:cubicBezTo>
+                  <a:cubicBezTo>
+                    <a:pt x="50" y="472"/>
+                    <a:pt x="472" y="50"/>
+                    <a:pt x="992" y="50"/>
+                  </a:cubicBezTo>
+                  <a:cubicBezTo>
+                    <a:pt x="1512" y="50"/>
+                    <a:pt x="1934" y="472"/>
+                    <a:pt x="1934" y="992"/>
+                  </a:cubicBezTo>
+                  <a:cubicBezTo>
+                    <a:pt x="1934" y="1512"/>
+                    <a:pt x="1512" y="1934"/>
+                    <a:pt x="992" y="1934"/>
+                  </a:cubicBezTo>
+                  <a:close/>
+                </a:path>
+              </a:pathLst>
+            </a:custGeom>
+            <a:solidFill>
+              <a:srgbClr val="D32E2E"/>
+            </a:solidFill>
+            <a:ln>
+              <a:noFill/>
+            </a:ln>
+            <a:extLst>
+              <a:ext uri="{91240B29-F687-4F45-9708-019B960494DF}">
+                <a14:hiddenLine xmlns:a14="http://schemas.microsoft.com/office/drawing/2010/main" w="9525">
+                  <a:solidFill>
+                    <a:srgbClr val="000000"/>
+                  </a:solidFill>
+                  <a:round/>
+                  <a:headEnd/>
+                  <a:tailEnd/>
+                </a14:hiddenLine>
+              </a:ext>
+            </a:extLst>
+          </p:spPr>
+          <p:txBody>
+            <a:bodyPr vert="horz" wrap="square" lIns="91440" tIns="45720" rIns="91440" bIns="45720" numCol="1" anchor="t" anchorCtr="0" compatLnSpc="1">
+              <a:prstTxWarp prst="textNoShape">
+                <a:avLst/>
+              </a:prstTxWarp>
+            </a:bodyPr>
+            <a:lstStyle/>
+            <a:p>
+              <a:pPr marL="0" marR="0" lvl="0" indent="0" defTabSz="914400" eaLnBrk="1" fontAlgn="auto" latinLnBrk="0" hangingPunct="1">
+                <a:lnSpc>
+                  <a:spcPct val="100000"/>
+                </a:lnSpc>
+                <a:spcBef>
+                  <a:spcPts val="0"/>
+                </a:spcBef>
+                <a:spcAft>
+                  <a:spcPts val="0"/>
+                </a:spcAft>
+                <a:buClrTx/>
+                <a:buSzTx/>
+                <a:buFontTx/>
+                <a:buNone/>
+                <a:tabLst/>
+                <a:defRPr/>
+              </a:pPr>
+              <a:endParaRPr kumimoji="0" lang="en-US" sz="1800" b="0" i="0" u="none" strike="noStrike" kern="0" cap="none" spc="0" normalizeH="0" baseline="0" noProof="0" smtClean="0">
+                <a:ln>
+                  <a:noFill/>
+                </a:ln>
+                <a:solidFill>
+                  <a:prstClr val="black"/>
+                </a:solidFill>
+                <a:effectLst/>
+                <a:uLnTx/>
+                <a:uFillTx/>
+                <a:latin typeface="Century Gothic"/>
+              </a:endParaRPr>
+            </a:p>
+          </p:txBody>
+        </p:sp>
+      </p:grpSp>
+      <p:pic>
+        <p:nvPicPr>
+          <p:cNvPr id="10" name="Picture 9"/>
+          <p:cNvPicPr>
+            <a:picLocks noChangeAspect="1"/>
+          </p:cNvPicPr>
+          <p:nvPr/>
+        </p:nvPicPr>
+        <p:blipFill>
+          <a:blip r:embed="rId3" cstate="print">
+            <a:extLst>
+              <a:ext uri="{28A0092B-C50C-407E-A947-70E740481C1C}">
+                <a14:useLocalDpi xmlns:a14="http://schemas.microsoft.com/office/drawing/2010/main" val="0"/>
+              </a:ext>
+            </a:extLst>
+          </a:blip>
+          <a:stretch>
+            <a:fillRect/>
+          </a:stretch>
+        </p:blipFill>
+        <p:spPr>
+          <a:xfrm>
+            <a:off x="440872" y="337461"/>
+            <a:ext cx="1096280" cy="1096280"/>
+          </a:xfrm>
+          <a:prstGeom prst="rect">
+            <a:avLst/>
+          </a:prstGeom>
+        </p:spPr>
+      </p:pic>
+    </p:spTree>
+    <p:extLst>
+      <p:ext uri="{BB962C8B-B14F-4D97-AF65-F5344CB8AC3E}">
+        <p14:creationId xmlns:p14="http://schemas.microsoft.com/office/powerpoint/2010/main" val="1907608087"/>
+      </p:ext>
+    </p:extLst>
+  </p:cSld>
+  <p:clrMapOvr>
+    <a:masterClrMapping/>
+  </p:clrMapOvr>
+  <mc:AlternateContent xmlns:mc="http://schemas.openxmlformats.org/markup-compatibility/2006" xmlns:p14="http://schemas.microsoft.com/office/powerpoint/2010/main">
+    <mc:Choice Requires="p14">
+      <p:transition spd="med" p14:dur="700">
+        <p:fade/>
+      </p:transition>
+    </mc:Choice>
+    <mc:Fallback xmlns="">
+      <p:transition spd="med">
+        <p:fade/>
+      </p:transition>
+    </mc:Fallback>
+  </mc:AlternateContent>
 </p:sld>
 </file>
 
@@ -19325,13 +25574,13 @@
   <p:clrMapOvr>
     <a:masterClrMapping/>
   </p:clrMapOvr>
-  <mc:AlternateContent xmlns:mc="http://schemas.openxmlformats.org/markup-compatibility/2006">
-    <mc:Choice xmlns:p14="http://schemas.microsoft.com/office/powerpoint/2010/main" Requires="p14">
+  <mc:AlternateContent xmlns:mc="http://schemas.openxmlformats.org/markup-compatibility/2006" xmlns:p14="http://schemas.microsoft.com/office/powerpoint/2010/main">
+    <mc:Choice Requires="p14">
       <p:transition spd="med" p14:dur="700">
         <p:fade/>
       </p:transition>
     </mc:Choice>
-    <mc:Fallback>
+    <mc:Fallback xmlns="">
       <p:transition spd="med">
         <p:fade/>
       </p:transition>
@@ -19480,6 +25729,1578 @@
 </p:sld>
 </file>
 
+<file path=ppt/slides/slide30.xml><?xml version="1.0" encoding="utf-8"?>
+<p:sld xmlns:a="http://schemas.openxmlformats.org/drawingml/2006/main" xmlns:r="http://schemas.openxmlformats.org/officeDocument/2006/relationships" xmlns:p="http://schemas.openxmlformats.org/presentationml/2006/main">
+  <p:cSld>
+    <p:spTree>
+      <p:nvGrpSpPr>
+        <p:cNvPr id="1" name=""/>
+        <p:cNvGrpSpPr/>
+        <p:nvPr/>
+      </p:nvGrpSpPr>
+      <p:grpSpPr>
+        <a:xfrm>
+          <a:off x="0" y="0"/>
+          <a:ext cx="0" cy="0"/>
+          <a:chOff x="0" y="0"/>
+          <a:chExt cx="0" cy="0"/>
+        </a:xfrm>
+      </p:grpSpPr>
+      <p:sp>
+        <p:nvSpPr>
+          <p:cNvPr id="2" name="Title 1"/>
+          <p:cNvSpPr>
+            <a:spLocks noGrp="1"/>
+          </p:cNvSpPr>
+          <p:nvPr>
+            <p:ph type="title"/>
+          </p:nvPr>
+        </p:nvSpPr>
+        <p:spPr/>
+        <p:txBody>
+          <a:bodyPr/>
+          <a:lstStyle/>
+          <a:p>
+            <a:endParaRPr lang="en-US"/>
+          </a:p>
+        </p:txBody>
+      </p:sp>
+      <p:sp>
+        <p:nvSpPr>
+          <p:cNvPr id="4" name="Text Placeholder 3"/>
+          <p:cNvSpPr>
+            <a:spLocks noGrp="1"/>
+          </p:cNvSpPr>
+          <p:nvPr>
+            <p:ph type="body" sz="half" idx="2"/>
+          </p:nvPr>
+        </p:nvSpPr>
+        <p:spPr/>
+        <p:txBody>
+          <a:bodyPr/>
+          <a:lstStyle/>
+          <a:p>
+            <a:endParaRPr lang="en-US"/>
+          </a:p>
+        </p:txBody>
+      </p:sp>
+      <p:pic>
+        <p:nvPicPr>
+          <p:cNvPr id="6" name="Picture 5"/>
+          <p:cNvPicPr>
+            <a:picLocks noChangeAspect="1"/>
+          </p:cNvPicPr>
+          <p:nvPr/>
+        </p:nvPicPr>
+        <p:blipFill>
+          <a:blip r:embed="rId2">
+            <a:extLst>
+              <a:ext uri="{28A0092B-C50C-407E-A947-70E740481C1C}">
+                <a14:useLocalDpi xmlns:a14="http://schemas.microsoft.com/office/drawing/2010/main" val="0"/>
+              </a:ext>
+            </a:extLst>
+          </a:blip>
+          <a:stretch>
+            <a:fillRect/>
+          </a:stretch>
+        </p:blipFill>
+        <p:spPr>
+          <a:xfrm>
+            <a:off x="1522412" y="838200"/>
+            <a:ext cx="4121856" cy="5257800"/>
+          </a:xfrm>
+          <a:prstGeom prst="rect">
+            <a:avLst/>
+          </a:prstGeom>
+        </p:spPr>
+      </p:pic>
+      <p:grpSp>
+        <p:nvGrpSpPr>
+          <p:cNvPr id="7" name="Group 6"/>
+          <p:cNvGrpSpPr/>
+          <p:nvPr/>
+        </p:nvGrpSpPr>
+        <p:grpSpPr>
+          <a:xfrm>
+            <a:off x="308258" y="227525"/>
+            <a:ext cx="1361508" cy="1330443"/>
+            <a:chOff x="2657475" y="1044575"/>
+            <a:chExt cx="4900613" cy="4900613"/>
+          </a:xfrm>
+          <a:solidFill>
+            <a:sysClr val="window" lastClr="FFFFFF"/>
+          </a:solidFill>
+        </p:grpSpPr>
+        <p:sp>
+          <p:nvSpPr>
+            <p:cNvPr id="8" name="Freeform 7"/>
+            <p:cNvSpPr>
+              <a:spLocks noEditPoints="1"/>
+            </p:cNvSpPr>
+            <p:nvPr/>
+          </p:nvSpPr>
+          <p:spPr bwMode="auto">
+            <a:xfrm>
+              <a:off x="2865438" y="1252538"/>
+              <a:ext cx="4484688" cy="4484688"/>
+            </a:xfrm>
+            <a:custGeom>
+              <a:avLst/>
+              <a:gdLst>
+                <a:gd name="T0" fmla="*/ 908 w 1816"/>
+                <a:gd name="T1" fmla="*/ 0 h 1816"/>
+                <a:gd name="T2" fmla="*/ 0 w 1816"/>
+                <a:gd name="T3" fmla="*/ 908 h 1816"/>
+                <a:gd name="T4" fmla="*/ 908 w 1816"/>
+                <a:gd name="T5" fmla="*/ 1816 h 1816"/>
+                <a:gd name="T6" fmla="*/ 1816 w 1816"/>
+                <a:gd name="T7" fmla="*/ 908 h 1816"/>
+                <a:gd name="T8" fmla="*/ 908 w 1816"/>
+                <a:gd name="T9" fmla="*/ 0 h 1816"/>
+                <a:gd name="T10" fmla="*/ 908 w 1816"/>
+                <a:gd name="T11" fmla="*/ 1798 h 1816"/>
+                <a:gd name="T12" fmla="*/ 18 w 1816"/>
+                <a:gd name="T13" fmla="*/ 908 h 1816"/>
+                <a:gd name="T14" fmla="*/ 908 w 1816"/>
+                <a:gd name="T15" fmla="*/ 18 h 1816"/>
+                <a:gd name="T16" fmla="*/ 1798 w 1816"/>
+                <a:gd name="T17" fmla="*/ 908 h 1816"/>
+                <a:gd name="T18" fmla="*/ 908 w 1816"/>
+                <a:gd name="T19" fmla="*/ 1798 h 1816"/>
+              </a:gdLst>
+              <a:ahLst/>
+              <a:cxnLst>
+                <a:cxn ang="0">
+                  <a:pos x="T0" y="T1"/>
+                </a:cxn>
+                <a:cxn ang="0">
+                  <a:pos x="T2" y="T3"/>
+                </a:cxn>
+                <a:cxn ang="0">
+                  <a:pos x="T4" y="T5"/>
+                </a:cxn>
+                <a:cxn ang="0">
+                  <a:pos x="T6" y="T7"/>
+                </a:cxn>
+                <a:cxn ang="0">
+                  <a:pos x="T8" y="T9"/>
+                </a:cxn>
+                <a:cxn ang="0">
+                  <a:pos x="T10" y="T11"/>
+                </a:cxn>
+                <a:cxn ang="0">
+                  <a:pos x="T12" y="T13"/>
+                </a:cxn>
+                <a:cxn ang="0">
+                  <a:pos x="T14" y="T15"/>
+                </a:cxn>
+                <a:cxn ang="0">
+                  <a:pos x="T16" y="T17"/>
+                </a:cxn>
+                <a:cxn ang="0">
+                  <a:pos x="T18" y="T19"/>
+                </a:cxn>
+              </a:cxnLst>
+              <a:rect l="0" t="0" r="r" b="b"/>
+              <a:pathLst>
+                <a:path w="1816" h="1816">
+                  <a:moveTo>
+                    <a:pt x="908" y="0"/>
+                  </a:moveTo>
+                  <a:cubicBezTo>
+                    <a:pt x="407" y="0"/>
+                    <a:pt x="0" y="407"/>
+                    <a:pt x="0" y="908"/>
+                  </a:cubicBezTo>
+                  <a:cubicBezTo>
+                    <a:pt x="0" y="1409"/>
+                    <a:pt x="407" y="1816"/>
+                    <a:pt x="908" y="1816"/>
+                  </a:cubicBezTo>
+                  <a:cubicBezTo>
+                    <a:pt x="1409" y="1816"/>
+                    <a:pt x="1816" y="1409"/>
+                    <a:pt x="1816" y="908"/>
+                  </a:cubicBezTo>
+                  <a:cubicBezTo>
+                    <a:pt x="1816" y="407"/>
+                    <a:pt x="1409" y="0"/>
+                    <a:pt x="908" y="0"/>
+                  </a:cubicBezTo>
+                  <a:close/>
+                  <a:moveTo>
+                    <a:pt x="908" y="1798"/>
+                  </a:moveTo>
+                  <a:cubicBezTo>
+                    <a:pt x="416" y="1798"/>
+                    <a:pt x="18" y="1400"/>
+                    <a:pt x="18" y="908"/>
+                  </a:cubicBezTo>
+                  <a:cubicBezTo>
+                    <a:pt x="18" y="416"/>
+                    <a:pt x="416" y="18"/>
+                    <a:pt x="908" y="18"/>
+                  </a:cubicBezTo>
+                  <a:cubicBezTo>
+                    <a:pt x="1400" y="18"/>
+                    <a:pt x="1798" y="416"/>
+                    <a:pt x="1798" y="908"/>
+                  </a:cubicBezTo>
+                  <a:cubicBezTo>
+                    <a:pt x="1798" y="1400"/>
+                    <a:pt x="1400" y="1798"/>
+                    <a:pt x="908" y="1798"/>
+                  </a:cubicBezTo>
+                  <a:close/>
+                </a:path>
+              </a:pathLst>
+            </a:custGeom>
+            <a:solidFill>
+              <a:srgbClr val="D32E2E"/>
+            </a:solidFill>
+            <a:ln>
+              <a:noFill/>
+            </a:ln>
+            <a:extLst>
+              <a:ext uri="{91240B29-F687-4F45-9708-019B960494DF}">
+                <a14:hiddenLine xmlns:a14="http://schemas.microsoft.com/office/drawing/2010/main" w="9525">
+                  <a:solidFill>
+                    <a:srgbClr val="000000"/>
+                  </a:solidFill>
+                  <a:round/>
+                  <a:headEnd/>
+                  <a:tailEnd/>
+                </a14:hiddenLine>
+              </a:ext>
+            </a:extLst>
+          </p:spPr>
+          <p:txBody>
+            <a:bodyPr vert="horz" wrap="square" lIns="91440" tIns="45720" rIns="91440" bIns="45720" numCol="1" anchor="t" anchorCtr="0" compatLnSpc="1">
+              <a:prstTxWarp prst="textNoShape">
+                <a:avLst/>
+              </a:prstTxWarp>
+            </a:bodyPr>
+            <a:lstStyle/>
+            <a:p>
+              <a:pPr marL="0" marR="0" lvl="0" indent="0" defTabSz="914400" eaLnBrk="1" fontAlgn="auto" latinLnBrk="0" hangingPunct="1">
+                <a:lnSpc>
+                  <a:spcPct val="100000"/>
+                </a:lnSpc>
+                <a:spcBef>
+                  <a:spcPts val="0"/>
+                </a:spcBef>
+                <a:spcAft>
+                  <a:spcPts val="0"/>
+                </a:spcAft>
+                <a:buClrTx/>
+                <a:buSzTx/>
+                <a:buFontTx/>
+                <a:buNone/>
+                <a:tabLst/>
+                <a:defRPr/>
+              </a:pPr>
+              <a:endParaRPr kumimoji="0" lang="en-US" sz="1800" b="0" i="0" u="none" strike="noStrike" kern="0" cap="none" spc="0" normalizeH="0" baseline="0" noProof="0" smtClean="0">
+                <a:ln>
+                  <a:noFill/>
+                </a:ln>
+                <a:solidFill>
+                  <a:prstClr val="black"/>
+                </a:solidFill>
+                <a:effectLst/>
+                <a:uLnTx/>
+                <a:uFillTx/>
+                <a:latin typeface="Century Gothic"/>
+              </a:endParaRPr>
+            </a:p>
+          </p:txBody>
+        </p:sp>
+        <p:sp>
+          <p:nvSpPr>
+            <p:cNvPr id="9" name="Freeform 8"/>
+            <p:cNvSpPr>
+              <a:spLocks noEditPoints="1"/>
+            </p:cNvSpPr>
+            <p:nvPr/>
+          </p:nvSpPr>
+          <p:spPr bwMode="auto">
+            <a:xfrm>
+              <a:off x="2657475" y="1044575"/>
+              <a:ext cx="4900613" cy="4900613"/>
+            </a:xfrm>
+            <a:custGeom>
+              <a:avLst/>
+              <a:gdLst>
+                <a:gd name="T0" fmla="*/ 992 w 1984"/>
+                <a:gd name="T1" fmla="*/ 0 h 1984"/>
+                <a:gd name="T2" fmla="*/ 0 w 1984"/>
+                <a:gd name="T3" fmla="*/ 992 h 1984"/>
+                <a:gd name="T4" fmla="*/ 992 w 1984"/>
+                <a:gd name="T5" fmla="*/ 1984 h 1984"/>
+                <a:gd name="T6" fmla="*/ 1984 w 1984"/>
+                <a:gd name="T7" fmla="*/ 992 h 1984"/>
+                <a:gd name="T8" fmla="*/ 992 w 1984"/>
+                <a:gd name="T9" fmla="*/ 0 h 1984"/>
+                <a:gd name="T10" fmla="*/ 992 w 1984"/>
+                <a:gd name="T11" fmla="*/ 1934 h 1984"/>
+                <a:gd name="T12" fmla="*/ 50 w 1984"/>
+                <a:gd name="T13" fmla="*/ 992 h 1984"/>
+                <a:gd name="T14" fmla="*/ 992 w 1984"/>
+                <a:gd name="T15" fmla="*/ 50 h 1984"/>
+                <a:gd name="T16" fmla="*/ 1934 w 1984"/>
+                <a:gd name="T17" fmla="*/ 992 h 1984"/>
+                <a:gd name="T18" fmla="*/ 992 w 1984"/>
+                <a:gd name="T19" fmla="*/ 1934 h 1984"/>
+              </a:gdLst>
+              <a:ahLst/>
+              <a:cxnLst>
+                <a:cxn ang="0">
+                  <a:pos x="T0" y="T1"/>
+                </a:cxn>
+                <a:cxn ang="0">
+                  <a:pos x="T2" y="T3"/>
+                </a:cxn>
+                <a:cxn ang="0">
+                  <a:pos x="T4" y="T5"/>
+                </a:cxn>
+                <a:cxn ang="0">
+                  <a:pos x="T6" y="T7"/>
+                </a:cxn>
+                <a:cxn ang="0">
+                  <a:pos x="T8" y="T9"/>
+                </a:cxn>
+                <a:cxn ang="0">
+                  <a:pos x="T10" y="T11"/>
+                </a:cxn>
+                <a:cxn ang="0">
+                  <a:pos x="T12" y="T13"/>
+                </a:cxn>
+                <a:cxn ang="0">
+                  <a:pos x="T14" y="T15"/>
+                </a:cxn>
+                <a:cxn ang="0">
+                  <a:pos x="T16" y="T17"/>
+                </a:cxn>
+                <a:cxn ang="0">
+                  <a:pos x="T18" y="T19"/>
+                </a:cxn>
+              </a:cxnLst>
+              <a:rect l="0" t="0" r="r" b="b"/>
+              <a:pathLst>
+                <a:path w="1984" h="1984">
+                  <a:moveTo>
+                    <a:pt x="992" y="0"/>
+                  </a:moveTo>
+                  <a:cubicBezTo>
+                    <a:pt x="444" y="0"/>
+                    <a:pt x="0" y="444"/>
+                    <a:pt x="0" y="992"/>
+                  </a:cubicBezTo>
+                  <a:cubicBezTo>
+                    <a:pt x="0" y="1540"/>
+                    <a:pt x="444" y="1984"/>
+                    <a:pt x="992" y="1984"/>
+                  </a:cubicBezTo>
+                  <a:cubicBezTo>
+                    <a:pt x="1540" y="1984"/>
+                    <a:pt x="1984" y="1540"/>
+                    <a:pt x="1984" y="992"/>
+                  </a:cubicBezTo>
+                  <a:cubicBezTo>
+                    <a:pt x="1984" y="444"/>
+                    <a:pt x="1540" y="0"/>
+                    <a:pt x="992" y="0"/>
+                  </a:cubicBezTo>
+                  <a:close/>
+                  <a:moveTo>
+                    <a:pt x="992" y="1934"/>
+                  </a:moveTo>
+                  <a:cubicBezTo>
+                    <a:pt x="472" y="1934"/>
+                    <a:pt x="50" y="1512"/>
+                    <a:pt x="50" y="992"/>
+                  </a:cubicBezTo>
+                  <a:cubicBezTo>
+                    <a:pt x="50" y="472"/>
+                    <a:pt x="472" y="50"/>
+                    <a:pt x="992" y="50"/>
+                  </a:cubicBezTo>
+                  <a:cubicBezTo>
+                    <a:pt x="1512" y="50"/>
+                    <a:pt x="1934" y="472"/>
+                    <a:pt x="1934" y="992"/>
+                  </a:cubicBezTo>
+                  <a:cubicBezTo>
+                    <a:pt x="1934" y="1512"/>
+                    <a:pt x="1512" y="1934"/>
+                    <a:pt x="992" y="1934"/>
+                  </a:cubicBezTo>
+                  <a:close/>
+                </a:path>
+              </a:pathLst>
+            </a:custGeom>
+            <a:solidFill>
+              <a:srgbClr val="D32E2E"/>
+            </a:solidFill>
+            <a:ln>
+              <a:noFill/>
+            </a:ln>
+            <a:extLst>
+              <a:ext uri="{91240B29-F687-4F45-9708-019B960494DF}">
+                <a14:hiddenLine xmlns:a14="http://schemas.microsoft.com/office/drawing/2010/main" w="9525">
+                  <a:solidFill>
+                    <a:srgbClr val="000000"/>
+                  </a:solidFill>
+                  <a:round/>
+                  <a:headEnd/>
+                  <a:tailEnd/>
+                </a14:hiddenLine>
+              </a:ext>
+            </a:extLst>
+          </p:spPr>
+          <p:txBody>
+            <a:bodyPr vert="horz" wrap="square" lIns="91440" tIns="45720" rIns="91440" bIns="45720" numCol="1" anchor="t" anchorCtr="0" compatLnSpc="1">
+              <a:prstTxWarp prst="textNoShape">
+                <a:avLst/>
+              </a:prstTxWarp>
+            </a:bodyPr>
+            <a:lstStyle/>
+            <a:p>
+              <a:pPr marL="0" marR="0" lvl="0" indent="0" defTabSz="914400" eaLnBrk="1" fontAlgn="auto" latinLnBrk="0" hangingPunct="1">
+                <a:lnSpc>
+                  <a:spcPct val="100000"/>
+                </a:lnSpc>
+                <a:spcBef>
+                  <a:spcPts val="0"/>
+                </a:spcBef>
+                <a:spcAft>
+                  <a:spcPts val="0"/>
+                </a:spcAft>
+                <a:buClrTx/>
+                <a:buSzTx/>
+                <a:buFontTx/>
+                <a:buNone/>
+                <a:tabLst/>
+                <a:defRPr/>
+              </a:pPr>
+              <a:endParaRPr kumimoji="0" lang="en-US" sz="1800" b="0" i="0" u="none" strike="noStrike" kern="0" cap="none" spc="0" normalizeH="0" baseline="0" noProof="0" smtClean="0">
+                <a:ln>
+                  <a:noFill/>
+                </a:ln>
+                <a:solidFill>
+                  <a:prstClr val="black"/>
+                </a:solidFill>
+                <a:effectLst/>
+                <a:uLnTx/>
+                <a:uFillTx/>
+                <a:latin typeface="Century Gothic"/>
+              </a:endParaRPr>
+            </a:p>
+          </p:txBody>
+        </p:sp>
+      </p:grpSp>
+      <p:pic>
+        <p:nvPicPr>
+          <p:cNvPr id="10" name="Picture 9"/>
+          <p:cNvPicPr>
+            <a:picLocks noChangeAspect="1"/>
+          </p:cNvPicPr>
+          <p:nvPr/>
+        </p:nvPicPr>
+        <p:blipFill>
+          <a:blip r:embed="rId3" cstate="print">
+            <a:extLst>
+              <a:ext uri="{28A0092B-C50C-407E-A947-70E740481C1C}">
+                <a14:useLocalDpi xmlns:a14="http://schemas.microsoft.com/office/drawing/2010/main" val="0"/>
+              </a:ext>
+            </a:extLst>
+          </a:blip>
+          <a:stretch>
+            <a:fillRect/>
+          </a:stretch>
+        </p:blipFill>
+        <p:spPr>
+          <a:xfrm>
+            <a:off x="440872" y="337461"/>
+            <a:ext cx="1096280" cy="1096280"/>
+          </a:xfrm>
+          <a:prstGeom prst="rect">
+            <a:avLst/>
+          </a:prstGeom>
+        </p:spPr>
+      </p:pic>
+    </p:spTree>
+    <p:extLst>
+      <p:ext uri="{BB962C8B-B14F-4D97-AF65-F5344CB8AC3E}">
+        <p14:creationId xmlns:p14="http://schemas.microsoft.com/office/powerpoint/2010/main" val="2423406128"/>
+      </p:ext>
+    </p:extLst>
+  </p:cSld>
+  <p:clrMapOvr>
+    <a:masterClrMapping/>
+  </p:clrMapOvr>
+  <mc:AlternateContent xmlns:mc="http://schemas.openxmlformats.org/markup-compatibility/2006" xmlns:p14="http://schemas.microsoft.com/office/powerpoint/2010/main">
+    <mc:Choice Requires="p14">
+      <p:transition spd="med" p14:dur="700">
+        <p:fade/>
+      </p:transition>
+    </mc:Choice>
+    <mc:Fallback xmlns="">
+      <p:transition spd="med">
+        <p:fade/>
+      </p:transition>
+    </mc:Fallback>
+  </mc:AlternateContent>
+</p:sld>
+</file>
+
+<file path=ppt/slides/slide31.xml><?xml version="1.0" encoding="utf-8"?>
+<p:sld xmlns:a="http://schemas.openxmlformats.org/drawingml/2006/main" xmlns:r="http://schemas.openxmlformats.org/officeDocument/2006/relationships" xmlns:p="http://schemas.openxmlformats.org/presentationml/2006/main">
+  <p:cSld>
+    <p:spTree>
+      <p:nvGrpSpPr>
+        <p:cNvPr id="1" name=""/>
+        <p:cNvGrpSpPr/>
+        <p:nvPr/>
+      </p:nvGrpSpPr>
+      <p:grpSpPr>
+        <a:xfrm>
+          <a:off x="0" y="0"/>
+          <a:ext cx="0" cy="0"/>
+          <a:chOff x="0" y="0"/>
+          <a:chExt cx="0" cy="0"/>
+        </a:xfrm>
+      </p:grpSpPr>
+      <p:sp>
+        <p:nvSpPr>
+          <p:cNvPr id="2" name="Title 1"/>
+          <p:cNvSpPr>
+            <a:spLocks noGrp="1"/>
+          </p:cNvSpPr>
+          <p:nvPr>
+            <p:ph type="title"/>
+          </p:nvPr>
+        </p:nvSpPr>
+        <p:spPr/>
+        <p:txBody>
+          <a:bodyPr/>
+          <a:lstStyle/>
+          <a:p>
+            <a:endParaRPr lang="en-US"/>
+          </a:p>
+        </p:txBody>
+      </p:sp>
+      <p:sp>
+        <p:nvSpPr>
+          <p:cNvPr id="4" name="Text Placeholder 3"/>
+          <p:cNvSpPr>
+            <a:spLocks noGrp="1"/>
+          </p:cNvSpPr>
+          <p:nvPr>
+            <p:ph type="body" sz="half" idx="2"/>
+          </p:nvPr>
+        </p:nvSpPr>
+        <p:spPr/>
+        <p:txBody>
+          <a:bodyPr/>
+          <a:lstStyle/>
+          <a:p>
+            <a:endParaRPr lang="en-US"/>
+          </a:p>
+        </p:txBody>
+      </p:sp>
+      <p:pic>
+        <p:nvPicPr>
+          <p:cNvPr id="6" name="Picture 5"/>
+          <p:cNvPicPr>
+            <a:picLocks noChangeAspect="1"/>
+          </p:cNvPicPr>
+          <p:nvPr/>
+        </p:nvPicPr>
+        <p:blipFill>
+          <a:blip r:embed="rId2">
+            <a:extLst>
+              <a:ext uri="{28A0092B-C50C-407E-A947-70E740481C1C}">
+                <a14:useLocalDpi xmlns:a14="http://schemas.microsoft.com/office/drawing/2010/main" val="0"/>
+              </a:ext>
+            </a:extLst>
+          </a:blip>
+          <a:stretch>
+            <a:fillRect/>
+          </a:stretch>
+        </p:blipFill>
+        <p:spPr>
+          <a:xfrm>
+            <a:off x="1522412" y="838200"/>
+            <a:ext cx="4121856" cy="5257800"/>
+          </a:xfrm>
+          <a:prstGeom prst="rect">
+            <a:avLst/>
+          </a:prstGeom>
+        </p:spPr>
+      </p:pic>
+      <p:grpSp>
+        <p:nvGrpSpPr>
+          <p:cNvPr id="7" name="Group 6"/>
+          <p:cNvGrpSpPr/>
+          <p:nvPr/>
+        </p:nvGrpSpPr>
+        <p:grpSpPr>
+          <a:xfrm>
+            <a:off x="308258" y="227525"/>
+            <a:ext cx="1361508" cy="1330443"/>
+            <a:chOff x="2657475" y="1044575"/>
+            <a:chExt cx="4900613" cy="4900613"/>
+          </a:xfrm>
+          <a:solidFill>
+            <a:sysClr val="window" lastClr="FFFFFF"/>
+          </a:solidFill>
+        </p:grpSpPr>
+        <p:sp>
+          <p:nvSpPr>
+            <p:cNvPr id="8" name="Freeform 7"/>
+            <p:cNvSpPr>
+              <a:spLocks noEditPoints="1"/>
+            </p:cNvSpPr>
+            <p:nvPr/>
+          </p:nvSpPr>
+          <p:spPr bwMode="auto">
+            <a:xfrm>
+              <a:off x="2865438" y="1252538"/>
+              <a:ext cx="4484688" cy="4484688"/>
+            </a:xfrm>
+            <a:custGeom>
+              <a:avLst/>
+              <a:gdLst>
+                <a:gd name="T0" fmla="*/ 908 w 1816"/>
+                <a:gd name="T1" fmla="*/ 0 h 1816"/>
+                <a:gd name="T2" fmla="*/ 0 w 1816"/>
+                <a:gd name="T3" fmla="*/ 908 h 1816"/>
+                <a:gd name="T4" fmla="*/ 908 w 1816"/>
+                <a:gd name="T5" fmla="*/ 1816 h 1816"/>
+                <a:gd name="T6" fmla="*/ 1816 w 1816"/>
+                <a:gd name="T7" fmla="*/ 908 h 1816"/>
+                <a:gd name="T8" fmla="*/ 908 w 1816"/>
+                <a:gd name="T9" fmla="*/ 0 h 1816"/>
+                <a:gd name="T10" fmla="*/ 908 w 1816"/>
+                <a:gd name="T11" fmla="*/ 1798 h 1816"/>
+                <a:gd name="T12" fmla="*/ 18 w 1816"/>
+                <a:gd name="T13" fmla="*/ 908 h 1816"/>
+                <a:gd name="T14" fmla="*/ 908 w 1816"/>
+                <a:gd name="T15" fmla="*/ 18 h 1816"/>
+                <a:gd name="T16" fmla="*/ 1798 w 1816"/>
+                <a:gd name="T17" fmla="*/ 908 h 1816"/>
+                <a:gd name="T18" fmla="*/ 908 w 1816"/>
+                <a:gd name="T19" fmla="*/ 1798 h 1816"/>
+              </a:gdLst>
+              <a:ahLst/>
+              <a:cxnLst>
+                <a:cxn ang="0">
+                  <a:pos x="T0" y="T1"/>
+                </a:cxn>
+                <a:cxn ang="0">
+                  <a:pos x="T2" y="T3"/>
+                </a:cxn>
+                <a:cxn ang="0">
+                  <a:pos x="T4" y="T5"/>
+                </a:cxn>
+                <a:cxn ang="0">
+                  <a:pos x="T6" y="T7"/>
+                </a:cxn>
+                <a:cxn ang="0">
+                  <a:pos x="T8" y="T9"/>
+                </a:cxn>
+                <a:cxn ang="0">
+                  <a:pos x="T10" y="T11"/>
+                </a:cxn>
+                <a:cxn ang="0">
+                  <a:pos x="T12" y="T13"/>
+                </a:cxn>
+                <a:cxn ang="0">
+                  <a:pos x="T14" y="T15"/>
+                </a:cxn>
+                <a:cxn ang="0">
+                  <a:pos x="T16" y="T17"/>
+                </a:cxn>
+                <a:cxn ang="0">
+                  <a:pos x="T18" y="T19"/>
+                </a:cxn>
+              </a:cxnLst>
+              <a:rect l="0" t="0" r="r" b="b"/>
+              <a:pathLst>
+                <a:path w="1816" h="1816">
+                  <a:moveTo>
+                    <a:pt x="908" y="0"/>
+                  </a:moveTo>
+                  <a:cubicBezTo>
+                    <a:pt x="407" y="0"/>
+                    <a:pt x="0" y="407"/>
+                    <a:pt x="0" y="908"/>
+                  </a:cubicBezTo>
+                  <a:cubicBezTo>
+                    <a:pt x="0" y="1409"/>
+                    <a:pt x="407" y="1816"/>
+                    <a:pt x="908" y="1816"/>
+                  </a:cubicBezTo>
+                  <a:cubicBezTo>
+                    <a:pt x="1409" y="1816"/>
+                    <a:pt x="1816" y="1409"/>
+                    <a:pt x="1816" y="908"/>
+                  </a:cubicBezTo>
+                  <a:cubicBezTo>
+                    <a:pt x="1816" y="407"/>
+                    <a:pt x="1409" y="0"/>
+                    <a:pt x="908" y="0"/>
+                  </a:cubicBezTo>
+                  <a:close/>
+                  <a:moveTo>
+                    <a:pt x="908" y="1798"/>
+                  </a:moveTo>
+                  <a:cubicBezTo>
+                    <a:pt x="416" y="1798"/>
+                    <a:pt x="18" y="1400"/>
+                    <a:pt x="18" y="908"/>
+                  </a:cubicBezTo>
+                  <a:cubicBezTo>
+                    <a:pt x="18" y="416"/>
+                    <a:pt x="416" y="18"/>
+                    <a:pt x="908" y="18"/>
+                  </a:cubicBezTo>
+                  <a:cubicBezTo>
+                    <a:pt x="1400" y="18"/>
+                    <a:pt x="1798" y="416"/>
+                    <a:pt x="1798" y="908"/>
+                  </a:cubicBezTo>
+                  <a:cubicBezTo>
+                    <a:pt x="1798" y="1400"/>
+                    <a:pt x="1400" y="1798"/>
+                    <a:pt x="908" y="1798"/>
+                  </a:cubicBezTo>
+                  <a:close/>
+                </a:path>
+              </a:pathLst>
+            </a:custGeom>
+            <a:solidFill>
+              <a:srgbClr val="D32E2E"/>
+            </a:solidFill>
+            <a:ln>
+              <a:noFill/>
+            </a:ln>
+            <a:extLst>
+              <a:ext uri="{91240B29-F687-4F45-9708-019B960494DF}">
+                <a14:hiddenLine xmlns:a14="http://schemas.microsoft.com/office/drawing/2010/main" w="9525">
+                  <a:solidFill>
+                    <a:srgbClr val="000000"/>
+                  </a:solidFill>
+                  <a:round/>
+                  <a:headEnd/>
+                  <a:tailEnd/>
+                </a14:hiddenLine>
+              </a:ext>
+            </a:extLst>
+          </p:spPr>
+          <p:txBody>
+            <a:bodyPr vert="horz" wrap="square" lIns="91440" tIns="45720" rIns="91440" bIns="45720" numCol="1" anchor="t" anchorCtr="0" compatLnSpc="1">
+              <a:prstTxWarp prst="textNoShape">
+                <a:avLst/>
+              </a:prstTxWarp>
+            </a:bodyPr>
+            <a:lstStyle/>
+            <a:p>
+              <a:pPr marL="0" marR="0" lvl="0" indent="0" defTabSz="914400" eaLnBrk="1" fontAlgn="auto" latinLnBrk="0" hangingPunct="1">
+                <a:lnSpc>
+                  <a:spcPct val="100000"/>
+                </a:lnSpc>
+                <a:spcBef>
+                  <a:spcPts val="0"/>
+                </a:spcBef>
+                <a:spcAft>
+                  <a:spcPts val="0"/>
+                </a:spcAft>
+                <a:buClrTx/>
+                <a:buSzTx/>
+                <a:buFontTx/>
+                <a:buNone/>
+                <a:tabLst/>
+                <a:defRPr/>
+              </a:pPr>
+              <a:endParaRPr kumimoji="0" lang="en-US" sz="1800" b="0" i="0" u="none" strike="noStrike" kern="0" cap="none" spc="0" normalizeH="0" baseline="0" noProof="0" smtClean="0">
+                <a:ln>
+                  <a:noFill/>
+                </a:ln>
+                <a:solidFill>
+                  <a:prstClr val="black"/>
+                </a:solidFill>
+                <a:effectLst/>
+                <a:uLnTx/>
+                <a:uFillTx/>
+                <a:latin typeface="Century Gothic"/>
+              </a:endParaRPr>
+            </a:p>
+          </p:txBody>
+        </p:sp>
+        <p:sp>
+          <p:nvSpPr>
+            <p:cNvPr id="9" name="Freeform 8"/>
+            <p:cNvSpPr>
+              <a:spLocks noEditPoints="1"/>
+            </p:cNvSpPr>
+            <p:nvPr/>
+          </p:nvSpPr>
+          <p:spPr bwMode="auto">
+            <a:xfrm>
+              <a:off x="2657475" y="1044575"/>
+              <a:ext cx="4900613" cy="4900613"/>
+            </a:xfrm>
+            <a:custGeom>
+              <a:avLst/>
+              <a:gdLst>
+                <a:gd name="T0" fmla="*/ 992 w 1984"/>
+                <a:gd name="T1" fmla="*/ 0 h 1984"/>
+                <a:gd name="T2" fmla="*/ 0 w 1984"/>
+                <a:gd name="T3" fmla="*/ 992 h 1984"/>
+                <a:gd name="T4" fmla="*/ 992 w 1984"/>
+                <a:gd name="T5" fmla="*/ 1984 h 1984"/>
+                <a:gd name="T6" fmla="*/ 1984 w 1984"/>
+                <a:gd name="T7" fmla="*/ 992 h 1984"/>
+                <a:gd name="T8" fmla="*/ 992 w 1984"/>
+                <a:gd name="T9" fmla="*/ 0 h 1984"/>
+                <a:gd name="T10" fmla="*/ 992 w 1984"/>
+                <a:gd name="T11" fmla="*/ 1934 h 1984"/>
+                <a:gd name="T12" fmla="*/ 50 w 1984"/>
+                <a:gd name="T13" fmla="*/ 992 h 1984"/>
+                <a:gd name="T14" fmla="*/ 992 w 1984"/>
+                <a:gd name="T15" fmla="*/ 50 h 1984"/>
+                <a:gd name="T16" fmla="*/ 1934 w 1984"/>
+                <a:gd name="T17" fmla="*/ 992 h 1984"/>
+                <a:gd name="T18" fmla="*/ 992 w 1984"/>
+                <a:gd name="T19" fmla="*/ 1934 h 1984"/>
+              </a:gdLst>
+              <a:ahLst/>
+              <a:cxnLst>
+                <a:cxn ang="0">
+                  <a:pos x="T0" y="T1"/>
+                </a:cxn>
+                <a:cxn ang="0">
+                  <a:pos x="T2" y="T3"/>
+                </a:cxn>
+                <a:cxn ang="0">
+                  <a:pos x="T4" y="T5"/>
+                </a:cxn>
+                <a:cxn ang="0">
+                  <a:pos x="T6" y="T7"/>
+                </a:cxn>
+                <a:cxn ang="0">
+                  <a:pos x="T8" y="T9"/>
+                </a:cxn>
+                <a:cxn ang="0">
+                  <a:pos x="T10" y="T11"/>
+                </a:cxn>
+                <a:cxn ang="0">
+                  <a:pos x="T12" y="T13"/>
+                </a:cxn>
+                <a:cxn ang="0">
+                  <a:pos x="T14" y="T15"/>
+                </a:cxn>
+                <a:cxn ang="0">
+                  <a:pos x="T16" y="T17"/>
+                </a:cxn>
+                <a:cxn ang="0">
+                  <a:pos x="T18" y="T19"/>
+                </a:cxn>
+              </a:cxnLst>
+              <a:rect l="0" t="0" r="r" b="b"/>
+              <a:pathLst>
+                <a:path w="1984" h="1984">
+                  <a:moveTo>
+                    <a:pt x="992" y="0"/>
+                  </a:moveTo>
+                  <a:cubicBezTo>
+                    <a:pt x="444" y="0"/>
+                    <a:pt x="0" y="444"/>
+                    <a:pt x="0" y="992"/>
+                  </a:cubicBezTo>
+                  <a:cubicBezTo>
+                    <a:pt x="0" y="1540"/>
+                    <a:pt x="444" y="1984"/>
+                    <a:pt x="992" y="1984"/>
+                  </a:cubicBezTo>
+                  <a:cubicBezTo>
+                    <a:pt x="1540" y="1984"/>
+                    <a:pt x="1984" y="1540"/>
+                    <a:pt x="1984" y="992"/>
+                  </a:cubicBezTo>
+                  <a:cubicBezTo>
+                    <a:pt x="1984" y="444"/>
+                    <a:pt x="1540" y="0"/>
+                    <a:pt x="992" y="0"/>
+                  </a:cubicBezTo>
+                  <a:close/>
+                  <a:moveTo>
+                    <a:pt x="992" y="1934"/>
+                  </a:moveTo>
+                  <a:cubicBezTo>
+                    <a:pt x="472" y="1934"/>
+                    <a:pt x="50" y="1512"/>
+                    <a:pt x="50" y="992"/>
+                  </a:cubicBezTo>
+                  <a:cubicBezTo>
+                    <a:pt x="50" y="472"/>
+                    <a:pt x="472" y="50"/>
+                    <a:pt x="992" y="50"/>
+                  </a:cubicBezTo>
+                  <a:cubicBezTo>
+                    <a:pt x="1512" y="50"/>
+                    <a:pt x="1934" y="472"/>
+                    <a:pt x="1934" y="992"/>
+                  </a:cubicBezTo>
+                  <a:cubicBezTo>
+                    <a:pt x="1934" y="1512"/>
+                    <a:pt x="1512" y="1934"/>
+                    <a:pt x="992" y="1934"/>
+                  </a:cubicBezTo>
+                  <a:close/>
+                </a:path>
+              </a:pathLst>
+            </a:custGeom>
+            <a:solidFill>
+              <a:srgbClr val="D32E2E"/>
+            </a:solidFill>
+            <a:ln>
+              <a:noFill/>
+            </a:ln>
+            <a:extLst>
+              <a:ext uri="{91240B29-F687-4F45-9708-019B960494DF}">
+                <a14:hiddenLine xmlns:a14="http://schemas.microsoft.com/office/drawing/2010/main" w="9525">
+                  <a:solidFill>
+                    <a:srgbClr val="000000"/>
+                  </a:solidFill>
+                  <a:round/>
+                  <a:headEnd/>
+                  <a:tailEnd/>
+                </a14:hiddenLine>
+              </a:ext>
+            </a:extLst>
+          </p:spPr>
+          <p:txBody>
+            <a:bodyPr vert="horz" wrap="square" lIns="91440" tIns="45720" rIns="91440" bIns="45720" numCol="1" anchor="t" anchorCtr="0" compatLnSpc="1">
+              <a:prstTxWarp prst="textNoShape">
+                <a:avLst/>
+              </a:prstTxWarp>
+            </a:bodyPr>
+            <a:lstStyle/>
+            <a:p>
+              <a:pPr marL="0" marR="0" lvl="0" indent="0" defTabSz="914400" eaLnBrk="1" fontAlgn="auto" latinLnBrk="0" hangingPunct="1">
+                <a:lnSpc>
+                  <a:spcPct val="100000"/>
+                </a:lnSpc>
+                <a:spcBef>
+                  <a:spcPts val="0"/>
+                </a:spcBef>
+                <a:spcAft>
+                  <a:spcPts val="0"/>
+                </a:spcAft>
+                <a:buClrTx/>
+                <a:buSzTx/>
+                <a:buFontTx/>
+                <a:buNone/>
+                <a:tabLst/>
+                <a:defRPr/>
+              </a:pPr>
+              <a:endParaRPr kumimoji="0" lang="en-US" sz="1800" b="0" i="0" u="none" strike="noStrike" kern="0" cap="none" spc="0" normalizeH="0" baseline="0" noProof="0" smtClean="0">
+                <a:ln>
+                  <a:noFill/>
+                </a:ln>
+                <a:solidFill>
+                  <a:prstClr val="black"/>
+                </a:solidFill>
+                <a:effectLst/>
+                <a:uLnTx/>
+                <a:uFillTx/>
+                <a:latin typeface="Century Gothic"/>
+              </a:endParaRPr>
+            </a:p>
+          </p:txBody>
+        </p:sp>
+      </p:grpSp>
+      <p:pic>
+        <p:nvPicPr>
+          <p:cNvPr id="10" name="Picture 9"/>
+          <p:cNvPicPr>
+            <a:picLocks noChangeAspect="1"/>
+          </p:cNvPicPr>
+          <p:nvPr/>
+        </p:nvPicPr>
+        <p:blipFill>
+          <a:blip r:embed="rId3" cstate="print">
+            <a:extLst>
+              <a:ext uri="{28A0092B-C50C-407E-A947-70E740481C1C}">
+                <a14:useLocalDpi xmlns:a14="http://schemas.microsoft.com/office/drawing/2010/main" val="0"/>
+              </a:ext>
+            </a:extLst>
+          </a:blip>
+          <a:stretch>
+            <a:fillRect/>
+          </a:stretch>
+        </p:blipFill>
+        <p:spPr>
+          <a:xfrm>
+            <a:off x="440872" y="337461"/>
+            <a:ext cx="1096280" cy="1096280"/>
+          </a:xfrm>
+          <a:prstGeom prst="rect">
+            <a:avLst/>
+          </a:prstGeom>
+        </p:spPr>
+      </p:pic>
+    </p:spTree>
+    <p:extLst>
+      <p:ext uri="{BB962C8B-B14F-4D97-AF65-F5344CB8AC3E}">
+        <p14:creationId xmlns:p14="http://schemas.microsoft.com/office/powerpoint/2010/main" val="4093703996"/>
+      </p:ext>
+    </p:extLst>
+  </p:cSld>
+  <p:clrMapOvr>
+    <a:masterClrMapping/>
+  </p:clrMapOvr>
+  <mc:AlternateContent xmlns:mc="http://schemas.openxmlformats.org/markup-compatibility/2006" xmlns:p14="http://schemas.microsoft.com/office/powerpoint/2010/main">
+    <mc:Choice Requires="p14">
+      <p:transition spd="med" p14:dur="700">
+        <p:fade/>
+      </p:transition>
+    </mc:Choice>
+    <mc:Fallback xmlns="">
+      <p:transition spd="med">
+        <p:fade/>
+      </p:transition>
+    </mc:Fallback>
+  </mc:AlternateContent>
+</p:sld>
+</file>
+
+<file path=ppt/slides/slide32.xml><?xml version="1.0" encoding="utf-8"?>
+<p:sld xmlns:a="http://schemas.openxmlformats.org/drawingml/2006/main" xmlns:r="http://schemas.openxmlformats.org/officeDocument/2006/relationships" xmlns:p="http://schemas.openxmlformats.org/presentationml/2006/main">
+  <p:cSld>
+    <p:spTree>
+      <p:nvGrpSpPr>
+        <p:cNvPr id="1" name=""/>
+        <p:cNvGrpSpPr/>
+        <p:nvPr/>
+      </p:nvGrpSpPr>
+      <p:grpSpPr>
+        <a:xfrm>
+          <a:off x="0" y="0"/>
+          <a:ext cx="0" cy="0"/>
+          <a:chOff x="0" y="0"/>
+          <a:chExt cx="0" cy="0"/>
+        </a:xfrm>
+      </p:grpSpPr>
+      <p:sp>
+        <p:nvSpPr>
+          <p:cNvPr id="2" name="Title 1"/>
+          <p:cNvSpPr>
+            <a:spLocks noGrp="1"/>
+          </p:cNvSpPr>
+          <p:nvPr>
+            <p:ph type="title"/>
+          </p:nvPr>
+        </p:nvSpPr>
+        <p:spPr/>
+        <p:txBody>
+          <a:bodyPr/>
+          <a:lstStyle/>
+          <a:p>
+            <a:endParaRPr lang="en-US"/>
+          </a:p>
+        </p:txBody>
+      </p:sp>
+      <p:sp>
+        <p:nvSpPr>
+          <p:cNvPr id="4" name="Text Placeholder 3"/>
+          <p:cNvSpPr>
+            <a:spLocks noGrp="1"/>
+          </p:cNvSpPr>
+          <p:nvPr>
+            <p:ph type="body" sz="half" idx="2"/>
+          </p:nvPr>
+        </p:nvSpPr>
+        <p:spPr/>
+        <p:txBody>
+          <a:bodyPr/>
+          <a:lstStyle/>
+          <a:p>
+            <a:endParaRPr lang="en-US"/>
+          </a:p>
+        </p:txBody>
+      </p:sp>
+      <p:pic>
+        <p:nvPicPr>
+          <p:cNvPr id="6" name="Picture 5"/>
+          <p:cNvPicPr>
+            <a:picLocks noChangeAspect="1"/>
+          </p:cNvPicPr>
+          <p:nvPr/>
+        </p:nvPicPr>
+        <p:blipFill>
+          <a:blip r:embed="rId2">
+            <a:extLst>
+              <a:ext uri="{28A0092B-C50C-407E-A947-70E740481C1C}">
+                <a14:useLocalDpi xmlns:a14="http://schemas.microsoft.com/office/drawing/2010/main" val="0"/>
+              </a:ext>
+            </a:extLst>
+          </a:blip>
+          <a:stretch>
+            <a:fillRect/>
+          </a:stretch>
+        </p:blipFill>
+        <p:spPr>
+          <a:xfrm>
+            <a:off x="1522412" y="838200"/>
+            <a:ext cx="4121856" cy="5257800"/>
+          </a:xfrm>
+          <a:prstGeom prst="rect">
+            <a:avLst/>
+          </a:prstGeom>
+        </p:spPr>
+      </p:pic>
+      <p:grpSp>
+        <p:nvGrpSpPr>
+          <p:cNvPr id="7" name="Group 6"/>
+          <p:cNvGrpSpPr/>
+          <p:nvPr/>
+        </p:nvGrpSpPr>
+        <p:grpSpPr>
+          <a:xfrm>
+            <a:off x="308258" y="227525"/>
+            <a:ext cx="1361508" cy="1330443"/>
+            <a:chOff x="2657475" y="1044575"/>
+            <a:chExt cx="4900613" cy="4900613"/>
+          </a:xfrm>
+          <a:solidFill>
+            <a:sysClr val="window" lastClr="FFFFFF"/>
+          </a:solidFill>
+        </p:grpSpPr>
+        <p:sp>
+          <p:nvSpPr>
+            <p:cNvPr id="8" name="Freeform 7"/>
+            <p:cNvSpPr>
+              <a:spLocks noEditPoints="1"/>
+            </p:cNvSpPr>
+            <p:nvPr/>
+          </p:nvSpPr>
+          <p:spPr bwMode="auto">
+            <a:xfrm>
+              <a:off x="2865438" y="1252538"/>
+              <a:ext cx="4484688" cy="4484688"/>
+            </a:xfrm>
+            <a:custGeom>
+              <a:avLst/>
+              <a:gdLst>
+                <a:gd name="T0" fmla="*/ 908 w 1816"/>
+                <a:gd name="T1" fmla="*/ 0 h 1816"/>
+                <a:gd name="T2" fmla="*/ 0 w 1816"/>
+                <a:gd name="T3" fmla="*/ 908 h 1816"/>
+                <a:gd name="T4" fmla="*/ 908 w 1816"/>
+                <a:gd name="T5" fmla="*/ 1816 h 1816"/>
+                <a:gd name="T6" fmla="*/ 1816 w 1816"/>
+                <a:gd name="T7" fmla="*/ 908 h 1816"/>
+                <a:gd name="T8" fmla="*/ 908 w 1816"/>
+                <a:gd name="T9" fmla="*/ 0 h 1816"/>
+                <a:gd name="T10" fmla="*/ 908 w 1816"/>
+                <a:gd name="T11" fmla="*/ 1798 h 1816"/>
+                <a:gd name="T12" fmla="*/ 18 w 1816"/>
+                <a:gd name="T13" fmla="*/ 908 h 1816"/>
+                <a:gd name="T14" fmla="*/ 908 w 1816"/>
+                <a:gd name="T15" fmla="*/ 18 h 1816"/>
+                <a:gd name="T16" fmla="*/ 1798 w 1816"/>
+                <a:gd name="T17" fmla="*/ 908 h 1816"/>
+                <a:gd name="T18" fmla="*/ 908 w 1816"/>
+                <a:gd name="T19" fmla="*/ 1798 h 1816"/>
+              </a:gdLst>
+              <a:ahLst/>
+              <a:cxnLst>
+                <a:cxn ang="0">
+                  <a:pos x="T0" y="T1"/>
+                </a:cxn>
+                <a:cxn ang="0">
+                  <a:pos x="T2" y="T3"/>
+                </a:cxn>
+                <a:cxn ang="0">
+                  <a:pos x="T4" y="T5"/>
+                </a:cxn>
+                <a:cxn ang="0">
+                  <a:pos x="T6" y="T7"/>
+                </a:cxn>
+                <a:cxn ang="0">
+                  <a:pos x="T8" y="T9"/>
+                </a:cxn>
+                <a:cxn ang="0">
+                  <a:pos x="T10" y="T11"/>
+                </a:cxn>
+                <a:cxn ang="0">
+                  <a:pos x="T12" y="T13"/>
+                </a:cxn>
+                <a:cxn ang="0">
+                  <a:pos x="T14" y="T15"/>
+                </a:cxn>
+                <a:cxn ang="0">
+                  <a:pos x="T16" y="T17"/>
+                </a:cxn>
+                <a:cxn ang="0">
+                  <a:pos x="T18" y="T19"/>
+                </a:cxn>
+              </a:cxnLst>
+              <a:rect l="0" t="0" r="r" b="b"/>
+              <a:pathLst>
+                <a:path w="1816" h="1816">
+                  <a:moveTo>
+                    <a:pt x="908" y="0"/>
+                  </a:moveTo>
+                  <a:cubicBezTo>
+                    <a:pt x="407" y="0"/>
+                    <a:pt x="0" y="407"/>
+                    <a:pt x="0" y="908"/>
+                  </a:cubicBezTo>
+                  <a:cubicBezTo>
+                    <a:pt x="0" y="1409"/>
+                    <a:pt x="407" y="1816"/>
+                    <a:pt x="908" y="1816"/>
+                  </a:cubicBezTo>
+                  <a:cubicBezTo>
+                    <a:pt x="1409" y="1816"/>
+                    <a:pt x="1816" y="1409"/>
+                    <a:pt x="1816" y="908"/>
+                  </a:cubicBezTo>
+                  <a:cubicBezTo>
+                    <a:pt x="1816" y="407"/>
+                    <a:pt x="1409" y="0"/>
+                    <a:pt x="908" y="0"/>
+                  </a:cubicBezTo>
+                  <a:close/>
+                  <a:moveTo>
+                    <a:pt x="908" y="1798"/>
+                  </a:moveTo>
+                  <a:cubicBezTo>
+                    <a:pt x="416" y="1798"/>
+                    <a:pt x="18" y="1400"/>
+                    <a:pt x="18" y="908"/>
+                  </a:cubicBezTo>
+                  <a:cubicBezTo>
+                    <a:pt x="18" y="416"/>
+                    <a:pt x="416" y="18"/>
+                    <a:pt x="908" y="18"/>
+                  </a:cubicBezTo>
+                  <a:cubicBezTo>
+                    <a:pt x="1400" y="18"/>
+                    <a:pt x="1798" y="416"/>
+                    <a:pt x="1798" y="908"/>
+                  </a:cubicBezTo>
+                  <a:cubicBezTo>
+                    <a:pt x="1798" y="1400"/>
+                    <a:pt x="1400" y="1798"/>
+                    <a:pt x="908" y="1798"/>
+                  </a:cubicBezTo>
+                  <a:close/>
+                </a:path>
+              </a:pathLst>
+            </a:custGeom>
+            <a:solidFill>
+              <a:srgbClr val="D32E2E"/>
+            </a:solidFill>
+            <a:ln>
+              <a:noFill/>
+            </a:ln>
+            <a:extLst>
+              <a:ext uri="{91240B29-F687-4F45-9708-019B960494DF}">
+                <a14:hiddenLine xmlns:a14="http://schemas.microsoft.com/office/drawing/2010/main" w="9525">
+                  <a:solidFill>
+                    <a:srgbClr val="000000"/>
+                  </a:solidFill>
+                  <a:round/>
+                  <a:headEnd/>
+                  <a:tailEnd/>
+                </a14:hiddenLine>
+              </a:ext>
+            </a:extLst>
+          </p:spPr>
+          <p:txBody>
+            <a:bodyPr vert="horz" wrap="square" lIns="91440" tIns="45720" rIns="91440" bIns="45720" numCol="1" anchor="t" anchorCtr="0" compatLnSpc="1">
+              <a:prstTxWarp prst="textNoShape">
+                <a:avLst/>
+              </a:prstTxWarp>
+            </a:bodyPr>
+            <a:lstStyle/>
+            <a:p>
+              <a:pPr marL="0" marR="0" lvl="0" indent="0" defTabSz="914400" eaLnBrk="1" fontAlgn="auto" latinLnBrk="0" hangingPunct="1">
+                <a:lnSpc>
+                  <a:spcPct val="100000"/>
+                </a:lnSpc>
+                <a:spcBef>
+                  <a:spcPts val="0"/>
+                </a:spcBef>
+                <a:spcAft>
+                  <a:spcPts val="0"/>
+                </a:spcAft>
+                <a:buClrTx/>
+                <a:buSzTx/>
+                <a:buFontTx/>
+                <a:buNone/>
+                <a:tabLst/>
+                <a:defRPr/>
+              </a:pPr>
+              <a:endParaRPr kumimoji="0" lang="en-US" sz="1800" b="0" i="0" u="none" strike="noStrike" kern="0" cap="none" spc="0" normalizeH="0" baseline="0" noProof="0" smtClean="0">
+                <a:ln>
+                  <a:noFill/>
+                </a:ln>
+                <a:solidFill>
+                  <a:prstClr val="black"/>
+                </a:solidFill>
+                <a:effectLst/>
+                <a:uLnTx/>
+                <a:uFillTx/>
+                <a:latin typeface="Century Gothic"/>
+              </a:endParaRPr>
+            </a:p>
+          </p:txBody>
+        </p:sp>
+        <p:sp>
+          <p:nvSpPr>
+            <p:cNvPr id="9" name="Freeform 8"/>
+            <p:cNvSpPr>
+              <a:spLocks noEditPoints="1"/>
+            </p:cNvSpPr>
+            <p:nvPr/>
+          </p:nvSpPr>
+          <p:spPr bwMode="auto">
+            <a:xfrm>
+              <a:off x="2657475" y="1044575"/>
+              <a:ext cx="4900613" cy="4900613"/>
+            </a:xfrm>
+            <a:custGeom>
+              <a:avLst/>
+              <a:gdLst>
+                <a:gd name="T0" fmla="*/ 992 w 1984"/>
+                <a:gd name="T1" fmla="*/ 0 h 1984"/>
+                <a:gd name="T2" fmla="*/ 0 w 1984"/>
+                <a:gd name="T3" fmla="*/ 992 h 1984"/>
+                <a:gd name="T4" fmla="*/ 992 w 1984"/>
+                <a:gd name="T5" fmla="*/ 1984 h 1984"/>
+                <a:gd name="T6" fmla="*/ 1984 w 1984"/>
+                <a:gd name="T7" fmla="*/ 992 h 1984"/>
+                <a:gd name="T8" fmla="*/ 992 w 1984"/>
+                <a:gd name="T9" fmla="*/ 0 h 1984"/>
+                <a:gd name="T10" fmla="*/ 992 w 1984"/>
+                <a:gd name="T11" fmla="*/ 1934 h 1984"/>
+                <a:gd name="T12" fmla="*/ 50 w 1984"/>
+                <a:gd name="T13" fmla="*/ 992 h 1984"/>
+                <a:gd name="T14" fmla="*/ 992 w 1984"/>
+                <a:gd name="T15" fmla="*/ 50 h 1984"/>
+                <a:gd name="T16" fmla="*/ 1934 w 1984"/>
+                <a:gd name="T17" fmla="*/ 992 h 1984"/>
+                <a:gd name="T18" fmla="*/ 992 w 1984"/>
+                <a:gd name="T19" fmla="*/ 1934 h 1984"/>
+              </a:gdLst>
+              <a:ahLst/>
+              <a:cxnLst>
+                <a:cxn ang="0">
+                  <a:pos x="T0" y="T1"/>
+                </a:cxn>
+                <a:cxn ang="0">
+                  <a:pos x="T2" y="T3"/>
+                </a:cxn>
+                <a:cxn ang="0">
+                  <a:pos x="T4" y="T5"/>
+                </a:cxn>
+                <a:cxn ang="0">
+                  <a:pos x="T6" y="T7"/>
+                </a:cxn>
+                <a:cxn ang="0">
+                  <a:pos x="T8" y="T9"/>
+                </a:cxn>
+                <a:cxn ang="0">
+                  <a:pos x="T10" y="T11"/>
+                </a:cxn>
+                <a:cxn ang="0">
+                  <a:pos x="T12" y="T13"/>
+                </a:cxn>
+                <a:cxn ang="0">
+                  <a:pos x="T14" y="T15"/>
+                </a:cxn>
+                <a:cxn ang="0">
+                  <a:pos x="T16" y="T17"/>
+                </a:cxn>
+                <a:cxn ang="0">
+                  <a:pos x="T18" y="T19"/>
+                </a:cxn>
+              </a:cxnLst>
+              <a:rect l="0" t="0" r="r" b="b"/>
+              <a:pathLst>
+                <a:path w="1984" h="1984">
+                  <a:moveTo>
+                    <a:pt x="992" y="0"/>
+                  </a:moveTo>
+                  <a:cubicBezTo>
+                    <a:pt x="444" y="0"/>
+                    <a:pt x="0" y="444"/>
+                    <a:pt x="0" y="992"/>
+                  </a:cubicBezTo>
+                  <a:cubicBezTo>
+                    <a:pt x="0" y="1540"/>
+                    <a:pt x="444" y="1984"/>
+                    <a:pt x="992" y="1984"/>
+                  </a:cubicBezTo>
+                  <a:cubicBezTo>
+                    <a:pt x="1540" y="1984"/>
+                    <a:pt x="1984" y="1540"/>
+                    <a:pt x="1984" y="992"/>
+                  </a:cubicBezTo>
+                  <a:cubicBezTo>
+                    <a:pt x="1984" y="444"/>
+                    <a:pt x="1540" y="0"/>
+                    <a:pt x="992" y="0"/>
+                  </a:cubicBezTo>
+                  <a:close/>
+                  <a:moveTo>
+                    <a:pt x="992" y="1934"/>
+                  </a:moveTo>
+                  <a:cubicBezTo>
+                    <a:pt x="472" y="1934"/>
+                    <a:pt x="50" y="1512"/>
+                    <a:pt x="50" y="992"/>
+                  </a:cubicBezTo>
+                  <a:cubicBezTo>
+                    <a:pt x="50" y="472"/>
+                    <a:pt x="472" y="50"/>
+                    <a:pt x="992" y="50"/>
+                  </a:cubicBezTo>
+                  <a:cubicBezTo>
+                    <a:pt x="1512" y="50"/>
+                    <a:pt x="1934" y="472"/>
+                    <a:pt x="1934" y="992"/>
+                  </a:cubicBezTo>
+                  <a:cubicBezTo>
+                    <a:pt x="1934" y="1512"/>
+                    <a:pt x="1512" y="1934"/>
+                    <a:pt x="992" y="1934"/>
+                  </a:cubicBezTo>
+                  <a:close/>
+                </a:path>
+              </a:pathLst>
+            </a:custGeom>
+            <a:solidFill>
+              <a:srgbClr val="D32E2E"/>
+            </a:solidFill>
+            <a:ln>
+              <a:noFill/>
+            </a:ln>
+            <a:extLst>
+              <a:ext uri="{91240B29-F687-4F45-9708-019B960494DF}">
+                <a14:hiddenLine xmlns:a14="http://schemas.microsoft.com/office/drawing/2010/main" w="9525">
+                  <a:solidFill>
+                    <a:srgbClr val="000000"/>
+                  </a:solidFill>
+                  <a:round/>
+                  <a:headEnd/>
+                  <a:tailEnd/>
+                </a14:hiddenLine>
+              </a:ext>
+            </a:extLst>
+          </p:spPr>
+          <p:txBody>
+            <a:bodyPr vert="horz" wrap="square" lIns="91440" tIns="45720" rIns="91440" bIns="45720" numCol="1" anchor="t" anchorCtr="0" compatLnSpc="1">
+              <a:prstTxWarp prst="textNoShape">
+                <a:avLst/>
+              </a:prstTxWarp>
+            </a:bodyPr>
+            <a:lstStyle/>
+            <a:p>
+              <a:pPr marL="0" marR="0" lvl="0" indent="0" defTabSz="914400" eaLnBrk="1" fontAlgn="auto" latinLnBrk="0" hangingPunct="1">
+                <a:lnSpc>
+                  <a:spcPct val="100000"/>
+                </a:lnSpc>
+                <a:spcBef>
+                  <a:spcPts val="0"/>
+                </a:spcBef>
+                <a:spcAft>
+                  <a:spcPts val="0"/>
+                </a:spcAft>
+                <a:buClrTx/>
+                <a:buSzTx/>
+                <a:buFontTx/>
+                <a:buNone/>
+                <a:tabLst/>
+                <a:defRPr/>
+              </a:pPr>
+              <a:endParaRPr kumimoji="0" lang="en-US" sz="1800" b="0" i="0" u="none" strike="noStrike" kern="0" cap="none" spc="0" normalizeH="0" baseline="0" noProof="0" smtClean="0">
+                <a:ln>
+                  <a:noFill/>
+                </a:ln>
+                <a:solidFill>
+                  <a:prstClr val="black"/>
+                </a:solidFill>
+                <a:effectLst/>
+                <a:uLnTx/>
+                <a:uFillTx/>
+                <a:latin typeface="Century Gothic"/>
+              </a:endParaRPr>
+            </a:p>
+          </p:txBody>
+        </p:sp>
+      </p:grpSp>
+      <p:pic>
+        <p:nvPicPr>
+          <p:cNvPr id="10" name="Picture 9"/>
+          <p:cNvPicPr>
+            <a:picLocks noChangeAspect="1"/>
+          </p:cNvPicPr>
+          <p:nvPr/>
+        </p:nvPicPr>
+        <p:blipFill>
+          <a:blip r:embed="rId3" cstate="print">
+            <a:extLst>
+              <a:ext uri="{28A0092B-C50C-407E-A947-70E740481C1C}">
+                <a14:useLocalDpi xmlns:a14="http://schemas.microsoft.com/office/drawing/2010/main" val="0"/>
+              </a:ext>
+            </a:extLst>
+          </a:blip>
+          <a:stretch>
+            <a:fillRect/>
+          </a:stretch>
+        </p:blipFill>
+        <p:spPr>
+          <a:xfrm>
+            <a:off x="440872" y="337461"/>
+            <a:ext cx="1096280" cy="1096280"/>
+          </a:xfrm>
+          <a:prstGeom prst="rect">
+            <a:avLst/>
+          </a:prstGeom>
+        </p:spPr>
+      </p:pic>
+    </p:spTree>
+    <p:extLst>
+      <p:ext uri="{BB962C8B-B14F-4D97-AF65-F5344CB8AC3E}">
+        <p14:creationId xmlns:p14="http://schemas.microsoft.com/office/powerpoint/2010/main" val="3688736325"/>
+      </p:ext>
+    </p:extLst>
+  </p:cSld>
+  <p:clrMapOvr>
+    <a:masterClrMapping/>
+  </p:clrMapOvr>
+  <mc:AlternateContent xmlns:mc="http://schemas.openxmlformats.org/markup-compatibility/2006" xmlns:p14="http://schemas.microsoft.com/office/powerpoint/2010/main">
+    <mc:Choice Requires="p14">
+      <p:transition spd="med" p14:dur="700">
+        <p:fade/>
+      </p:transition>
+    </mc:Choice>
+    <mc:Fallback xmlns="">
+      <p:transition spd="med">
+        <p:fade/>
+      </p:transition>
+    </mc:Fallback>
+  </mc:AlternateContent>
+</p:sld>
+</file>
+
 <file path=ppt/slides/slide4.xml><?xml version="1.0" encoding="utf-8"?>
 <p:sld xmlns:a="http://schemas.openxmlformats.org/drawingml/2006/main" xmlns:r="http://schemas.openxmlformats.org/officeDocument/2006/relationships" xmlns:p="http://schemas.openxmlformats.org/presentationml/2006/main">
   <p:cSld>
@@ -19951,45 +27772,7 @@
                 <a:cs typeface="Behdad" panose="02000503000000000000" pitchFamily="2" charset="-78"/>
                 <a:hlinkClick r:id="rId3"/>
               </a:rPr>
-              <a:t> برای دسترسی به مستندات برنامه و گزارش های تست </a:t>
-            </a:r>
-            <a:r>
-              <a:rPr lang="fa-IR" sz="3200" dirty="0" smtClean="0">
-                <a:ln w="0"/>
-                <a:solidFill>
-                  <a:srgbClr val="FFFF00"/>
-                </a:solidFill>
-                <a:effectLst>
-                  <a:outerShdw blurRad="38100" dist="19050" dir="2700000" algn="tl" rotWithShape="0">
-                    <a:schemeClr val="dk1">
-                      <a:alpha val="40000"/>
-                    </a:schemeClr>
-                  </a:outerShdw>
-                </a:effectLst>
-                <a:latin typeface="Behdad" panose="02000503000000000000" pitchFamily="2" charset="-78"/>
-                <a:cs typeface="Behdad" panose="02000503000000000000" pitchFamily="2" charset="-78"/>
-                <a:hlinkClick r:id="rId3"/>
-              </a:rPr>
-              <a:t>کلیک </a:t>
-            </a:r>
-            <a:r>
-              <a:rPr lang="fa-IR" sz="3200" dirty="0" smtClean="0">
-                <a:ln w="0"/>
-                <a:solidFill>
-                  <a:srgbClr val="FFFF00"/>
-                </a:solidFill>
-                <a:effectLst>
-                  <a:outerShdw blurRad="38100" dist="19050" dir="2700000" algn="tl" rotWithShape="0">
-                    <a:schemeClr val="dk1">
-                      <a:alpha val="40000"/>
-                    </a:schemeClr>
-                  </a:outerShdw>
-                </a:effectLst>
-                <a:latin typeface="Behdad" panose="02000503000000000000" pitchFamily="2" charset="-78"/>
-                <a:cs typeface="Behdad" panose="02000503000000000000" pitchFamily="2" charset="-78"/>
-                <a:hlinkClick r:id="rId3"/>
-              </a:rPr>
-              <a:t>کنید</a:t>
+              <a:t> برای دسترسی به مستندات برنامه و گزارش های تست کلیک کنید</a:t>
             </a:r>
             <a:endParaRPr lang="en-US" sz="3200" dirty="0">
               <a:ln w="0"/>
@@ -20055,14 +27838,7 @@
                 <a:latin typeface="Behdad" panose="02000503000000000000" pitchFamily="2" charset="-78"/>
                 <a:cs typeface="Behdad" panose="02000503000000000000" pitchFamily="2" charset="-78"/>
               </a:rPr>
-              <a:t>ایجاد شده برای پروژه و ... </a:t>
-            </a:r>
-            <a:r>
-              <a:rPr lang="fa-IR" sz="1200" dirty="0" smtClean="0">
-                <a:latin typeface="Behdad" panose="02000503000000000000" pitchFamily="2" charset="-78"/>
-                <a:cs typeface="Behdad" panose="02000503000000000000" pitchFamily="2" charset="-78"/>
-              </a:rPr>
-              <a:t> دستیابی پیدا کنید . </a:t>
+              <a:t>ایجاد شده برای پروژه و ...  دستیابی پیدا کنید . </a:t>
             </a:r>
             <a:endParaRPr lang="en-US" sz="1200" dirty="0">
               <a:latin typeface="Behdad" panose="02000503000000000000" pitchFamily="2" charset="-78"/>
@@ -20206,13 +27982,13 @@
   <p:clrMapOvr>
     <a:masterClrMapping/>
   </p:clrMapOvr>
-  <mc:AlternateContent xmlns:mc="http://schemas.openxmlformats.org/markup-compatibility/2006">
-    <mc:Choice xmlns:p14="http://schemas.microsoft.com/office/powerpoint/2010/main" Requires="p14">
+  <mc:AlternateContent xmlns:mc="http://schemas.openxmlformats.org/markup-compatibility/2006" xmlns:p14="http://schemas.microsoft.com/office/powerpoint/2010/main">
+    <mc:Choice Requires="p14">
       <p:transition spd="med" p14:dur="700">
         <p:fade/>
       </p:transition>
     </mc:Choice>
-    <mc:Fallback>
+    <mc:Fallback xmlns="">
       <p:transition spd="med">
         <p:fade/>
       </p:transition>
@@ -21082,13 +28858,13 @@
   <p:clrMapOvr>
     <a:masterClrMapping/>
   </p:clrMapOvr>
-  <mc:AlternateContent xmlns:mc="http://schemas.openxmlformats.org/markup-compatibility/2006">
-    <mc:Choice xmlns:p14="http://schemas.microsoft.com/office/powerpoint/2010/main" Requires="p14">
+  <mc:AlternateContent xmlns:mc="http://schemas.openxmlformats.org/markup-compatibility/2006" xmlns:p14="http://schemas.microsoft.com/office/powerpoint/2010/main">
+    <mc:Choice Requires="p14">
       <p:transition spd="med" p14:dur="700">
         <p:fade/>
       </p:transition>
     </mc:Choice>
-    <mc:Fallback>
+    <mc:Fallback xmlns="">
       <p:transition spd="med">
         <p:fade/>
       </p:transition>
@@ -21522,14 +29298,7 @@
                 <a:latin typeface="Behdad" panose="02000503000000000000" pitchFamily="2" charset="-78"/>
                 <a:cs typeface="Behdad" panose="02000503000000000000" pitchFamily="2" charset="-78"/>
               </a:rPr>
-              <a:t>، </a:t>
-            </a:r>
-            <a:r>
-              <a:rPr lang="fa-IR" sz="1400" dirty="0" smtClean="0">
-                <a:latin typeface="Behdad" panose="02000503000000000000" pitchFamily="2" charset="-78"/>
-                <a:cs typeface="Behdad" panose="02000503000000000000" pitchFamily="2" charset="-78"/>
-              </a:rPr>
-              <a:t>طراحی شده  است . با لینک صفحه پیش میتوانید به فایل اصلی آن دستیابی پیداکنید  . </a:t>
+              <a:t>، طراحی شده  است . با لینک صفحه پیش میتوانید به فایل اصلی آن دستیابی پیداکنید  . </a:t>
             </a:r>
             <a:endParaRPr lang="en-US" sz="1600" dirty="0">
               <a:latin typeface="Behdad" panose="02000503000000000000" pitchFamily="2" charset="-78"/>
@@ -22148,13 +29917,13 @@
   <p:clrMapOvr>
     <a:masterClrMapping/>
   </p:clrMapOvr>
-  <mc:AlternateContent xmlns:mc="http://schemas.openxmlformats.org/markup-compatibility/2006">
-    <mc:Choice xmlns:p14="http://schemas.microsoft.com/office/powerpoint/2010/main" Requires="p14">
+  <mc:AlternateContent xmlns:mc="http://schemas.openxmlformats.org/markup-compatibility/2006" xmlns:p14="http://schemas.microsoft.com/office/powerpoint/2010/main">
+    <mc:Choice Requires="p14">
       <p:transition spd="med" p14:dur="700">
         <p:fade/>
       </p:transition>
     </mc:Choice>
-    <mc:Fallback>
+    <mc:Fallback xmlns="">
       <p:transition spd="med">
         <p:fade/>
       </p:transition>
@@ -23340,13 +31109,13 @@
   <p:clrMapOvr>
     <a:masterClrMapping/>
   </p:clrMapOvr>
-  <mc:AlternateContent xmlns:mc="http://schemas.openxmlformats.org/markup-compatibility/2006">
-    <mc:Choice xmlns:p14="http://schemas.microsoft.com/office/powerpoint/2010/main" Requires="p14">
+  <mc:AlternateContent xmlns:mc="http://schemas.openxmlformats.org/markup-compatibility/2006" xmlns:p14="http://schemas.microsoft.com/office/powerpoint/2010/main">
+    <mc:Choice Requires="p14">
       <p:transition spd="med" p14:dur="700">
         <p:fade/>
       </p:transition>
     </mc:Choice>
-    <mc:Fallback>
+    <mc:Fallback xmlns="">
       <p:transition spd="med">
         <p:fade/>
       </p:transition>
@@ -24475,13 +32244,13 @@
   <p:clrMapOvr>
     <a:masterClrMapping/>
   </p:clrMapOvr>
-  <mc:AlternateContent xmlns:mc="http://schemas.openxmlformats.org/markup-compatibility/2006">
-    <mc:Choice xmlns:p14="http://schemas.microsoft.com/office/powerpoint/2010/main" Requires="p14">
+  <mc:AlternateContent xmlns:mc="http://schemas.openxmlformats.org/markup-compatibility/2006" xmlns:p14="http://schemas.microsoft.com/office/powerpoint/2010/main">
+    <mc:Choice Requires="p14">
       <p:transition spd="med" p14:dur="700">
         <p:fade/>
       </p:transition>
     </mc:Choice>
-    <mc:Fallback>
+    <mc:Fallback xmlns="">
       <p:transition spd="med">
         <p:fade/>
       </p:transition>
@@ -25579,13 +33348,13 @@
   <p:clrMapOvr>
     <a:masterClrMapping/>
   </p:clrMapOvr>
-  <mc:AlternateContent xmlns:mc="http://schemas.openxmlformats.org/markup-compatibility/2006">
-    <mc:Choice xmlns:p14="http://schemas.microsoft.com/office/powerpoint/2010/main" Requires="p14">
+  <mc:AlternateContent xmlns:mc="http://schemas.openxmlformats.org/markup-compatibility/2006" xmlns:p14="http://schemas.microsoft.com/office/powerpoint/2010/main">
+    <mc:Choice Requires="p14">
       <p:transition spd="med" p14:dur="700">
         <p:fade/>
       </p:transition>
     </mc:Choice>
-    <mc:Fallback>
+    <mc:Fallback xmlns="">
       <p:transition spd="med">
         <p:fade/>
       </p:transition>
@@ -27045,12 +34814,130 @@
 </file>
 
 <file path=customXml/item1.xml><?xml version="1.0" encoding="utf-8"?>
-<?mso-contentType ?>
-<FormTemplates xmlns="http://schemas.microsoft.com/sharepoint/v3/contenttype/forms">
-  <Display>DocumentLibraryForm</Display>
-  <Edit>AssetEditForm</Edit>
-  <New>DocumentLibraryForm</New>
-</FormTemplates>
+<p:properties xmlns:p="http://schemas.microsoft.com/office/2006/metadata/properties" xmlns:xsi="http://www.w3.org/2001/XMLSchema-instance" xmlns:pc="http://schemas.microsoft.com/office/infopath/2007/PartnerControls">
+  <documentManagement>
+    <DirectSourceMarket xmlns="4873beb7-5857-4685-be1f-d57550cc96cc" xsi:nil="true"/>
+    <ApprovalStatus xmlns="4873beb7-5857-4685-be1f-d57550cc96cc">InProgress</ApprovalStatus>
+    <MarketSpecific xmlns="4873beb7-5857-4685-be1f-d57550cc96cc">false</MarketSpecific>
+    <LocComments xmlns="4873beb7-5857-4685-be1f-d57550cc96cc" xsi:nil="true"/>
+    <ThumbnailAssetId xmlns="4873beb7-5857-4685-be1f-d57550cc96cc" xsi:nil="true"/>
+    <PrimaryImageGen xmlns="4873beb7-5857-4685-be1f-d57550cc96cc">false</PrimaryImageGen>
+    <LegacyData xmlns="4873beb7-5857-4685-be1f-d57550cc96cc" xsi:nil="true"/>
+    <LocRecommendedHandoff xmlns="4873beb7-5857-4685-be1f-d57550cc96cc" xsi:nil="true"/>
+    <BusinessGroup xmlns="4873beb7-5857-4685-be1f-d57550cc96cc" xsi:nil="true"/>
+    <BlockPublish xmlns="4873beb7-5857-4685-be1f-d57550cc96cc">false</BlockPublish>
+    <TPFriendlyName xmlns="4873beb7-5857-4685-be1f-d57550cc96cc" xsi:nil="true"/>
+    <NumericId xmlns="4873beb7-5857-4685-be1f-d57550cc96cc" xsi:nil="true"/>
+    <APEditor xmlns="4873beb7-5857-4685-be1f-d57550cc96cc">
+      <UserInfo>
+        <DisplayName/>
+        <AccountId xsi:nil="true"/>
+        <AccountType/>
+      </UserInfo>
+    </APEditor>
+    <SourceTitle xmlns="4873beb7-5857-4685-be1f-d57550cc96cc" xsi:nil="true"/>
+    <OpenTemplate xmlns="4873beb7-5857-4685-be1f-d57550cc96cc">true</OpenTemplate>
+    <UALocComments xmlns="4873beb7-5857-4685-be1f-d57550cc96cc" xsi:nil="true"/>
+    <ParentAssetId xmlns="4873beb7-5857-4685-be1f-d57550cc96cc" xsi:nil="true"/>
+    <IntlLangReviewDate xmlns="4873beb7-5857-4685-be1f-d57550cc96cc" xsi:nil="true"/>
+    <FeatureTagsTaxHTField0 xmlns="4873beb7-5857-4685-be1f-d57550cc96cc">
+      <Terms xmlns="http://schemas.microsoft.com/office/infopath/2007/PartnerControls"/>
+    </FeatureTagsTaxHTField0>
+    <PublishStatusLookup xmlns="4873beb7-5857-4685-be1f-d57550cc96cc">
+      <Value>1380992</Value>
+    </PublishStatusLookup>
+    <Providers xmlns="4873beb7-5857-4685-be1f-d57550cc96cc" xsi:nil="true"/>
+    <MachineTranslated xmlns="4873beb7-5857-4685-be1f-d57550cc96cc">false</MachineTranslated>
+    <OriginalSourceMarket xmlns="4873beb7-5857-4685-be1f-d57550cc96cc" xsi:nil="true"/>
+    <APDescription xmlns="4873beb7-5857-4685-be1f-d57550cc96cc">This template makes an impression with its bold red background, radial sunburst pattern, and contrasting black title bar. Consider it for your small business or marketing presentation. Or, take advantage of the red color scheme to make a holiday-themed presentation.  Compatible with PowerPoint 2013 and later, this template offers a variety of slide layouts including title slides, bulleted lists, photo with captions, a sample chart, and blank slide, all in a widescreen (16X9) format.
+</APDescription>
+    <ClipArtFilename xmlns="4873beb7-5857-4685-be1f-d57550cc96cc" xsi:nil="true"/>
+    <ContentItem xmlns="4873beb7-5857-4685-be1f-d57550cc96cc" xsi:nil="true"/>
+    <TPInstallLocation xmlns="4873beb7-5857-4685-be1f-d57550cc96cc" xsi:nil="true"/>
+    <PublishTargets xmlns="4873beb7-5857-4685-be1f-d57550cc96cc">OfficeOnlineVNext</PublishTargets>
+    <TimesCloned xmlns="4873beb7-5857-4685-be1f-d57550cc96cc" xsi:nil="true"/>
+    <AssetStart xmlns="4873beb7-5857-4685-be1f-d57550cc96cc">2011-12-19T18:35:00+00:00</AssetStart>
+    <Provider xmlns="4873beb7-5857-4685-be1f-d57550cc96cc" xsi:nil="true"/>
+    <AcquiredFrom xmlns="4873beb7-5857-4685-be1f-d57550cc96cc">Internal MS</AcquiredFrom>
+    <FriendlyTitle xmlns="4873beb7-5857-4685-be1f-d57550cc96cc" xsi:nil="true"/>
+    <LastHandOff xmlns="4873beb7-5857-4685-be1f-d57550cc96cc" xsi:nil="true"/>
+    <TPClientViewer xmlns="4873beb7-5857-4685-be1f-d57550cc96cc" xsi:nil="true"/>
+    <UACurrentWords xmlns="4873beb7-5857-4685-be1f-d57550cc96cc" xsi:nil="true"/>
+    <ArtSampleDocs xmlns="4873beb7-5857-4685-be1f-d57550cc96cc" xsi:nil="true"/>
+    <UALocRecommendation xmlns="4873beb7-5857-4685-be1f-d57550cc96cc">Localize</UALocRecommendation>
+    <Manager xmlns="4873beb7-5857-4685-be1f-d57550cc96cc" xsi:nil="true"/>
+    <ShowIn xmlns="4873beb7-5857-4685-be1f-d57550cc96cc">Show everywhere</ShowIn>
+    <UANotes xmlns="4873beb7-5857-4685-be1f-d57550cc96cc" xsi:nil="true"/>
+    <TemplateStatus xmlns="4873beb7-5857-4685-be1f-d57550cc96cc">Complete</TemplateStatus>
+    <InternalTagsTaxHTField0 xmlns="4873beb7-5857-4685-be1f-d57550cc96cc">
+      <Terms xmlns="http://schemas.microsoft.com/office/infopath/2007/PartnerControls"/>
+    </InternalTagsTaxHTField0>
+    <CSXHash xmlns="4873beb7-5857-4685-be1f-d57550cc96cc" xsi:nil="true"/>
+    <Downloads xmlns="4873beb7-5857-4685-be1f-d57550cc96cc">0</Downloads>
+    <VoteCount xmlns="4873beb7-5857-4685-be1f-d57550cc96cc" xsi:nil="true"/>
+    <OOCacheId xmlns="4873beb7-5857-4685-be1f-d57550cc96cc" xsi:nil="true"/>
+    <IsDeleted xmlns="4873beb7-5857-4685-be1f-d57550cc96cc">false</IsDeleted>
+    <AssetExpire xmlns="4873beb7-5857-4685-be1f-d57550cc96cc">2035-01-01T08:00:00+00:00</AssetExpire>
+    <DSATActionTaken xmlns="4873beb7-5857-4685-be1f-d57550cc96cc" xsi:nil="true"/>
+    <CSXSubmissionMarket xmlns="4873beb7-5857-4685-be1f-d57550cc96cc" xsi:nil="true"/>
+    <TPExecutable xmlns="4873beb7-5857-4685-be1f-d57550cc96cc" xsi:nil="true"/>
+    <SubmitterId xmlns="4873beb7-5857-4685-be1f-d57550cc96cc" xsi:nil="true"/>
+    <EditorialTags xmlns="4873beb7-5857-4685-be1f-d57550cc96cc" xsi:nil="true"/>
+    <ApprovalLog xmlns="4873beb7-5857-4685-be1f-d57550cc96cc" xsi:nil="true"/>
+    <AssetType xmlns="4873beb7-5857-4685-be1f-d57550cc96cc">TP</AssetType>
+    <BugNumber xmlns="4873beb7-5857-4685-be1f-d57550cc96cc" xsi:nil="true"/>
+    <CSXSubmissionDate xmlns="4873beb7-5857-4685-be1f-d57550cc96cc" xsi:nil="true"/>
+    <CSXUpdate xmlns="4873beb7-5857-4685-be1f-d57550cc96cc">false</CSXUpdate>
+    <Milestone xmlns="4873beb7-5857-4685-be1f-d57550cc96cc" xsi:nil="true"/>
+    <RecommendationsModifier xmlns="4873beb7-5857-4685-be1f-d57550cc96cc" xsi:nil="true"/>
+    <OriginAsset xmlns="4873beb7-5857-4685-be1f-d57550cc96cc" xsi:nil="true"/>
+    <TPComponent xmlns="4873beb7-5857-4685-be1f-d57550cc96cc" xsi:nil="true"/>
+    <AssetId xmlns="4873beb7-5857-4685-be1f-d57550cc96cc">TP102804893</AssetId>
+    <IntlLocPriority xmlns="4873beb7-5857-4685-be1f-d57550cc96cc" xsi:nil="true"/>
+    <PolicheckWords xmlns="4873beb7-5857-4685-be1f-d57550cc96cc" xsi:nil="true"/>
+    <TPLaunchHelpLink xmlns="4873beb7-5857-4685-be1f-d57550cc96cc" xsi:nil="true"/>
+    <TPApplication xmlns="4873beb7-5857-4685-be1f-d57550cc96cc" xsi:nil="true"/>
+    <CrawlForDependencies xmlns="4873beb7-5857-4685-be1f-d57550cc96cc">false</CrawlForDependencies>
+    <HandoffToMSDN xmlns="4873beb7-5857-4685-be1f-d57550cc96cc" xsi:nil="true"/>
+    <PlannedPubDate xmlns="4873beb7-5857-4685-be1f-d57550cc96cc" xsi:nil="true"/>
+    <IntlLangReviewer xmlns="4873beb7-5857-4685-be1f-d57550cc96cc" xsi:nil="true"/>
+    <TrustLevel xmlns="4873beb7-5857-4685-be1f-d57550cc96cc">1 Microsoft Managed Content</TrustLevel>
+    <LocLastLocAttemptVersionLookup xmlns="4873beb7-5857-4685-be1f-d57550cc96cc">725212</LocLastLocAttemptVersionLookup>
+    <IsSearchable xmlns="4873beb7-5857-4685-be1f-d57550cc96cc">true</IsSearchable>
+    <TemplateTemplateType xmlns="4873beb7-5857-4685-be1f-d57550cc96cc">PowerPoint Presentation Template</TemplateTemplateType>
+    <CampaignTagsTaxHTField0 xmlns="4873beb7-5857-4685-be1f-d57550cc96cc">
+      <Terms xmlns="http://schemas.microsoft.com/office/infopath/2007/PartnerControls"/>
+    </CampaignTagsTaxHTField0>
+    <TPNamespace xmlns="4873beb7-5857-4685-be1f-d57550cc96cc" xsi:nil="true"/>
+    <TaxCatchAll xmlns="4873beb7-5857-4685-be1f-d57550cc96cc"/>
+    <Markets xmlns="4873beb7-5857-4685-be1f-d57550cc96cc"/>
+    <UAProjectedTotalWords xmlns="4873beb7-5857-4685-be1f-d57550cc96cc" xsi:nil="true"/>
+    <IntlLangReview xmlns="4873beb7-5857-4685-be1f-d57550cc96cc">false</IntlLangReview>
+    <OutputCachingOn xmlns="4873beb7-5857-4685-be1f-d57550cc96cc">false</OutputCachingOn>
+    <AverageRating xmlns="4873beb7-5857-4685-be1f-d57550cc96cc" xsi:nil="true"/>
+    <APAuthor xmlns="4873beb7-5857-4685-be1f-d57550cc96cc">
+      <UserInfo>
+        <DisplayName>REDMOND\v-vaddu</DisplayName>
+        <AccountId>2567</AccountId>
+        <AccountType/>
+      </UserInfo>
+    </APAuthor>
+    <LocManualTestRequired xmlns="4873beb7-5857-4685-be1f-d57550cc96cc">false</LocManualTestRequired>
+    <TPCommandLine xmlns="4873beb7-5857-4685-be1f-d57550cc96cc" xsi:nil="true"/>
+    <TPAppVersion xmlns="4873beb7-5857-4685-be1f-d57550cc96cc" xsi:nil="true"/>
+    <EditorialStatus xmlns="4873beb7-5857-4685-be1f-d57550cc96cc">Complete</EditorialStatus>
+    <LastModifiedDateTime xmlns="4873beb7-5857-4685-be1f-d57550cc96cc" xsi:nil="true"/>
+    <ScenarioTagsTaxHTField0 xmlns="4873beb7-5857-4685-be1f-d57550cc96cc">
+      <Terms xmlns="http://schemas.microsoft.com/office/infopath/2007/PartnerControls"/>
+    </ScenarioTagsTaxHTField0>
+    <OriginalRelease xmlns="4873beb7-5857-4685-be1f-d57550cc96cc">14</OriginalRelease>
+    <TPLaunchHelpLinkType xmlns="4873beb7-5857-4685-be1f-d57550cc96cc">Template</TPLaunchHelpLinkType>
+    <LocalizationTagsTaxHTField0 xmlns="4873beb7-5857-4685-be1f-d57550cc96cc">
+      <Terms xmlns="http://schemas.microsoft.com/office/infopath/2007/PartnerControls"/>
+    </LocalizationTagsTaxHTField0>
+    <LocMarketGroupTiers2 xmlns="4873beb7-5857-4685-be1f-d57550cc96cc" xsi:nil="true"/>
+  </documentManagement>
+</p:properties>
 </file>
 
 <file path=customXml/item2.xml><?xml version="1.0" encoding="utf-8"?>
@@ -28094,136 +35981,26 @@
 </file>
 
 <file path=customXml/item3.xml><?xml version="1.0" encoding="utf-8"?>
-<p:properties xmlns:p="http://schemas.microsoft.com/office/2006/metadata/properties" xmlns:xsi="http://www.w3.org/2001/XMLSchema-instance" xmlns:pc="http://schemas.microsoft.com/office/infopath/2007/PartnerControls">
-  <documentManagement>
-    <DirectSourceMarket xmlns="4873beb7-5857-4685-be1f-d57550cc96cc" xsi:nil="true"/>
-    <ApprovalStatus xmlns="4873beb7-5857-4685-be1f-d57550cc96cc">InProgress</ApprovalStatus>
-    <MarketSpecific xmlns="4873beb7-5857-4685-be1f-d57550cc96cc">false</MarketSpecific>
-    <LocComments xmlns="4873beb7-5857-4685-be1f-d57550cc96cc" xsi:nil="true"/>
-    <ThumbnailAssetId xmlns="4873beb7-5857-4685-be1f-d57550cc96cc" xsi:nil="true"/>
-    <PrimaryImageGen xmlns="4873beb7-5857-4685-be1f-d57550cc96cc">false</PrimaryImageGen>
-    <LegacyData xmlns="4873beb7-5857-4685-be1f-d57550cc96cc" xsi:nil="true"/>
-    <LocRecommendedHandoff xmlns="4873beb7-5857-4685-be1f-d57550cc96cc" xsi:nil="true"/>
-    <BusinessGroup xmlns="4873beb7-5857-4685-be1f-d57550cc96cc" xsi:nil="true"/>
-    <BlockPublish xmlns="4873beb7-5857-4685-be1f-d57550cc96cc">false</BlockPublish>
-    <TPFriendlyName xmlns="4873beb7-5857-4685-be1f-d57550cc96cc" xsi:nil="true"/>
-    <NumericId xmlns="4873beb7-5857-4685-be1f-d57550cc96cc" xsi:nil="true"/>
-    <APEditor xmlns="4873beb7-5857-4685-be1f-d57550cc96cc">
-      <UserInfo>
-        <DisplayName/>
-        <AccountId xsi:nil="true"/>
-        <AccountType/>
-      </UserInfo>
-    </APEditor>
-    <SourceTitle xmlns="4873beb7-5857-4685-be1f-d57550cc96cc" xsi:nil="true"/>
-    <OpenTemplate xmlns="4873beb7-5857-4685-be1f-d57550cc96cc">true</OpenTemplate>
-    <UALocComments xmlns="4873beb7-5857-4685-be1f-d57550cc96cc" xsi:nil="true"/>
-    <ParentAssetId xmlns="4873beb7-5857-4685-be1f-d57550cc96cc" xsi:nil="true"/>
-    <IntlLangReviewDate xmlns="4873beb7-5857-4685-be1f-d57550cc96cc" xsi:nil="true"/>
-    <FeatureTagsTaxHTField0 xmlns="4873beb7-5857-4685-be1f-d57550cc96cc">
-      <Terms xmlns="http://schemas.microsoft.com/office/infopath/2007/PartnerControls"/>
-    </FeatureTagsTaxHTField0>
-    <PublishStatusLookup xmlns="4873beb7-5857-4685-be1f-d57550cc96cc">
-      <Value>1380992</Value>
-    </PublishStatusLookup>
-    <Providers xmlns="4873beb7-5857-4685-be1f-d57550cc96cc" xsi:nil="true"/>
-    <MachineTranslated xmlns="4873beb7-5857-4685-be1f-d57550cc96cc">false</MachineTranslated>
-    <OriginalSourceMarket xmlns="4873beb7-5857-4685-be1f-d57550cc96cc" xsi:nil="true"/>
-    <APDescription xmlns="4873beb7-5857-4685-be1f-d57550cc96cc">This template makes an impression with its bold red background, radial sunburst pattern, and contrasting black title bar. Consider it for your small business or marketing presentation. Or, take advantage of the red color scheme to make a holiday-themed presentation.  Compatible with PowerPoint 2013 and later, this template offers a variety of slide layouts including title slides, bulleted lists, photo with captions, a sample chart, and blank slide, all in a widescreen (16X9) format.
-</APDescription>
-    <ClipArtFilename xmlns="4873beb7-5857-4685-be1f-d57550cc96cc" xsi:nil="true"/>
-    <ContentItem xmlns="4873beb7-5857-4685-be1f-d57550cc96cc" xsi:nil="true"/>
-    <TPInstallLocation xmlns="4873beb7-5857-4685-be1f-d57550cc96cc" xsi:nil="true"/>
-    <PublishTargets xmlns="4873beb7-5857-4685-be1f-d57550cc96cc">OfficeOnlineVNext</PublishTargets>
-    <TimesCloned xmlns="4873beb7-5857-4685-be1f-d57550cc96cc" xsi:nil="true"/>
-    <AssetStart xmlns="4873beb7-5857-4685-be1f-d57550cc96cc">2011-12-19T18:35:00+00:00</AssetStart>
-    <Provider xmlns="4873beb7-5857-4685-be1f-d57550cc96cc" xsi:nil="true"/>
-    <AcquiredFrom xmlns="4873beb7-5857-4685-be1f-d57550cc96cc">Internal MS</AcquiredFrom>
-    <FriendlyTitle xmlns="4873beb7-5857-4685-be1f-d57550cc96cc" xsi:nil="true"/>
-    <LastHandOff xmlns="4873beb7-5857-4685-be1f-d57550cc96cc" xsi:nil="true"/>
-    <TPClientViewer xmlns="4873beb7-5857-4685-be1f-d57550cc96cc" xsi:nil="true"/>
-    <UACurrentWords xmlns="4873beb7-5857-4685-be1f-d57550cc96cc" xsi:nil="true"/>
-    <ArtSampleDocs xmlns="4873beb7-5857-4685-be1f-d57550cc96cc" xsi:nil="true"/>
-    <UALocRecommendation xmlns="4873beb7-5857-4685-be1f-d57550cc96cc">Localize</UALocRecommendation>
-    <Manager xmlns="4873beb7-5857-4685-be1f-d57550cc96cc" xsi:nil="true"/>
-    <ShowIn xmlns="4873beb7-5857-4685-be1f-d57550cc96cc">Show everywhere</ShowIn>
-    <UANotes xmlns="4873beb7-5857-4685-be1f-d57550cc96cc" xsi:nil="true"/>
-    <TemplateStatus xmlns="4873beb7-5857-4685-be1f-d57550cc96cc">Complete</TemplateStatus>
-    <InternalTagsTaxHTField0 xmlns="4873beb7-5857-4685-be1f-d57550cc96cc">
-      <Terms xmlns="http://schemas.microsoft.com/office/infopath/2007/PartnerControls"/>
-    </InternalTagsTaxHTField0>
-    <CSXHash xmlns="4873beb7-5857-4685-be1f-d57550cc96cc" xsi:nil="true"/>
-    <Downloads xmlns="4873beb7-5857-4685-be1f-d57550cc96cc">0</Downloads>
-    <VoteCount xmlns="4873beb7-5857-4685-be1f-d57550cc96cc" xsi:nil="true"/>
-    <OOCacheId xmlns="4873beb7-5857-4685-be1f-d57550cc96cc" xsi:nil="true"/>
-    <IsDeleted xmlns="4873beb7-5857-4685-be1f-d57550cc96cc">false</IsDeleted>
-    <AssetExpire xmlns="4873beb7-5857-4685-be1f-d57550cc96cc">2035-01-01T08:00:00+00:00</AssetExpire>
-    <DSATActionTaken xmlns="4873beb7-5857-4685-be1f-d57550cc96cc" xsi:nil="true"/>
-    <CSXSubmissionMarket xmlns="4873beb7-5857-4685-be1f-d57550cc96cc" xsi:nil="true"/>
-    <TPExecutable xmlns="4873beb7-5857-4685-be1f-d57550cc96cc" xsi:nil="true"/>
-    <SubmitterId xmlns="4873beb7-5857-4685-be1f-d57550cc96cc" xsi:nil="true"/>
-    <EditorialTags xmlns="4873beb7-5857-4685-be1f-d57550cc96cc" xsi:nil="true"/>
-    <ApprovalLog xmlns="4873beb7-5857-4685-be1f-d57550cc96cc" xsi:nil="true"/>
-    <AssetType xmlns="4873beb7-5857-4685-be1f-d57550cc96cc">TP</AssetType>
-    <BugNumber xmlns="4873beb7-5857-4685-be1f-d57550cc96cc" xsi:nil="true"/>
-    <CSXSubmissionDate xmlns="4873beb7-5857-4685-be1f-d57550cc96cc" xsi:nil="true"/>
-    <CSXUpdate xmlns="4873beb7-5857-4685-be1f-d57550cc96cc">false</CSXUpdate>
-    <Milestone xmlns="4873beb7-5857-4685-be1f-d57550cc96cc" xsi:nil="true"/>
-    <RecommendationsModifier xmlns="4873beb7-5857-4685-be1f-d57550cc96cc" xsi:nil="true"/>
-    <OriginAsset xmlns="4873beb7-5857-4685-be1f-d57550cc96cc" xsi:nil="true"/>
-    <TPComponent xmlns="4873beb7-5857-4685-be1f-d57550cc96cc" xsi:nil="true"/>
-    <AssetId xmlns="4873beb7-5857-4685-be1f-d57550cc96cc">TP102804893</AssetId>
-    <IntlLocPriority xmlns="4873beb7-5857-4685-be1f-d57550cc96cc" xsi:nil="true"/>
-    <PolicheckWords xmlns="4873beb7-5857-4685-be1f-d57550cc96cc" xsi:nil="true"/>
-    <TPLaunchHelpLink xmlns="4873beb7-5857-4685-be1f-d57550cc96cc" xsi:nil="true"/>
-    <TPApplication xmlns="4873beb7-5857-4685-be1f-d57550cc96cc" xsi:nil="true"/>
-    <CrawlForDependencies xmlns="4873beb7-5857-4685-be1f-d57550cc96cc">false</CrawlForDependencies>
-    <HandoffToMSDN xmlns="4873beb7-5857-4685-be1f-d57550cc96cc" xsi:nil="true"/>
-    <PlannedPubDate xmlns="4873beb7-5857-4685-be1f-d57550cc96cc" xsi:nil="true"/>
-    <IntlLangReviewer xmlns="4873beb7-5857-4685-be1f-d57550cc96cc" xsi:nil="true"/>
-    <TrustLevel xmlns="4873beb7-5857-4685-be1f-d57550cc96cc">1 Microsoft Managed Content</TrustLevel>
-    <LocLastLocAttemptVersionLookup xmlns="4873beb7-5857-4685-be1f-d57550cc96cc">725212</LocLastLocAttemptVersionLookup>
-    <IsSearchable xmlns="4873beb7-5857-4685-be1f-d57550cc96cc">true</IsSearchable>
-    <TemplateTemplateType xmlns="4873beb7-5857-4685-be1f-d57550cc96cc">PowerPoint Presentation Template</TemplateTemplateType>
-    <CampaignTagsTaxHTField0 xmlns="4873beb7-5857-4685-be1f-d57550cc96cc">
-      <Terms xmlns="http://schemas.microsoft.com/office/infopath/2007/PartnerControls"/>
-    </CampaignTagsTaxHTField0>
-    <TPNamespace xmlns="4873beb7-5857-4685-be1f-d57550cc96cc" xsi:nil="true"/>
-    <TaxCatchAll xmlns="4873beb7-5857-4685-be1f-d57550cc96cc"/>
-    <Markets xmlns="4873beb7-5857-4685-be1f-d57550cc96cc"/>
-    <UAProjectedTotalWords xmlns="4873beb7-5857-4685-be1f-d57550cc96cc" xsi:nil="true"/>
-    <IntlLangReview xmlns="4873beb7-5857-4685-be1f-d57550cc96cc">false</IntlLangReview>
-    <OutputCachingOn xmlns="4873beb7-5857-4685-be1f-d57550cc96cc">false</OutputCachingOn>
-    <AverageRating xmlns="4873beb7-5857-4685-be1f-d57550cc96cc" xsi:nil="true"/>
-    <APAuthor xmlns="4873beb7-5857-4685-be1f-d57550cc96cc">
-      <UserInfo>
-        <DisplayName>REDMOND\v-vaddu</DisplayName>
-        <AccountId>2567</AccountId>
-        <AccountType/>
-      </UserInfo>
-    </APAuthor>
-    <LocManualTestRequired xmlns="4873beb7-5857-4685-be1f-d57550cc96cc">false</LocManualTestRequired>
-    <TPCommandLine xmlns="4873beb7-5857-4685-be1f-d57550cc96cc" xsi:nil="true"/>
-    <TPAppVersion xmlns="4873beb7-5857-4685-be1f-d57550cc96cc" xsi:nil="true"/>
-    <EditorialStatus xmlns="4873beb7-5857-4685-be1f-d57550cc96cc">Complete</EditorialStatus>
-    <LastModifiedDateTime xmlns="4873beb7-5857-4685-be1f-d57550cc96cc" xsi:nil="true"/>
-    <ScenarioTagsTaxHTField0 xmlns="4873beb7-5857-4685-be1f-d57550cc96cc">
-      <Terms xmlns="http://schemas.microsoft.com/office/infopath/2007/PartnerControls"/>
-    </ScenarioTagsTaxHTField0>
-    <OriginalRelease xmlns="4873beb7-5857-4685-be1f-d57550cc96cc">14</OriginalRelease>
-    <TPLaunchHelpLinkType xmlns="4873beb7-5857-4685-be1f-d57550cc96cc">Template</TPLaunchHelpLinkType>
-    <LocalizationTagsTaxHTField0 xmlns="4873beb7-5857-4685-be1f-d57550cc96cc">
-      <Terms xmlns="http://schemas.microsoft.com/office/infopath/2007/PartnerControls"/>
-    </LocalizationTagsTaxHTField0>
-    <LocMarketGroupTiers2 xmlns="4873beb7-5857-4685-be1f-d57550cc96cc" xsi:nil="true"/>
-  </documentManagement>
-</p:properties>
+<?mso-contentType ?>
+<FormTemplates xmlns="http://schemas.microsoft.com/sharepoint/v3/contenttype/forms">
+  <Display>DocumentLibraryForm</Display>
+  <Edit>AssetEditForm</Edit>
+  <New>DocumentLibraryForm</New>
+</FormTemplates>
 </file>
 
 <file path=customXml/itemProps1.xml><?xml version="1.0" encoding="utf-8"?>
-<ds:datastoreItem xmlns:ds="http://schemas.openxmlformats.org/officeDocument/2006/customXml" ds:itemID="{0A765CE0-A8A0-42E0-82D2-3F870DB4D5F7}">
+<ds:datastoreItem xmlns:ds="http://schemas.openxmlformats.org/officeDocument/2006/customXml" ds:itemID="{45076977-ECB7-44C2-A70D-853BB6B41242}">
   <ds:schemaRefs>
-    <ds:schemaRef ds:uri="http://schemas.microsoft.com/sharepoint/v3/contenttype/forms"/>
+    <ds:schemaRef ds:uri="http://purl.org/dc/terms/"/>
+    <ds:schemaRef ds:uri="http://www.w3.org/XML/1998/namespace"/>
+    <ds:schemaRef ds:uri="http://purl.org/dc/elements/1.1/"/>
+    <ds:schemaRef ds:uri="http://schemas.microsoft.com/office/2006/documentManagement/types"/>
+    <ds:schemaRef ds:uri="http://schemas.microsoft.com/office/infopath/2007/PartnerControls"/>
+    <ds:schemaRef ds:uri="4873beb7-5857-4685-be1f-d57550cc96cc"/>
+    <ds:schemaRef ds:uri="http://schemas.openxmlformats.org/package/2006/metadata/core-properties"/>
+    <ds:schemaRef ds:uri="http://schemas.microsoft.com/office/2006/metadata/properties"/>
+    <ds:schemaRef ds:uri="http://purl.org/dc/dcmitype/"/>
   </ds:schemaRefs>
 </ds:datastoreItem>
 </file>
@@ -28247,17 +36024,9 @@
 </file>
 
 <file path=customXml/itemProps3.xml><?xml version="1.0" encoding="utf-8"?>
-<ds:datastoreItem xmlns:ds="http://schemas.openxmlformats.org/officeDocument/2006/customXml" ds:itemID="{45076977-ECB7-44C2-A70D-853BB6B41242}">
+<ds:datastoreItem xmlns:ds="http://schemas.openxmlformats.org/officeDocument/2006/customXml" ds:itemID="{0A765CE0-A8A0-42E0-82D2-3F870DB4D5F7}">
   <ds:schemaRefs>
-    <ds:schemaRef ds:uri="http://www.w3.org/XML/1998/namespace"/>
-    <ds:schemaRef ds:uri="http://purl.org/dc/elements/1.1/"/>
-    <ds:schemaRef ds:uri="http://purl.org/dc/dcmitype/"/>
-    <ds:schemaRef ds:uri="http://purl.org/dc/terms/"/>
-    <ds:schemaRef ds:uri="http://schemas.microsoft.com/office/infopath/2007/PartnerControls"/>
-    <ds:schemaRef ds:uri="http://schemas.microsoft.com/office/2006/documentManagement/types"/>
-    <ds:schemaRef ds:uri="http://schemas.openxmlformats.org/package/2006/metadata/core-properties"/>
-    <ds:schemaRef ds:uri="4873beb7-5857-4685-be1f-d57550cc96cc"/>
-    <ds:schemaRef ds:uri="http://schemas.microsoft.com/office/2006/metadata/properties"/>
+    <ds:schemaRef ds:uri="http://schemas.microsoft.com/sharepoint/v3/contenttype/forms"/>
   </ds:schemaRefs>
 </ds:datastoreItem>
 </file>
--- a/presentation.pptx
+++ b/presentation.pptx
@@ -6,10 +6,10 @@
     <p:sldMasterId id="2147483683" r:id="rId5"/>
   </p:sldMasterIdLst>
   <p:notesMasterIdLst>
-    <p:notesMasterId r:id="rId38"/>
+    <p:notesMasterId r:id="rId46"/>
   </p:notesMasterIdLst>
   <p:handoutMasterIdLst>
-    <p:handoutMasterId r:id="rId39"/>
+    <p:handoutMasterId r:id="rId47"/>
   </p:handoutMasterIdLst>
   <p:sldIdLst>
     <p:sldId id="279" r:id="rId6"/>
@@ -40,10 +40,18 @@
     <p:sldId id="310" r:id="rId31"/>
     <p:sldId id="311" r:id="rId32"/>
     <p:sldId id="312" r:id="rId33"/>
-    <p:sldId id="313" r:id="rId34"/>
-    <p:sldId id="314" r:id="rId35"/>
-    <p:sldId id="315" r:id="rId36"/>
-    <p:sldId id="316" r:id="rId37"/>
+    <p:sldId id="314" r:id="rId34"/>
+    <p:sldId id="315" r:id="rId35"/>
+    <p:sldId id="316" r:id="rId36"/>
+    <p:sldId id="317" r:id="rId37"/>
+    <p:sldId id="318" r:id="rId38"/>
+    <p:sldId id="319" r:id="rId39"/>
+    <p:sldId id="320" r:id="rId40"/>
+    <p:sldId id="321" r:id="rId41"/>
+    <p:sldId id="322" r:id="rId42"/>
+    <p:sldId id="323" r:id="rId43"/>
+    <p:sldId id="324" r:id="rId44"/>
+    <p:sldId id="325" r:id="rId45"/>
   </p:sldIdLst>
   <p:sldSz cx="12188825" cy="6858000"/>
   <p:notesSz cx="6858000" cy="9144000"/>
@@ -19370,7 +19378,12 @@
           <a:bodyPr/>
           <a:lstStyle/>
           <a:p>
-            <a:endParaRPr lang="en-US"/>
+            <a:pPr algn="ctr"/>
+            <a:r>
+              <a:rPr lang="en-US" dirty="0" smtClean="0"/>
+              <a:t>Start page</a:t>
+            </a:r>
+            <a:endParaRPr lang="en-US" dirty="0"/>
           </a:p>
         </p:txBody>
       </p:sp>
@@ -19386,22 +19399,127 @@
         </p:nvSpPr>
         <p:spPr/>
         <p:txBody>
-          <a:bodyPr/>
+          <a:bodyPr>
+            <a:normAutofit/>
+          </a:bodyPr>
           <a:lstStyle/>
           <a:p>
-            <a:endParaRPr lang="en-US"/>
+            <a:pPr algn="r" rtl="1">
+              <a:lnSpc>
+                <a:spcPct val="200000"/>
+              </a:lnSpc>
+            </a:pPr>
+            <a:r>
+              <a:rPr lang="fa-IR" sz="1600" dirty="0" smtClean="0">
+                <a:latin typeface="Behdad" panose="02000503000000000000" pitchFamily="2" charset="-78"/>
+                <a:cs typeface="Behdad" panose="02000503000000000000" pitchFamily="2" charset="-78"/>
+              </a:rPr>
+              <a:t>این صفحه حاوی انیمیشن لودی میباشد که</a:t>
+            </a:r>
+            <a:r>
+              <a:rPr lang="en-US" sz="1600" dirty="0" smtClean="0">
+                <a:latin typeface="Behdad" panose="02000503000000000000" pitchFamily="2" charset="-78"/>
+                <a:cs typeface="Behdad" panose="02000503000000000000" pitchFamily="2" charset="-78"/>
+              </a:rPr>
+              <a:t> </a:t>
+            </a:r>
+            <a:r>
+              <a:rPr lang="fa-IR" sz="1600" dirty="0" smtClean="0">
+                <a:latin typeface="Behdad" panose="02000503000000000000" pitchFamily="2" charset="-78"/>
+                <a:cs typeface="Behdad" panose="02000503000000000000" pitchFamily="2" charset="-78"/>
+              </a:rPr>
+              <a:t>پس از کلیک بر روی آیکون برنامه و درآغاز برنامه اجرا میشود . </a:t>
+            </a:r>
+          </a:p>
+          <a:p>
+            <a:pPr algn="r" rtl="1">
+              <a:lnSpc>
+                <a:spcPct val="200000"/>
+              </a:lnSpc>
+            </a:pPr>
+            <a:r>
+              <a:rPr lang="fa-IR" sz="1600" dirty="0" smtClean="0">
+                <a:latin typeface="Behdad" panose="02000503000000000000" pitchFamily="2" charset="-78"/>
+                <a:cs typeface="Behdad" panose="02000503000000000000" pitchFamily="2" charset="-78"/>
+              </a:rPr>
+              <a:t>این انیمیشن شکل گرفته از لوگو است که با نرم افزار انیمیت  ادوب ساخته شده . </a:t>
+            </a:r>
+            <a:endParaRPr lang="en-US" sz="1600" dirty="0">
+              <a:latin typeface="Behdad" panose="02000503000000000000" pitchFamily="2" charset="-78"/>
+              <a:cs typeface="Behdad" panose="02000503000000000000" pitchFamily="2" charset="-78"/>
+            </a:endParaRPr>
           </a:p>
         </p:txBody>
       </p:sp>
+      <p:pic>
+        <p:nvPicPr>
+          <p:cNvPr id="3" name="Picture 2"/>
+          <p:cNvPicPr>
+            <a:picLocks noChangeAspect="1"/>
+          </p:cNvPicPr>
+          <p:nvPr/>
+        </p:nvPicPr>
+        <p:blipFill>
+          <a:blip r:embed="rId2">
+            <a:extLst>
+              <a:ext uri="{28A0092B-C50C-407E-A947-70E740481C1C}">
+                <a14:useLocalDpi xmlns:a14="http://schemas.microsoft.com/office/drawing/2010/main" val="0"/>
+              </a:ext>
+            </a:extLst>
+          </a:blip>
+          <a:stretch>
+            <a:fillRect/>
+          </a:stretch>
+        </p:blipFill>
+        <p:spPr>
+          <a:xfrm>
+            <a:off x="1217612" y="1018053"/>
+            <a:ext cx="4121856" cy="5357347"/>
+          </a:xfrm>
+          <a:prstGeom prst="snip2DiagRect">
+            <a:avLst/>
+          </a:prstGeom>
+          <a:solidFill>
+            <a:srgbClr val="FFFFFF">
+              <a:shade val="85000"/>
+            </a:srgbClr>
+          </a:solidFill>
+          <a:ln w="88900" cap="sq">
+            <a:solidFill>
+              <a:srgbClr val="FFFFFF"/>
+            </a:solidFill>
+            <a:miter lim="800000"/>
+          </a:ln>
+          <a:effectLst>
+            <a:outerShdw blurRad="88900" algn="tl" rotWithShape="0">
+              <a:srgbClr val="000000">
+                <a:alpha val="45000"/>
+              </a:srgbClr>
+            </a:outerShdw>
+          </a:effectLst>
+          <a:scene3d>
+            <a:camera prst="orthographicFront"/>
+            <a:lightRig rig="twoPt" dir="t">
+              <a:rot lat="0" lon="0" rev="7200000"/>
+            </a:lightRig>
+          </a:scene3d>
+          <a:sp3d>
+            <a:bevelT w="25400" h="19050"/>
+            <a:contourClr>
+              <a:srgbClr val="FFFFFF"/>
+            </a:contourClr>
+          </a:sp3d>
+        </p:spPr>
+      </p:pic>
       <p:grpSp>
         <p:nvGrpSpPr>
-          <p:cNvPr id="7" name="Group 6"/>
+          <p:cNvPr id="12" name="Group 11"/>
           <p:cNvGrpSpPr/>
           <p:nvPr/>
         </p:nvGrpSpPr>
         <p:grpSpPr>
           <a:xfrm>
-            <a:off x="308258" y="227525"/>
+            <a:off x="313231" y="227525"/>
             <a:ext cx="1361508" cy="1330443"/>
             <a:chOff x="2657475" y="1044575"/>
             <a:chExt cx="4900613" cy="4900613"/>
@@ -19412,7 +19530,7 @@
         </p:grpSpPr>
         <p:sp>
           <p:nvSpPr>
-            <p:cNvPr id="8" name="Freeform 7"/>
+            <p:cNvPr id="13" name="Freeform 12"/>
             <p:cNvSpPr>
               <a:spLocks noEditPoints="1"/>
             </p:cNvSpPr>
@@ -19595,7 +19713,7 @@
         </p:sp>
         <p:sp>
           <p:nvSpPr>
-            <p:cNvPr id="9" name="Freeform 8"/>
+            <p:cNvPr id="14" name="Freeform 13"/>
             <p:cNvSpPr>
               <a:spLocks noEditPoints="1"/>
             </p:cNvSpPr>
@@ -19779,14 +19897,14 @@
       </p:grpSp>
       <p:pic>
         <p:nvPicPr>
-          <p:cNvPr id="10" name="Picture 9"/>
+          <p:cNvPr id="15" name="Picture 14"/>
           <p:cNvPicPr>
             <a:picLocks noChangeAspect="1"/>
           </p:cNvPicPr>
           <p:nvPr/>
         </p:nvPicPr>
         <p:blipFill>
-          <a:blip r:embed="rId2" cstate="print">
+          <a:blip r:embed="rId3" cstate="print">
             <a:extLst>
               <a:ext uri="{28A0092B-C50C-407E-A947-70E740481C1C}">
                 <a14:useLocalDpi xmlns:a14="http://schemas.microsoft.com/office/drawing/2010/main" val="0"/>
@@ -19799,38 +19917,8 @@
         </p:blipFill>
         <p:spPr>
           <a:xfrm>
-            <a:off x="440872" y="337461"/>
+            <a:off x="445845" y="337461"/>
             <a:ext cx="1096280" cy="1096280"/>
-          </a:xfrm>
-          <a:prstGeom prst="rect">
-            <a:avLst/>
-          </a:prstGeom>
-        </p:spPr>
-      </p:pic>
-      <p:pic>
-        <p:nvPicPr>
-          <p:cNvPr id="3" name="Picture 2"/>
-          <p:cNvPicPr>
-            <a:picLocks noChangeAspect="1"/>
-          </p:cNvPicPr>
-          <p:nvPr/>
-        </p:nvPicPr>
-        <p:blipFill>
-          <a:blip r:embed="rId3">
-            <a:extLst>
-              <a:ext uri="{28A0092B-C50C-407E-A947-70E740481C1C}">
-                <a14:useLocalDpi xmlns:a14="http://schemas.microsoft.com/office/drawing/2010/main" val="0"/>
-              </a:ext>
-            </a:extLst>
-          </a:blip>
-          <a:stretch>
-            <a:fillRect/>
-          </a:stretch>
-        </p:blipFill>
-        <p:spPr>
-          <a:xfrm>
-            <a:off x="1535564" y="885601"/>
-            <a:ext cx="4121856" cy="5357347"/>
           </a:xfrm>
           <a:prstGeom prst="rect">
             <a:avLst/>
@@ -19859,6 +19947,13 @@
       </p:transition>
     </mc:Fallback>
   </mc:AlternateContent>
+  <p:timing>
+    <p:tnLst>
+      <p:par>
+        <p:cTn id="1" dur="indefinite" restart="never" nodeType="tmRoot"/>
+      </p:par>
+    </p:tnLst>
+  </p:timing>
 </p:sld>
 </file>
 
@@ -19894,6 +19989,7 @@
           <a:bodyPr/>
           <a:lstStyle/>
           <a:p>
+            <a:pPr algn="ctr"/>
             <a:r>
               <a:rPr lang="en-US" dirty="0" smtClean="0"/>
               <a:t>Login</a:t>
@@ -19926,30 +20022,44 @@
         </p:blipFill>
         <p:spPr>
           <a:xfrm>
-            <a:off x="1522412" y="838200"/>
+            <a:off x="1219695" y="1035932"/>
             <a:ext cx="4114800" cy="5348177"/>
           </a:xfrm>
+          <a:prstGeom prst="snip2DiagRect">
+            <a:avLst/>
+          </a:prstGeom>
+          <a:solidFill>
+            <a:srgbClr val="FFFFFF">
+              <a:shade val="85000"/>
+            </a:srgbClr>
+          </a:solidFill>
+          <a:ln w="88900" cap="sq">
+            <a:solidFill>
+              <a:srgbClr val="FFFFFF"/>
+            </a:solidFill>
+            <a:miter lim="800000"/>
+          </a:ln>
+          <a:effectLst>
+            <a:outerShdw blurRad="88900" algn="tl" rotWithShape="0">
+              <a:srgbClr val="000000">
+                <a:alpha val="45000"/>
+              </a:srgbClr>
+            </a:outerShdw>
+          </a:effectLst>
+          <a:scene3d>
+            <a:camera prst="orthographicFront"/>
+            <a:lightRig rig="twoPt" dir="t">
+              <a:rot lat="0" lon="0" rev="7200000"/>
+            </a:lightRig>
+          </a:scene3d>
+          <a:sp3d>
+            <a:bevelT w="25400" h="19050"/>
+            <a:contourClr>
+              <a:srgbClr val="FFFFFF"/>
+            </a:contourClr>
+          </a:sp3d>
         </p:spPr>
       </p:pic>
-      <p:sp>
-        <p:nvSpPr>
-          <p:cNvPr id="4" name="Text Placeholder 3"/>
-          <p:cNvSpPr>
-            <a:spLocks noGrp="1"/>
-          </p:cNvSpPr>
-          <p:nvPr>
-            <p:ph type="body" sz="half" idx="2"/>
-          </p:nvPr>
-        </p:nvSpPr>
-        <p:spPr/>
-        <p:txBody>
-          <a:bodyPr/>
-          <a:lstStyle/>
-          <a:p>
-            <a:endParaRPr lang="en-US"/>
-          </a:p>
-        </p:txBody>
-      </p:sp>
       <p:grpSp>
         <p:nvGrpSpPr>
           <p:cNvPr id="6" name="Group 5"/>
@@ -20364,6 +20474,47 @@
           </a:prstGeom>
         </p:spPr>
       </p:pic>
+      <p:sp>
+        <p:nvSpPr>
+          <p:cNvPr id="13" name="Text Placeholder 3"/>
+          <p:cNvSpPr>
+            <a:spLocks noGrp="1"/>
+          </p:cNvSpPr>
+          <p:nvPr>
+            <p:ph type="body" sz="half" idx="2"/>
+          </p:nvPr>
+        </p:nvSpPr>
+        <p:spPr>
+          <a:xfrm>
+            <a:off x="7821163" y="2108200"/>
+            <a:ext cx="3961368" cy="4267200"/>
+          </a:xfrm>
+        </p:spPr>
+        <p:txBody>
+          <a:bodyPr>
+            <a:normAutofit/>
+          </a:bodyPr>
+          <a:lstStyle/>
+          <a:p>
+            <a:pPr algn="r" rtl="1">
+              <a:lnSpc>
+                <a:spcPct val="200000"/>
+              </a:lnSpc>
+            </a:pPr>
+            <a:r>
+              <a:rPr lang="fa-IR" sz="1600" dirty="0" smtClean="0">
+                <a:latin typeface="Behdad" panose="02000503000000000000" pitchFamily="2" charset="-78"/>
+                <a:cs typeface="Behdad" panose="02000503000000000000" pitchFamily="2" charset="-78"/>
+              </a:rPr>
+              <a:t>صفحه لاگین حاوی فیلدی در صفحه ورود میباشد که جهت وارد کردن شماره کاربر میباشد . </a:t>
+            </a:r>
+            <a:endParaRPr lang="en-US" sz="1600" dirty="0">
+              <a:latin typeface="Behdad" panose="02000503000000000000" pitchFamily="2" charset="-78"/>
+              <a:cs typeface="Behdad" panose="02000503000000000000" pitchFamily="2" charset="-78"/>
+            </a:endParaRPr>
+          </a:p>
+        </p:txBody>
+      </p:sp>
     </p:spTree>
     <p:extLst>
       <p:ext uri="{BB962C8B-B14F-4D97-AF65-F5344CB8AC3E}">
@@ -20413,29 +20564,6 @@
           <a:chExt cx="0" cy="0"/>
         </a:xfrm>
       </p:grpSpPr>
-      <p:sp>
-        <p:nvSpPr>
-          <p:cNvPr id="2" name="Title 1"/>
-          <p:cNvSpPr>
-            <a:spLocks noGrp="1"/>
-          </p:cNvSpPr>
-          <p:nvPr>
-            <p:ph type="title"/>
-          </p:nvPr>
-        </p:nvSpPr>
-        <p:spPr/>
-        <p:txBody>
-          <a:bodyPr/>
-          <a:lstStyle/>
-          <a:p>
-            <a:r>
-              <a:rPr lang="en-US" dirty="0" smtClean="0"/>
-              <a:t>Access</a:t>
-            </a:r>
-            <a:endParaRPr lang="en-US" dirty="0"/>
-          </a:p>
-        </p:txBody>
-      </p:sp>
       <p:pic>
         <p:nvPicPr>
           <p:cNvPr id="6" name="Picture 5"/>
@@ -20458,12 +20586,42 @@
         </p:blipFill>
         <p:spPr>
           <a:xfrm>
-            <a:off x="1522412" y="838200"/>
+            <a:off x="1225953" y="990600"/>
             <a:ext cx="4108541" cy="5407586"/>
           </a:xfrm>
-          <a:prstGeom prst="rect">
+          <a:prstGeom prst="snip2DiagRect">
             <a:avLst/>
           </a:prstGeom>
+          <a:solidFill>
+            <a:srgbClr val="FFFFFF">
+              <a:shade val="85000"/>
+            </a:srgbClr>
+          </a:solidFill>
+          <a:ln w="88900" cap="sq">
+            <a:solidFill>
+              <a:srgbClr val="FFFFFF"/>
+            </a:solidFill>
+            <a:miter lim="800000"/>
+          </a:ln>
+          <a:effectLst>
+            <a:outerShdw blurRad="88900" algn="tl" rotWithShape="0">
+              <a:srgbClr val="000000">
+                <a:alpha val="45000"/>
+              </a:srgbClr>
+            </a:outerShdw>
+          </a:effectLst>
+          <a:scene3d>
+            <a:camera prst="orthographicFront"/>
+            <a:lightRig rig="twoPt" dir="t">
+              <a:rot lat="0" lon="0" rev="7200000"/>
+            </a:lightRig>
+          </a:scene3d>
+          <a:sp3d>
+            <a:bevelT w="25400" h="19050"/>
+            <a:contourClr>
+              <a:srgbClr val="FFFFFF"/>
+            </a:contourClr>
+          </a:sp3d>
         </p:spPr>
       </p:pic>
       <p:grpSp>
@@ -20902,6 +21060,13 @@
       </p:transition>
     </mc:Fallback>
   </mc:AlternateContent>
+  <p:timing>
+    <p:tnLst>
+      <p:par>
+        <p:cTn id="1" dur="indefinite" restart="never" nodeType="tmRoot"/>
+      </p:par>
+    </p:tnLst>
+  </p:timing>
 </p:sld>
 </file>
 
@@ -20922,44 +21087,6 @@
           <a:chExt cx="0" cy="0"/>
         </a:xfrm>
       </p:grpSpPr>
-      <p:sp>
-        <p:nvSpPr>
-          <p:cNvPr id="2" name="Title 1"/>
-          <p:cNvSpPr>
-            <a:spLocks noGrp="1"/>
-          </p:cNvSpPr>
-          <p:nvPr>
-            <p:ph type="title"/>
-          </p:nvPr>
-        </p:nvSpPr>
-        <p:spPr/>
-        <p:txBody>
-          <a:bodyPr/>
-          <a:lstStyle/>
-          <a:p>
-            <a:endParaRPr lang="en-US"/>
-          </a:p>
-        </p:txBody>
-      </p:sp>
-      <p:sp>
-        <p:nvSpPr>
-          <p:cNvPr id="4" name="Text Placeholder 3"/>
-          <p:cNvSpPr>
-            <a:spLocks noGrp="1"/>
-          </p:cNvSpPr>
-          <p:nvPr>
-            <p:ph type="body" sz="half" idx="2"/>
-          </p:nvPr>
-        </p:nvSpPr>
-        <p:spPr/>
-        <p:txBody>
-          <a:bodyPr/>
-          <a:lstStyle/>
-          <a:p>
-            <a:endParaRPr lang="en-US"/>
-          </a:p>
-        </p:txBody>
-      </p:sp>
       <p:pic>
         <p:nvPicPr>
           <p:cNvPr id="8" name="Picture 7"/>
@@ -20982,12 +21109,42 @@
         </p:blipFill>
         <p:spPr>
           <a:xfrm>
-            <a:off x="1522412" y="838200"/>
+            <a:off x="1141412" y="982617"/>
             <a:ext cx="4189606" cy="5410200"/>
           </a:xfrm>
-          <a:prstGeom prst="rect">
+          <a:prstGeom prst="snip2DiagRect">
             <a:avLst/>
           </a:prstGeom>
+          <a:solidFill>
+            <a:srgbClr val="FFFFFF">
+              <a:shade val="85000"/>
+            </a:srgbClr>
+          </a:solidFill>
+          <a:ln w="88900" cap="sq">
+            <a:solidFill>
+              <a:srgbClr val="FFFFFF"/>
+            </a:solidFill>
+            <a:miter lim="800000"/>
+          </a:ln>
+          <a:effectLst>
+            <a:outerShdw blurRad="88900" algn="tl" rotWithShape="0">
+              <a:srgbClr val="000000">
+                <a:alpha val="45000"/>
+              </a:srgbClr>
+            </a:outerShdw>
+          </a:effectLst>
+          <a:scene3d>
+            <a:camera prst="orthographicFront"/>
+            <a:lightRig rig="twoPt" dir="t">
+              <a:rot lat="0" lon="0" rev="7200000"/>
+            </a:lightRig>
+          </a:scene3d>
+          <a:sp3d>
+            <a:bevelT w="25400" h="19050"/>
+            <a:contourClr>
+              <a:srgbClr val="FFFFFF"/>
+            </a:contourClr>
+          </a:sp3d>
         </p:spPr>
       </p:pic>
       <p:grpSp>
@@ -21426,6 +21583,13 @@
       </p:transition>
     </mc:Fallback>
   </mc:AlternateContent>
+  <p:timing>
+    <p:tnLst>
+      <p:par>
+        <p:cTn id="1" dur="indefinite" restart="never" nodeType="tmRoot"/>
+      </p:par>
+    </p:tnLst>
+  </p:timing>
 </p:sld>
 </file>
 
@@ -21446,44 +21610,6 @@
           <a:chExt cx="0" cy="0"/>
         </a:xfrm>
       </p:grpSpPr>
-      <p:sp>
-        <p:nvSpPr>
-          <p:cNvPr id="2" name="Title 1"/>
-          <p:cNvSpPr>
-            <a:spLocks noGrp="1"/>
-          </p:cNvSpPr>
-          <p:nvPr>
-            <p:ph type="title"/>
-          </p:nvPr>
-        </p:nvSpPr>
-        <p:spPr/>
-        <p:txBody>
-          <a:bodyPr/>
-          <a:lstStyle/>
-          <a:p>
-            <a:endParaRPr lang="en-US"/>
-          </a:p>
-        </p:txBody>
-      </p:sp>
-      <p:sp>
-        <p:nvSpPr>
-          <p:cNvPr id="4" name="Text Placeholder 3"/>
-          <p:cNvSpPr>
-            <a:spLocks noGrp="1"/>
-          </p:cNvSpPr>
-          <p:nvPr>
-            <p:ph type="body" sz="half" idx="2"/>
-          </p:nvPr>
-        </p:nvSpPr>
-        <p:spPr/>
-        <p:txBody>
-          <a:bodyPr/>
-          <a:lstStyle/>
-          <a:p>
-            <a:endParaRPr lang="en-US"/>
-          </a:p>
-        </p:txBody>
-      </p:sp>
       <p:pic>
         <p:nvPicPr>
           <p:cNvPr id="6" name="Picture 5"/>
@@ -21506,12 +21632,42 @@
         </p:blipFill>
         <p:spPr>
           <a:xfrm>
-            <a:off x="1522412" y="838200"/>
+            <a:off x="1141412" y="990600"/>
             <a:ext cx="4121856" cy="5257800"/>
           </a:xfrm>
-          <a:prstGeom prst="rect">
+          <a:prstGeom prst="snip2DiagRect">
             <a:avLst/>
           </a:prstGeom>
+          <a:solidFill>
+            <a:srgbClr val="FFFFFF">
+              <a:shade val="85000"/>
+            </a:srgbClr>
+          </a:solidFill>
+          <a:ln w="88900" cap="sq">
+            <a:solidFill>
+              <a:srgbClr val="FFFFFF"/>
+            </a:solidFill>
+            <a:miter lim="800000"/>
+          </a:ln>
+          <a:effectLst>
+            <a:outerShdw blurRad="88900" algn="tl" rotWithShape="0">
+              <a:srgbClr val="000000">
+                <a:alpha val="45000"/>
+              </a:srgbClr>
+            </a:outerShdw>
+          </a:effectLst>
+          <a:scene3d>
+            <a:camera prst="orthographicFront"/>
+            <a:lightRig rig="twoPt" dir="t">
+              <a:rot lat="0" lon="0" rev="7200000"/>
+            </a:lightRig>
+          </a:scene3d>
+          <a:sp3d>
+            <a:bevelT w="25400" h="19050"/>
+            <a:contourClr>
+              <a:srgbClr val="FFFFFF"/>
+            </a:contourClr>
+          </a:sp3d>
         </p:spPr>
       </p:pic>
       <p:grpSp>
@@ -21950,6 +22106,13 @@
       </p:transition>
     </mc:Fallback>
   </mc:AlternateContent>
+  <p:timing>
+    <p:tnLst>
+      <p:par>
+        <p:cTn id="1" dur="indefinite" restart="never" nodeType="tmRoot"/>
+      </p:par>
+    </p:tnLst>
+  </p:timing>
 </p:sld>
 </file>
 
@@ -21970,47 +22133,69 @@
           <a:chExt cx="0" cy="0"/>
         </a:xfrm>
       </p:grpSpPr>
-      <p:sp>
-        <p:nvSpPr>
-          <p:cNvPr id="2" name="Title 1"/>
-          <p:cNvSpPr>
-            <a:spLocks noGrp="1"/>
-          </p:cNvSpPr>
-          <p:nvPr>
-            <p:ph type="title"/>
-          </p:nvPr>
-        </p:nvSpPr>
-        <p:spPr/>
-        <p:txBody>
-          <a:bodyPr/>
-          <a:lstStyle/>
-          <a:p>
-            <a:endParaRPr lang="en-US"/>
-          </a:p>
-        </p:txBody>
-      </p:sp>
-      <p:sp>
-        <p:nvSpPr>
-          <p:cNvPr id="4" name="Text Placeholder 3"/>
-          <p:cNvSpPr>
-            <a:spLocks noGrp="1"/>
-          </p:cNvSpPr>
-          <p:nvPr>
-            <p:ph type="body" sz="half" idx="2"/>
-          </p:nvPr>
-        </p:nvSpPr>
-        <p:spPr/>
-        <p:txBody>
-          <a:bodyPr/>
-          <a:lstStyle/>
-          <a:p>
-            <a:endParaRPr lang="en-US"/>
-          </a:p>
-        </p:txBody>
-      </p:sp>
+      <p:pic>
+        <p:nvPicPr>
+          <p:cNvPr id="3" name="Picture 2"/>
+          <p:cNvPicPr>
+            <a:picLocks noChangeAspect="1"/>
+          </p:cNvPicPr>
+          <p:nvPr/>
+        </p:nvPicPr>
+        <p:blipFill>
+          <a:blip r:embed="rId2">
+            <a:extLst>
+              <a:ext uri="{28A0092B-C50C-407E-A947-70E740481C1C}">
+                <a14:useLocalDpi xmlns:a14="http://schemas.microsoft.com/office/drawing/2010/main" val="0"/>
+              </a:ext>
+            </a:extLst>
+          </a:blip>
+          <a:stretch>
+            <a:fillRect/>
+          </a:stretch>
+        </p:blipFill>
+        <p:spPr>
+          <a:xfrm>
+            <a:off x="1141412" y="990600"/>
+            <a:ext cx="4038600" cy="5571972"/>
+          </a:xfrm>
+          <a:prstGeom prst="snip2DiagRect">
+            <a:avLst/>
+          </a:prstGeom>
+          <a:solidFill>
+            <a:srgbClr val="FFFFFF">
+              <a:shade val="85000"/>
+            </a:srgbClr>
+          </a:solidFill>
+          <a:ln w="88900" cap="sq">
+            <a:solidFill>
+              <a:srgbClr val="FFFFFF"/>
+            </a:solidFill>
+            <a:miter lim="800000"/>
+          </a:ln>
+          <a:effectLst>
+            <a:outerShdw blurRad="88900" algn="tl" rotWithShape="0">
+              <a:srgbClr val="000000">
+                <a:alpha val="45000"/>
+              </a:srgbClr>
+            </a:outerShdw>
+          </a:effectLst>
+          <a:scene3d>
+            <a:camera prst="orthographicFront"/>
+            <a:lightRig rig="twoPt" dir="t">
+              <a:rot lat="0" lon="0" rev="7200000"/>
+            </a:lightRig>
+          </a:scene3d>
+          <a:sp3d>
+            <a:bevelT w="25400" h="19050"/>
+            <a:contourClr>
+              <a:srgbClr val="FFFFFF"/>
+            </a:contourClr>
+          </a:sp3d>
+        </p:spPr>
+      </p:pic>
       <p:grpSp>
         <p:nvGrpSpPr>
-          <p:cNvPr id="7" name="Group 6"/>
+          <p:cNvPr id="16" name="Group 15"/>
           <p:cNvGrpSpPr/>
           <p:nvPr/>
         </p:nvGrpSpPr>
@@ -22027,7 +22212,7 @@
         </p:grpSpPr>
         <p:sp>
           <p:nvSpPr>
-            <p:cNvPr id="8" name="Freeform 7"/>
+            <p:cNvPr id="17" name="Freeform 16"/>
             <p:cNvSpPr>
               <a:spLocks noEditPoints="1"/>
             </p:cNvSpPr>
@@ -22210,7 +22395,7 @@
         </p:sp>
         <p:sp>
           <p:nvSpPr>
-            <p:cNvPr id="9" name="Freeform 8"/>
+            <p:cNvPr id="18" name="Freeform 17"/>
             <p:cNvSpPr>
               <a:spLocks noEditPoints="1"/>
             </p:cNvSpPr>
@@ -22394,14 +22579,14 @@
       </p:grpSp>
       <p:pic>
         <p:nvPicPr>
-          <p:cNvPr id="10" name="Picture 9"/>
+          <p:cNvPr id="19" name="Picture 18"/>
           <p:cNvPicPr>
             <a:picLocks noChangeAspect="1"/>
           </p:cNvPicPr>
           <p:nvPr/>
         </p:nvPicPr>
         <p:blipFill>
-          <a:blip r:embed="rId2" cstate="print">
+          <a:blip r:embed="rId3" cstate="print">
             <a:extLst>
               <a:ext uri="{28A0092B-C50C-407E-A947-70E740481C1C}">
                 <a14:useLocalDpi xmlns:a14="http://schemas.microsoft.com/office/drawing/2010/main" val="0"/>
@@ -22416,36 +22601,6 @@
           <a:xfrm>
             <a:off x="440872" y="337461"/>
             <a:ext cx="1096280" cy="1096280"/>
-          </a:xfrm>
-          <a:prstGeom prst="rect">
-            <a:avLst/>
-          </a:prstGeom>
-        </p:spPr>
-      </p:pic>
-      <p:pic>
-        <p:nvPicPr>
-          <p:cNvPr id="3" name="Picture 2"/>
-          <p:cNvPicPr>
-            <a:picLocks noChangeAspect="1"/>
-          </p:cNvPicPr>
-          <p:nvPr/>
-        </p:nvPicPr>
-        <p:blipFill>
-          <a:blip r:embed="rId3">
-            <a:extLst>
-              <a:ext uri="{28A0092B-C50C-407E-A947-70E740481C1C}">
-                <a14:useLocalDpi xmlns:a14="http://schemas.microsoft.com/office/drawing/2010/main" val="0"/>
-              </a:ext>
-            </a:extLst>
-          </a:blip>
-          <a:stretch>
-            <a:fillRect/>
-          </a:stretch>
-        </p:blipFill>
-        <p:spPr>
-          <a:xfrm>
-            <a:off x="1605668" y="609600"/>
-            <a:ext cx="4038600" cy="5571972"/>
           </a:xfrm>
           <a:prstGeom prst="rect">
             <a:avLst/>
@@ -22474,6 +22629,13 @@
       </p:transition>
     </mc:Fallback>
   </mc:AlternateContent>
+  <p:timing>
+    <p:tnLst>
+      <p:par>
+        <p:cTn id="1" dur="indefinite" restart="never" nodeType="tmRoot"/>
+      </p:par>
+    </p:tnLst>
+  </p:timing>
 </p:sld>
 </file>
 
@@ -22494,44 +22656,6 @@
           <a:chExt cx="0" cy="0"/>
         </a:xfrm>
       </p:grpSpPr>
-      <p:sp>
-        <p:nvSpPr>
-          <p:cNvPr id="2" name="Title 1"/>
-          <p:cNvSpPr>
-            <a:spLocks noGrp="1"/>
-          </p:cNvSpPr>
-          <p:nvPr>
-            <p:ph type="title"/>
-          </p:nvPr>
-        </p:nvSpPr>
-        <p:spPr/>
-        <p:txBody>
-          <a:bodyPr/>
-          <a:lstStyle/>
-          <a:p>
-            <a:endParaRPr lang="en-US"/>
-          </a:p>
-        </p:txBody>
-      </p:sp>
-      <p:sp>
-        <p:nvSpPr>
-          <p:cNvPr id="4" name="Text Placeholder 3"/>
-          <p:cNvSpPr>
-            <a:spLocks noGrp="1"/>
-          </p:cNvSpPr>
-          <p:nvPr>
-            <p:ph type="body" sz="half" idx="2"/>
-          </p:nvPr>
-        </p:nvSpPr>
-        <p:spPr/>
-        <p:txBody>
-          <a:bodyPr/>
-          <a:lstStyle/>
-          <a:p>
-            <a:endParaRPr lang="en-US"/>
-          </a:p>
-        </p:txBody>
-      </p:sp>
       <p:pic>
         <p:nvPicPr>
           <p:cNvPr id="3" name="Picture 2"/>
@@ -22554,12 +22678,28 @@
         </p:blipFill>
         <p:spPr>
           <a:xfrm>
-            <a:off x="1141412" y="892746"/>
+            <a:off x="1078755" y="1117600"/>
             <a:ext cx="4022534" cy="5257800"/>
           </a:xfrm>
-          <a:prstGeom prst="rect">
-            <a:avLst/>
+          <a:prstGeom prst="round2DiagRect">
+            <a:avLst>
+              <a:gd name="adj1" fmla="val 16667"/>
+              <a:gd name="adj2" fmla="val 0"/>
+            </a:avLst>
           </a:prstGeom>
+          <a:ln w="88900" cap="sq">
+            <a:solidFill>
+              <a:srgbClr val="FFFFFF"/>
+            </a:solidFill>
+            <a:miter lim="800000"/>
+          </a:ln>
+          <a:effectLst>
+            <a:outerShdw blurRad="254000" algn="tl" rotWithShape="0">
+              <a:srgbClr val="000000">
+                <a:alpha val="43000"/>
+              </a:srgbClr>
+            </a:outerShdw>
+          </a:effectLst>
         </p:spPr>
       </p:pic>
       <p:grpSp>
@@ -23019,7 +23159,7 @@
                             </p:stCondLst>
                             <p:childTnLst>
                               <p:par>
-                                <p:cTn id="5" presetID="22" presetClass="entr" presetSubtype="1" fill="hold" nodeType="clickEffect">
+                                <p:cTn id="5" presetID="22" presetClass="entr" presetSubtype="8" fill="hold" nodeType="clickEffect">
                                   <p:stCondLst>
                                     <p:cond delay="0"/>
                                   </p:stCondLst>
@@ -23042,7 +23182,7 @@
                                         <p:strVal val="visible"/>
                                       </p:to>
                                     </p:set>
-                                    <p:animEffect transition="in" filter="wipe(up)">
+                                    <p:animEffect transition="in" filter="wipe(left)">
                                       <p:cBhvr>
                                         <p:cTn id="7" dur="500"/>
                                         <p:tgtEl>
@@ -23101,44 +23241,6 @@
           <a:chExt cx="0" cy="0"/>
         </a:xfrm>
       </p:grpSpPr>
-      <p:sp>
-        <p:nvSpPr>
-          <p:cNvPr id="2" name="Title 1"/>
-          <p:cNvSpPr>
-            <a:spLocks noGrp="1"/>
-          </p:cNvSpPr>
-          <p:nvPr>
-            <p:ph type="title"/>
-          </p:nvPr>
-        </p:nvSpPr>
-        <p:spPr/>
-        <p:txBody>
-          <a:bodyPr/>
-          <a:lstStyle/>
-          <a:p>
-            <a:endParaRPr lang="en-US"/>
-          </a:p>
-        </p:txBody>
-      </p:sp>
-      <p:sp>
-        <p:nvSpPr>
-          <p:cNvPr id="4" name="Text Placeholder 3"/>
-          <p:cNvSpPr>
-            <a:spLocks noGrp="1"/>
-          </p:cNvSpPr>
-          <p:nvPr>
-            <p:ph type="body" sz="half" idx="2"/>
-          </p:nvPr>
-        </p:nvSpPr>
-        <p:spPr/>
-        <p:txBody>
-          <a:bodyPr/>
-          <a:lstStyle/>
-          <a:p>
-            <a:endParaRPr lang="en-US"/>
-          </a:p>
-        </p:txBody>
-      </p:sp>
       <p:pic>
         <p:nvPicPr>
           <p:cNvPr id="3" name="Picture 2"/>
@@ -23161,12 +23263,42 @@
         </p:blipFill>
         <p:spPr>
           <a:xfrm>
-            <a:off x="1141412" y="961476"/>
+            <a:off x="1141412" y="1066800"/>
             <a:ext cx="4155878" cy="5400477"/>
           </a:xfrm>
-          <a:prstGeom prst="rect">
+          <a:prstGeom prst="snip2DiagRect">
             <a:avLst/>
           </a:prstGeom>
+          <a:solidFill>
+            <a:srgbClr val="FFFFFF">
+              <a:shade val="85000"/>
+            </a:srgbClr>
+          </a:solidFill>
+          <a:ln w="88900" cap="sq">
+            <a:solidFill>
+              <a:srgbClr val="FFFFFF"/>
+            </a:solidFill>
+            <a:miter lim="800000"/>
+          </a:ln>
+          <a:effectLst>
+            <a:outerShdw blurRad="88900" algn="tl" rotWithShape="0">
+              <a:srgbClr val="000000">
+                <a:alpha val="45000"/>
+              </a:srgbClr>
+            </a:outerShdw>
+          </a:effectLst>
+          <a:scene3d>
+            <a:camera prst="orthographicFront"/>
+            <a:lightRig rig="twoPt" dir="t">
+              <a:rot lat="0" lon="0" rev="7200000"/>
+            </a:lightRig>
+          </a:scene3d>
+          <a:sp3d>
+            <a:bevelT w="25400" h="19050"/>
+            <a:contourClr>
+              <a:srgbClr val="FFFFFF"/>
+            </a:contourClr>
+          </a:sp3d>
         </p:spPr>
       </p:pic>
       <p:grpSp>
@@ -23605,6 +23737,13 @@
       </p:transition>
     </mc:Fallback>
   </mc:AlternateContent>
+  <p:timing>
+    <p:tnLst>
+      <p:par>
+        <p:cTn id="1" dur="indefinite" restart="never" nodeType="tmRoot"/>
+      </p:par>
+    </p:tnLst>
+  </p:timing>
 </p:sld>
 </file>
 
@@ -23625,47 +23764,9 @@
           <a:chExt cx="0" cy="0"/>
         </a:xfrm>
       </p:grpSpPr>
-      <p:sp>
-        <p:nvSpPr>
-          <p:cNvPr id="2" name="Title 1"/>
-          <p:cNvSpPr>
-            <a:spLocks noGrp="1"/>
-          </p:cNvSpPr>
-          <p:nvPr>
-            <p:ph type="title"/>
-          </p:nvPr>
-        </p:nvSpPr>
-        <p:spPr/>
-        <p:txBody>
-          <a:bodyPr/>
-          <a:lstStyle/>
-          <a:p>
-            <a:endParaRPr lang="en-US"/>
-          </a:p>
-        </p:txBody>
-      </p:sp>
-      <p:sp>
-        <p:nvSpPr>
-          <p:cNvPr id="4" name="Text Placeholder 3"/>
-          <p:cNvSpPr>
-            <a:spLocks noGrp="1"/>
-          </p:cNvSpPr>
-          <p:nvPr>
-            <p:ph type="body" sz="half" idx="2"/>
-          </p:nvPr>
-        </p:nvSpPr>
-        <p:spPr/>
-        <p:txBody>
-          <a:bodyPr/>
-          <a:lstStyle/>
-          <a:p>
-            <a:endParaRPr lang="en-US"/>
-          </a:p>
-        </p:txBody>
-      </p:sp>
       <p:pic>
         <p:nvPicPr>
-          <p:cNvPr id="6" name="Picture 5"/>
+          <p:cNvPr id="3" name="Picture 2"/>
           <p:cNvPicPr>
             <a:picLocks noChangeAspect="1"/>
           </p:cNvPicPr>
@@ -23685,17 +23786,47 @@
         </p:blipFill>
         <p:spPr>
           <a:xfrm>
-            <a:off x="1522412" y="838200"/>
-            <a:ext cx="4121856" cy="5257800"/>
+            <a:off x="1217612" y="1066800"/>
+            <a:ext cx="3733800" cy="4991605"/>
           </a:xfrm>
-          <a:prstGeom prst="rect">
+          <a:prstGeom prst="snip2DiagRect">
             <a:avLst/>
           </a:prstGeom>
+          <a:solidFill>
+            <a:srgbClr val="FFFFFF">
+              <a:shade val="85000"/>
+            </a:srgbClr>
+          </a:solidFill>
+          <a:ln w="88900" cap="sq">
+            <a:solidFill>
+              <a:srgbClr val="FFFFFF"/>
+            </a:solidFill>
+            <a:miter lim="800000"/>
+          </a:ln>
+          <a:effectLst>
+            <a:outerShdw blurRad="88900" algn="tl" rotWithShape="0">
+              <a:srgbClr val="000000">
+                <a:alpha val="45000"/>
+              </a:srgbClr>
+            </a:outerShdw>
+          </a:effectLst>
+          <a:scene3d>
+            <a:camera prst="orthographicFront"/>
+            <a:lightRig rig="twoPt" dir="t">
+              <a:rot lat="0" lon="0" rev="7200000"/>
+            </a:lightRig>
+          </a:scene3d>
+          <a:sp3d>
+            <a:bevelT w="25400" h="19050"/>
+            <a:contourClr>
+              <a:srgbClr val="FFFFFF"/>
+            </a:contourClr>
+          </a:sp3d>
         </p:spPr>
       </p:pic>
       <p:grpSp>
         <p:nvGrpSpPr>
-          <p:cNvPr id="7" name="Group 6"/>
+          <p:cNvPr id="16" name="Group 15"/>
           <p:cNvGrpSpPr/>
           <p:nvPr/>
         </p:nvGrpSpPr>
@@ -23712,7 +23843,7 @@
         </p:grpSpPr>
         <p:sp>
           <p:nvSpPr>
-            <p:cNvPr id="8" name="Freeform 7"/>
+            <p:cNvPr id="17" name="Freeform 16"/>
             <p:cNvSpPr>
               <a:spLocks noEditPoints="1"/>
             </p:cNvSpPr>
@@ -23895,7 +24026,7 @@
         </p:sp>
         <p:sp>
           <p:nvSpPr>
-            <p:cNvPr id="9" name="Freeform 8"/>
+            <p:cNvPr id="18" name="Freeform 17"/>
             <p:cNvSpPr>
               <a:spLocks noEditPoints="1"/>
             </p:cNvSpPr>
@@ -24079,7 +24210,7 @@
       </p:grpSp>
       <p:pic>
         <p:nvPicPr>
-          <p:cNvPr id="10" name="Picture 9"/>
+          <p:cNvPr id="19" name="Picture 18"/>
           <p:cNvPicPr>
             <a:picLocks noChangeAspect="1"/>
           </p:cNvPicPr>
@@ -24129,6 +24260,13 @@
       </p:transition>
     </mc:Fallback>
   </mc:AlternateContent>
+  <p:timing>
+    <p:tnLst>
+      <p:par>
+        <p:cTn id="1" dur="indefinite" restart="never" nodeType="tmRoot"/>
+      </p:par>
+    </p:tnLst>
+  </p:timing>
 </p:sld>
 </file>
 
@@ -24149,47 +24287,9 @@
           <a:chExt cx="0" cy="0"/>
         </a:xfrm>
       </p:grpSpPr>
-      <p:sp>
-        <p:nvSpPr>
-          <p:cNvPr id="2" name="Title 1"/>
-          <p:cNvSpPr>
-            <a:spLocks noGrp="1"/>
-          </p:cNvSpPr>
-          <p:nvPr>
-            <p:ph type="title"/>
-          </p:nvPr>
-        </p:nvSpPr>
-        <p:spPr/>
-        <p:txBody>
-          <a:bodyPr/>
-          <a:lstStyle/>
-          <a:p>
-            <a:endParaRPr lang="en-US"/>
-          </a:p>
-        </p:txBody>
-      </p:sp>
-      <p:sp>
-        <p:nvSpPr>
-          <p:cNvPr id="4" name="Text Placeholder 3"/>
-          <p:cNvSpPr>
-            <a:spLocks noGrp="1"/>
-          </p:cNvSpPr>
-          <p:nvPr>
-            <p:ph type="body" sz="half" idx="2"/>
-          </p:nvPr>
-        </p:nvSpPr>
-        <p:spPr/>
-        <p:txBody>
-          <a:bodyPr/>
-          <a:lstStyle/>
-          <a:p>
-            <a:endParaRPr lang="en-US"/>
-          </a:p>
-        </p:txBody>
-      </p:sp>
       <p:pic>
         <p:nvPicPr>
-          <p:cNvPr id="6" name="Picture 5"/>
+          <p:cNvPr id="5" name="Picture 4"/>
           <p:cNvPicPr>
             <a:picLocks noChangeAspect="1"/>
           </p:cNvPicPr>
@@ -24209,17 +24309,47 @@
         </p:blipFill>
         <p:spPr>
           <a:xfrm>
-            <a:off x="1522412" y="838200"/>
-            <a:ext cx="4121856" cy="5257800"/>
+            <a:off x="989012" y="990600"/>
+            <a:ext cx="3992123" cy="5239662"/>
           </a:xfrm>
-          <a:prstGeom prst="rect">
+          <a:prstGeom prst="snip2DiagRect">
             <a:avLst/>
           </a:prstGeom>
+          <a:solidFill>
+            <a:srgbClr val="FFFFFF">
+              <a:shade val="85000"/>
+            </a:srgbClr>
+          </a:solidFill>
+          <a:ln w="88900" cap="sq">
+            <a:solidFill>
+              <a:srgbClr val="FFFFFF"/>
+            </a:solidFill>
+            <a:miter lim="800000"/>
+          </a:ln>
+          <a:effectLst>
+            <a:outerShdw blurRad="88900" algn="tl" rotWithShape="0">
+              <a:srgbClr val="000000">
+                <a:alpha val="45000"/>
+              </a:srgbClr>
+            </a:outerShdw>
+          </a:effectLst>
+          <a:scene3d>
+            <a:camera prst="orthographicFront"/>
+            <a:lightRig rig="twoPt" dir="t">
+              <a:rot lat="0" lon="0" rev="7200000"/>
+            </a:lightRig>
+          </a:scene3d>
+          <a:sp3d>
+            <a:bevelT w="25400" h="19050"/>
+            <a:contourClr>
+              <a:srgbClr val="FFFFFF"/>
+            </a:contourClr>
+          </a:sp3d>
         </p:spPr>
       </p:pic>
       <p:grpSp>
         <p:nvGrpSpPr>
-          <p:cNvPr id="7" name="Group 6"/>
+          <p:cNvPr id="22" name="Group 21"/>
           <p:cNvGrpSpPr/>
           <p:nvPr/>
         </p:nvGrpSpPr>
@@ -24236,7 +24366,7 @@
         </p:grpSpPr>
         <p:sp>
           <p:nvSpPr>
-            <p:cNvPr id="8" name="Freeform 7"/>
+            <p:cNvPr id="23" name="Freeform 22"/>
             <p:cNvSpPr>
               <a:spLocks noEditPoints="1"/>
             </p:cNvSpPr>
@@ -24419,7 +24549,7 @@
         </p:sp>
         <p:sp>
           <p:nvSpPr>
-            <p:cNvPr id="9" name="Freeform 8"/>
+            <p:cNvPr id="24" name="Freeform 23"/>
             <p:cNvSpPr>
               <a:spLocks noEditPoints="1"/>
             </p:cNvSpPr>
@@ -24603,7 +24733,7 @@
       </p:grpSp>
       <p:pic>
         <p:nvPicPr>
-          <p:cNvPr id="10" name="Picture 9"/>
+          <p:cNvPr id="25" name="Picture 24"/>
           <p:cNvPicPr>
             <a:picLocks noChangeAspect="1"/>
           </p:cNvPicPr>
@@ -24634,7 +24764,7 @@
     </p:spTree>
     <p:extLst>
       <p:ext uri="{BB962C8B-B14F-4D97-AF65-F5344CB8AC3E}">
-        <p14:creationId xmlns:p14="http://schemas.microsoft.com/office/powerpoint/2010/main" val="1907608087"/>
+        <p14:creationId xmlns:p14="http://schemas.microsoft.com/office/powerpoint/2010/main" val="2423406128"/>
       </p:ext>
     </p:extLst>
   </p:cSld>
@@ -24653,6 +24783,13 @@
       </p:transition>
     </mc:Fallback>
   </mc:AlternateContent>
+  <p:timing>
+    <p:tnLst>
+      <p:par>
+        <p:cTn id="1" dur="indefinite" restart="never" nodeType="tmRoot"/>
+      </p:par>
+    </p:tnLst>
+  </p:timing>
 </p:sld>
 </file>
 
@@ -25746,47 +25883,9 @@
           <a:chExt cx="0" cy="0"/>
         </a:xfrm>
       </p:grpSpPr>
-      <p:sp>
-        <p:nvSpPr>
-          <p:cNvPr id="2" name="Title 1"/>
-          <p:cNvSpPr>
-            <a:spLocks noGrp="1"/>
-          </p:cNvSpPr>
-          <p:nvPr>
-            <p:ph type="title"/>
-          </p:nvPr>
-        </p:nvSpPr>
-        <p:spPr/>
-        <p:txBody>
-          <a:bodyPr/>
-          <a:lstStyle/>
-          <a:p>
-            <a:endParaRPr lang="en-US"/>
-          </a:p>
-        </p:txBody>
-      </p:sp>
-      <p:sp>
-        <p:nvSpPr>
-          <p:cNvPr id="4" name="Text Placeholder 3"/>
-          <p:cNvSpPr>
-            <a:spLocks noGrp="1"/>
-          </p:cNvSpPr>
-          <p:nvPr>
-            <p:ph type="body" sz="half" idx="2"/>
-          </p:nvPr>
-        </p:nvSpPr>
-        <p:spPr/>
-        <p:txBody>
-          <a:bodyPr/>
-          <a:lstStyle/>
-          <a:p>
-            <a:endParaRPr lang="en-US"/>
-          </a:p>
-        </p:txBody>
-      </p:sp>
       <p:pic>
         <p:nvPicPr>
-          <p:cNvPr id="6" name="Picture 5"/>
+          <p:cNvPr id="3" name="Picture 2"/>
           <p:cNvPicPr>
             <a:picLocks noChangeAspect="1"/>
           </p:cNvPicPr>
@@ -25806,12 +25905,42 @@
         </p:blipFill>
         <p:spPr>
           <a:xfrm>
-            <a:off x="1522412" y="838200"/>
-            <a:ext cx="4121856" cy="5257800"/>
+            <a:off x="989012" y="990600"/>
+            <a:ext cx="3992124" cy="5239662"/>
           </a:xfrm>
-          <a:prstGeom prst="rect">
+          <a:prstGeom prst="snip2DiagRect">
             <a:avLst/>
           </a:prstGeom>
+          <a:solidFill>
+            <a:srgbClr val="FFFFFF">
+              <a:shade val="85000"/>
+            </a:srgbClr>
+          </a:solidFill>
+          <a:ln w="88900" cap="sq">
+            <a:solidFill>
+              <a:srgbClr val="FFFFFF"/>
+            </a:solidFill>
+            <a:miter lim="800000"/>
+          </a:ln>
+          <a:effectLst>
+            <a:outerShdw blurRad="88900" algn="tl" rotWithShape="0">
+              <a:srgbClr val="000000">
+                <a:alpha val="45000"/>
+              </a:srgbClr>
+            </a:outerShdw>
+          </a:effectLst>
+          <a:scene3d>
+            <a:camera prst="orthographicFront"/>
+            <a:lightRig rig="twoPt" dir="t">
+              <a:rot lat="0" lon="0" rev="7200000"/>
+            </a:lightRig>
+          </a:scene3d>
+          <a:sp3d>
+            <a:bevelT w="25400" h="19050"/>
+            <a:contourClr>
+              <a:srgbClr val="FFFFFF"/>
+            </a:contourClr>
+          </a:sp3d>
         </p:spPr>
       </p:pic>
       <p:grpSp>
@@ -26231,7 +26360,7 @@
     </p:spTree>
     <p:extLst>
       <p:ext uri="{BB962C8B-B14F-4D97-AF65-F5344CB8AC3E}">
-        <p14:creationId xmlns:p14="http://schemas.microsoft.com/office/powerpoint/2010/main" val="2423406128"/>
+        <p14:creationId xmlns:p14="http://schemas.microsoft.com/office/powerpoint/2010/main" val="2314588847"/>
       </p:ext>
     </p:extLst>
   </p:cSld>
@@ -26250,6 +26379,13 @@
       </p:transition>
     </mc:Fallback>
   </mc:AlternateContent>
+  <p:timing>
+    <p:tnLst>
+      <p:par>
+        <p:cTn id="1" dur="indefinite" restart="never" nodeType="tmRoot"/>
+      </p:par>
+    </p:tnLst>
+  </p:timing>
 </p:sld>
 </file>
 
@@ -26270,44 +26406,6 @@
           <a:chExt cx="0" cy="0"/>
         </a:xfrm>
       </p:grpSpPr>
-      <p:sp>
-        <p:nvSpPr>
-          <p:cNvPr id="2" name="Title 1"/>
-          <p:cNvSpPr>
-            <a:spLocks noGrp="1"/>
-          </p:cNvSpPr>
-          <p:nvPr>
-            <p:ph type="title"/>
-          </p:nvPr>
-        </p:nvSpPr>
-        <p:spPr/>
-        <p:txBody>
-          <a:bodyPr/>
-          <a:lstStyle/>
-          <a:p>
-            <a:endParaRPr lang="en-US"/>
-          </a:p>
-        </p:txBody>
-      </p:sp>
-      <p:sp>
-        <p:nvSpPr>
-          <p:cNvPr id="4" name="Text Placeholder 3"/>
-          <p:cNvSpPr>
-            <a:spLocks noGrp="1"/>
-          </p:cNvSpPr>
-          <p:nvPr>
-            <p:ph type="body" sz="half" idx="2"/>
-          </p:nvPr>
-        </p:nvSpPr>
-        <p:spPr/>
-        <p:txBody>
-          <a:bodyPr/>
-          <a:lstStyle/>
-          <a:p>
-            <a:endParaRPr lang="en-US"/>
-          </a:p>
-        </p:txBody>
-      </p:sp>
       <p:pic>
         <p:nvPicPr>
           <p:cNvPr id="6" name="Picture 5"/>
@@ -26330,12 +26428,565 @@
         </p:blipFill>
         <p:spPr>
           <a:xfrm>
-            <a:off x="1522412" y="838200"/>
-            <a:ext cx="4121856" cy="5257800"/>
+            <a:off x="993955" y="990600"/>
+            <a:ext cx="3995708" cy="5181600"/>
+          </a:xfrm>
+          <a:prstGeom prst="snip2DiagRect">
+            <a:avLst/>
+          </a:prstGeom>
+          <a:solidFill>
+            <a:srgbClr val="FFFFFF">
+              <a:shade val="85000"/>
+            </a:srgbClr>
+          </a:solidFill>
+          <a:ln w="88900" cap="sq">
+            <a:solidFill>
+              <a:srgbClr val="FFFFFF"/>
+            </a:solidFill>
+            <a:miter lim="800000"/>
+          </a:ln>
+          <a:effectLst>
+            <a:outerShdw blurRad="88900" algn="tl" rotWithShape="0">
+              <a:srgbClr val="000000">
+                <a:alpha val="45000"/>
+              </a:srgbClr>
+            </a:outerShdw>
+          </a:effectLst>
+          <a:scene3d>
+            <a:camera prst="orthographicFront"/>
+            <a:lightRig rig="twoPt" dir="t">
+              <a:rot lat="0" lon="0" rev="7200000"/>
+            </a:lightRig>
+          </a:scene3d>
+          <a:sp3d>
+            <a:bevelT w="25400" h="19050"/>
+            <a:contourClr>
+              <a:srgbClr val="FFFFFF"/>
+            </a:contourClr>
+          </a:sp3d>
+        </p:spPr>
+      </p:pic>
+      <p:grpSp>
+        <p:nvGrpSpPr>
+          <p:cNvPr id="8" name="Group 7"/>
+          <p:cNvGrpSpPr/>
+          <p:nvPr/>
+        </p:nvGrpSpPr>
+        <p:grpSpPr>
+          <a:xfrm>
+            <a:off x="308258" y="227525"/>
+            <a:ext cx="1361508" cy="1330443"/>
+            <a:chOff x="2657475" y="1044575"/>
+            <a:chExt cx="4900613" cy="4900613"/>
+          </a:xfrm>
+          <a:solidFill>
+            <a:sysClr val="window" lastClr="FFFFFF"/>
+          </a:solidFill>
+        </p:grpSpPr>
+        <p:sp>
+          <p:nvSpPr>
+            <p:cNvPr id="9" name="Freeform 8"/>
+            <p:cNvSpPr>
+              <a:spLocks noEditPoints="1"/>
+            </p:cNvSpPr>
+            <p:nvPr/>
+          </p:nvSpPr>
+          <p:spPr bwMode="auto">
+            <a:xfrm>
+              <a:off x="2865438" y="1252538"/>
+              <a:ext cx="4484688" cy="4484688"/>
+            </a:xfrm>
+            <a:custGeom>
+              <a:avLst/>
+              <a:gdLst>
+                <a:gd name="T0" fmla="*/ 908 w 1816"/>
+                <a:gd name="T1" fmla="*/ 0 h 1816"/>
+                <a:gd name="T2" fmla="*/ 0 w 1816"/>
+                <a:gd name="T3" fmla="*/ 908 h 1816"/>
+                <a:gd name="T4" fmla="*/ 908 w 1816"/>
+                <a:gd name="T5" fmla="*/ 1816 h 1816"/>
+                <a:gd name="T6" fmla="*/ 1816 w 1816"/>
+                <a:gd name="T7" fmla="*/ 908 h 1816"/>
+                <a:gd name="T8" fmla="*/ 908 w 1816"/>
+                <a:gd name="T9" fmla="*/ 0 h 1816"/>
+                <a:gd name="T10" fmla="*/ 908 w 1816"/>
+                <a:gd name="T11" fmla="*/ 1798 h 1816"/>
+                <a:gd name="T12" fmla="*/ 18 w 1816"/>
+                <a:gd name="T13" fmla="*/ 908 h 1816"/>
+                <a:gd name="T14" fmla="*/ 908 w 1816"/>
+                <a:gd name="T15" fmla="*/ 18 h 1816"/>
+                <a:gd name="T16" fmla="*/ 1798 w 1816"/>
+                <a:gd name="T17" fmla="*/ 908 h 1816"/>
+                <a:gd name="T18" fmla="*/ 908 w 1816"/>
+                <a:gd name="T19" fmla="*/ 1798 h 1816"/>
+              </a:gdLst>
+              <a:ahLst/>
+              <a:cxnLst>
+                <a:cxn ang="0">
+                  <a:pos x="T0" y="T1"/>
+                </a:cxn>
+                <a:cxn ang="0">
+                  <a:pos x="T2" y="T3"/>
+                </a:cxn>
+                <a:cxn ang="0">
+                  <a:pos x="T4" y="T5"/>
+                </a:cxn>
+                <a:cxn ang="0">
+                  <a:pos x="T6" y="T7"/>
+                </a:cxn>
+                <a:cxn ang="0">
+                  <a:pos x="T8" y="T9"/>
+                </a:cxn>
+                <a:cxn ang="0">
+                  <a:pos x="T10" y="T11"/>
+                </a:cxn>
+                <a:cxn ang="0">
+                  <a:pos x="T12" y="T13"/>
+                </a:cxn>
+                <a:cxn ang="0">
+                  <a:pos x="T14" y="T15"/>
+                </a:cxn>
+                <a:cxn ang="0">
+                  <a:pos x="T16" y="T17"/>
+                </a:cxn>
+                <a:cxn ang="0">
+                  <a:pos x="T18" y="T19"/>
+                </a:cxn>
+              </a:cxnLst>
+              <a:rect l="0" t="0" r="r" b="b"/>
+              <a:pathLst>
+                <a:path w="1816" h="1816">
+                  <a:moveTo>
+                    <a:pt x="908" y="0"/>
+                  </a:moveTo>
+                  <a:cubicBezTo>
+                    <a:pt x="407" y="0"/>
+                    <a:pt x="0" y="407"/>
+                    <a:pt x="0" y="908"/>
+                  </a:cubicBezTo>
+                  <a:cubicBezTo>
+                    <a:pt x="0" y="1409"/>
+                    <a:pt x="407" y="1816"/>
+                    <a:pt x="908" y="1816"/>
+                  </a:cubicBezTo>
+                  <a:cubicBezTo>
+                    <a:pt x="1409" y="1816"/>
+                    <a:pt x="1816" y="1409"/>
+                    <a:pt x="1816" y="908"/>
+                  </a:cubicBezTo>
+                  <a:cubicBezTo>
+                    <a:pt x="1816" y="407"/>
+                    <a:pt x="1409" y="0"/>
+                    <a:pt x="908" y="0"/>
+                  </a:cubicBezTo>
+                  <a:close/>
+                  <a:moveTo>
+                    <a:pt x="908" y="1798"/>
+                  </a:moveTo>
+                  <a:cubicBezTo>
+                    <a:pt x="416" y="1798"/>
+                    <a:pt x="18" y="1400"/>
+                    <a:pt x="18" y="908"/>
+                  </a:cubicBezTo>
+                  <a:cubicBezTo>
+                    <a:pt x="18" y="416"/>
+                    <a:pt x="416" y="18"/>
+                    <a:pt x="908" y="18"/>
+                  </a:cubicBezTo>
+                  <a:cubicBezTo>
+                    <a:pt x="1400" y="18"/>
+                    <a:pt x="1798" y="416"/>
+                    <a:pt x="1798" y="908"/>
+                  </a:cubicBezTo>
+                  <a:cubicBezTo>
+                    <a:pt x="1798" y="1400"/>
+                    <a:pt x="1400" y="1798"/>
+                    <a:pt x="908" y="1798"/>
+                  </a:cubicBezTo>
+                  <a:close/>
+                </a:path>
+              </a:pathLst>
+            </a:custGeom>
+            <a:solidFill>
+              <a:srgbClr val="D32E2E"/>
+            </a:solidFill>
+            <a:ln>
+              <a:noFill/>
+            </a:ln>
+            <a:extLst>
+              <a:ext uri="{91240B29-F687-4F45-9708-019B960494DF}">
+                <a14:hiddenLine xmlns:a14="http://schemas.microsoft.com/office/drawing/2010/main" w="9525">
+                  <a:solidFill>
+                    <a:srgbClr val="000000"/>
+                  </a:solidFill>
+                  <a:round/>
+                  <a:headEnd/>
+                  <a:tailEnd/>
+                </a14:hiddenLine>
+              </a:ext>
+            </a:extLst>
+          </p:spPr>
+          <p:txBody>
+            <a:bodyPr vert="horz" wrap="square" lIns="91440" tIns="45720" rIns="91440" bIns="45720" numCol="1" anchor="t" anchorCtr="0" compatLnSpc="1">
+              <a:prstTxWarp prst="textNoShape">
+                <a:avLst/>
+              </a:prstTxWarp>
+            </a:bodyPr>
+            <a:lstStyle/>
+            <a:p>
+              <a:pPr marL="0" marR="0" lvl="0" indent="0" defTabSz="914400" eaLnBrk="1" fontAlgn="auto" latinLnBrk="0" hangingPunct="1">
+                <a:lnSpc>
+                  <a:spcPct val="100000"/>
+                </a:lnSpc>
+                <a:spcBef>
+                  <a:spcPts val="0"/>
+                </a:spcBef>
+                <a:spcAft>
+                  <a:spcPts val="0"/>
+                </a:spcAft>
+                <a:buClrTx/>
+                <a:buSzTx/>
+                <a:buFontTx/>
+                <a:buNone/>
+                <a:tabLst/>
+                <a:defRPr/>
+              </a:pPr>
+              <a:endParaRPr kumimoji="0" lang="en-US" sz="1800" b="0" i="0" u="none" strike="noStrike" kern="0" cap="none" spc="0" normalizeH="0" baseline="0" noProof="0" smtClean="0">
+                <a:ln>
+                  <a:noFill/>
+                </a:ln>
+                <a:solidFill>
+                  <a:prstClr val="black"/>
+                </a:solidFill>
+                <a:effectLst/>
+                <a:uLnTx/>
+                <a:uFillTx/>
+                <a:latin typeface="Century Gothic"/>
+              </a:endParaRPr>
+            </a:p>
+          </p:txBody>
+        </p:sp>
+        <p:sp>
+          <p:nvSpPr>
+            <p:cNvPr id="10" name="Freeform 9"/>
+            <p:cNvSpPr>
+              <a:spLocks noEditPoints="1"/>
+            </p:cNvSpPr>
+            <p:nvPr/>
+          </p:nvSpPr>
+          <p:spPr bwMode="auto">
+            <a:xfrm>
+              <a:off x="2657475" y="1044575"/>
+              <a:ext cx="4900613" cy="4900613"/>
+            </a:xfrm>
+            <a:custGeom>
+              <a:avLst/>
+              <a:gdLst>
+                <a:gd name="T0" fmla="*/ 992 w 1984"/>
+                <a:gd name="T1" fmla="*/ 0 h 1984"/>
+                <a:gd name="T2" fmla="*/ 0 w 1984"/>
+                <a:gd name="T3" fmla="*/ 992 h 1984"/>
+                <a:gd name="T4" fmla="*/ 992 w 1984"/>
+                <a:gd name="T5" fmla="*/ 1984 h 1984"/>
+                <a:gd name="T6" fmla="*/ 1984 w 1984"/>
+                <a:gd name="T7" fmla="*/ 992 h 1984"/>
+                <a:gd name="T8" fmla="*/ 992 w 1984"/>
+                <a:gd name="T9" fmla="*/ 0 h 1984"/>
+                <a:gd name="T10" fmla="*/ 992 w 1984"/>
+                <a:gd name="T11" fmla="*/ 1934 h 1984"/>
+                <a:gd name="T12" fmla="*/ 50 w 1984"/>
+                <a:gd name="T13" fmla="*/ 992 h 1984"/>
+                <a:gd name="T14" fmla="*/ 992 w 1984"/>
+                <a:gd name="T15" fmla="*/ 50 h 1984"/>
+                <a:gd name="T16" fmla="*/ 1934 w 1984"/>
+                <a:gd name="T17" fmla="*/ 992 h 1984"/>
+                <a:gd name="T18" fmla="*/ 992 w 1984"/>
+                <a:gd name="T19" fmla="*/ 1934 h 1984"/>
+              </a:gdLst>
+              <a:ahLst/>
+              <a:cxnLst>
+                <a:cxn ang="0">
+                  <a:pos x="T0" y="T1"/>
+                </a:cxn>
+                <a:cxn ang="0">
+                  <a:pos x="T2" y="T3"/>
+                </a:cxn>
+                <a:cxn ang="0">
+                  <a:pos x="T4" y="T5"/>
+                </a:cxn>
+                <a:cxn ang="0">
+                  <a:pos x="T6" y="T7"/>
+                </a:cxn>
+                <a:cxn ang="0">
+                  <a:pos x="T8" y="T9"/>
+                </a:cxn>
+                <a:cxn ang="0">
+                  <a:pos x="T10" y="T11"/>
+                </a:cxn>
+                <a:cxn ang="0">
+                  <a:pos x="T12" y="T13"/>
+                </a:cxn>
+                <a:cxn ang="0">
+                  <a:pos x="T14" y="T15"/>
+                </a:cxn>
+                <a:cxn ang="0">
+                  <a:pos x="T16" y="T17"/>
+                </a:cxn>
+                <a:cxn ang="0">
+                  <a:pos x="T18" y="T19"/>
+                </a:cxn>
+              </a:cxnLst>
+              <a:rect l="0" t="0" r="r" b="b"/>
+              <a:pathLst>
+                <a:path w="1984" h="1984">
+                  <a:moveTo>
+                    <a:pt x="992" y="0"/>
+                  </a:moveTo>
+                  <a:cubicBezTo>
+                    <a:pt x="444" y="0"/>
+                    <a:pt x="0" y="444"/>
+                    <a:pt x="0" y="992"/>
+                  </a:cubicBezTo>
+                  <a:cubicBezTo>
+                    <a:pt x="0" y="1540"/>
+                    <a:pt x="444" y="1984"/>
+                    <a:pt x="992" y="1984"/>
+                  </a:cubicBezTo>
+                  <a:cubicBezTo>
+                    <a:pt x="1540" y="1984"/>
+                    <a:pt x="1984" y="1540"/>
+                    <a:pt x="1984" y="992"/>
+                  </a:cubicBezTo>
+                  <a:cubicBezTo>
+                    <a:pt x="1984" y="444"/>
+                    <a:pt x="1540" y="0"/>
+                    <a:pt x="992" y="0"/>
+                  </a:cubicBezTo>
+                  <a:close/>
+                  <a:moveTo>
+                    <a:pt x="992" y="1934"/>
+                  </a:moveTo>
+                  <a:cubicBezTo>
+                    <a:pt x="472" y="1934"/>
+                    <a:pt x="50" y="1512"/>
+                    <a:pt x="50" y="992"/>
+                  </a:cubicBezTo>
+                  <a:cubicBezTo>
+                    <a:pt x="50" y="472"/>
+                    <a:pt x="472" y="50"/>
+                    <a:pt x="992" y="50"/>
+                  </a:cubicBezTo>
+                  <a:cubicBezTo>
+                    <a:pt x="1512" y="50"/>
+                    <a:pt x="1934" y="472"/>
+                    <a:pt x="1934" y="992"/>
+                  </a:cubicBezTo>
+                  <a:cubicBezTo>
+                    <a:pt x="1934" y="1512"/>
+                    <a:pt x="1512" y="1934"/>
+                    <a:pt x="992" y="1934"/>
+                  </a:cubicBezTo>
+                  <a:close/>
+                </a:path>
+              </a:pathLst>
+            </a:custGeom>
+            <a:solidFill>
+              <a:srgbClr val="D32E2E"/>
+            </a:solidFill>
+            <a:ln>
+              <a:noFill/>
+            </a:ln>
+            <a:extLst>
+              <a:ext uri="{91240B29-F687-4F45-9708-019B960494DF}">
+                <a14:hiddenLine xmlns:a14="http://schemas.microsoft.com/office/drawing/2010/main" w="9525">
+                  <a:solidFill>
+                    <a:srgbClr val="000000"/>
+                  </a:solidFill>
+                  <a:round/>
+                  <a:headEnd/>
+                  <a:tailEnd/>
+                </a14:hiddenLine>
+              </a:ext>
+            </a:extLst>
+          </p:spPr>
+          <p:txBody>
+            <a:bodyPr vert="horz" wrap="square" lIns="91440" tIns="45720" rIns="91440" bIns="45720" numCol="1" anchor="t" anchorCtr="0" compatLnSpc="1">
+              <a:prstTxWarp prst="textNoShape">
+                <a:avLst/>
+              </a:prstTxWarp>
+            </a:bodyPr>
+            <a:lstStyle/>
+            <a:p>
+              <a:pPr marL="0" marR="0" lvl="0" indent="0" defTabSz="914400" eaLnBrk="1" fontAlgn="auto" latinLnBrk="0" hangingPunct="1">
+                <a:lnSpc>
+                  <a:spcPct val="100000"/>
+                </a:lnSpc>
+                <a:spcBef>
+                  <a:spcPts val="0"/>
+                </a:spcBef>
+                <a:spcAft>
+                  <a:spcPts val="0"/>
+                </a:spcAft>
+                <a:buClrTx/>
+                <a:buSzTx/>
+                <a:buFontTx/>
+                <a:buNone/>
+                <a:tabLst/>
+                <a:defRPr/>
+              </a:pPr>
+              <a:endParaRPr kumimoji="0" lang="en-US" sz="1800" b="0" i="0" u="none" strike="noStrike" kern="0" cap="none" spc="0" normalizeH="0" baseline="0" noProof="0" smtClean="0">
+                <a:ln>
+                  <a:noFill/>
+                </a:ln>
+                <a:solidFill>
+                  <a:prstClr val="black"/>
+                </a:solidFill>
+                <a:effectLst/>
+                <a:uLnTx/>
+                <a:uFillTx/>
+                <a:latin typeface="Century Gothic"/>
+              </a:endParaRPr>
+            </a:p>
+          </p:txBody>
+        </p:sp>
+      </p:grpSp>
+      <p:pic>
+        <p:nvPicPr>
+          <p:cNvPr id="11" name="Picture 10"/>
+          <p:cNvPicPr>
+            <a:picLocks noChangeAspect="1"/>
+          </p:cNvPicPr>
+          <p:nvPr/>
+        </p:nvPicPr>
+        <p:blipFill>
+          <a:blip r:embed="rId3" cstate="print">
+            <a:extLst>
+              <a:ext uri="{28A0092B-C50C-407E-A947-70E740481C1C}">
+                <a14:useLocalDpi xmlns:a14="http://schemas.microsoft.com/office/drawing/2010/main" val="0"/>
+              </a:ext>
+            </a:extLst>
+          </a:blip>
+          <a:stretch>
+            <a:fillRect/>
+          </a:stretch>
+        </p:blipFill>
+        <p:spPr>
+          <a:xfrm>
+            <a:off x="440872" y="337461"/>
+            <a:ext cx="1096280" cy="1096280"/>
           </a:xfrm>
           <a:prstGeom prst="rect">
             <a:avLst/>
           </a:prstGeom>
+        </p:spPr>
+      </p:pic>
+    </p:spTree>
+    <p:extLst>
+      <p:ext uri="{BB962C8B-B14F-4D97-AF65-F5344CB8AC3E}">
+        <p14:creationId xmlns:p14="http://schemas.microsoft.com/office/powerpoint/2010/main" val="1267835365"/>
+      </p:ext>
+    </p:extLst>
+  </p:cSld>
+  <p:clrMapOvr>
+    <a:masterClrMapping/>
+  </p:clrMapOvr>
+  <mc:AlternateContent xmlns:mc="http://schemas.openxmlformats.org/markup-compatibility/2006" xmlns:p14="http://schemas.microsoft.com/office/powerpoint/2010/main">
+    <mc:Choice Requires="p14">
+      <p:transition spd="med" p14:dur="700">
+        <p:fade/>
+      </p:transition>
+    </mc:Choice>
+    <mc:Fallback xmlns="">
+      <p:transition spd="med">
+        <p:fade/>
+      </p:transition>
+    </mc:Fallback>
+  </mc:AlternateContent>
+  <p:timing>
+    <p:tnLst>
+      <p:par>
+        <p:cTn id="1" dur="indefinite" restart="never" nodeType="tmRoot"/>
+      </p:par>
+    </p:tnLst>
+  </p:timing>
+</p:sld>
+</file>
+
+<file path=ppt/slides/slide32.xml><?xml version="1.0" encoding="utf-8"?>
+<p:sld xmlns:a="http://schemas.openxmlformats.org/drawingml/2006/main" xmlns:r="http://schemas.openxmlformats.org/officeDocument/2006/relationships" xmlns:p="http://schemas.openxmlformats.org/presentationml/2006/main">
+  <p:cSld>
+    <p:spTree>
+      <p:nvGrpSpPr>
+        <p:cNvPr id="1" name=""/>
+        <p:cNvGrpSpPr/>
+        <p:nvPr/>
+      </p:nvGrpSpPr>
+      <p:grpSpPr>
+        <a:xfrm>
+          <a:off x="0" y="0"/>
+          <a:ext cx="0" cy="0"/>
+          <a:chOff x="0" y="0"/>
+          <a:chExt cx="0" cy="0"/>
+        </a:xfrm>
+      </p:grpSpPr>
+      <p:pic>
+        <p:nvPicPr>
+          <p:cNvPr id="5" name="Picture 4"/>
+          <p:cNvPicPr>
+            <a:picLocks noChangeAspect="1"/>
+          </p:cNvPicPr>
+          <p:nvPr/>
+        </p:nvPicPr>
+        <p:blipFill>
+          <a:blip r:embed="rId2">
+            <a:extLst>
+              <a:ext uri="{28A0092B-C50C-407E-A947-70E740481C1C}">
+                <a14:useLocalDpi xmlns:a14="http://schemas.microsoft.com/office/drawing/2010/main" val="0"/>
+              </a:ext>
+            </a:extLst>
+          </a:blip>
+          <a:stretch>
+            <a:fillRect/>
+          </a:stretch>
+        </p:blipFill>
+        <p:spPr>
+          <a:xfrm>
+            <a:off x="912812" y="990600"/>
+            <a:ext cx="4074553" cy="5156200"/>
+          </a:xfrm>
+          <a:prstGeom prst="snip2DiagRect">
+            <a:avLst/>
+          </a:prstGeom>
+          <a:solidFill>
+            <a:srgbClr val="FFFFFF">
+              <a:shade val="85000"/>
+            </a:srgbClr>
+          </a:solidFill>
+          <a:ln w="88900" cap="sq">
+            <a:solidFill>
+              <a:srgbClr val="FFFFFF"/>
+            </a:solidFill>
+            <a:miter lim="800000"/>
+          </a:ln>
+          <a:effectLst>
+            <a:outerShdw blurRad="88900" algn="tl" rotWithShape="0">
+              <a:srgbClr val="000000">
+                <a:alpha val="45000"/>
+              </a:srgbClr>
+            </a:outerShdw>
+          </a:effectLst>
+          <a:scene3d>
+            <a:camera prst="orthographicFront"/>
+            <a:lightRig rig="twoPt" dir="t">
+              <a:rot lat="0" lon="0" rev="7200000"/>
+            </a:lightRig>
+          </a:scene3d>
+          <a:sp3d>
+            <a:bevelT w="25400" h="19050"/>
+            <a:contourClr>
+              <a:srgbClr val="FFFFFF"/>
+            </a:contourClr>
+          </a:sp3d>
         </p:spPr>
       </p:pic>
       <p:grpSp>
@@ -26755,7 +27406,7 @@
     </p:spTree>
     <p:extLst>
       <p:ext uri="{BB962C8B-B14F-4D97-AF65-F5344CB8AC3E}">
-        <p14:creationId xmlns:p14="http://schemas.microsoft.com/office/powerpoint/2010/main" val="4093703996"/>
+        <p14:creationId xmlns:p14="http://schemas.microsoft.com/office/powerpoint/2010/main" val="2468439599"/>
       </p:ext>
     </p:extLst>
   </p:cSld>
@@ -26774,10 +27425,17 @@
       </p:transition>
     </mc:Fallback>
   </mc:AlternateContent>
+  <p:timing>
+    <p:tnLst>
+      <p:par>
+        <p:cTn id="1" dur="indefinite" restart="never" nodeType="tmRoot"/>
+      </p:par>
+    </p:tnLst>
+  </p:timing>
 </p:sld>
 </file>
 
-<file path=ppt/slides/slide32.xml><?xml version="1.0" encoding="utf-8"?>
+<file path=ppt/slides/slide33.xml><?xml version="1.0" encoding="utf-8"?>
 <p:sld xmlns:a="http://schemas.openxmlformats.org/drawingml/2006/main" xmlns:r="http://schemas.openxmlformats.org/officeDocument/2006/relationships" xmlns:p="http://schemas.openxmlformats.org/presentationml/2006/main">
   <p:cSld>
     <p:spTree>
@@ -26794,47 +27452,9 @@
           <a:chExt cx="0" cy="0"/>
         </a:xfrm>
       </p:grpSpPr>
-      <p:sp>
-        <p:nvSpPr>
-          <p:cNvPr id="2" name="Title 1"/>
-          <p:cNvSpPr>
-            <a:spLocks noGrp="1"/>
-          </p:cNvSpPr>
-          <p:nvPr>
-            <p:ph type="title"/>
-          </p:nvPr>
-        </p:nvSpPr>
-        <p:spPr/>
-        <p:txBody>
-          <a:bodyPr/>
-          <a:lstStyle/>
-          <a:p>
-            <a:endParaRPr lang="en-US"/>
-          </a:p>
-        </p:txBody>
-      </p:sp>
-      <p:sp>
-        <p:nvSpPr>
-          <p:cNvPr id="4" name="Text Placeholder 3"/>
-          <p:cNvSpPr>
-            <a:spLocks noGrp="1"/>
-          </p:cNvSpPr>
-          <p:nvPr>
-            <p:ph type="body" sz="half" idx="2"/>
-          </p:nvPr>
-        </p:nvSpPr>
-        <p:spPr/>
-        <p:txBody>
-          <a:bodyPr/>
-          <a:lstStyle/>
-          <a:p>
-            <a:endParaRPr lang="en-US"/>
-          </a:p>
-        </p:txBody>
-      </p:sp>
       <p:pic>
         <p:nvPicPr>
-          <p:cNvPr id="6" name="Picture 5"/>
+          <p:cNvPr id="5" name="Picture 4"/>
           <p:cNvPicPr>
             <a:picLocks noChangeAspect="1"/>
           </p:cNvPicPr>
@@ -26854,12 +27474,42 @@
         </p:blipFill>
         <p:spPr>
           <a:xfrm>
-            <a:off x="1522412" y="838200"/>
-            <a:ext cx="4121856" cy="5257800"/>
+            <a:off x="861395" y="990600"/>
+            <a:ext cx="3947318" cy="5098619"/>
           </a:xfrm>
-          <a:prstGeom prst="rect">
+          <a:prstGeom prst="snip2DiagRect">
             <a:avLst/>
           </a:prstGeom>
+          <a:solidFill>
+            <a:srgbClr val="FFFFFF">
+              <a:shade val="85000"/>
+            </a:srgbClr>
+          </a:solidFill>
+          <a:ln w="88900" cap="sq">
+            <a:solidFill>
+              <a:srgbClr val="FFFFFF"/>
+            </a:solidFill>
+            <a:miter lim="800000"/>
+          </a:ln>
+          <a:effectLst>
+            <a:outerShdw blurRad="88900" algn="tl" rotWithShape="0">
+              <a:srgbClr val="000000">
+                <a:alpha val="45000"/>
+              </a:srgbClr>
+            </a:outerShdw>
+          </a:effectLst>
+          <a:scene3d>
+            <a:camera prst="orthographicFront"/>
+            <a:lightRig rig="twoPt" dir="t">
+              <a:rot lat="0" lon="0" rev="7200000"/>
+            </a:lightRig>
+          </a:scene3d>
+          <a:sp3d>
+            <a:bevelT w="25400" h="19050"/>
+            <a:contourClr>
+              <a:srgbClr val="FFFFFF"/>
+            </a:contourClr>
+          </a:sp3d>
         </p:spPr>
       </p:pic>
       <p:grpSp>
@@ -27279,7 +27929,7 @@
     </p:spTree>
     <p:extLst>
       <p:ext uri="{BB962C8B-B14F-4D97-AF65-F5344CB8AC3E}">
-        <p14:creationId xmlns:p14="http://schemas.microsoft.com/office/powerpoint/2010/main" val="3688736325"/>
+        <p14:creationId xmlns:p14="http://schemas.microsoft.com/office/powerpoint/2010/main" val="1531684239"/>
       </p:ext>
     </p:extLst>
   </p:cSld>
@@ -27298,6 +27948,3151 @@
       </p:transition>
     </mc:Fallback>
   </mc:AlternateContent>
+  <p:timing>
+    <p:tnLst>
+      <p:par>
+        <p:cTn id="1" dur="indefinite" restart="never" nodeType="tmRoot"/>
+      </p:par>
+    </p:tnLst>
+  </p:timing>
+</p:sld>
+</file>
+
+<file path=ppt/slides/slide34.xml><?xml version="1.0" encoding="utf-8"?>
+<p:sld xmlns:a="http://schemas.openxmlformats.org/drawingml/2006/main" xmlns:r="http://schemas.openxmlformats.org/officeDocument/2006/relationships" xmlns:p="http://schemas.openxmlformats.org/presentationml/2006/main">
+  <p:cSld>
+    <p:spTree>
+      <p:nvGrpSpPr>
+        <p:cNvPr id="1" name=""/>
+        <p:cNvGrpSpPr/>
+        <p:nvPr/>
+      </p:nvGrpSpPr>
+      <p:grpSpPr>
+        <a:xfrm>
+          <a:off x="0" y="0"/>
+          <a:ext cx="0" cy="0"/>
+          <a:chOff x="0" y="0"/>
+          <a:chExt cx="0" cy="0"/>
+        </a:xfrm>
+      </p:grpSpPr>
+      <p:pic>
+        <p:nvPicPr>
+          <p:cNvPr id="5" name="Picture 4"/>
+          <p:cNvPicPr>
+            <a:picLocks noChangeAspect="1"/>
+          </p:cNvPicPr>
+          <p:nvPr/>
+        </p:nvPicPr>
+        <p:blipFill>
+          <a:blip r:embed="rId2">
+            <a:extLst>
+              <a:ext uri="{28A0092B-C50C-407E-A947-70E740481C1C}">
+                <a14:useLocalDpi xmlns:a14="http://schemas.microsoft.com/office/drawing/2010/main" val="0"/>
+              </a:ext>
+            </a:extLst>
+          </a:blip>
+          <a:stretch>
+            <a:fillRect/>
+          </a:stretch>
+        </p:blipFill>
+        <p:spPr>
+          <a:xfrm>
+            <a:off x="863394" y="885601"/>
+            <a:ext cx="3870481" cy="5222077"/>
+          </a:xfrm>
+          <a:prstGeom prst="snip2DiagRect">
+            <a:avLst/>
+          </a:prstGeom>
+          <a:solidFill>
+            <a:srgbClr val="FFFFFF">
+              <a:shade val="85000"/>
+            </a:srgbClr>
+          </a:solidFill>
+          <a:ln w="88900" cap="sq">
+            <a:solidFill>
+              <a:srgbClr val="FFFFFF"/>
+            </a:solidFill>
+            <a:miter lim="800000"/>
+          </a:ln>
+          <a:effectLst>
+            <a:outerShdw blurRad="88900" algn="tl" rotWithShape="0">
+              <a:srgbClr val="000000">
+                <a:alpha val="45000"/>
+              </a:srgbClr>
+            </a:outerShdw>
+          </a:effectLst>
+          <a:scene3d>
+            <a:camera prst="orthographicFront"/>
+            <a:lightRig rig="twoPt" dir="t">
+              <a:rot lat="0" lon="0" rev="7200000"/>
+            </a:lightRig>
+          </a:scene3d>
+          <a:sp3d>
+            <a:bevelT w="25400" h="19050"/>
+            <a:contourClr>
+              <a:srgbClr val="FFFFFF"/>
+            </a:contourClr>
+          </a:sp3d>
+        </p:spPr>
+      </p:pic>
+      <p:grpSp>
+        <p:nvGrpSpPr>
+          <p:cNvPr id="7" name="Group 6"/>
+          <p:cNvGrpSpPr/>
+          <p:nvPr/>
+        </p:nvGrpSpPr>
+        <p:grpSpPr>
+          <a:xfrm>
+            <a:off x="308258" y="227525"/>
+            <a:ext cx="1361508" cy="1330443"/>
+            <a:chOff x="2657475" y="1044575"/>
+            <a:chExt cx="4900613" cy="4900613"/>
+          </a:xfrm>
+          <a:solidFill>
+            <a:sysClr val="window" lastClr="FFFFFF"/>
+          </a:solidFill>
+        </p:grpSpPr>
+        <p:sp>
+          <p:nvSpPr>
+            <p:cNvPr id="8" name="Freeform 7"/>
+            <p:cNvSpPr>
+              <a:spLocks noEditPoints="1"/>
+            </p:cNvSpPr>
+            <p:nvPr/>
+          </p:nvSpPr>
+          <p:spPr bwMode="auto">
+            <a:xfrm>
+              <a:off x="2865438" y="1252538"/>
+              <a:ext cx="4484688" cy="4484688"/>
+            </a:xfrm>
+            <a:custGeom>
+              <a:avLst/>
+              <a:gdLst>
+                <a:gd name="T0" fmla="*/ 908 w 1816"/>
+                <a:gd name="T1" fmla="*/ 0 h 1816"/>
+                <a:gd name="T2" fmla="*/ 0 w 1816"/>
+                <a:gd name="T3" fmla="*/ 908 h 1816"/>
+                <a:gd name="T4" fmla="*/ 908 w 1816"/>
+                <a:gd name="T5" fmla="*/ 1816 h 1816"/>
+                <a:gd name="T6" fmla="*/ 1816 w 1816"/>
+                <a:gd name="T7" fmla="*/ 908 h 1816"/>
+                <a:gd name="T8" fmla="*/ 908 w 1816"/>
+                <a:gd name="T9" fmla="*/ 0 h 1816"/>
+                <a:gd name="T10" fmla="*/ 908 w 1816"/>
+                <a:gd name="T11" fmla="*/ 1798 h 1816"/>
+                <a:gd name="T12" fmla="*/ 18 w 1816"/>
+                <a:gd name="T13" fmla="*/ 908 h 1816"/>
+                <a:gd name="T14" fmla="*/ 908 w 1816"/>
+                <a:gd name="T15" fmla="*/ 18 h 1816"/>
+                <a:gd name="T16" fmla="*/ 1798 w 1816"/>
+                <a:gd name="T17" fmla="*/ 908 h 1816"/>
+                <a:gd name="T18" fmla="*/ 908 w 1816"/>
+                <a:gd name="T19" fmla="*/ 1798 h 1816"/>
+              </a:gdLst>
+              <a:ahLst/>
+              <a:cxnLst>
+                <a:cxn ang="0">
+                  <a:pos x="T0" y="T1"/>
+                </a:cxn>
+                <a:cxn ang="0">
+                  <a:pos x="T2" y="T3"/>
+                </a:cxn>
+                <a:cxn ang="0">
+                  <a:pos x="T4" y="T5"/>
+                </a:cxn>
+                <a:cxn ang="0">
+                  <a:pos x="T6" y="T7"/>
+                </a:cxn>
+                <a:cxn ang="0">
+                  <a:pos x="T8" y="T9"/>
+                </a:cxn>
+                <a:cxn ang="0">
+                  <a:pos x="T10" y="T11"/>
+                </a:cxn>
+                <a:cxn ang="0">
+                  <a:pos x="T12" y="T13"/>
+                </a:cxn>
+                <a:cxn ang="0">
+                  <a:pos x="T14" y="T15"/>
+                </a:cxn>
+                <a:cxn ang="0">
+                  <a:pos x="T16" y="T17"/>
+                </a:cxn>
+                <a:cxn ang="0">
+                  <a:pos x="T18" y="T19"/>
+                </a:cxn>
+              </a:cxnLst>
+              <a:rect l="0" t="0" r="r" b="b"/>
+              <a:pathLst>
+                <a:path w="1816" h="1816">
+                  <a:moveTo>
+                    <a:pt x="908" y="0"/>
+                  </a:moveTo>
+                  <a:cubicBezTo>
+                    <a:pt x="407" y="0"/>
+                    <a:pt x="0" y="407"/>
+                    <a:pt x="0" y="908"/>
+                  </a:cubicBezTo>
+                  <a:cubicBezTo>
+                    <a:pt x="0" y="1409"/>
+                    <a:pt x="407" y="1816"/>
+                    <a:pt x="908" y="1816"/>
+                  </a:cubicBezTo>
+                  <a:cubicBezTo>
+                    <a:pt x="1409" y="1816"/>
+                    <a:pt x="1816" y="1409"/>
+                    <a:pt x="1816" y="908"/>
+                  </a:cubicBezTo>
+                  <a:cubicBezTo>
+                    <a:pt x="1816" y="407"/>
+                    <a:pt x="1409" y="0"/>
+                    <a:pt x="908" y="0"/>
+                  </a:cubicBezTo>
+                  <a:close/>
+                  <a:moveTo>
+                    <a:pt x="908" y="1798"/>
+                  </a:moveTo>
+                  <a:cubicBezTo>
+                    <a:pt x="416" y="1798"/>
+                    <a:pt x="18" y="1400"/>
+                    <a:pt x="18" y="908"/>
+                  </a:cubicBezTo>
+                  <a:cubicBezTo>
+                    <a:pt x="18" y="416"/>
+                    <a:pt x="416" y="18"/>
+                    <a:pt x="908" y="18"/>
+                  </a:cubicBezTo>
+                  <a:cubicBezTo>
+                    <a:pt x="1400" y="18"/>
+                    <a:pt x="1798" y="416"/>
+                    <a:pt x="1798" y="908"/>
+                  </a:cubicBezTo>
+                  <a:cubicBezTo>
+                    <a:pt x="1798" y="1400"/>
+                    <a:pt x="1400" y="1798"/>
+                    <a:pt x="908" y="1798"/>
+                  </a:cubicBezTo>
+                  <a:close/>
+                </a:path>
+              </a:pathLst>
+            </a:custGeom>
+            <a:solidFill>
+              <a:srgbClr val="D32E2E"/>
+            </a:solidFill>
+            <a:ln>
+              <a:noFill/>
+            </a:ln>
+            <a:extLst>
+              <a:ext uri="{91240B29-F687-4F45-9708-019B960494DF}">
+                <a14:hiddenLine xmlns:a14="http://schemas.microsoft.com/office/drawing/2010/main" w="9525">
+                  <a:solidFill>
+                    <a:srgbClr val="000000"/>
+                  </a:solidFill>
+                  <a:round/>
+                  <a:headEnd/>
+                  <a:tailEnd/>
+                </a14:hiddenLine>
+              </a:ext>
+            </a:extLst>
+          </p:spPr>
+          <p:txBody>
+            <a:bodyPr vert="horz" wrap="square" lIns="91440" tIns="45720" rIns="91440" bIns="45720" numCol="1" anchor="t" anchorCtr="0" compatLnSpc="1">
+              <a:prstTxWarp prst="textNoShape">
+                <a:avLst/>
+              </a:prstTxWarp>
+            </a:bodyPr>
+            <a:lstStyle/>
+            <a:p>
+              <a:pPr marL="0" marR="0" lvl="0" indent="0" defTabSz="914400" eaLnBrk="1" fontAlgn="auto" latinLnBrk="0" hangingPunct="1">
+                <a:lnSpc>
+                  <a:spcPct val="100000"/>
+                </a:lnSpc>
+                <a:spcBef>
+                  <a:spcPts val="0"/>
+                </a:spcBef>
+                <a:spcAft>
+                  <a:spcPts val="0"/>
+                </a:spcAft>
+                <a:buClrTx/>
+                <a:buSzTx/>
+                <a:buFontTx/>
+                <a:buNone/>
+                <a:tabLst/>
+                <a:defRPr/>
+              </a:pPr>
+              <a:endParaRPr kumimoji="0" lang="en-US" sz="1800" b="0" i="0" u="none" strike="noStrike" kern="0" cap="none" spc="0" normalizeH="0" baseline="0" noProof="0" smtClean="0">
+                <a:ln>
+                  <a:noFill/>
+                </a:ln>
+                <a:solidFill>
+                  <a:prstClr val="black"/>
+                </a:solidFill>
+                <a:effectLst/>
+                <a:uLnTx/>
+                <a:uFillTx/>
+                <a:latin typeface="Century Gothic"/>
+              </a:endParaRPr>
+            </a:p>
+          </p:txBody>
+        </p:sp>
+        <p:sp>
+          <p:nvSpPr>
+            <p:cNvPr id="9" name="Freeform 8"/>
+            <p:cNvSpPr>
+              <a:spLocks noEditPoints="1"/>
+            </p:cNvSpPr>
+            <p:nvPr/>
+          </p:nvSpPr>
+          <p:spPr bwMode="auto">
+            <a:xfrm>
+              <a:off x="2657475" y="1044575"/>
+              <a:ext cx="4900613" cy="4900613"/>
+            </a:xfrm>
+            <a:custGeom>
+              <a:avLst/>
+              <a:gdLst>
+                <a:gd name="T0" fmla="*/ 992 w 1984"/>
+                <a:gd name="T1" fmla="*/ 0 h 1984"/>
+                <a:gd name="T2" fmla="*/ 0 w 1984"/>
+                <a:gd name="T3" fmla="*/ 992 h 1984"/>
+                <a:gd name="T4" fmla="*/ 992 w 1984"/>
+                <a:gd name="T5" fmla="*/ 1984 h 1984"/>
+                <a:gd name="T6" fmla="*/ 1984 w 1984"/>
+                <a:gd name="T7" fmla="*/ 992 h 1984"/>
+                <a:gd name="T8" fmla="*/ 992 w 1984"/>
+                <a:gd name="T9" fmla="*/ 0 h 1984"/>
+                <a:gd name="T10" fmla="*/ 992 w 1984"/>
+                <a:gd name="T11" fmla="*/ 1934 h 1984"/>
+                <a:gd name="T12" fmla="*/ 50 w 1984"/>
+                <a:gd name="T13" fmla="*/ 992 h 1984"/>
+                <a:gd name="T14" fmla="*/ 992 w 1984"/>
+                <a:gd name="T15" fmla="*/ 50 h 1984"/>
+                <a:gd name="T16" fmla="*/ 1934 w 1984"/>
+                <a:gd name="T17" fmla="*/ 992 h 1984"/>
+                <a:gd name="T18" fmla="*/ 992 w 1984"/>
+                <a:gd name="T19" fmla="*/ 1934 h 1984"/>
+              </a:gdLst>
+              <a:ahLst/>
+              <a:cxnLst>
+                <a:cxn ang="0">
+                  <a:pos x="T0" y="T1"/>
+                </a:cxn>
+                <a:cxn ang="0">
+                  <a:pos x="T2" y="T3"/>
+                </a:cxn>
+                <a:cxn ang="0">
+                  <a:pos x="T4" y="T5"/>
+                </a:cxn>
+                <a:cxn ang="0">
+                  <a:pos x="T6" y="T7"/>
+                </a:cxn>
+                <a:cxn ang="0">
+                  <a:pos x="T8" y="T9"/>
+                </a:cxn>
+                <a:cxn ang="0">
+                  <a:pos x="T10" y="T11"/>
+                </a:cxn>
+                <a:cxn ang="0">
+                  <a:pos x="T12" y="T13"/>
+                </a:cxn>
+                <a:cxn ang="0">
+                  <a:pos x="T14" y="T15"/>
+                </a:cxn>
+                <a:cxn ang="0">
+                  <a:pos x="T16" y="T17"/>
+                </a:cxn>
+                <a:cxn ang="0">
+                  <a:pos x="T18" y="T19"/>
+                </a:cxn>
+              </a:cxnLst>
+              <a:rect l="0" t="0" r="r" b="b"/>
+              <a:pathLst>
+                <a:path w="1984" h="1984">
+                  <a:moveTo>
+                    <a:pt x="992" y="0"/>
+                  </a:moveTo>
+                  <a:cubicBezTo>
+                    <a:pt x="444" y="0"/>
+                    <a:pt x="0" y="444"/>
+                    <a:pt x="0" y="992"/>
+                  </a:cubicBezTo>
+                  <a:cubicBezTo>
+                    <a:pt x="0" y="1540"/>
+                    <a:pt x="444" y="1984"/>
+                    <a:pt x="992" y="1984"/>
+                  </a:cubicBezTo>
+                  <a:cubicBezTo>
+                    <a:pt x="1540" y="1984"/>
+                    <a:pt x="1984" y="1540"/>
+                    <a:pt x="1984" y="992"/>
+                  </a:cubicBezTo>
+                  <a:cubicBezTo>
+                    <a:pt x="1984" y="444"/>
+                    <a:pt x="1540" y="0"/>
+                    <a:pt x="992" y="0"/>
+                  </a:cubicBezTo>
+                  <a:close/>
+                  <a:moveTo>
+                    <a:pt x="992" y="1934"/>
+                  </a:moveTo>
+                  <a:cubicBezTo>
+                    <a:pt x="472" y="1934"/>
+                    <a:pt x="50" y="1512"/>
+                    <a:pt x="50" y="992"/>
+                  </a:cubicBezTo>
+                  <a:cubicBezTo>
+                    <a:pt x="50" y="472"/>
+                    <a:pt x="472" y="50"/>
+                    <a:pt x="992" y="50"/>
+                  </a:cubicBezTo>
+                  <a:cubicBezTo>
+                    <a:pt x="1512" y="50"/>
+                    <a:pt x="1934" y="472"/>
+                    <a:pt x="1934" y="992"/>
+                  </a:cubicBezTo>
+                  <a:cubicBezTo>
+                    <a:pt x="1934" y="1512"/>
+                    <a:pt x="1512" y="1934"/>
+                    <a:pt x="992" y="1934"/>
+                  </a:cubicBezTo>
+                  <a:close/>
+                </a:path>
+              </a:pathLst>
+            </a:custGeom>
+            <a:solidFill>
+              <a:srgbClr val="D32E2E"/>
+            </a:solidFill>
+            <a:ln>
+              <a:noFill/>
+            </a:ln>
+            <a:extLst>
+              <a:ext uri="{91240B29-F687-4F45-9708-019B960494DF}">
+                <a14:hiddenLine xmlns:a14="http://schemas.microsoft.com/office/drawing/2010/main" w="9525">
+                  <a:solidFill>
+                    <a:srgbClr val="000000"/>
+                  </a:solidFill>
+                  <a:round/>
+                  <a:headEnd/>
+                  <a:tailEnd/>
+                </a14:hiddenLine>
+              </a:ext>
+            </a:extLst>
+          </p:spPr>
+          <p:txBody>
+            <a:bodyPr vert="horz" wrap="square" lIns="91440" tIns="45720" rIns="91440" bIns="45720" numCol="1" anchor="t" anchorCtr="0" compatLnSpc="1">
+              <a:prstTxWarp prst="textNoShape">
+                <a:avLst/>
+              </a:prstTxWarp>
+            </a:bodyPr>
+            <a:lstStyle/>
+            <a:p>
+              <a:pPr marL="0" marR="0" lvl="0" indent="0" defTabSz="914400" eaLnBrk="1" fontAlgn="auto" latinLnBrk="0" hangingPunct="1">
+                <a:lnSpc>
+                  <a:spcPct val="100000"/>
+                </a:lnSpc>
+                <a:spcBef>
+                  <a:spcPts val="0"/>
+                </a:spcBef>
+                <a:spcAft>
+                  <a:spcPts val="0"/>
+                </a:spcAft>
+                <a:buClrTx/>
+                <a:buSzTx/>
+                <a:buFontTx/>
+                <a:buNone/>
+                <a:tabLst/>
+                <a:defRPr/>
+              </a:pPr>
+              <a:endParaRPr kumimoji="0" lang="en-US" sz="1800" b="0" i="0" u="none" strike="noStrike" kern="0" cap="none" spc="0" normalizeH="0" baseline="0" noProof="0" smtClean="0">
+                <a:ln>
+                  <a:noFill/>
+                </a:ln>
+                <a:solidFill>
+                  <a:prstClr val="black"/>
+                </a:solidFill>
+                <a:effectLst/>
+                <a:uLnTx/>
+                <a:uFillTx/>
+                <a:latin typeface="Century Gothic"/>
+              </a:endParaRPr>
+            </a:p>
+          </p:txBody>
+        </p:sp>
+      </p:grpSp>
+      <p:pic>
+        <p:nvPicPr>
+          <p:cNvPr id="10" name="Picture 9"/>
+          <p:cNvPicPr>
+            <a:picLocks noChangeAspect="1"/>
+          </p:cNvPicPr>
+          <p:nvPr/>
+        </p:nvPicPr>
+        <p:blipFill>
+          <a:blip r:embed="rId3" cstate="print">
+            <a:extLst>
+              <a:ext uri="{28A0092B-C50C-407E-A947-70E740481C1C}">
+                <a14:useLocalDpi xmlns:a14="http://schemas.microsoft.com/office/drawing/2010/main" val="0"/>
+              </a:ext>
+            </a:extLst>
+          </a:blip>
+          <a:stretch>
+            <a:fillRect/>
+          </a:stretch>
+        </p:blipFill>
+        <p:spPr>
+          <a:xfrm>
+            <a:off x="440872" y="337461"/>
+            <a:ext cx="1096280" cy="1096280"/>
+          </a:xfrm>
+          <a:prstGeom prst="rect">
+            <a:avLst/>
+          </a:prstGeom>
+        </p:spPr>
+      </p:pic>
+    </p:spTree>
+    <p:extLst>
+      <p:ext uri="{BB962C8B-B14F-4D97-AF65-F5344CB8AC3E}">
+        <p14:creationId xmlns:p14="http://schemas.microsoft.com/office/powerpoint/2010/main" val="1693039930"/>
+      </p:ext>
+    </p:extLst>
+  </p:cSld>
+  <p:clrMapOvr>
+    <a:masterClrMapping/>
+  </p:clrMapOvr>
+  <mc:AlternateContent xmlns:mc="http://schemas.openxmlformats.org/markup-compatibility/2006" xmlns:p14="http://schemas.microsoft.com/office/powerpoint/2010/main">
+    <mc:Choice Requires="p14">
+      <p:transition spd="med" p14:dur="700">
+        <p:fade/>
+      </p:transition>
+    </mc:Choice>
+    <mc:Fallback xmlns="">
+      <p:transition spd="med">
+        <p:fade/>
+      </p:transition>
+    </mc:Fallback>
+  </mc:AlternateContent>
+  <p:timing>
+    <p:tnLst>
+      <p:par>
+        <p:cTn id="1" dur="indefinite" restart="never" nodeType="tmRoot"/>
+      </p:par>
+    </p:tnLst>
+  </p:timing>
+</p:sld>
+</file>
+
+<file path=ppt/slides/slide35.xml><?xml version="1.0" encoding="utf-8"?>
+<p:sld xmlns:a="http://schemas.openxmlformats.org/drawingml/2006/main" xmlns:r="http://schemas.openxmlformats.org/officeDocument/2006/relationships" xmlns:p="http://schemas.openxmlformats.org/presentationml/2006/main">
+  <p:cSld>
+    <p:spTree>
+      <p:nvGrpSpPr>
+        <p:cNvPr id="1" name=""/>
+        <p:cNvGrpSpPr/>
+        <p:nvPr/>
+      </p:nvGrpSpPr>
+      <p:grpSpPr>
+        <a:xfrm>
+          <a:off x="0" y="0"/>
+          <a:ext cx="0" cy="0"/>
+          <a:chOff x="0" y="0"/>
+          <a:chExt cx="0" cy="0"/>
+        </a:xfrm>
+      </p:grpSpPr>
+      <p:pic>
+        <p:nvPicPr>
+          <p:cNvPr id="5" name="Picture 4"/>
+          <p:cNvPicPr>
+            <a:picLocks noChangeAspect="1"/>
+          </p:cNvPicPr>
+          <p:nvPr/>
+        </p:nvPicPr>
+        <p:blipFill>
+          <a:blip r:embed="rId2">
+            <a:extLst>
+              <a:ext uri="{28A0092B-C50C-407E-A947-70E740481C1C}">
+                <a14:useLocalDpi xmlns:a14="http://schemas.microsoft.com/office/drawing/2010/main" val="0"/>
+              </a:ext>
+            </a:extLst>
+          </a:blip>
+          <a:stretch>
+            <a:fillRect/>
+          </a:stretch>
+        </p:blipFill>
+        <p:spPr>
+          <a:xfrm>
+            <a:off x="826032" y="914517"/>
+            <a:ext cx="3919432" cy="5239662"/>
+          </a:xfrm>
+          <a:prstGeom prst="snip2DiagRect">
+            <a:avLst/>
+          </a:prstGeom>
+          <a:solidFill>
+            <a:srgbClr val="FFFFFF">
+              <a:shade val="85000"/>
+            </a:srgbClr>
+          </a:solidFill>
+          <a:ln w="88900" cap="sq">
+            <a:solidFill>
+              <a:srgbClr val="FFFFFF"/>
+            </a:solidFill>
+            <a:miter lim="800000"/>
+          </a:ln>
+          <a:effectLst>
+            <a:outerShdw blurRad="88900" algn="tl" rotWithShape="0">
+              <a:srgbClr val="000000">
+                <a:alpha val="45000"/>
+              </a:srgbClr>
+            </a:outerShdw>
+          </a:effectLst>
+          <a:scene3d>
+            <a:camera prst="orthographicFront"/>
+            <a:lightRig rig="twoPt" dir="t">
+              <a:rot lat="0" lon="0" rev="7200000"/>
+            </a:lightRig>
+          </a:scene3d>
+          <a:sp3d>
+            <a:bevelT w="25400" h="19050"/>
+            <a:contourClr>
+              <a:srgbClr val="FFFFFF"/>
+            </a:contourClr>
+          </a:sp3d>
+        </p:spPr>
+      </p:pic>
+      <p:grpSp>
+        <p:nvGrpSpPr>
+          <p:cNvPr id="7" name="Group 6"/>
+          <p:cNvGrpSpPr/>
+          <p:nvPr/>
+        </p:nvGrpSpPr>
+        <p:grpSpPr>
+          <a:xfrm>
+            <a:off x="308258" y="227525"/>
+            <a:ext cx="1361508" cy="1330443"/>
+            <a:chOff x="2657475" y="1044575"/>
+            <a:chExt cx="4900613" cy="4900613"/>
+          </a:xfrm>
+          <a:solidFill>
+            <a:sysClr val="window" lastClr="FFFFFF"/>
+          </a:solidFill>
+        </p:grpSpPr>
+        <p:sp>
+          <p:nvSpPr>
+            <p:cNvPr id="8" name="Freeform 7"/>
+            <p:cNvSpPr>
+              <a:spLocks noEditPoints="1"/>
+            </p:cNvSpPr>
+            <p:nvPr/>
+          </p:nvSpPr>
+          <p:spPr bwMode="auto">
+            <a:xfrm>
+              <a:off x="2865438" y="1252538"/>
+              <a:ext cx="4484688" cy="4484688"/>
+            </a:xfrm>
+            <a:custGeom>
+              <a:avLst/>
+              <a:gdLst>
+                <a:gd name="T0" fmla="*/ 908 w 1816"/>
+                <a:gd name="T1" fmla="*/ 0 h 1816"/>
+                <a:gd name="T2" fmla="*/ 0 w 1816"/>
+                <a:gd name="T3" fmla="*/ 908 h 1816"/>
+                <a:gd name="T4" fmla="*/ 908 w 1816"/>
+                <a:gd name="T5" fmla="*/ 1816 h 1816"/>
+                <a:gd name="T6" fmla="*/ 1816 w 1816"/>
+                <a:gd name="T7" fmla="*/ 908 h 1816"/>
+                <a:gd name="T8" fmla="*/ 908 w 1816"/>
+                <a:gd name="T9" fmla="*/ 0 h 1816"/>
+                <a:gd name="T10" fmla="*/ 908 w 1816"/>
+                <a:gd name="T11" fmla="*/ 1798 h 1816"/>
+                <a:gd name="T12" fmla="*/ 18 w 1816"/>
+                <a:gd name="T13" fmla="*/ 908 h 1816"/>
+                <a:gd name="T14" fmla="*/ 908 w 1816"/>
+                <a:gd name="T15" fmla="*/ 18 h 1816"/>
+                <a:gd name="T16" fmla="*/ 1798 w 1816"/>
+                <a:gd name="T17" fmla="*/ 908 h 1816"/>
+                <a:gd name="T18" fmla="*/ 908 w 1816"/>
+                <a:gd name="T19" fmla="*/ 1798 h 1816"/>
+              </a:gdLst>
+              <a:ahLst/>
+              <a:cxnLst>
+                <a:cxn ang="0">
+                  <a:pos x="T0" y="T1"/>
+                </a:cxn>
+                <a:cxn ang="0">
+                  <a:pos x="T2" y="T3"/>
+                </a:cxn>
+                <a:cxn ang="0">
+                  <a:pos x="T4" y="T5"/>
+                </a:cxn>
+                <a:cxn ang="0">
+                  <a:pos x="T6" y="T7"/>
+                </a:cxn>
+                <a:cxn ang="0">
+                  <a:pos x="T8" y="T9"/>
+                </a:cxn>
+                <a:cxn ang="0">
+                  <a:pos x="T10" y="T11"/>
+                </a:cxn>
+                <a:cxn ang="0">
+                  <a:pos x="T12" y="T13"/>
+                </a:cxn>
+                <a:cxn ang="0">
+                  <a:pos x="T14" y="T15"/>
+                </a:cxn>
+                <a:cxn ang="0">
+                  <a:pos x="T16" y="T17"/>
+                </a:cxn>
+                <a:cxn ang="0">
+                  <a:pos x="T18" y="T19"/>
+                </a:cxn>
+              </a:cxnLst>
+              <a:rect l="0" t="0" r="r" b="b"/>
+              <a:pathLst>
+                <a:path w="1816" h="1816">
+                  <a:moveTo>
+                    <a:pt x="908" y="0"/>
+                  </a:moveTo>
+                  <a:cubicBezTo>
+                    <a:pt x="407" y="0"/>
+                    <a:pt x="0" y="407"/>
+                    <a:pt x="0" y="908"/>
+                  </a:cubicBezTo>
+                  <a:cubicBezTo>
+                    <a:pt x="0" y="1409"/>
+                    <a:pt x="407" y="1816"/>
+                    <a:pt x="908" y="1816"/>
+                  </a:cubicBezTo>
+                  <a:cubicBezTo>
+                    <a:pt x="1409" y="1816"/>
+                    <a:pt x="1816" y="1409"/>
+                    <a:pt x="1816" y="908"/>
+                  </a:cubicBezTo>
+                  <a:cubicBezTo>
+                    <a:pt x="1816" y="407"/>
+                    <a:pt x="1409" y="0"/>
+                    <a:pt x="908" y="0"/>
+                  </a:cubicBezTo>
+                  <a:close/>
+                  <a:moveTo>
+                    <a:pt x="908" y="1798"/>
+                  </a:moveTo>
+                  <a:cubicBezTo>
+                    <a:pt x="416" y="1798"/>
+                    <a:pt x="18" y="1400"/>
+                    <a:pt x="18" y="908"/>
+                  </a:cubicBezTo>
+                  <a:cubicBezTo>
+                    <a:pt x="18" y="416"/>
+                    <a:pt x="416" y="18"/>
+                    <a:pt x="908" y="18"/>
+                  </a:cubicBezTo>
+                  <a:cubicBezTo>
+                    <a:pt x="1400" y="18"/>
+                    <a:pt x="1798" y="416"/>
+                    <a:pt x="1798" y="908"/>
+                  </a:cubicBezTo>
+                  <a:cubicBezTo>
+                    <a:pt x="1798" y="1400"/>
+                    <a:pt x="1400" y="1798"/>
+                    <a:pt x="908" y="1798"/>
+                  </a:cubicBezTo>
+                  <a:close/>
+                </a:path>
+              </a:pathLst>
+            </a:custGeom>
+            <a:solidFill>
+              <a:srgbClr val="D32E2E"/>
+            </a:solidFill>
+            <a:ln>
+              <a:noFill/>
+            </a:ln>
+            <a:extLst>
+              <a:ext uri="{91240B29-F687-4F45-9708-019B960494DF}">
+                <a14:hiddenLine xmlns:a14="http://schemas.microsoft.com/office/drawing/2010/main" w="9525">
+                  <a:solidFill>
+                    <a:srgbClr val="000000"/>
+                  </a:solidFill>
+                  <a:round/>
+                  <a:headEnd/>
+                  <a:tailEnd/>
+                </a14:hiddenLine>
+              </a:ext>
+            </a:extLst>
+          </p:spPr>
+          <p:txBody>
+            <a:bodyPr vert="horz" wrap="square" lIns="91440" tIns="45720" rIns="91440" bIns="45720" numCol="1" anchor="t" anchorCtr="0" compatLnSpc="1">
+              <a:prstTxWarp prst="textNoShape">
+                <a:avLst/>
+              </a:prstTxWarp>
+            </a:bodyPr>
+            <a:lstStyle/>
+            <a:p>
+              <a:pPr marL="0" marR="0" lvl="0" indent="0" defTabSz="914400" eaLnBrk="1" fontAlgn="auto" latinLnBrk="0" hangingPunct="1">
+                <a:lnSpc>
+                  <a:spcPct val="100000"/>
+                </a:lnSpc>
+                <a:spcBef>
+                  <a:spcPts val="0"/>
+                </a:spcBef>
+                <a:spcAft>
+                  <a:spcPts val="0"/>
+                </a:spcAft>
+                <a:buClrTx/>
+                <a:buSzTx/>
+                <a:buFontTx/>
+                <a:buNone/>
+                <a:tabLst/>
+                <a:defRPr/>
+              </a:pPr>
+              <a:endParaRPr kumimoji="0" lang="en-US" sz="1800" b="0" i="0" u="none" strike="noStrike" kern="0" cap="none" spc="0" normalizeH="0" baseline="0" noProof="0" smtClean="0">
+                <a:ln>
+                  <a:noFill/>
+                </a:ln>
+                <a:solidFill>
+                  <a:prstClr val="black"/>
+                </a:solidFill>
+                <a:effectLst/>
+                <a:uLnTx/>
+                <a:uFillTx/>
+                <a:latin typeface="Century Gothic"/>
+              </a:endParaRPr>
+            </a:p>
+          </p:txBody>
+        </p:sp>
+        <p:sp>
+          <p:nvSpPr>
+            <p:cNvPr id="9" name="Freeform 8"/>
+            <p:cNvSpPr>
+              <a:spLocks noEditPoints="1"/>
+            </p:cNvSpPr>
+            <p:nvPr/>
+          </p:nvSpPr>
+          <p:spPr bwMode="auto">
+            <a:xfrm>
+              <a:off x="2657475" y="1044575"/>
+              <a:ext cx="4900613" cy="4900613"/>
+            </a:xfrm>
+            <a:custGeom>
+              <a:avLst/>
+              <a:gdLst>
+                <a:gd name="T0" fmla="*/ 992 w 1984"/>
+                <a:gd name="T1" fmla="*/ 0 h 1984"/>
+                <a:gd name="T2" fmla="*/ 0 w 1984"/>
+                <a:gd name="T3" fmla="*/ 992 h 1984"/>
+                <a:gd name="T4" fmla="*/ 992 w 1984"/>
+                <a:gd name="T5" fmla="*/ 1984 h 1984"/>
+                <a:gd name="T6" fmla="*/ 1984 w 1984"/>
+                <a:gd name="T7" fmla="*/ 992 h 1984"/>
+                <a:gd name="T8" fmla="*/ 992 w 1984"/>
+                <a:gd name="T9" fmla="*/ 0 h 1984"/>
+                <a:gd name="T10" fmla="*/ 992 w 1984"/>
+                <a:gd name="T11" fmla="*/ 1934 h 1984"/>
+                <a:gd name="T12" fmla="*/ 50 w 1984"/>
+                <a:gd name="T13" fmla="*/ 992 h 1984"/>
+                <a:gd name="T14" fmla="*/ 992 w 1984"/>
+                <a:gd name="T15" fmla="*/ 50 h 1984"/>
+                <a:gd name="T16" fmla="*/ 1934 w 1984"/>
+                <a:gd name="T17" fmla="*/ 992 h 1984"/>
+                <a:gd name="T18" fmla="*/ 992 w 1984"/>
+                <a:gd name="T19" fmla="*/ 1934 h 1984"/>
+              </a:gdLst>
+              <a:ahLst/>
+              <a:cxnLst>
+                <a:cxn ang="0">
+                  <a:pos x="T0" y="T1"/>
+                </a:cxn>
+                <a:cxn ang="0">
+                  <a:pos x="T2" y="T3"/>
+                </a:cxn>
+                <a:cxn ang="0">
+                  <a:pos x="T4" y="T5"/>
+                </a:cxn>
+                <a:cxn ang="0">
+                  <a:pos x="T6" y="T7"/>
+                </a:cxn>
+                <a:cxn ang="0">
+                  <a:pos x="T8" y="T9"/>
+                </a:cxn>
+                <a:cxn ang="0">
+                  <a:pos x="T10" y="T11"/>
+                </a:cxn>
+                <a:cxn ang="0">
+                  <a:pos x="T12" y="T13"/>
+                </a:cxn>
+                <a:cxn ang="0">
+                  <a:pos x="T14" y="T15"/>
+                </a:cxn>
+                <a:cxn ang="0">
+                  <a:pos x="T16" y="T17"/>
+                </a:cxn>
+                <a:cxn ang="0">
+                  <a:pos x="T18" y="T19"/>
+                </a:cxn>
+              </a:cxnLst>
+              <a:rect l="0" t="0" r="r" b="b"/>
+              <a:pathLst>
+                <a:path w="1984" h="1984">
+                  <a:moveTo>
+                    <a:pt x="992" y="0"/>
+                  </a:moveTo>
+                  <a:cubicBezTo>
+                    <a:pt x="444" y="0"/>
+                    <a:pt x="0" y="444"/>
+                    <a:pt x="0" y="992"/>
+                  </a:cubicBezTo>
+                  <a:cubicBezTo>
+                    <a:pt x="0" y="1540"/>
+                    <a:pt x="444" y="1984"/>
+                    <a:pt x="992" y="1984"/>
+                  </a:cubicBezTo>
+                  <a:cubicBezTo>
+                    <a:pt x="1540" y="1984"/>
+                    <a:pt x="1984" y="1540"/>
+                    <a:pt x="1984" y="992"/>
+                  </a:cubicBezTo>
+                  <a:cubicBezTo>
+                    <a:pt x="1984" y="444"/>
+                    <a:pt x="1540" y="0"/>
+                    <a:pt x="992" y="0"/>
+                  </a:cubicBezTo>
+                  <a:close/>
+                  <a:moveTo>
+                    <a:pt x="992" y="1934"/>
+                  </a:moveTo>
+                  <a:cubicBezTo>
+                    <a:pt x="472" y="1934"/>
+                    <a:pt x="50" y="1512"/>
+                    <a:pt x="50" y="992"/>
+                  </a:cubicBezTo>
+                  <a:cubicBezTo>
+                    <a:pt x="50" y="472"/>
+                    <a:pt x="472" y="50"/>
+                    <a:pt x="992" y="50"/>
+                  </a:cubicBezTo>
+                  <a:cubicBezTo>
+                    <a:pt x="1512" y="50"/>
+                    <a:pt x="1934" y="472"/>
+                    <a:pt x="1934" y="992"/>
+                  </a:cubicBezTo>
+                  <a:cubicBezTo>
+                    <a:pt x="1934" y="1512"/>
+                    <a:pt x="1512" y="1934"/>
+                    <a:pt x="992" y="1934"/>
+                  </a:cubicBezTo>
+                  <a:close/>
+                </a:path>
+              </a:pathLst>
+            </a:custGeom>
+            <a:solidFill>
+              <a:srgbClr val="D32E2E"/>
+            </a:solidFill>
+            <a:ln>
+              <a:noFill/>
+            </a:ln>
+            <a:extLst>
+              <a:ext uri="{91240B29-F687-4F45-9708-019B960494DF}">
+                <a14:hiddenLine xmlns:a14="http://schemas.microsoft.com/office/drawing/2010/main" w="9525">
+                  <a:solidFill>
+                    <a:srgbClr val="000000"/>
+                  </a:solidFill>
+                  <a:round/>
+                  <a:headEnd/>
+                  <a:tailEnd/>
+                </a14:hiddenLine>
+              </a:ext>
+            </a:extLst>
+          </p:spPr>
+          <p:txBody>
+            <a:bodyPr vert="horz" wrap="square" lIns="91440" tIns="45720" rIns="91440" bIns="45720" numCol="1" anchor="t" anchorCtr="0" compatLnSpc="1">
+              <a:prstTxWarp prst="textNoShape">
+                <a:avLst/>
+              </a:prstTxWarp>
+            </a:bodyPr>
+            <a:lstStyle/>
+            <a:p>
+              <a:pPr marL="0" marR="0" lvl="0" indent="0" defTabSz="914400" eaLnBrk="1" fontAlgn="auto" latinLnBrk="0" hangingPunct="1">
+                <a:lnSpc>
+                  <a:spcPct val="100000"/>
+                </a:lnSpc>
+                <a:spcBef>
+                  <a:spcPts val="0"/>
+                </a:spcBef>
+                <a:spcAft>
+                  <a:spcPts val="0"/>
+                </a:spcAft>
+                <a:buClrTx/>
+                <a:buSzTx/>
+                <a:buFontTx/>
+                <a:buNone/>
+                <a:tabLst/>
+                <a:defRPr/>
+              </a:pPr>
+              <a:endParaRPr kumimoji="0" lang="en-US" sz="1800" b="0" i="0" u="none" strike="noStrike" kern="0" cap="none" spc="0" normalizeH="0" baseline="0" noProof="0" smtClean="0">
+                <a:ln>
+                  <a:noFill/>
+                </a:ln>
+                <a:solidFill>
+                  <a:prstClr val="black"/>
+                </a:solidFill>
+                <a:effectLst/>
+                <a:uLnTx/>
+                <a:uFillTx/>
+                <a:latin typeface="Century Gothic"/>
+              </a:endParaRPr>
+            </a:p>
+          </p:txBody>
+        </p:sp>
+      </p:grpSp>
+      <p:pic>
+        <p:nvPicPr>
+          <p:cNvPr id="10" name="Picture 9"/>
+          <p:cNvPicPr>
+            <a:picLocks noChangeAspect="1"/>
+          </p:cNvPicPr>
+          <p:nvPr/>
+        </p:nvPicPr>
+        <p:blipFill>
+          <a:blip r:embed="rId3" cstate="print">
+            <a:extLst>
+              <a:ext uri="{28A0092B-C50C-407E-A947-70E740481C1C}">
+                <a14:useLocalDpi xmlns:a14="http://schemas.microsoft.com/office/drawing/2010/main" val="0"/>
+              </a:ext>
+            </a:extLst>
+          </a:blip>
+          <a:stretch>
+            <a:fillRect/>
+          </a:stretch>
+        </p:blipFill>
+        <p:spPr>
+          <a:xfrm>
+            <a:off x="440872" y="337461"/>
+            <a:ext cx="1096280" cy="1096280"/>
+          </a:xfrm>
+          <a:prstGeom prst="rect">
+            <a:avLst/>
+          </a:prstGeom>
+        </p:spPr>
+      </p:pic>
+    </p:spTree>
+    <p:extLst>
+      <p:ext uri="{BB962C8B-B14F-4D97-AF65-F5344CB8AC3E}">
+        <p14:creationId xmlns:p14="http://schemas.microsoft.com/office/powerpoint/2010/main" val="2936400555"/>
+      </p:ext>
+    </p:extLst>
+  </p:cSld>
+  <p:clrMapOvr>
+    <a:masterClrMapping/>
+  </p:clrMapOvr>
+  <mc:AlternateContent xmlns:mc="http://schemas.openxmlformats.org/markup-compatibility/2006" xmlns:p14="http://schemas.microsoft.com/office/powerpoint/2010/main">
+    <mc:Choice Requires="p14">
+      <p:transition spd="med" p14:dur="700">
+        <p:fade/>
+      </p:transition>
+    </mc:Choice>
+    <mc:Fallback xmlns="">
+      <p:transition spd="med">
+        <p:fade/>
+      </p:transition>
+    </mc:Fallback>
+  </mc:AlternateContent>
+  <p:timing>
+    <p:tnLst>
+      <p:par>
+        <p:cTn id="1" dur="indefinite" restart="never" nodeType="tmRoot"/>
+      </p:par>
+    </p:tnLst>
+  </p:timing>
+</p:sld>
+</file>
+
+<file path=ppt/slides/slide36.xml><?xml version="1.0" encoding="utf-8"?>
+<p:sld xmlns:a="http://schemas.openxmlformats.org/drawingml/2006/main" xmlns:r="http://schemas.openxmlformats.org/officeDocument/2006/relationships" xmlns:p="http://schemas.openxmlformats.org/presentationml/2006/main">
+  <p:cSld>
+    <p:spTree>
+      <p:nvGrpSpPr>
+        <p:cNvPr id="1" name=""/>
+        <p:cNvGrpSpPr/>
+        <p:nvPr/>
+      </p:nvGrpSpPr>
+      <p:grpSpPr>
+        <a:xfrm>
+          <a:off x="0" y="0"/>
+          <a:ext cx="0" cy="0"/>
+          <a:chOff x="0" y="0"/>
+          <a:chExt cx="0" cy="0"/>
+        </a:xfrm>
+      </p:grpSpPr>
+      <p:pic>
+        <p:nvPicPr>
+          <p:cNvPr id="6" name="Picture 5"/>
+          <p:cNvPicPr>
+            <a:picLocks noChangeAspect="1"/>
+          </p:cNvPicPr>
+          <p:nvPr/>
+        </p:nvPicPr>
+        <p:blipFill>
+          <a:blip r:embed="rId2">
+            <a:extLst>
+              <a:ext uri="{28A0092B-C50C-407E-A947-70E740481C1C}">
+                <a14:useLocalDpi xmlns:a14="http://schemas.microsoft.com/office/drawing/2010/main" val="0"/>
+              </a:ext>
+            </a:extLst>
+          </a:blip>
+          <a:stretch>
+            <a:fillRect/>
+          </a:stretch>
+        </p:blipFill>
+        <p:spPr>
+          <a:xfrm>
+            <a:off x="844381" y="892746"/>
+            <a:ext cx="3964332" cy="5057588"/>
+          </a:xfrm>
+          <a:prstGeom prst="snip2DiagRect">
+            <a:avLst/>
+          </a:prstGeom>
+          <a:solidFill>
+            <a:srgbClr val="FFFFFF">
+              <a:shade val="85000"/>
+            </a:srgbClr>
+          </a:solidFill>
+          <a:ln w="88900" cap="sq">
+            <a:solidFill>
+              <a:srgbClr val="FFFFFF"/>
+            </a:solidFill>
+            <a:miter lim="800000"/>
+          </a:ln>
+          <a:effectLst>
+            <a:outerShdw blurRad="88900" algn="tl" rotWithShape="0">
+              <a:srgbClr val="000000">
+                <a:alpha val="45000"/>
+              </a:srgbClr>
+            </a:outerShdw>
+          </a:effectLst>
+          <a:scene3d>
+            <a:camera prst="orthographicFront"/>
+            <a:lightRig rig="twoPt" dir="t">
+              <a:rot lat="0" lon="0" rev="7200000"/>
+            </a:lightRig>
+          </a:scene3d>
+          <a:sp3d>
+            <a:bevelT w="25400" h="19050"/>
+            <a:contourClr>
+              <a:srgbClr val="FFFFFF"/>
+            </a:contourClr>
+          </a:sp3d>
+        </p:spPr>
+      </p:pic>
+      <p:grpSp>
+        <p:nvGrpSpPr>
+          <p:cNvPr id="7" name="Group 6"/>
+          <p:cNvGrpSpPr/>
+          <p:nvPr/>
+        </p:nvGrpSpPr>
+        <p:grpSpPr>
+          <a:xfrm>
+            <a:off x="308258" y="227525"/>
+            <a:ext cx="1361508" cy="1330443"/>
+            <a:chOff x="2657475" y="1044575"/>
+            <a:chExt cx="4900613" cy="4900613"/>
+          </a:xfrm>
+          <a:solidFill>
+            <a:sysClr val="window" lastClr="FFFFFF"/>
+          </a:solidFill>
+        </p:grpSpPr>
+        <p:sp>
+          <p:nvSpPr>
+            <p:cNvPr id="8" name="Freeform 7"/>
+            <p:cNvSpPr>
+              <a:spLocks noEditPoints="1"/>
+            </p:cNvSpPr>
+            <p:nvPr/>
+          </p:nvSpPr>
+          <p:spPr bwMode="auto">
+            <a:xfrm>
+              <a:off x="2865438" y="1252538"/>
+              <a:ext cx="4484688" cy="4484688"/>
+            </a:xfrm>
+            <a:custGeom>
+              <a:avLst/>
+              <a:gdLst>
+                <a:gd name="T0" fmla="*/ 908 w 1816"/>
+                <a:gd name="T1" fmla="*/ 0 h 1816"/>
+                <a:gd name="T2" fmla="*/ 0 w 1816"/>
+                <a:gd name="T3" fmla="*/ 908 h 1816"/>
+                <a:gd name="T4" fmla="*/ 908 w 1816"/>
+                <a:gd name="T5" fmla="*/ 1816 h 1816"/>
+                <a:gd name="T6" fmla="*/ 1816 w 1816"/>
+                <a:gd name="T7" fmla="*/ 908 h 1816"/>
+                <a:gd name="T8" fmla="*/ 908 w 1816"/>
+                <a:gd name="T9" fmla="*/ 0 h 1816"/>
+                <a:gd name="T10" fmla="*/ 908 w 1816"/>
+                <a:gd name="T11" fmla="*/ 1798 h 1816"/>
+                <a:gd name="T12" fmla="*/ 18 w 1816"/>
+                <a:gd name="T13" fmla="*/ 908 h 1816"/>
+                <a:gd name="T14" fmla="*/ 908 w 1816"/>
+                <a:gd name="T15" fmla="*/ 18 h 1816"/>
+                <a:gd name="T16" fmla="*/ 1798 w 1816"/>
+                <a:gd name="T17" fmla="*/ 908 h 1816"/>
+                <a:gd name="T18" fmla="*/ 908 w 1816"/>
+                <a:gd name="T19" fmla="*/ 1798 h 1816"/>
+              </a:gdLst>
+              <a:ahLst/>
+              <a:cxnLst>
+                <a:cxn ang="0">
+                  <a:pos x="T0" y="T1"/>
+                </a:cxn>
+                <a:cxn ang="0">
+                  <a:pos x="T2" y="T3"/>
+                </a:cxn>
+                <a:cxn ang="0">
+                  <a:pos x="T4" y="T5"/>
+                </a:cxn>
+                <a:cxn ang="0">
+                  <a:pos x="T6" y="T7"/>
+                </a:cxn>
+                <a:cxn ang="0">
+                  <a:pos x="T8" y="T9"/>
+                </a:cxn>
+                <a:cxn ang="0">
+                  <a:pos x="T10" y="T11"/>
+                </a:cxn>
+                <a:cxn ang="0">
+                  <a:pos x="T12" y="T13"/>
+                </a:cxn>
+                <a:cxn ang="0">
+                  <a:pos x="T14" y="T15"/>
+                </a:cxn>
+                <a:cxn ang="0">
+                  <a:pos x="T16" y="T17"/>
+                </a:cxn>
+                <a:cxn ang="0">
+                  <a:pos x="T18" y="T19"/>
+                </a:cxn>
+              </a:cxnLst>
+              <a:rect l="0" t="0" r="r" b="b"/>
+              <a:pathLst>
+                <a:path w="1816" h="1816">
+                  <a:moveTo>
+                    <a:pt x="908" y="0"/>
+                  </a:moveTo>
+                  <a:cubicBezTo>
+                    <a:pt x="407" y="0"/>
+                    <a:pt x="0" y="407"/>
+                    <a:pt x="0" y="908"/>
+                  </a:cubicBezTo>
+                  <a:cubicBezTo>
+                    <a:pt x="0" y="1409"/>
+                    <a:pt x="407" y="1816"/>
+                    <a:pt x="908" y="1816"/>
+                  </a:cubicBezTo>
+                  <a:cubicBezTo>
+                    <a:pt x="1409" y="1816"/>
+                    <a:pt x="1816" y="1409"/>
+                    <a:pt x="1816" y="908"/>
+                  </a:cubicBezTo>
+                  <a:cubicBezTo>
+                    <a:pt x="1816" y="407"/>
+                    <a:pt x="1409" y="0"/>
+                    <a:pt x="908" y="0"/>
+                  </a:cubicBezTo>
+                  <a:close/>
+                  <a:moveTo>
+                    <a:pt x="908" y="1798"/>
+                  </a:moveTo>
+                  <a:cubicBezTo>
+                    <a:pt x="416" y="1798"/>
+                    <a:pt x="18" y="1400"/>
+                    <a:pt x="18" y="908"/>
+                  </a:cubicBezTo>
+                  <a:cubicBezTo>
+                    <a:pt x="18" y="416"/>
+                    <a:pt x="416" y="18"/>
+                    <a:pt x="908" y="18"/>
+                  </a:cubicBezTo>
+                  <a:cubicBezTo>
+                    <a:pt x="1400" y="18"/>
+                    <a:pt x="1798" y="416"/>
+                    <a:pt x="1798" y="908"/>
+                  </a:cubicBezTo>
+                  <a:cubicBezTo>
+                    <a:pt x="1798" y="1400"/>
+                    <a:pt x="1400" y="1798"/>
+                    <a:pt x="908" y="1798"/>
+                  </a:cubicBezTo>
+                  <a:close/>
+                </a:path>
+              </a:pathLst>
+            </a:custGeom>
+            <a:solidFill>
+              <a:srgbClr val="D32E2E"/>
+            </a:solidFill>
+            <a:ln>
+              <a:noFill/>
+            </a:ln>
+            <a:extLst>
+              <a:ext uri="{91240B29-F687-4F45-9708-019B960494DF}">
+                <a14:hiddenLine xmlns:a14="http://schemas.microsoft.com/office/drawing/2010/main" w="9525">
+                  <a:solidFill>
+                    <a:srgbClr val="000000"/>
+                  </a:solidFill>
+                  <a:round/>
+                  <a:headEnd/>
+                  <a:tailEnd/>
+                </a14:hiddenLine>
+              </a:ext>
+            </a:extLst>
+          </p:spPr>
+          <p:txBody>
+            <a:bodyPr vert="horz" wrap="square" lIns="91440" tIns="45720" rIns="91440" bIns="45720" numCol="1" anchor="t" anchorCtr="0" compatLnSpc="1">
+              <a:prstTxWarp prst="textNoShape">
+                <a:avLst/>
+              </a:prstTxWarp>
+            </a:bodyPr>
+            <a:lstStyle/>
+            <a:p>
+              <a:pPr marL="0" marR="0" lvl="0" indent="0" defTabSz="914400" eaLnBrk="1" fontAlgn="auto" latinLnBrk="0" hangingPunct="1">
+                <a:lnSpc>
+                  <a:spcPct val="100000"/>
+                </a:lnSpc>
+                <a:spcBef>
+                  <a:spcPts val="0"/>
+                </a:spcBef>
+                <a:spcAft>
+                  <a:spcPts val="0"/>
+                </a:spcAft>
+                <a:buClrTx/>
+                <a:buSzTx/>
+                <a:buFontTx/>
+                <a:buNone/>
+                <a:tabLst/>
+                <a:defRPr/>
+              </a:pPr>
+              <a:endParaRPr kumimoji="0" lang="en-US" sz="1800" b="0" i="0" u="none" strike="noStrike" kern="0" cap="none" spc="0" normalizeH="0" baseline="0" noProof="0" smtClean="0">
+                <a:ln>
+                  <a:noFill/>
+                </a:ln>
+                <a:solidFill>
+                  <a:prstClr val="black"/>
+                </a:solidFill>
+                <a:effectLst/>
+                <a:uLnTx/>
+                <a:uFillTx/>
+                <a:latin typeface="Century Gothic"/>
+              </a:endParaRPr>
+            </a:p>
+          </p:txBody>
+        </p:sp>
+        <p:sp>
+          <p:nvSpPr>
+            <p:cNvPr id="9" name="Freeform 8"/>
+            <p:cNvSpPr>
+              <a:spLocks noEditPoints="1"/>
+            </p:cNvSpPr>
+            <p:nvPr/>
+          </p:nvSpPr>
+          <p:spPr bwMode="auto">
+            <a:xfrm>
+              <a:off x="2657475" y="1044575"/>
+              <a:ext cx="4900613" cy="4900613"/>
+            </a:xfrm>
+            <a:custGeom>
+              <a:avLst/>
+              <a:gdLst>
+                <a:gd name="T0" fmla="*/ 992 w 1984"/>
+                <a:gd name="T1" fmla="*/ 0 h 1984"/>
+                <a:gd name="T2" fmla="*/ 0 w 1984"/>
+                <a:gd name="T3" fmla="*/ 992 h 1984"/>
+                <a:gd name="T4" fmla="*/ 992 w 1984"/>
+                <a:gd name="T5" fmla="*/ 1984 h 1984"/>
+                <a:gd name="T6" fmla="*/ 1984 w 1984"/>
+                <a:gd name="T7" fmla="*/ 992 h 1984"/>
+                <a:gd name="T8" fmla="*/ 992 w 1984"/>
+                <a:gd name="T9" fmla="*/ 0 h 1984"/>
+                <a:gd name="T10" fmla="*/ 992 w 1984"/>
+                <a:gd name="T11" fmla="*/ 1934 h 1984"/>
+                <a:gd name="T12" fmla="*/ 50 w 1984"/>
+                <a:gd name="T13" fmla="*/ 992 h 1984"/>
+                <a:gd name="T14" fmla="*/ 992 w 1984"/>
+                <a:gd name="T15" fmla="*/ 50 h 1984"/>
+                <a:gd name="T16" fmla="*/ 1934 w 1984"/>
+                <a:gd name="T17" fmla="*/ 992 h 1984"/>
+                <a:gd name="T18" fmla="*/ 992 w 1984"/>
+                <a:gd name="T19" fmla="*/ 1934 h 1984"/>
+              </a:gdLst>
+              <a:ahLst/>
+              <a:cxnLst>
+                <a:cxn ang="0">
+                  <a:pos x="T0" y="T1"/>
+                </a:cxn>
+                <a:cxn ang="0">
+                  <a:pos x="T2" y="T3"/>
+                </a:cxn>
+                <a:cxn ang="0">
+                  <a:pos x="T4" y="T5"/>
+                </a:cxn>
+                <a:cxn ang="0">
+                  <a:pos x="T6" y="T7"/>
+                </a:cxn>
+                <a:cxn ang="0">
+                  <a:pos x="T8" y="T9"/>
+                </a:cxn>
+                <a:cxn ang="0">
+                  <a:pos x="T10" y="T11"/>
+                </a:cxn>
+                <a:cxn ang="0">
+                  <a:pos x="T12" y="T13"/>
+                </a:cxn>
+                <a:cxn ang="0">
+                  <a:pos x="T14" y="T15"/>
+                </a:cxn>
+                <a:cxn ang="0">
+                  <a:pos x="T16" y="T17"/>
+                </a:cxn>
+                <a:cxn ang="0">
+                  <a:pos x="T18" y="T19"/>
+                </a:cxn>
+              </a:cxnLst>
+              <a:rect l="0" t="0" r="r" b="b"/>
+              <a:pathLst>
+                <a:path w="1984" h="1984">
+                  <a:moveTo>
+                    <a:pt x="992" y="0"/>
+                  </a:moveTo>
+                  <a:cubicBezTo>
+                    <a:pt x="444" y="0"/>
+                    <a:pt x="0" y="444"/>
+                    <a:pt x="0" y="992"/>
+                  </a:cubicBezTo>
+                  <a:cubicBezTo>
+                    <a:pt x="0" y="1540"/>
+                    <a:pt x="444" y="1984"/>
+                    <a:pt x="992" y="1984"/>
+                  </a:cubicBezTo>
+                  <a:cubicBezTo>
+                    <a:pt x="1540" y="1984"/>
+                    <a:pt x="1984" y="1540"/>
+                    <a:pt x="1984" y="992"/>
+                  </a:cubicBezTo>
+                  <a:cubicBezTo>
+                    <a:pt x="1984" y="444"/>
+                    <a:pt x="1540" y="0"/>
+                    <a:pt x="992" y="0"/>
+                  </a:cubicBezTo>
+                  <a:close/>
+                  <a:moveTo>
+                    <a:pt x="992" y="1934"/>
+                  </a:moveTo>
+                  <a:cubicBezTo>
+                    <a:pt x="472" y="1934"/>
+                    <a:pt x="50" y="1512"/>
+                    <a:pt x="50" y="992"/>
+                  </a:cubicBezTo>
+                  <a:cubicBezTo>
+                    <a:pt x="50" y="472"/>
+                    <a:pt x="472" y="50"/>
+                    <a:pt x="992" y="50"/>
+                  </a:cubicBezTo>
+                  <a:cubicBezTo>
+                    <a:pt x="1512" y="50"/>
+                    <a:pt x="1934" y="472"/>
+                    <a:pt x="1934" y="992"/>
+                  </a:cubicBezTo>
+                  <a:cubicBezTo>
+                    <a:pt x="1934" y="1512"/>
+                    <a:pt x="1512" y="1934"/>
+                    <a:pt x="992" y="1934"/>
+                  </a:cubicBezTo>
+                  <a:close/>
+                </a:path>
+              </a:pathLst>
+            </a:custGeom>
+            <a:solidFill>
+              <a:srgbClr val="D32E2E"/>
+            </a:solidFill>
+            <a:ln>
+              <a:noFill/>
+            </a:ln>
+            <a:extLst>
+              <a:ext uri="{91240B29-F687-4F45-9708-019B960494DF}">
+                <a14:hiddenLine xmlns:a14="http://schemas.microsoft.com/office/drawing/2010/main" w="9525">
+                  <a:solidFill>
+                    <a:srgbClr val="000000"/>
+                  </a:solidFill>
+                  <a:round/>
+                  <a:headEnd/>
+                  <a:tailEnd/>
+                </a14:hiddenLine>
+              </a:ext>
+            </a:extLst>
+          </p:spPr>
+          <p:txBody>
+            <a:bodyPr vert="horz" wrap="square" lIns="91440" tIns="45720" rIns="91440" bIns="45720" numCol="1" anchor="t" anchorCtr="0" compatLnSpc="1">
+              <a:prstTxWarp prst="textNoShape">
+                <a:avLst/>
+              </a:prstTxWarp>
+            </a:bodyPr>
+            <a:lstStyle/>
+            <a:p>
+              <a:pPr marL="0" marR="0" lvl="0" indent="0" defTabSz="914400" eaLnBrk="1" fontAlgn="auto" latinLnBrk="0" hangingPunct="1">
+                <a:lnSpc>
+                  <a:spcPct val="100000"/>
+                </a:lnSpc>
+                <a:spcBef>
+                  <a:spcPts val="0"/>
+                </a:spcBef>
+                <a:spcAft>
+                  <a:spcPts val="0"/>
+                </a:spcAft>
+                <a:buClrTx/>
+                <a:buSzTx/>
+                <a:buFontTx/>
+                <a:buNone/>
+                <a:tabLst/>
+                <a:defRPr/>
+              </a:pPr>
+              <a:endParaRPr kumimoji="0" lang="en-US" sz="1800" b="0" i="0" u="none" strike="noStrike" kern="0" cap="none" spc="0" normalizeH="0" baseline="0" noProof="0" smtClean="0">
+                <a:ln>
+                  <a:noFill/>
+                </a:ln>
+                <a:solidFill>
+                  <a:prstClr val="black"/>
+                </a:solidFill>
+                <a:effectLst/>
+                <a:uLnTx/>
+                <a:uFillTx/>
+                <a:latin typeface="Century Gothic"/>
+              </a:endParaRPr>
+            </a:p>
+          </p:txBody>
+        </p:sp>
+      </p:grpSp>
+      <p:pic>
+        <p:nvPicPr>
+          <p:cNvPr id="10" name="Picture 9"/>
+          <p:cNvPicPr>
+            <a:picLocks noChangeAspect="1"/>
+          </p:cNvPicPr>
+          <p:nvPr/>
+        </p:nvPicPr>
+        <p:blipFill>
+          <a:blip r:embed="rId3" cstate="print">
+            <a:extLst>
+              <a:ext uri="{28A0092B-C50C-407E-A947-70E740481C1C}">
+                <a14:useLocalDpi xmlns:a14="http://schemas.microsoft.com/office/drawing/2010/main" val="0"/>
+              </a:ext>
+            </a:extLst>
+          </a:blip>
+          <a:stretch>
+            <a:fillRect/>
+          </a:stretch>
+        </p:blipFill>
+        <p:spPr>
+          <a:xfrm>
+            <a:off x="440872" y="337461"/>
+            <a:ext cx="1096280" cy="1096280"/>
+          </a:xfrm>
+          <a:prstGeom prst="rect">
+            <a:avLst/>
+          </a:prstGeom>
+        </p:spPr>
+      </p:pic>
+    </p:spTree>
+    <p:extLst>
+      <p:ext uri="{BB962C8B-B14F-4D97-AF65-F5344CB8AC3E}">
+        <p14:creationId xmlns:p14="http://schemas.microsoft.com/office/powerpoint/2010/main" val="2781426249"/>
+      </p:ext>
+    </p:extLst>
+  </p:cSld>
+  <p:clrMapOvr>
+    <a:masterClrMapping/>
+  </p:clrMapOvr>
+  <mc:AlternateContent xmlns:mc="http://schemas.openxmlformats.org/markup-compatibility/2006" xmlns:p14="http://schemas.microsoft.com/office/powerpoint/2010/main">
+    <mc:Choice Requires="p14">
+      <p:transition spd="med" p14:dur="700">
+        <p:fade/>
+      </p:transition>
+    </mc:Choice>
+    <mc:Fallback xmlns="">
+      <p:transition spd="med">
+        <p:fade/>
+      </p:transition>
+    </mc:Fallback>
+  </mc:AlternateContent>
+  <p:timing>
+    <p:tnLst>
+      <p:par>
+        <p:cTn id="1" dur="indefinite" restart="never" nodeType="tmRoot"/>
+      </p:par>
+    </p:tnLst>
+  </p:timing>
+</p:sld>
+</file>
+
+<file path=ppt/slides/slide37.xml><?xml version="1.0" encoding="utf-8"?>
+<p:sld xmlns:a="http://schemas.openxmlformats.org/drawingml/2006/main" xmlns:r="http://schemas.openxmlformats.org/officeDocument/2006/relationships" xmlns:p="http://schemas.openxmlformats.org/presentationml/2006/main">
+  <p:cSld>
+    <p:spTree>
+      <p:nvGrpSpPr>
+        <p:cNvPr id="1" name=""/>
+        <p:cNvGrpSpPr/>
+        <p:nvPr/>
+      </p:nvGrpSpPr>
+      <p:grpSpPr>
+        <a:xfrm>
+          <a:off x="0" y="0"/>
+          <a:ext cx="0" cy="0"/>
+          <a:chOff x="0" y="0"/>
+          <a:chExt cx="0" cy="0"/>
+        </a:xfrm>
+      </p:grpSpPr>
+      <p:pic>
+        <p:nvPicPr>
+          <p:cNvPr id="6" name="Picture 5"/>
+          <p:cNvPicPr>
+            <a:picLocks noChangeAspect="1"/>
+          </p:cNvPicPr>
+          <p:nvPr/>
+        </p:nvPicPr>
+        <p:blipFill>
+          <a:blip r:embed="rId2">
+            <a:extLst>
+              <a:ext uri="{28A0092B-C50C-407E-A947-70E740481C1C}">
+                <a14:useLocalDpi xmlns:a14="http://schemas.microsoft.com/office/drawing/2010/main" val="0"/>
+              </a:ext>
+            </a:extLst>
+          </a:blip>
+          <a:stretch>
+            <a:fillRect/>
+          </a:stretch>
+        </p:blipFill>
+        <p:spPr>
+          <a:xfrm>
+            <a:off x="952256" y="907986"/>
+            <a:ext cx="3914233" cy="5054600"/>
+          </a:xfrm>
+          <a:prstGeom prst="snip2DiagRect">
+            <a:avLst/>
+          </a:prstGeom>
+          <a:solidFill>
+            <a:srgbClr val="FFFFFF">
+              <a:shade val="85000"/>
+            </a:srgbClr>
+          </a:solidFill>
+          <a:ln w="88900" cap="sq">
+            <a:solidFill>
+              <a:srgbClr val="FFFFFF"/>
+            </a:solidFill>
+            <a:miter lim="800000"/>
+          </a:ln>
+          <a:effectLst>
+            <a:outerShdw blurRad="88900" algn="tl" rotWithShape="0">
+              <a:srgbClr val="000000">
+                <a:alpha val="45000"/>
+              </a:srgbClr>
+            </a:outerShdw>
+          </a:effectLst>
+          <a:scene3d>
+            <a:camera prst="orthographicFront"/>
+            <a:lightRig rig="twoPt" dir="t">
+              <a:rot lat="0" lon="0" rev="7200000"/>
+            </a:lightRig>
+          </a:scene3d>
+          <a:sp3d>
+            <a:bevelT w="25400" h="19050"/>
+            <a:contourClr>
+              <a:srgbClr val="FFFFFF"/>
+            </a:contourClr>
+          </a:sp3d>
+        </p:spPr>
+      </p:pic>
+      <p:grpSp>
+        <p:nvGrpSpPr>
+          <p:cNvPr id="7" name="Group 6"/>
+          <p:cNvGrpSpPr/>
+          <p:nvPr/>
+        </p:nvGrpSpPr>
+        <p:grpSpPr>
+          <a:xfrm>
+            <a:off x="308258" y="227525"/>
+            <a:ext cx="1361508" cy="1330443"/>
+            <a:chOff x="2657475" y="1044575"/>
+            <a:chExt cx="4900613" cy="4900613"/>
+          </a:xfrm>
+          <a:solidFill>
+            <a:sysClr val="window" lastClr="FFFFFF"/>
+          </a:solidFill>
+        </p:grpSpPr>
+        <p:sp>
+          <p:nvSpPr>
+            <p:cNvPr id="8" name="Freeform 7"/>
+            <p:cNvSpPr>
+              <a:spLocks noEditPoints="1"/>
+            </p:cNvSpPr>
+            <p:nvPr/>
+          </p:nvSpPr>
+          <p:spPr bwMode="auto">
+            <a:xfrm>
+              <a:off x="2865438" y="1252538"/>
+              <a:ext cx="4484688" cy="4484688"/>
+            </a:xfrm>
+            <a:custGeom>
+              <a:avLst/>
+              <a:gdLst>
+                <a:gd name="T0" fmla="*/ 908 w 1816"/>
+                <a:gd name="T1" fmla="*/ 0 h 1816"/>
+                <a:gd name="T2" fmla="*/ 0 w 1816"/>
+                <a:gd name="T3" fmla="*/ 908 h 1816"/>
+                <a:gd name="T4" fmla="*/ 908 w 1816"/>
+                <a:gd name="T5" fmla="*/ 1816 h 1816"/>
+                <a:gd name="T6" fmla="*/ 1816 w 1816"/>
+                <a:gd name="T7" fmla="*/ 908 h 1816"/>
+                <a:gd name="T8" fmla="*/ 908 w 1816"/>
+                <a:gd name="T9" fmla="*/ 0 h 1816"/>
+                <a:gd name="T10" fmla="*/ 908 w 1816"/>
+                <a:gd name="T11" fmla="*/ 1798 h 1816"/>
+                <a:gd name="T12" fmla="*/ 18 w 1816"/>
+                <a:gd name="T13" fmla="*/ 908 h 1816"/>
+                <a:gd name="T14" fmla="*/ 908 w 1816"/>
+                <a:gd name="T15" fmla="*/ 18 h 1816"/>
+                <a:gd name="T16" fmla="*/ 1798 w 1816"/>
+                <a:gd name="T17" fmla="*/ 908 h 1816"/>
+                <a:gd name="T18" fmla="*/ 908 w 1816"/>
+                <a:gd name="T19" fmla="*/ 1798 h 1816"/>
+              </a:gdLst>
+              <a:ahLst/>
+              <a:cxnLst>
+                <a:cxn ang="0">
+                  <a:pos x="T0" y="T1"/>
+                </a:cxn>
+                <a:cxn ang="0">
+                  <a:pos x="T2" y="T3"/>
+                </a:cxn>
+                <a:cxn ang="0">
+                  <a:pos x="T4" y="T5"/>
+                </a:cxn>
+                <a:cxn ang="0">
+                  <a:pos x="T6" y="T7"/>
+                </a:cxn>
+                <a:cxn ang="0">
+                  <a:pos x="T8" y="T9"/>
+                </a:cxn>
+                <a:cxn ang="0">
+                  <a:pos x="T10" y="T11"/>
+                </a:cxn>
+                <a:cxn ang="0">
+                  <a:pos x="T12" y="T13"/>
+                </a:cxn>
+                <a:cxn ang="0">
+                  <a:pos x="T14" y="T15"/>
+                </a:cxn>
+                <a:cxn ang="0">
+                  <a:pos x="T16" y="T17"/>
+                </a:cxn>
+                <a:cxn ang="0">
+                  <a:pos x="T18" y="T19"/>
+                </a:cxn>
+              </a:cxnLst>
+              <a:rect l="0" t="0" r="r" b="b"/>
+              <a:pathLst>
+                <a:path w="1816" h="1816">
+                  <a:moveTo>
+                    <a:pt x="908" y="0"/>
+                  </a:moveTo>
+                  <a:cubicBezTo>
+                    <a:pt x="407" y="0"/>
+                    <a:pt x="0" y="407"/>
+                    <a:pt x="0" y="908"/>
+                  </a:cubicBezTo>
+                  <a:cubicBezTo>
+                    <a:pt x="0" y="1409"/>
+                    <a:pt x="407" y="1816"/>
+                    <a:pt x="908" y="1816"/>
+                  </a:cubicBezTo>
+                  <a:cubicBezTo>
+                    <a:pt x="1409" y="1816"/>
+                    <a:pt x="1816" y="1409"/>
+                    <a:pt x="1816" y="908"/>
+                  </a:cubicBezTo>
+                  <a:cubicBezTo>
+                    <a:pt x="1816" y="407"/>
+                    <a:pt x="1409" y="0"/>
+                    <a:pt x="908" y="0"/>
+                  </a:cubicBezTo>
+                  <a:close/>
+                  <a:moveTo>
+                    <a:pt x="908" y="1798"/>
+                  </a:moveTo>
+                  <a:cubicBezTo>
+                    <a:pt x="416" y="1798"/>
+                    <a:pt x="18" y="1400"/>
+                    <a:pt x="18" y="908"/>
+                  </a:cubicBezTo>
+                  <a:cubicBezTo>
+                    <a:pt x="18" y="416"/>
+                    <a:pt x="416" y="18"/>
+                    <a:pt x="908" y="18"/>
+                  </a:cubicBezTo>
+                  <a:cubicBezTo>
+                    <a:pt x="1400" y="18"/>
+                    <a:pt x="1798" y="416"/>
+                    <a:pt x="1798" y="908"/>
+                  </a:cubicBezTo>
+                  <a:cubicBezTo>
+                    <a:pt x="1798" y="1400"/>
+                    <a:pt x="1400" y="1798"/>
+                    <a:pt x="908" y="1798"/>
+                  </a:cubicBezTo>
+                  <a:close/>
+                </a:path>
+              </a:pathLst>
+            </a:custGeom>
+            <a:solidFill>
+              <a:srgbClr val="D32E2E"/>
+            </a:solidFill>
+            <a:ln>
+              <a:noFill/>
+            </a:ln>
+            <a:extLst>
+              <a:ext uri="{91240B29-F687-4F45-9708-019B960494DF}">
+                <a14:hiddenLine xmlns:a14="http://schemas.microsoft.com/office/drawing/2010/main" w="9525">
+                  <a:solidFill>
+                    <a:srgbClr val="000000"/>
+                  </a:solidFill>
+                  <a:round/>
+                  <a:headEnd/>
+                  <a:tailEnd/>
+                </a14:hiddenLine>
+              </a:ext>
+            </a:extLst>
+          </p:spPr>
+          <p:txBody>
+            <a:bodyPr vert="horz" wrap="square" lIns="91440" tIns="45720" rIns="91440" bIns="45720" numCol="1" anchor="t" anchorCtr="0" compatLnSpc="1">
+              <a:prstTxWarp prst="textNoShape">
+                <a:avLst/>
+              </a:prstTxWarp>
+            </a:bodyPr>
+            <a:lstStyle/>
+            <a:p>
+              <a:pPr marL="0" marR="0" lvl="0" indent="0" defTabSz="914400" eaLnBrk="1" fontAlgn="auto" latinLnBrk="0" hangingPunct="1">
+                <a:lnSpc>
+                  <a:spcPct val="100000"/>
+                </a:lnSpc>
+                <a:spcBef>
+                  <a:spcPts val="0"/>
+                </a:spcBef>
+                <a:spcAft>
+                  <a:spcPts val="0"/>
+                </a:spcAft>
+                <a:buClrTx/>
+                <a:buSzTx/>
+                <a:buFontTx/>
+                <a:buNone/>
+                <a:tabLst/>
+                <a:defRPr/>
+              </a:pPr>
+              <a:endParaRPr kumimoji="0" lang="en-US" sz="1800" b="0" i="0" u="none" strike="noStrike" kern="0" cap="none" spc="0" normalizeH="0" baseline="0" noProof="0" smtClean="0">
+                <a:ln>
+                  <a:noFill/>
+                </a:ln>
+                <a:solidFill>
+                  <a:prstClr val="black"/>
+                </a:solidFill>
+                <a:effectLst/>
+                <a:uLnTx/>
+                <a:uFillTx/>
+                <a:latin typeface="Century Gothic"/>
+              </a:endParaRPr>
+            </a:p>
+          </p:txBody>
+        </p:sp>
+        <p:sp>
+          <p:nvSpPr>
+            <p:cNvPr id="9" name="Freeform 8"/>
+            <p:cNvSpPr>
+              <a:spLocks noEditPoints="1"/>
+            </p:cNvSpPr>
+            <p:nvPr/>
+          </p:nvSpPr>
+          <p:spPr bwMode="auto">
+            <a:xfrm>
+              <a:off x="2657475" y="1044575"/>
+              <a:ext cx="4900613" cy="4900613"/>
+            </a:xfrm>
+            <a:custGeom>
+              <a:avLst/>
+              <a:gdLst>
+                <a:gd name="T0" fmla="*/ 992 w 1984"/>
+                <a:gd name="T1" fmla="*/ 0 h 1984"/>
+                <a:gd name="T2" fmla="*/ 0 w 1984"/>
+                <a:gd name="T3" fmla="*/ 992 h 1984"/>
+                <a:gd name="T4" fmla="*/ 992 w 1984"/>
+                <a:gd name="T5" fmla="*/ 1984 h 1984"/>
+                <a:gd name="T6" fmla="*/ 1984 w 1984"/>
+                <a:gd name="T7" fmla="*/ 992 h 1984"/>
+                <a:gd name="T8" fmla="*/ 992 w 1984"/>
+                <a:gd name="T9" fmla="*/ 0 h 1984"/>
+                <a:gd name="T10" fmla="*/ 992 w 1984"/>
+                <a:gd name="T11" fmla="*/ 1934 h 1984"/>
+                <a:gd name="T12" fmla="*/ 50 w 1984"/>
+                <a:gd name="T13" fmla="*/ 992 h 1984"/>
+                <a:gd name="T14" fmla="*/ 992 w 1984"/>
+                <a:gd name="T15" fmla="*/ 50 h 1984"/>
+                <a:gd name="T16" fmla="*/ 1934 w 1984"/>
+                <a:gd name="T17" fmla="*/ 992 h 1984"/>
+                <a:gd name="T18" fmla="*/ 992 w 1984"/>
+                <a:gd name="T19" fmla="*/ 1934 h 1984"/>
+              </a:gdLst>
+              <a:ahLst/>
+              <a:cxnLst>
+                <a:cxn ang="0">
+                  <a:pos x="T0" y="T1"/>
+                </a:cxn>
+                <a:cxn ang="0">
+                  <a:pos x="T2" y="T3"/>
+                </a:cxn>
+                <a:cxn ang="0">
+                  <a:pos x="T4" y="T5"/>
+                </a:cxn>
+                <a:cxn ang="0">
+                  <a:pos x="T6" y="T7"/>
+                </a:cxn>
+                <a:cxn ang="0">
+                  <a:pos x="T8" y="T9"/>
+                </a:cxn>
+                <a:cxn ang="0">
+                  <a:pos x="T10" y="T11"/>
+                </a:cxn>
+                <a:cxn ang="0">
+                  <a:pos x="T12" y="T13"/>
+                </a:cxn>
+                <a:cxn ang="0">
+                  <a:pos x="T14" y="T15"/>
+                </a:cxn>
+                <a:cxn ang="0">
+                  <a:pos x="T16" y="T17"/>
+                </a:cxn>
+                <a:cxn ang="0">
+                  <a:pos x="T18" y="T19"/>
+                </a:cxn>
+              </a:cxnLst>
+              <a:rect l="0" t="0" r="r" b="b"/>
+              <a:pathLst>
+                <a:path w="1984" h="1984">
+                  <a:moveTo>
+                    <a:pt x="992" y="0"/>
+                  </a:moveTo>
+                  <a:cubicBezTo>
+                    <a:pt x="444" y="0"/>
+                    <a:pt x="0" y="444"/>
+                    <a:pt x="0" y="992"/>
+                  </a:cubicBezTo>
+                  <a:cubicBezTo>
+                    <a:pt x="0" y="1540"/>
+                    <a:pt x="444" y="1984"/>
+                    <a:pt x="992" y="1984"/>
+                  </a:cubicBezTo>
+                  <a:cubicBezTo>
+                    <a:pt x="1540" y="1984"/>
+                    <a:pt x="1984" y="1540"/>
+                    <a:pt x="1984" y="992"/>
+                  </a:cubicBezTo>
+                  <a:cubicBezTo>
+                    <a:pt x="1984" y="444"/>
+                    <a:pt x="1540" y="0"/>
+                    <a:pt x="992" y="0"/>
+                  </a:cubicBezTo>
+                  <a:close/>
+                  <a:moveTo>
+                    <a:pt x="992" y="1934"/>
+                  </a:moveTo>
+                  <a:cubicBezTo>
+                    <a:pt x="472" y="1934"/>
+                    <a:pt x="50" y="1512"/>
+                    <a:pt x="50" y="992"/>
+                  </a:cubicBezTo>
+                  <a:cubicBezTo>
+                    <a:pt x="50" y="472"/>
+                    <a:pt x="472" y="50"/>
+                    <a:pt x="992" y="50"/>
+                  </a:cubicBezTo>
+                  <a:cubicBezTo>
+                    <a:pt x="1512" y="50"/>
+                    <a:pt x="1934" y="472"/>
+                    <a:pt x="1934" y="992"/>
+                  </a:cubicBezTo>
+                  <a:cubicBezTo>
+                    <a:pt x="1934" y="1512"/>
+                    <a:pt x="1512" y="1934"/>
+                    <a:pt x="992" y="1934"/>
+                  </a:cubicBezTo>
+                  <a:close/>
+                </a:path>
+              </a:pathLst>
+            </a:custGeom>
+            <a:solidFill>
+              <a:srgbClr val="D32E2E"/>
+            </a:solidFill>
+            <a:ln>
+              <a:noFill/>
+            </a:ln>
+            <a:extLst>
+              <a:ext uri="{91240B29-F687-4F45-9708-019B960494DF}">
+                <a14:hiddenLine xmlns:a14="http://schemas.microsoft.com/office/drawing/2010/main" w="9525">
+                  <a:solidFill>
+                    <a:srgbClr val="000000"/>
+                  </a:solidFill>
+                  <a:round/>
+                  <a:headEnd/>
+                  <a:tailEnd/>
+                </a14:hiddenLine>
+              </a:ext>
+            </a:extLst>
+          </p:spPr>
+          <p:txBody>
+            <a:bodyPr vert="horz" wrap="square" lIns="91440" tIns="45720" rIns="91440" bIns="45720" numCol="1" anchor="t" anchorCtr="0" compatLnSpc="1">
+              <a:prstTxWarp prst="textNoShape">
+                <a:avLst/>
+              </a:prstTxWarp>
+            </a:bodyPr>
+            <a:lstStyle/>
+            <a:p>
+              <a:pPr marL="0" marR="0" lvl="0" indent="0" defTabSz="914400" eaLnBrk="1" fontAlgn="auto" latinLnBrk="0" hangingPunct="1">
+                <a:lnSpc>
+                  <a:spcPct val="100000"/>
+                </a:lnSpc>
+                <a:spcBef>
+                  <a:spcPts val="0"/>
+                </a:spcBef>
+                <a:spcAft>
+                  <a:spcPts val="0"/>
+                </a:spcAft>
+                <a:buClrTx/>
+                <a:buSzTx/>
+                <a:buFontTx/>
+                <a:buNone/>
+                <a:tabLst/>
+                <a:defRPr/>
+              </a:pPr>
+              <a:endParaRPr kumimoji="0" lang="en-US" sz="1800" b="0" i="0" u="none" strike="noStrike" kern="0" cap="none" spc="0" normalizeH="0" baseline="0" noProof="0" smtClean="0">
+                <a:ln>
+                  <a:noFill/>
+                </a:ln>
+                <a:solidFill>
+                  <a:prstClr val="black"/>
+                </a:solidFill>
+                <a:effectLst/>
+                <a:uLnTx/>
+                <a:uFillTx/>
+                <a:latin typeface="Century Gothic"/>
+              </a:endParaRPr>
+            </a:p>
+          </p:txBody>
+        </p:sp>
+      </p:grpSp>
+      <p:pic>
+        <p:nvPicPr>
+          <p:cNvPr id="10" name="Picture 9"/>
+          <p:cNvPicPr>
+            <a:picLocks noChangeAspect="1"/>
+          </p:cNvPicPr>
+          <p:nvPr/>
+        </p:nvPicPr>
+        <p:blipFill>
+          <a:blip r:embed="rId3" cstate="print">
+            <a:extLst>
+              <a:ext uri="{28A0092B-C50C-407E-A947-70E740481C1C}">
+                <a14:useLocalDpi xmlns:a14="http://schemas.microsoft.com/office/drawing/2010/main" val="0"/>
+              </a:ext>
+            </a:extLst>
+          </a:blip>
+          <a:stretch>
+            <a:fillRect/>
+          </a:stretch>
+        </p:blipFill>
+        <p:spPr>
+          <a:xfrm>
+            <a:off x="440872" y="337461"/>
+            <a:ext cx="1096280" cy="1096280"/>
+          </a:xfrm>
+          <a:prstGeom prst="rect">
+            <a:avLst/>
+          </a:prstGeom>
+        </p:spPr>
+      </p:pic>
+    </p:spTree>
+    <p:extLst>
+      <p:ext uri="{BB962C8B-B14F-4D97-AF65-F5344CB8AC3E}">
+        <p14:creationId xmlns:p14="http://schemas.microsoft.com/office/powerpoint/2010/main" val="1164465262"/>
+      </p:ext>
+    </p:extLst>
+  </p:cSld>
+  <p:clrMapOvr>
+    <a:masterClrMapping/>
+  </p:clrMapOvr>
+  <mc:AlternateContent xmlns:mc="http://schemas.openxmlformats.org/markup-compatibility/2006" xmlns:p14="http://schemas.microsoft.com/office/powerpoint/2010/main">
+    <mc:Choice Requires="p14">
+      <p:transition spd="med" p14:dur="700">
+        <p:fade/>
+      </p:transition>
+    </mc:Choice>
+    <mc:Fallback xmlns="">
+      <p:transition spd="med">
+        <p:fade/>
+      </p:transition>
+    </mc:Fallback>
+  </mc:AlternateContent>
+  <p:timing>
+    <p:tnLst>
+      <p:par>
+        <p:cTn id="1" dur="indefinite" restart="never" nodeType="tmRoot"/>
+      </p:par>
+    </p:tnLst>
+  </p:timing>
+</p:sld>
+</file>
+
+<file path=ppt/slides/slide38.xml><?xml version="1.0" encoding="utf-8"?>
+<p:sld xmlns:a="http://schemas.openxmlformats.org/drawingml/2006/main" xmlns:r="http://schemas.openxmlformats.org/officeDocument/2006/relationships" xmlns:p="http://schemas.openxmlformats.org/presentationml/2006/main">
+  <p:cSld>
+    <p:spTree>
+      <p:nvGrpSpPr>
+        <p:cNvPr id="1" name=""/>
+        <p:cNvGrpSpPr/>
+        <p:nvPr/>
+      </p:nvGrpSpPr>
+      <p:grpSpPr>
+        <a:xfrm>
+          <a:off x="0" y="0"/>
+          <a:ext cx="0" cy="0"/>
+          <a:chOff x="0" y="0"/>
+          <a:chExt cx="0" cy="0"/>
+        </a:xfrm>
+      </p:grpSpPr>
+      <p:pic>
+        <p:nvPicPr>
+          <p:cNvPr id="3" name="Picture 2"/>
+          <p:cNvPicPr>
+            <a:picLocks noChangeAspect="1"/>
+          </p:cNvPicPr>
+          <p:nvPr/>
+        </p:nvPicPr>
+        <p:blipFill>
+          <a:blip r:embed="rId2">
+            <a:extLst>
+              <a:ext uri="{28A0092B-C50C-407E-A947-70E740481C1C}">
+                <a14:useLocalDpi xmlns:a14="http://schemas.microsoft.com/office/drawing/2010/main" val="0"/>
+              </a:ext>
+            </a:extLst>
+          </a:blip>
+          <a:stretch>
+            <a:fillRect/>
+          </a:stretch>
+        </p:blipFill>
+        <p:spPr>
+          <a:xfrm>
+            <a:off x="936280" y="990600"/>
+            <a:ext cx="3930209" cy="5054600"/>
+          </a:xfrm>
+          <a:prstGeom prst="snip2DiagRect">
+            <a:avLst/>
+          </a:prstGeom>
+          <a:solidFill>
+            <a:srgbClr val="FFFFFF">
+              <a:shade val="85000"/>
+            </a:srgbClr>
+          </a:solidFill>
+          <a:ln w="88900" cap="sq">
+            <a:solidFill>
+              <a:srgbClr val="FFFFFF"/>
+            </a:solidFill>
+            <a:miter lim="800000"/>
+          </a:ln>
+          <a:effectLst>
+            <a:outerShdw blurRad="88900" algn="tl" rotWithShape="0">
+              <a:srgbClr val="000000">
+                <a:alpha val="45000"/>
+              </a:srgbClr>
+            </a:outerShdw>
+          </a:effectLst>
+          <a:scene3d>
+            <a:camera prst="orthographicFront"/>
+            <a:lightRig rig="twoPt" dir="t">
+              <a:rot lat="0" lon="0" rev="7200000"/>
+            </a:lightRig>
+          </a:scene3d>
+          <a:sp3d>
+            <a:bevelT w="25400" h="19050"/>
+            <a:contourClr>
+              <a:srgbClr val="FFFFFF"/>
+            </a:contourClr>
+          </a:sp3d>
+        </p:spPr>
+      </p:pic>
+      <p:grpSp>
+        <p:nvGrpSpPr>
+          <p:cNvPr id="7" name="Group 6"/>
+          <p:cNvGrpSpPr/>
+          <p:nvPr/>
+        </p:nvGrpSpPr>
+        <p:grpSpPr>
+          <a:xfrm>
+            <a:off x="308258" y="227525"/>
+            <a:ext cx="1361508" cy="1330443"/>
+            <a:chOff x="2657475" y="1044575"/>
+            <a:chExt cx="4900613" cy="4900613"/>
+          </a:xfrm>
+          <a:solidFill>
+            <a:sysClr val="window" lastClr="FFFFFF"/>
+          </a:solidFill>
+        </p:grpSpPr>
+        <p:sp>
+          <p:nvSpPr>
+            <p:cNvPr id="8" name="Freeform 7"/>
+            <p:cNvSpPr>
+              <a:spLocks noEditPoints="1"/>
+            </p:cNvSpPr>
+            <p:nvPr/>
+          </p:nvSpPr>
+          <p:spPr bwMode="auto">
+            <a:xfrm>
+              <a:off x="2865438" y="1252538"/>
+              <a:ext cx="4484688" cy="4484688"/>
+            </a:xfrm>
+            <a:custGeom>
+              <a:avLst/>
+              <a:gdLst>
+                <a:gd name="T0" fmla="*/ 908 w 1816"/>
+                <a:gd name="T1" fmla="*/ 0 h 1816"/>
+                <a:gd name="T2" fmla="*/ 0 w 1816"/>
+                <a:gd name="T3" fmla="*/ 908 h 1816"/>
+                <a:gd name="T4" fmla="*/ 908 w 1816"/>
+                <a:gd name="T5" fmla="*/ 1816 h 1816"/>
+                <a:gd name="T6" fmla="*/ 1816 w 1816"/>
+                <a:gd name="T7" fmla="*/ 908 h 1816"/>
+                <a:gd name="T8" fmla="*/ 908 w 1816"/>
+                <a:gd name="T9" fmla="*/ 0 h 1816"/>
+                <a:gd name="T10" fmla="*/ 908 w 1816"/>
+                <a:gd name="T11" fmla="*/ 1798 h 1816"/>
+                <a:gd name="T12" fmla="*/ 18 w 1816"/>
+                <a:gd name="T13" fmla="*/ 908 h 1816"/>
+                <a:gd name="T14" fmla="*/ 908 w 1816"/>
+                <a:gd name="T15" fmla="*/ 18 h 1816"/>
+                <a:gd name="T16" fmla="*/ 1798 w 1816"/>
+                <a:gd name="T17" fmla="*/ 908 h 1816"/>
+                <a:gd name="T18" fmla="*/ 908 w 1816"/>
+                <a:gd name="T19" fmla="*/ 1798 h 1816"/>
+              </a:gdLst>
+              <a:ahLst/>
+              <a:cxnLst>
+                <a:cxn ang="0">
+                  <a:pos x="T0" y="T1"/>
+                </a:cxn>
+                <a:cxn ang="0">
+                  <a:pos x="T2" y="T3"/>
+                </a:cxn>
+                <a:cxn ang="0">
+                  <a:pos x="T4" y="T5"/>
+                </a:cxn>
+                <a:cxn ang="0">
+                  <a:pos x="T6" y="T7"/>
+                </a:cxn>
+                <a:cxn ang="0">
+                  <a:pos x="T8" y="T9"/>
+                </a:cxn>
+                <a:cxn ang="0">
+                  <a:pos x="T10" y="T11"/>
+                </a:cxn>
+                <a:cxn ang="0">
+                  <a:pos x="T12" y="T13"/>
+                </a:cxn>
+                <a:cxn ang="0">
+                  <a:pos x="T14" y="T15"/>
+                </a:cxn>
+                <a:cxn ang="0">
+                  <a:pos x="T16" y="T17"/>
+                </a:cxn>
+                <a:cxn ang="0">
+                  <a:pos x="T18" y="T19"/>
+                </a:cxn>
+              </a:cxnLst>
+              <a:rect l="0" t="0" r="r" b="b"/>
+              <a:pathLst>
+                <a:path w="1816" h="1816">
+                  <a:moveTo>
+                    <a:pt x="908" y="0"/>
+                  </a:moveTo>
+                  <a:cubicBezTo>
+                    <a:pt x="407" y="0"/>
+                    <a:pt x="0" y="407"/>
+                    <a:pt x="0" y="908"/>
+                  </a:cubicBezTo>
+                  <a:cubicBezTo>
+                    <a:pt x="0" y="1409"/>
+                    <a:pt x="407" y="1816"/>
+                    <a:pt x="908" y="1816"/>
+                  </a:cubicBezTo>
+                  <a:cubicBezTo>
+                    <a:pt x="1409" y="1816"/>
+                    <a:pt x="1816" y="1409"/>
+                    <a:pt x="1816" y="908"/>
+                  </a:cubicBezTo>
+                  <a:cubicBezTo>
+                    <a:pt x="1816" y="407"/>
+                    <a:pt x="1409" y="0"/>
+                    <a:pt x="908" y="0"/>
+                  </a:cubicBezTo>
+                  <a:close/>
+                  <a:moveTo>
+                    <a:pt x="908" y="1798"/>
+                  </a:moveTo>
+                  <a:cubicBezTo>
+                    <a:pt x="416" y="1798"/>
+                    <a:pt x="18" y="1400"/>
+                    <a:pt x="18" y="908"/>
+                  </a:cubicBezTo>
+                  <a:cubicBezTo>
+                    <a:pt x="18" y="416"/>
+                    <a:pt x="416" y="18"/>
+                    <a:pt x="908" y="18"/>
+                  </a:cubicBezTo>
+                  <a:cubicBezTo>
+                    <a:pt x="1400" y="18"/>
+                    <a:pt x="1798" y="416"/>
+                    <a:pt x="1798" y="908"/>
+                  </a:cubicBezTo>
+                  <a:cubicBezTo>
+                    <a:pt x="1798" y="1400"/>
+                    <a:pt x="1400" y="1798"/>
+                    <a:pt x="908" y="1798"/>
+                  </a:cubicBezTo>
+                  <a:close/>
+                </a:path>
+              </a:pathLst>
+            </a:custGeom>
+            <a:solidFill>
+              <a:srgbClr val="D32E2E"/>
+            </a:solidFill>
+            <a:ln>
+              <a:noFill/>
+            </a:ln>
+            <a:extLst>
+              <a:ext uri="{91240B29-F687-4F45-9708-019B960494DF}">
+                <a14:hiddenLine xmlns:a14="http://schemas.microsoft.com/office/drawing/2010/main" w="9525">
+                  <a:solidFill>
+                    <a:srgbClr val="000000"/>
+                  </a:solidFill>
+                  <a:round/>
+                  <a:headEnd/>
+                  <a:tailEnd/>
+                </a14:hiddenLine>
+              </a:ext>
+            </a:extLst>
+          </p:spPr>
+          <p:txBody>
+            <a:bodyPr vert="horz" wrap="square" lIns="91440" tIns="45720" rIns="91440" bIns="45720" numCol="1" anchor="t" anchorCtr="0" compatLnSpc="1">
+              <a:prstTxWarp prst="textNoShape">
+                <a:avLst/>
+              </a:prstTxWarp>
+            </a:bodyPr>
+            <a:lstStyle/>
+            <a:p>
+              <a:pPr marL="0" marR="0" lvl="0" indent="0" defTabSz="914400" eaLnBrk="1" fontAlgn="auto" latinLnBrk="0" hangingPunct="1">
+                <a:lnSpc>
+                  <a:spcPct val="100000"/>
+                </a:lnSpc>
+                <a:spcBef>
+                  <a:spcPts val="0"/>
+                </a:spcBef>
+                <a:spcAft>
+                  <a:spcPts val="0"/>
+                </a:spcAft>
+                <a:buClrTx/>
+                <a:buSzTx/>
+                <a:buFontTx/>
+                <a:buNone/>
+                <a:tabLst/>
+                <a:defRPr/>
+              </a:pPr>
+              <a:endParaRPr kumimoji="0" lang="en-US" sz="1800" b="0" i="0" u="none" strike="noStrike" kern="0" cap="none" spc="0" normalizeH="0" baseline="0" noProof="0" smtClean="0">
+                <a:ln>
+                  <a:noFill/>
+                </a:ln>
+                <a:solidFill>
+                  <a:prstClr val="black"/>
+                </a:solidFill>
+                <a:effectLst/>
+                <a:uLnTx/>
+                <a:uFillTx/>
+                <a:latin typeface="Century Gothic"/>
+              </a:endParaRPr>
+            </a:p>
+          </p:txBody>
+        </p:sp>
+        <p:sp>
+          <p:nvSpPr>
+            <p:cNvPr id="9" name="Freeform 8"/>
+            <p:cNvSpPr>
+              <a:spLocks noEditPoints="1"/>
+            </p:cNvSpPr>
+            <p:nvPr/>
+          </p:nvSpPr>
+          <p:spPr bwMode="auto">
+            <a:xfrm>
+              <a:off x="2657475" y="1044575"/>
+              <a:ext cx="4900613" cy="4900613"/>
+            </a:xfrm>
+            <a:custGeom>
+              <a:avLst/>
+              <a:gdLst>
+                <a:gd name="T0" fmla="*/ 992 w 1984"/>
+                <a:gd name="T1" fmla="*/ 0 h 1984"/>
+                <a:gd name="T2" fmla="*/ 0 w 1984"/>
+                <a:gd name="T3" fmla="*/ 992 h 1984"/>
+                <a:gd name="T4" fmla="*/ 992 w 1984"/>
+                <a:gd name="T5" fmla="*/ 1984 h 1984"/>
+                <a:gd name="T6" fmla="*/ 1984 w 1984"/>
+                <a:gd name="T7" fmla="*/ 992 h 1984"/>
+                <a:gd name="T8" fmla="*/ 992 w 1984"/>
+                <a:gd name="T9" fmla="*/ 0 h 1984"/>
+                <a:gd name="T10" fmla="*/ 992 w 1984"/>
+                <a:gd name="T11" fmla="*/ 1934 h 1984"/>
+                <a:gd name="T12" fmla="*/ 50 w 1984"/>
+                <a:gd name="T13" fmla="*/ 992 h 1984"/>
+                <a:gd name="T14" fmla="*/ 992 w 1984"/>
+                <a:gd name="T15" fmla="*/ 50 h 1984"/>
+                <a:gd name="T16" fmla="*/ 1934 w 1984"/>
+                <a:gd name="T17" fmla="*/ 992 h 1984"/>
+                <a:gd name="T18" fmla="*/ 992 w 1984"/>
+                <a:gd name="T19" fmla="*/ 1934 h 1984"/>
+              </a:gdLst>
+              <a:ahLst/>
+              <a:cxnLst>
+                <a:cxn ang="0">
+                  <a:pos x="T0" y="T1"/>
+                </a:cxn>
+                <a:cxn ang="0">
+                  <a:pos x="T2" y="T3"/>
+                </a:cxn>
+                <a:cxn ang="0">
+                  <a:pos x="T4" y="T5"/>
+                </a:cxn>
+                <a:cxn ang="0">
+                  <a:pos x="T6" y="T7"/>
+                </a:cxn>
+                <a:cxn ang="0">
+                  <a:pos x="T8" y="T9"/>
+                </a:cxn>
+                <a:cxn ang="0">
+                  <a:pos x="T10" y="T11"/>
+                </a:cxn>
+                <a:cxn ang="0">
+                  <a:pos x="T12" y="T13"/>
+                </a:cxn>
+                <a:cxn ang="0">
+                  <a:pos x="T14" y="T15"/>
+                </a:cxn>
+                <a:cxn ang="0">
+                  <a:pos x="T16" y="T17"/>
+                </a:cxn>
+                <a:cxn ang="0">
+                  <a:pos x="T18" y="T19"/>
+                </a:cxn>
+              </a:cxnLst>
+              <a:rect l="0" t="0" r="r" b="b"/>
+              <a:pathLst>
+                <a:path w="1984" h="1984">
+                  <a:moveTo>
+                    <a:pt x="992" y="0"/>
+                  </a:moveTo>
+                  <a:cubicBezTo>
+                    <a:pt x="444" y="0"/>
+                    <a:pt x="0" y="444"/>
+                    <a:pt x="0" y="992"/>
+                  </a:cubicBezTo>
+                  <a:cubicBezTo>
+                    <a:pt x="0" y="1540"/>
+                    <a:pt x="444" y="1984"/>
+                    <a:pt x="992" y="1984"/>
+                  </a:cubicBezTo>
+                  <a:cubicBezTo>
+                    <a:pt x="1540" y="1984"/>
+                    <a:pt x="1984" y="1540"/>
+                    <a:pt x="1984" y="992"/>
+                  </a:cubicBezTo>
+                  <a:cubicBezTo>
+                    <a:pt x="1984" y="444"/>
+                    <a:pt x="1540" y="0"/>
+                    <a:pt x="992" y="0"/>
+                  </a:cubicBezTo>
+                  <a:close/>
+                  <a:moveTo>
+                    <a:pt x="992" y="1934"/>
+                  </a:moveTo>
+                  <a:cubicBezTo>
+                    <a:pt x="472" y="1934"/>
+                    <a:pt x="50" y="1512"/>
+                    <a:pt x="50" y="992"/>
+                  </a:cubicBezTo>
+                  <a:cubicBezTo>
+                    <a:pt x="50" y="472"/>
+                    <a:pt x="472" y="50"/>
+                    <a:pt x="992" y="50"/>
+                  </a:cubicBezTo>
+                  <a:cubicBezTo>
+                    <a:pt x="1512" y="50"/>
+                    <a:pt x="1934" y="472"/>
+                    <a:pt x="1934" y="992"/>
+                  </a:cubicBezTo>
+                  <a:cubicBezTo>
+                    <a:pt x="1934" y="1512"/>
+                    <a:pt x="1512" y="1934"/>
+                    <a:pt x="992" y="1934"/>
+                  </a:cubicBezTo>
+                  <a:close/>
+                </a:path>
+              </a:pathLst>
+            </a:custGeom>
+            <a:solidFill>
+              <a:srgbClr val="D32E2E"/>
+            </a:solidFill>
+            <a:ln>
+              <a:noFill/>
+            </a:ln>
+            <a:extLst>
+              <a:ext uri="{91240B29-F687-4F45-9708-019B960494DF}">
+                <a14:hiddenLine xmlns:a14="http://schemas.microsoft.com/office/drawing/2010/main" w="9525">
+                  <a:solidFill>
+                    <a:srgbClr val="000000"/>
+                  </a:solidFill>
+                  <a:round/>
+                  <a:headEnd/>
+                  <a:tailEnd/>
+                </a14:hiddenLine>
+              </a:ext>
+            </a:extLst>
+          </p:spPr>
+          <p:txBody>
+            <a:bodyPr vert="horz" wrap="square" lIns="91440" tIns="45720" rIns="91440" bIns="45720" numCol="1" anchor="t" anchorCtr="0" compatLnSpc="1">
+              <a:prstTxWarp prst="textNoShape">
+                <a:avLst/>
+              </a:prstTxWarp>
+            </a:bodyPr>
+            <a:lstStyle/>
+            <a:p>
+              <a:pPr marL="0" marR="0" lvl="0" indent="0" defTabSz="914400" eaLnBrk="1" fontAlgn="auto" latinLnBrk="0" hangingPunct="1">
+                <a:lnSpc>
+                  <a:spcPct val="100000"/>
+                </a:lnSpc>
+                <a:spcBef>
+                  <a:spcPts val="0"/>
+                </a:spcBef>
+                <a:spcAft>
+                  <a:spcPts val="0"/>
+                </a:spcAft>
+                <a:buClrTx/>
+                <a:buSzTx/>
+                <a:buFontTx/>
+                <a:buNone/>
+                <a:tabLst/>
+                <a:defRPr/>
+              </a:pPr>
+              <a:endParaRPr kumimoji="0" lang="en-US" sz="1800" b="0" i="0" u="none" strike="noStrike" kern="0" cap="none" spc="0" normalizeH="0" baseline="0" noProof="0" smtClean="0">
+                <a:ln>
+                  <a:noFill/>
+                </a:ln>
+                <a:solidFill>
+                  <a:prstClr val="black"/>
+                </a:solidFill>
+                <a:effectLst/>
+                <a:uLnTx/>
+                <a:uFillTx/>
+                <a:latin typeface="Century Gothic"/>
+              </a:endParaRPr>
+            </a:p>
+          </p:txBody>
+        </p:sp>
+      </p:grpSp>
+      <p:pic>
+        <p:nvPicPr>
+          <p:cNvPr id="10" name="Picture 9"/>
+          <p:cNvPicPr>
+            <a:picLocks noChangeAspect="1"/>
+          </p:cNvPicPr>
+          <p:nvPr/>
+        </p:nvPicPr>
+        <p:blipFill>
+          <a:blip r:embed="rId3" cstate="print">
+            <a:extLst>
+              <a:ext uri="{28A0092B-C50C-407E-A947-70E740481C1C}">
+                <a14:useLocalDpi xmlns:a14="http://schemas.microsoft.com/office/drawing/2010/main" val="0"/>
+              </a:ext>
+            </a:extLst>
+          </a:blip>
+          <a:stretch>
+            <a:fillRect/>
+          </a:stretch>
+        </p:blipFill>
+        <p:spPr>
+          <a:xfrm>
+            <a:off x="440872" y="337461"/>
+            <a:ext cx="1096280" cy="1096280"/>
+          </a:xfrm>
+          <a:prstGeom prst="rect">
+            <a:avLst/>
+          </a:prstGeom>
+        </p:spPr>
+      </p:pic>
+    </p:spTree>
+    <p:extLst>
+      <p:ext uri="{BB962C8B-B14F-4D97-AF65-F5344CB8AC3E}">
+        <p14:creationId xmlns:p14="http://schemas.microsoft.com/office/powerpoint/2010/main" val="1326068859"/>
+      </p:ext>
+    </p:extLst>
+  </p:cSld>
+  <p:clrMapOvr>
+    <a:masterClrMapping/>
+  </p:clrMapOvr>
+  <mc:AlternateContent xmlns:mc="http://schemas.openxmlformats.org/markup-compatibility/2006" xmlns:p14="http://schemas.microsoft.com/office/powerpoint/2010/main">
+    <mc:Choice Requires="p14">
+      <p:transition spd="med" p14:dur="700">
+        <p:fade/>
+      </p:transition>
+    </mc:Choice>
+    <mc:Fallback xmlns="">
+      <p:transition spd="med">
+        <p:fade/>
+      </p:transition>
+    </mc:Fallback>
+  </mc:AlternateContent>
+  <p:timing>
+    <p:tnLst>
+      <p:par>
+        <p:cTn id="1" dur="indefinite" restart="never" nodeType="tmRoot"/>
+      </p:par>
+    </p:tnLst>
+  </p:timing>
+</p:sld>
+</file>
+
+<file path=ppt/slides/slide39.xml><?xml version="1.0" encoding="utf-8"?>
+<p:sld xmlns:a="http://schemas.openxmlformats.org/drawingml/2006/main" xmlns:r="http://schemas.openxmlformats.org/officeDocument/2006/relationships" xmlns:p="http://schemas.openxmlformats.org/presentationml/2006/main">
+  <p:cSld>
+    <p:spTree>
+      <p:nvGrpSpPr>
+        <p:cNvPr id="1" name=""/>
+        <p:cNvGrpSpPr/>
+        <p:nvPr/>
+      </p:nvGrpSpPr>
+      <p:grpSpPr>
+        <a:xfrm>
+          <a:off x="0" y="0"/>
+          <a:ext cx="0" cy="0"/>
+          <a:chOff x="0" y="0"/>
+          <a:chExt cx="0" cy="0"/>
+        </a:xfrm>
+      </p:grpSpPr>
+      <p:pic>
+        <p:nvPicPr>
+          <p:cNvPr id="6" name="Picture 5"/>
+          <p:cNvPicPr>
+            <a:picLocks noChangeAspect="1"/>
+          </p:cNvPicPr>
+          <p:nvPr/>
+        </p:nvPicPr>
+        <p:blipFill>
+          <a:blip r:embed="rId2">
+            <a:extLst>
+              <a:ext uri="{28A0092B-C50C-407E-A947-70E740481C1C}">
+                <a14:useLocalDpi xmlns:a14="http://schemas.microsoft.com/office/drawing/2010/main" val="0"/>
+              </a:ext>
+            </a:extLst>
+          </a:blip>
+          <a:stretch>
+            <a:fillRect/>
+          </a:stretch>
+        </p:blipFill>
+        <p:spPr>
+          <a:xfrm>
+            <a:off x="968954" y="990600"/>
+            <a:ext cx="3764921" cy="4989286"/>
+          </a:xfrm>
+          <a:prstGeom prst="snip2DiagRect">
+            <a:avLst/>
+          </a:prstGeom>
+          <a:solidFill>
+            <a:srgbClr val="FFFFFF">
+              <a:shade val="85000"/>
+            </a:srgbClr>
+          </a:solidFill>
+          <a:ln w="88900" cap="sq">
+            <a:solidFill>
+              <a:srgbClr val="FFFFFF"/>
+            </a:solidFill>
+            <a:miter lim="800000"/>
+          </a:ln>
+          <a:effectLst>
+            <a:outerShdw blurRad="88900" algn="tl" rotWithShape="0">
+              <a:srgbClr val="000000">
+                <a:alpha val="45000"/>
+              </a:srgbClr>
+            </a:outerShdw>
+          </a:effectLst>
+          <a:scene3d>
+            <a:camera prst="orthographicFront"/>
+            <a:lightRig rig="twoPt" dir="t">
+              <a:rot lat="0" lon="0" rev="7200000"/>
+            </a:lightRig>
+          </a:scene3d>
+          <a:sp3d>
+            <a:bevelT w="25400" h="19050"/>
+            <a:contourClr>
+              <a:srgbClr val="FFFFFF"/>
+            </a:contourClr>
+          </a:sp3d>
+        </p:spPr>
+      </p:pic>
+      <p:grpSp>
+        <p:nvGrpSpPr>
+          <p:cNvPr id="7" name="Group 6"/>
+          <p:cNvGrpSpPr/>
+          <p:nvPr/>
+        </p:nvGrpSpPr>
+        <p:grpSpPr>
+          <a:xfrm>
+            <a:off x="308258" y="227525"/>
+            <a:ext cx="1361508" cy="1330443"/>
+            <a:chOff x="2657475" y="1044575"/>
+            <a:chExt cx="4900613" cy="4900613"/>
+          </a:xfrm>
+          <a:solidFill>
+            <a:sysClr val="window" lastClr="FFFFFF"/>
+          </a:solidFill>
+        </p:grpSpPr>
+        <p:sp>
+          <p:nvSpPr>
+            <p:cNvPr id="8" name="Freeform 7"/>
+            <p:cNvSpPr>
+              <a:spLocks noEditPoints="1"/>
+            </p:cNvSpPr>
+            <p:nvPr/>
+          </p:nvSpPr>
+          <p:spPr bwMode="auto">
+            <a:xfrm>
+              <a:off x="2865438" y="1252538"/>
+              <a:ext cx="4484688" cy="4484688"/>
+            </a:xfrm>
+            <a:custGeom>
+              <a:avLst/>
+              <a:gdLst>
+                <a:gd name="T0" fmla="*/ 908 w 1816"/>
+                <a:gd name="T1" fmla="*/ 0 h 1816"/>
+                <a:gd name="T2" fmla="*/ 0 w 1816"/>
+                <a:gd name="T3" fmla="*/ 908 h 1816"/>
+                <a:gd name="T4" fmla="*/ 908 w 1816"/>
+                <a:gd name="T5" fmla="*/ 1816 h 1816"/>
+                <a:gd name="T6" fmla="*/ 1816 w 1816"/>
+                <a:gd name="T7" fmla="*/ 908 h 1816"/>
+                <a:gd name="T8" fmla="*/ 908 w 1816"/>
+                <a:gd name="T9" fmla="*/ 0 h 1816"/>
+                <a:gd name="T10" fmla="*/ 908 w 1816"/>
+                <a:gd name="T11" fmla="*/ 1798 h 1816"/>
+                <a:gd name="T12" fmla="*/ 18 w 1816"/>
+                <a:gd name="T13" fmla="*/ 908 h 1816"/>
+                <a:gd name="T14" fmla="*/ 908 w 1816"/>
+                <a:gd name="T15" fmla="*/ 18 h 1816"/>
+                <a:gd name="T16" fmla="*/ 1798 w 1816"/>
+                <a:gd name="T17" fmla="*/ 908 h 1816"/>
+                <a:gd name="T18" fmla="*/ 908 w 1816"/>
+                <a:gd name="T19" fmla="*/ 1798 h 1816"/>
+              </a:gdLst>
+              <a:ahLst/>
+              <a:cxnLst>
+                <a:cxn ang="0">
+                  <a:pos x="T0" y="T1"/>
+                </a:cxn>
+                <a:cxn ang="0">
+                  <a:pos x="T2" y="T3"/>
+                </a:cxn>
+                <a:cxn ang="0">
+                  <a:pos x="T4" y="T5"/>
+                </a:cxn>
+                <a:cxn ang="0">
+                  <a:pos x="T6" y="T7"/>
+                </a:cxn>
+                <a:cxn ang="0">
+                  <a:pos x="T8" y="T9"/>
+                </a:cxn>
+                <a:cxn ang="0">
+                  <a:pos x="T10" y="T11"/>
+                </a:cxn>
+                <a:cxn ang="0">
+                  <a:pos x="T12" y="T13"/>
+                </a:cxn>
+                <a:cxn ang="0">
+                  <a:pos x="T14" y="T15"/>
+                </a:cxn>
+                <a:cxn ang="0">
+                  <a:pos x="T16" y="T17"/>
+                </a:cxn>
+                <a:cxn ang="0">
+                  <a:pos x="T18" y="T19"/>
+                </a:cxn>
+              </a:cxnLst>
+              <a:rect l="0" t="0" r="r" b="b"/>
+              <a:pathLst>
+                <a:path w="1816" h="1816">
+                  <a:moveTo>
+                    <a:pt x="908" y="0"/>
+                  </a:moveTo>
+                  <a:cubicBezTo>
+                    <a:pt x="407" y="0"/>
+                    <a:pt x="0" y="407"/>
+                    <a:pt x="0" y="908"/>
+                  </a:cubicBezTo>
+                  <a:cubicBezTo>
+                    <a:pt x="0" y="1409"/>
+                    <a:pt x="407" y="1816"/>
+                    <a:pt x="908" y="1816"/>
+                  </a:cubicBezTo>
+                  <a:cubicBezTo>
+                    <a:pt x="1409" y="1816"/>
+                    <a:pt x="1816" y="1409"/>
+                    <a:pt x="1816" y="908"/>
+                  </a:cubicBezTo>
+                  <a:cubicBezTo>
+                    <a:pt x="1816" y="407"/>
+                    <a:pt x="1409" y="0"/>
+                    <a:pt x="908" y="0"/>
+                  </a:cubicBezTo>
+                  <a:close/>
+                  <a:moveTo>
+                    <a:pt x="908" y="1798"/>
+                  </a:moveTo>
+                  <a:cubicBezTo>
+                    <a:pt x="416" y="1798"/>
+                    <a:pt x="18" y="1400"/>
+                    <a:pt x="18" y="908"/>
+                  </a:cubicBezTo>
+                  <a:cubicBezTo>
+                    <a:pt x="18" y="416"/>
+                    <a:pt x="416" y="18"/>
+                    <a:pt x="908" y="18"/>
+                  </a:cubicBezTo>
+                  <a:cubicBezTo>
+                    <a:pt x="1400" y="18"/>
+                    <a:pt x="1798" y="416"/>
+                    <a:pt x="1798" y="908"/>
+                  </a:cubicBezTo>
+                  <a:cubicBezTo>
+                    <a:pt x="1798" y="1400"/>
+                    <a:pt x="1400" y="1798"/>
+                    <a:pt x="908" y="1798"/>
+                  </a:cubicBezTo>
+                  <a:close/>
+                </a:path>
+              </a:pathLst>
+            </a:custGeom>
+            <a:solidFill>
+              <a:srgbClr val="D32E2E"/>
+            </a:solidFill>
+            <a:ln>
+              <a:noFill/>
+            </a:ln>
+            <a:extLst>
+              <a:ext uri="{91240B29-F687-4F45-9708-019B960494DF}">
+                <a14:hiddenLine xmlns:a14="http://schemas.microsoft.com/office/drawing/2010/main" w="9525">
+                  <a:solidFill>
+                    <a:srgbClr val="000000"/>
+                  </a:solidFill>
+                  <a:round/>
+                  <a:headEnd/>
+                  <a:tailEnd/>
+                </a14:hiddenLine>
+              </a:ext>
+            </a:extLst>
+          </p:spPr>
+          <p:txBody>
+            <a:bodyPr vert="horz" wrap="square" lIns="91440" tIns="45720" rIns="91440" bIns="45720" numCol="1" anchor="t" anchorCtr="0" compatLnSpc="1">
+              <a:prstTxWarp prst="textNoShape">
+                <a:avLst/>
+              </a:prstTxWarp>
+            </a:bodyPr>
+            <a:lstStyle/>
+            <a:p>
+              <a:pPr marL="0" marR="0" lvl="0" indent="0" defTabSz="914400" eaLnBrk="1" fontAlgn="auto" latinLnBrk="0" hangingPunct="1">
+                <a:lnSpc>
+                  <a:spcPct val="100000"/>
+                </a:lnSpc>
+                <a:spcBef>
+                  <a:spcPts val="0"/>
+                </a:spcBef>
+                <a:spcAft>
+                  <a:spcPts val="0"/>
+                </a:spcAft>
+                <a:buClrTx/>
+                <a:buSzTx/>
+                <a:buFontTx/>
+                <a:buNone/>
+                <a:tabLst/>
+                <a:defRPr/>
+              </a:pPr>
+              <a:endParaRPr kumimoji="0" lang="en-US" sz="1800" b="0" i="0" u="none" strike="noStrike" kern="0" cap="none" spc="0" normalizeH="0" baseline="0" noProof="0" smtClean="0">
+                <a:ln>
+                  <a:noFill/>
+                </a:ln>
+                <a:solidFill>
+                  <a:prstClr val="black"/>
+                </a:solidFill>
+                <a:effectLst/>
+                <a:uLnTx/>
+                <a:uFillTx/>
+                <a:latin typeface="Century Gothic"/>
+              </a:endParaRPr>
+            </a:p>
+          </p:txBody>
+        </p:sp>
+        <p:sp>
+          <p:nvSpPr>
+            <p:cNvPr id="9" name="Freeform 8"/>
+            <p:cNvSpPr>
+              <a:spLocks noEditPoints="1"/>
+            </p:cNvSpPr>
+            <p:nvPr/>
+          </p:nvSpPr>
+          <p:spPr bwMode="auto">
+            <a:xfrm>
+              <a:off x="2657475" y="1044575"/>
+              <a:ext cx="4900613" cy="4900613"/>
+            </a:xfrm>
+            <a:custGeom>
+              <a:avLst/>
+              <a:gdLst>
+                <a:gd name="T0" fmla="*/ 992 w 1984"/>
+                <a:gd name="T1" fmla="*/ 0 h 1984"/>
+                <a:gd name="T2" fmla="*/ 0 w 1984"/>
+                <a:gd name="T3" fmla="*/ 992 h 1984"/>
+                <a:gd name="T4" fmla="*/ 992 w 1984"/>
+                <a:gd name="T5" fmla="*/ 1984 h 1984"/>
+                <a:gd name="T6" fmla="*/ 1984 w 1984"/>
+                <a:gd name="T7" fmla="*/ 992 h 1984"/>
+                <a:gd name="T8" fmla="*/ 992 w 1984"/>
+                <a:gd name="T9" fmla="*/ 0 h 1984"/>
+                <a:gd name="T10" fmla="*/ 992 w 1984"/>
+                <a:gd name="T11" fmla="*/ 1934 h 1984"/>
+                <a:gd name="T12" fmla="*/ 50 w 1984"/>
+                <a:gd name="T13" fmla="*/ 992 h 1984"/>
+                <a:gd name="T14" fmla="*/ 992 w 1984"/>
+                <a:gd name="T15" fmla="*/ 50 h 1984"/>
+                <a:gd name="T16" fmla="*/ 1934 w 1984"/>
+                <a:gd name="T17" fmla="*/ 992 h 1984"/>
+                <a:gd name="T18" fmla="*/ 992 w 1984"/>
+                <a:gd name="T19" fmla="*/ 1934 h 1984"/>
+              </a:gdLst>
+              <a:ahLst/>
+              <a:cxnLst>
+                <a:cxn ang="0">
+                  <a:pos x="T0" y="T1"/>
+                </a:cxn>
+                <a:cxn ang="0">
+                  <a:pos x="T2" y="T3"/>
+                </a:cxn>
+                <a:cxn ang="0">
+                  <a:pos x="T4" y="T5"/>
+                </a:cxn>
+                <a:cxn ang="0">
+                  <a:pos x="T6" y="T7"/>
+                </a:cxn>
+                <a:cxn ang="0">
+                  <a:pos x="T8" y="T9"/>
+                </a:cxn>
+                <a:cxn ang="0">
+                  <a:pos x="T10" y="T11"/>
+                </a:cxn>
+                <a:cxn ang="0">
+                  <a:pos x="T12" y="T13"/>
+                </a:cxn>
+                <a:cxn ang="0">
+                  <a:pos x="T14" y="T15"/>
+                </a:cxn>
+                <a:cxn ang="0">
+                  <a:pos x="T16" y="T17"/>
+                </a:cxn>
+                <a:cxn ang="0">
+                  <a:pos x="T18" y="T19"/>
+                </a:cxn>
+              </a:cxnLst>
+              <a:rect l="0" t="0" r="r" b="b"/>
+              <a:pathLst>
+                <a:path w="1984" h="1984">
+                  <a:moveTo>
+                    <a:pt x="992" y="0"/>
+                  </a:moveTo>
+                  <a:cubicBezTo>
+                    <a:pt x="444" y="0"/>
+                    <a:pt x="0" y="444"/>
+                    <a:pt x="0" y="992"/>
+                  </a:cubicBezTo>
+                  <a:cubicBezTo>
+                    <a:pt x="0" y="1540"/>
+                    <a:pt x="444" y="1984"/>
+                    <a:pt x="992" y="1984"/>
+                  </a:cubicBezTo>
+                  <a:cubicBezTo>
+                    <a:pt x="1540" y="1984"/>
+                    <a:pt x="1984" y="1540"/>
+                    <a:pt x="1984" y="992"/>
+                  </a:cubicBezTo>
+                  <a:cubicBezTo>
+                    <a:pt x="1984" y="444"/>
+                    <a:pt x="1540" y="0"/>
+                    <a:pt x="992" y="0"/>
+                  </a:cubicBezTo>
+                  <a:close/>
+                  <a:moveTo>
+                    <a:pt x="992" y="1934"/>
+                  </a:moveTo>
+                  <a:cubicBezTo>
+                    <a:pt x="472" y="1934"/>
+                    <a:pt x="50" y="1512"/>
+                    <a:pt x="50" y="992"/>
+                  </a:cubicBezTo>
+                  <a:cubicBezTo>
+                    <a:pt x="50" y="472"/>
+                    <a:pt x="472" y="50"/>
+                    <a:pt x="992" y="50"/>
+                  </a:cubicBezTo>
+                  <a:cubicBezTo>
+                    <a:pt x="1512" y="50"/>
+                    <a:pt x="1934" y="472"/>
+                    <a:pt x="1934" y="992"/>
+                  </a:cubicBezTo>
+                  <a:cubicBezTo>
+                    <a:pt x="1934" y="1512"/>
+                    <a:pt x="1512" y="1934"/>
+                    <a:pt x="992" y="1934"/>
+                  </a:cubicBezTo>
+                  <a:close/>
+                </a:path>
+              </a:pathLst>
+            </a:custGeom>
+            <a:solidFill>
+              <a:srgbClr val="D32E2E"/>
+            </a:solidFill>
+            <a:ln>
+              <a:noFill/>
+            </a:ln>
+            <a:extLst>
+              <a:ext uri="{91240B29-F687-4F45-9708-019B960494DF}">
+                <a14:hiddenLine xmlns:a14="http://schemas.microsoft.com/office/drawing/2010/main" w="9525">
+                  <a:solidFill>
+                    <a:srgbClr val="000000"/>
+                  </a:solidFill>
+                  <a:round/>
+                  <a:headEnd/>
+                  <a:tailEnd/>
+                </a14:hiddenLine>
+              </a:ext>
+            </a:extLst>
+          </p:spPr>
+          <p:txBody>
+            <a:bodyPr vert="horz" wrap="square" lIns="91440" tIns="45720" rIns="91440" bIns="45720" numCol="1" anchor="t" anchorCtr="0" compatLnSpc="1">
+              <a:prstTxWarp prst="textNoShape">
+                <a:avLst/>
+              </a:prstTxWarp>
+            </a:bodyPr>
+            <a:lstStyle/>
+            <a:p>
+              <a:pPr marL="0" marR="0" lvl="0" indent="0" defTabSz="914400" eaLnBrk="1" fontAlgn="auto" latinLnBrk="0" hangingPunct="1">
+                <a:lnSpc>
+                  <a:spcPct val="100000"/>
+                </a:lnSpc>
+                <a:spcBef>
+                  <a:spcPts val="0"/>
+                </a:spcBef>
+                <a:spcAft>
+                  <a:spcPts val="0"/>
+                </a:spcAft>
+                <a:buClrTx/>
+                <a:buSzTx/>
+                <a:buFontTx/>
+                <a:buNone/>
+                <a:tabLst/>
+                <a:defRPr/>
+              </a:pPr>
+              <a:endParaRPr kumimoji="0" lang="en-US" sz="1800" b="0" i="0" u="none" strike="noStrike" kern="0" cap="none" spc="0" normalizeH="0" baseline="0" noProof="0" smtClean="0">
+                <a:ln>
+                  <a:noFill/>
+                </a:ln>
+                <a:solidFill>
+                  <a:prstClr val="black"/>
+                </a:solidFill>
+                <a:effectLst/>
+                <a:uLnTx/>
+                <a:uFillTx/>
+                <a:latin typeface="Century Gothic"/>
+              </a:endParaRPr>
+            </a:p>
+          </p:txBody>
+        </p:sp>
+      </p:grpSp>
+      <p:pic>
+        <p:nvPicPr>
+          <p:cNvPr id="10" name="Picture 9"/>
+          <p:cNvPicPr>
+            <a:picLocks noChangeAspect="1"/>
+          </p:cNvPicPr>
+          <p:nvPr/>
+        </p:nvPicPr>
+        <p:blipFill>
+          <a:blip r:embed="rId3" cstate="print">
+            <a:extLst>
+              <a:ext uri="{28A0092B-C50C-407E-A947-70E740481C1C}">
+                <a14:useLocalDpi xmlns:a14="http://schemas.microsoft.com/office/drawing/2010/main" val="0"/>
+              </a:ext>
+            </a:extLst>
+          </a:blip>
+          <a:stretch>
+            <a:fillRect/>
+          </a:stretch>
+        </p:blipFill>
+        <p:spPr>
+          <a:xfrm>
+            <a:off x="440872" y="337461"/>
+            <a:ext cx="1096280" cy="1096280"/>
+          </a:xfrm>
+          <a:prstGeom prst="rect">
+            <a:avLst/>
+          </a:prstGeom>
+        </p:spPr>
+      </p:pic>
+    </p:spTree>
+    <p:extLst>
+      <p:ext uri="{BB962C8B-B14F-4D97-AF65-F5344CB8AC3E}">
+        <p14:creationId xmlns:p14="http://schemas.microsoft.com/office/powerpoint/2010/main" val="3327379930"/>
+      </p:ext>
+    </p:extLst>
+  </p:cSld>
+  <p:clrMapOvr>
+    <a:masterClrMapping/>
+  </p:clrMapOvr>
+  <mc:AlternateContent xmlns:mc="http://schemas.openxmlformats.org/markup-compatibility/2006" xmlns:p14="http://schemas.microsoft.com/office/powerpoint/2010/main">
+    <mc:Choice Requires="p14">
+      <p:transition spd="med" p14:dur="700">
+        <p:fade/>
+      </p:transition>
+    </mc:Choice>
+    <mc:Fallback xmlns="">
+      <p:transition spd="med">
+        <p:fade/>
+      </p:transition>
+    </mc:Fallback>
+  </mc:AlternateContent>
+  <p:timing>
+    <p:tnLst>
+      <p:par>
+        <p:cTn id="1" dur="indefinite" restart="never" nodeType="tmRoot"/>
+      </p:par>
+    </p:tnLst>
+  </p:timing>
 </p:sld>
 </file>
 
@@ -28342,6 +32137,529 @@
       <p:bldP spid="5" grpId="0"/>
       <p:bldP spid="6" grpId="0"/>
     </p:bldLst>
+  </p:timing>
+</p:sld>
+</file>
+
+<file path=ppt/slides/slide40.xml><?xml version="1.0" encoding="utf-8"?>
+<p:sld xmlns:a="http://schemas.openxmlformats.org/drawingml/2006/main" xmlns:r="http://schemas.openxmlformats.org/officeDocument/2006/relationships" xmlns:p="http://schemas.openxmlformats.org/presentationml/2006/main">
+  <p:cSld>
+    <p:spTree>
+      <p:nvGrpSpPr>
+        <p:cNvPr id="1" name=""/>
+        <p:cNvGrpSpPr/>
+        <p:nvPr/>
+      </p:nvGrpSpPr>
+      <p:grpSpPr>
+        <a:xfrm>
+          <a:off x="0" y="0"/>
+          <a:ext cx="0" cy="0"/>
+          <a:chOff x="0" y="0"/>
+          <a:chExt cx="0" cy="0"/>
+        </a:xfrm>
+      </p:grpSpPr>
+      <p:pic>
+        <p:nvPicPr>
+          <p:cNvPr id="3" name="Picture 2"/>
+          <p:cNvPicPr>
+            <a:picLocks noChangeAspect="1"/>
+          </p:cNvPicPr>
+          <p:nvPr/>
+        </p:nvPicPr>
+        <p:blipFill>
+          <a:blip r:embed="rId2">
+            <a:extLst>
+              <a:ext uri="{28A0092B-C50C-407E-A947-70E740481C1C}">
+                <a14:useLocalDpi xmlns:a14="http://schemas.microsoft.com/office/drawing/2010/main" val="0"/>
+              </a:ext>
+            </a:extLst>
+          </a:blip>
+          <a:stretch>
+            <a:fillRect/>
+          </a:stretch>
+        </p:blipFill>
+        <p:spPr>
+          <a:xfrm>
+            <a:off x="978715" y="1066800"/>
+            <a:ext cx="3724275" cy="4648200"/>
+          </a:xfrm>
+          <a:prstGeom prst="snip2DiagRect">
+            <a:avLst/>
+          </a:prstGeom>
+          <a:solidFill>
+            <a:srgbClr val="FFFFFF">
+              <a:shade val="85000"/>
+            </a:srgbClr>
+          </a:solidFill>
+          <a:ln w="88900" cap="sq">
+            <a:solidFill>
+              <a:srgbClr val="FFFFFF"/>
+            </a:solidFill>
+            <a:miter lim="800000"/>
+          </a:ln>
+          <a:effectLst>
+            <a:outerShdw blurRad="88900" algn="tl" rotWithShape="0">
+              <a:srgbClr val="000000">
+                <a:alpha val="45000"/>
+              </a:srgbClr>
+            </a:outerShdw>
+          </a:effectLst>
+          <a:scene3d>
+            <a:camera prst="orthographicFront"/>
+            <a:lightRig rig="twoPt" dir="t">
+              <a:rot lat="0" lon="0" rev="7200000"/>
+            </a:lightRig>
+          </a:scene3d>
+          <a:sp3d>
+            <a:bevelT w="25400" h="19050"/>
+            <a:contourClr>
+              <a:srgbClr val="FFFFFF"/>
+            </a:contourClr>
+          </a:sp3d>
+        </p:spPr>
+      </p:pic>
+      <p:grpSp>
+        <p:nvGrpSpPr>
+          <p:cNvPr id="7" name="Group 6"/>
+          <p:cNvGrpSpPr/>
+          <p:nvPr/>
+        </p:nvGrpSpPr>
+        <p:grpSpPr>
+          <a:xfrm>
+            <a:off x="308258" y="227525"/>
+            <a:ext cx="1361508" cy="1330443"/>
+            <a:chOff x="2657475" y="1044575"/>
+            <a:chExt cx="4900613" cy="4900613"/>
+          </a:xfrm>
+          <a:solidFill>
+            <a:sysClr val="window" lastClr="FFFFFF"/>
+          </a:solidFill>
+        </p:grpSpPr>
+        <p:sp>
+          <p:nvSpPr>
+            <p:cNvPr id="8" name="Freeform 7"/>
+            <p:cNvSpPr>
+              <a:spLocks noEditPoints="1"/>
+            </p:cNvSpPr>
+            <p:nvPr/>
+          </p:nvSpPr>
+          <p:spPr bwMode="auto">
+            <a:xfrm>
+              <a:off x="2865438" y="1252538"/>
+              <a:ext cx="4484688" cy="4484688"/>
+            </a:xfrm>
+            <a:custGeom>
+              <a:avLst/>
+              <a:gdLst>
+                <a:gd name="T0" fmla="*/ 908 w 1816"/>
+                <a:gd name="T1" fmla="*/ 0 h 1816"/>
+                <a:gd name="T2" fmla="*/ 0 w 1816"/>
+                <a:gd name="T3" fmla="*/ 908 h 1816"/>
+                <a:gd name="T4" fmla="*/ 908 w 1816"/>
+                <a:gd name="T5" fmla="*/ 1816 h 1816"/>
+                <a:gd name="T6" fmla="*/ 1816 w 1816"/>
+                <a:gd name="T7" fmla="*/ 908 h 1816"/>
+                <a:gd name="T8" fmla="*/ 908 w 1816"/>
+                <a:gd name="T9" fmla="*/ 0 h 1816"/>
+                <a:gd name="T10" fmla="*/ 908 w 1816"/>
+                <a:gd name="T11" fmla="*/ 1798 h 1816"/>
+                <a:gd name="T12" fmla="*/ 18 w 1816"/>
+                <a:gd name="T13" fmla="*/ 908 h 1816"/>
+                <a:gd name="T14" fmla="*/ 908 w 1816"/>
+                <a:gd name="T15" fmla="*/ 18 h 1816"/>
+                <a:gd name="T16" fmla="*/ 1798 w 1816"/>
+                <a:gd name="T17" fmla="*/ 908 h 1816"/>
+                <a:gd name="T18" fmla="*/ 908 w 1816"/>
+                <a:gd name="T19" fmla="*/ 1798 h 1816"/>
+              </a:gdLst>
+              <a:ahLst/>
+              <a:cxnLst>
+                <a:cxn ang="0">
+                  <a:pos x="T0" y="T1"/>
+                </a:cxn>
+                <a:cxn ang="0">
+                  <a:pos x="T2" y="T3"/>
+                </a:cxn>
+                <a:cxn ang="0">
+                  <a:pos x="T4" y="T5"/>
+                </a:cxn>
+                <a:cxn ang="0">
+                  <a:pos x="T6" y="T7"/>
+                </a:cxn>
+                <a:cxn ang="0">
+                  <a:pos x="T8" y="T9"/>
+                </a:cxn>
+                <a:cxn ang="0">
+                  <a:pos x="T10" y="T11"/>
+                </a:cxn>
+                <a:cxn ang="0">
+                  <a:pos x="T12" y="T13"/>
+                </a:cxn>
+                <a:cxn ang="0">
+                  <a:pos x="T14" y="T15"/>
+                </a:cxn>
+                <a:cxn ang="0">
+                  <a:pos x="T16" y="T17"/>
+                </a:cxn>
+                <a:cxn ang="0">
+                  <a:pos x="T18" y="T19"/>
+                </a:cxn>
+              </a:cxnLst>
+              <a:rect l="0" t="0" r="r" b="b"/>
+              <a:pathLst>
+                <a:path w="1816" h="1816">
+                  <a:moveTo>
+                    <a:pt x="908" y="0"/>
+                  </a:moveTo>
+                  <a:cubicBezTo>
+                    <a:pt x="407" y="0"/>
+                    <a:pt x="0" y="407"/>
+                    <a:pt x="0" y="908"/>
+                  </a:cubicBezTo>
+                  <a:cubicBezTo>
+                    <a:pt x="0" y="1409"/>
+                    <a:pt x="407" y="1816"/>
+                    <a:pt x="908" y="1816"/>
+                  </a:cubicBezTo>
+                  <a:cubicBezTo>
+                    <a:pt x="1409" y="1816"/>
+                    <a:pt x="1816" y="1409"/>
+                    <a:pt x="1816" y="908"/>
+                  </a:cubicBezTo>
+                  <a:cubicBezTo>
+                    <a:pt x="1816" y="407"/>
+                    <a:pt x="1409" y="0"/>
+                    <a:pt x="908" y="0"/>
+                  </a:cubicBezTo>
+                  <a:close/>
+                  <a:moveTo>
+                    <a:pt x="908" y="1798"/>
+                  </a:moveTo>
+                  <a:cubicBezTo>
+                    <a:pt x="416" y="1798"/>
+                    <a:pt x="18" y="1400"/>
+                    <a:pt x="18" y="908"/>
+                  </a:cubicBezTo>
+                  <a:cubicBezTo>
+                    <a:pt x="18" y="416"/>
+                    <a:pt x="416" y="18"/>
+                    <a:pt x="908" y="18"/>
+                  </a:cubicBezTo>
+                  <a:cubicBezTo>
+                    <a:pt x="1400" y="18"/>
+                    <a:pt x="1798" y="416"/>
+                    <a:pt x="1798" y="908"/>
+                  </a:cubicBezTo>
+                  <a:cubicBezTo>
+                    <a:pt x="1798" y="1400"/>
+                    <a:pt x="1400" y="1798"/>
+                    <a:pt x="908" y="1798"/>
+                  </a:cubicBezTo>
+                  <a:close/>
+                </a:path>
+              </a:pathLst>
+            </a:custGeom>
+            <a:solidFill>
+              <a:srgbClr val="D32E2E"/>
+            </a:solidFill>
+            <a:ln>
+              <a:noFill/>
+            </a:ln>
+            <a:extLst>
+              <a:ext uri="{91240B29-F687-4F45-9708-019B960494DF}">
+                <a14:hiddenLine xmlns:a14="http://schemas.microsoft.com/office/drawing/2010/main" w="9525">
+                  <a:solidFill>
+                    <a:srgbClr val="000000"/>
+                  </a:solidFill>
+                  <a:round/>
+                  <a:headEnd/>
+                  <a:tailEnd/>
+                </a14:hiddenLine>
+              </a:ext>
+            </a:extLst>
+          </p:spPr>
+          <p:txBody>
+            <a:bodyPr vert="horz" wrap="square" lIns="91440" tIns="45720" rIns="91440" bIns="45720" numCol="1" anchor="t" anchorCtr="0" compatLnSpc="1">
+              <a:prstTxWarp prst="textNoShape">
+                <a:avLst/>
+              </a:prstTxWarp>
+            </a:bodyPr>
+            <a:lstStyle/>
+            <a:p>
+              <a:pPr marL="0" marR="0" lvl="0" indent="0" defTabSz="914400" eaLnBrk="1" fontAlgn="auto" latinLnBrk="0" hangingPunct="1">
+                <a:lnSpc>
+                  <a:spcPct val="100000"/>
+                </a:lnSpc>
+                <a:spcBef>
+                  <a:spcPts val="0"/>
+                </a:spcBef>
+                <a:spcAft>
+                  <a:spcPts val="0"/>
+                </a:spcAft>
+                <a:buClrTx/>
+                <a:buSzTx/>
+                <a:buFontTx/>
+                <a:buNone/>
+                <a:tabLst/>
+                <a:defRPr/>
+              </a:pPr>
+              <a:endParaRPr kumimoji="0" lang="en-US" sz="1800" b="0" i="0" u="none" strike="noStrike" kern="0" cap="none" spc="0" normalizeH="0" baseline="0" noProof="0" smtClean="0">
+                <a:ln>
+                  <a:noFill/>
+                </a:ln>
+                <a:solidFill>
+                  <a:prstClr val="black"/>
+                </a:solidFill>
+                <a:effectLst/>
+                <a:uLnTx/>
+                <a:uFillTx/>
+                <a:latin typeface="Century Gothic"/>
+              </a:endParaRPr>
+            </a:p>
+          </p:txBody>
+        </p:sp>
+        <p:sp>
+          <p:nvSpPr>
+            <p:cNvPr id="9" name="Freeform 8"/>
+            <p:cNvSpPr>
+              <a:spLocks noEditPoints="1"/>
+            </p:cNvSpPr>
+            <p:nvPr/>
+          </p:nvSpPr>
+          <p:spPr bwMode="auto">
+            <a:xfrm>
+              <a:off x="2657475" y="1044575"/>
+              <a:ext cx="4900613" cy="4900613"/>
+            </a:xfrm>
+            <a:custGeom>
+              <a:avLst/>
+              <a:gdLst>
+                <a:gd name="T0" fmla="*/ 992 w 1984"/>
+                <a:gd name="T1" fmla="*/ 0 h 1984"/>
+                <a:gd name="T2" fmla="*/ 0 w 1984"/>
+                <a:gd name="T3" fmla="*/ 992 h 1984"/>
+                <a:gd name="T4" fmla="*/ 992 w 1984"/>
+                <a:gd name="T5" fmla="*/ 1984 h 1984"/>
+                <a:gd name="T6" fmla="*/ 1984 w 1984"/>
+                <a:gd name="T7" fmla="*/ 992 h 1984"/>
+                <a:gd name="T8" fmla="*/ 992 w 1984"/>
+                <a:gd name="T9" fmla="*/ 0 h 1984"/>
+                <a:gd name="T10" fmla="*/ 992 w 1984"/>
+                <a:gd name="T11" fmla="*/ 1934 h 1984"/>
+                <a:gd name="T12" fmla="*/ 50 w 1984"/>
+                <a:gd name="T13" fmla="*/ 992 h 1984"/>
+                <a:gd name="T14" fmla="*/ 992 w 1984"/>
+                <a:gd name="T15" fmla="*/ 50 h 1984"/>
+                <a:gd name="T16" fmla="*/ 1934 w 1984"/>
+                <a:gd name="T17" fmla="*/ 992 h 1984"/>
+                <a:gd name="T18" fmla="*/ 992 w 1984"/>
+                <a:gd name="T19" fmla="*/ 1934 h 1984"/>
+              </a:gdLst>
+              <a:ahLst/>
+              <a:cxnLst>
+                <a:cxn ang="0">
+                  <a:pos x="T0" y="T1"/>
+                </a:cxn>
+                <a:cxn ang="0">
+                  <a:pos x="T2" y="T3"/>
+                </a:cxn>
+                <a:cxn ang="0">
+                  <a:pos x="T4" y="T5"/>
+                </a:cxn>
+                <a:cxn ang="0">
+                  <a:pos x="T6" y="T7"/>
+                </a:cxn>
+                <a:cxn ang="0">
+                  <a:pos x="T8" y="T9"/>
+                </a:cxn>
+                <a:cxn ang="0">
+                  <a:pos x="T10" y="T11"/>
+                </a:cxn>
+                <a:cxn ang="0">
+                  <a:pos x="T12" y="T13"/>
+                </a:cxn>
+                <a:cxn ang="0">
+                  <a:pos x="T14" y="T15"/>
+                </a:cxn>
+                <a:cxn ang="0">
+                  <a:pos x="T16" y="T17"/>
+                </a:cxn>
+                <a:cxn ang="0">
+                  <a:pos x="T18" y="T19"/>
+                </a:cxn>
+              </a:cxnLst>
+              <a:rect l="0" t="0" r="r" b="b"/>
+              <a:pathLst>
+                <a:path w="1984" h="1984">
+                  <a:moveTo>
+                    <a:pt x="992" y="0"/>
+                  </a:moveTo>
+                  <a:cubicBezTo>
+                    <a:pt x="444" y="0"/>
+                    <a:pt x="0" y="444"/>
+                    <a:pt x="0" y="992"/>
+                  </a:cubicBezTo>
+                  <a:cubicBezTo>
+                    <a:pt x="0" y="1540"/>
+                    <a:pt x="444" y="1984"/>
+                    <a:pt x="992" y="1984"/>
+                  </a:cubicBezTo>
+                  <a:cubicBezTo>
+                    <a:pt x="1540" y="1984"/>
+                    <a:pt x="1984" y="1540"/>
+                    <a:pt x="1984" y="992"/>
+                  </a:cubicBezTo>
+                  <a:cubicBezTo>
+                    <a:pt x="1984" y="444"/>
+                    <a:pt x="1540" y="0"/>
+                    <a:pt x="992" y="0"/>
+                  </a:cubicBezTo>
+                  <a:close/>
+                  <a:moveTo>
+                    <a:pt x="992" y="1934"/>
+                  </a:moveTo>
+                  <a:cubicBezTo>
+                    <a:pt x="472" y="1934"/>
+                    <a:pt x="50" y="1512"/>
+                    <a:pt x="50" y="992"/>
+                  </a:cubicBezTo>
+                  <a:cubicBezTo>
+                    <a:pt x="50" y="472"/>
+                    <a:pt x="472" y="50"/>
+                    <a:pt x="992" y="50"/>
+                  </a:cubicBezTo>
+                  <a:cubicBezTo>
+                    <a:pt x="1512" y="50"/>
+                    <a:pt x="1934" y="472"/>
+                    <a:pt x="1934" y="992"/>
+                  </a:cubicBezTo>
+                  <a:cubicBezTo>
+                    <a:pt x="1934" y="1512"/>
+                    <a:pt x="1512" y="1934"/>
+                    <a:pt x="992" y="1934"/>
+                  </a:cubicBezTo>
+                  <a:close/>
+                </a:path>
+              </a:pathLst>
+            </a:custGeom>
+            <a:solidFill>
+              <a:srgbClr val="D32E2E"/>
+            </a:solidFill>
+            <a:ln>
+              <a:noFill/>
+            </a:ln>
+            <a:extLst>
+              <a:ext uri="{91240B29-F687-4F45-9708-019B960494DF}">
+                <a14:hiddenLine xmlns:a14="http://schemas.microsoft.com/office/drawing/2010/main" w="9525">
+                  <a:solidFill>
+                    <a:srgbClr val="000000"/>
+                  </a:solidFill>
+                  <a:round/>
+                  <a:headEnd/>
+                  <a:tailEnd/>
+                </a14:hiddenLine>
+              </a:ext>
+            </a:extLst>
+          </p:spPr>
+          <p:txBody>
+            <a:bodyPr vert="horz" wrap="square" lIns="91440" tIns="45720" rIns="91440" bIns="45720" numCol="1" anchor="t" anchorCtr="0" compatLnSpc="1">
+              <a:prstTxWarp prst="textNoShape">
+                <a:avLst/>
+              </a:prstTxWarp>
+            </a:bodyPr>
+            <a:lstStyle/>
+            <a:p>
+              <a:pPr marL="0" marR="0" lvl="0" indent="0" defTabSz="914400" eaLnBrk="1" fontAlgn="auto" latinLnBrk="0" hangingPunct="1">
+                <a:lnSpc>
+                  <a:spcPct val="100000"/>
+                </a:lnSpc>
+                <a:spcBef>
+                  <a:spcPts val="0"/>
+                </a:spcBef>
+                <a:spcAft>
+                  <a:spcPts val="0"/>
+                </a:spcAft>
+                <a:buClrTx/>
+                <a:buSzTx/>
+                <a:buFontTx/>
+                <a:buNone/>
+                <a:tabLst/>
+                <a:defRPr/>
+              </a:pPr>
+              <a:endParaRPr kumimoji="0" lang="en-US" sz="1800" b="0" i="0" u="none" strike="noStrike" kern="0" cap="none" spc="0" normalizeH="0" baseline="0" noProof="0" smtClean="0">
+                <a:ln>
+                  <a:noFill/>
+                </a:ln>
+                <a:solidFill>
+                  <a:prstClr val="black"/>
+                </a:solidFill>
+                <a:effectLst/>
+                <a:uLnTx/>
+                <a:uFillTx/>
+                <a:latin typeface="Century Gothic"/>
+              </a:endParaRPr>
+            </a:p>
+          </p:txBody>
+        </p:sp>
+      </p:grpSp>
+      <p:pic>
+        <p:nvPicPr>
+          <p:cNvPr id="10" name="Picture 9"/>
+          <p:cNvPicPr>
+            <a:picLocks noChangeAspect="1"/>
+          </p:cNvPicPr>
+          <p:nvPr/>
+        </p:nvPicPr>
+        <p:blipFill>
+          <a:blip r:embed="rId3" cstate="print">
+            <a:extLst>
+              <a:ext uri="{28A0092B-C50C-407E-A947-70E740481C1C}">
+                <a14:useLocalDpi xmlns:a14="http://schemas.microsoft.com/office/drawing/2010/main" val="0"/>
+              </a:ext>
+            </a:extLst>
+          </a:blip>
+          <a:stretch>
+            <a:fillRect/>
+          </a:stretch>
+        </p:blipFill>
+        <p:spPr>
+          <a:xfrm>
+            <a:off x="440872" y="337461"/>
+            <a:ext cx="1096280" cy="1096280"/>
+          </a:xfrm>
+          <a:prstGeom prst="rect">
+            <a:avLst/>
+          </a:prstGeom>
+        </p:spPr>
+      </p:pic>
+    </p:spTree>
+    <p:extLst>
+      <p:ext uri="{BB962C8B-B14F-4D97-AF65-F5344CB8AC3E}">
+        <p14:creationId xmlns:p14="http://schemas.microsoft.com/office/powerpoint/2010/main" val="392150050"/>
+      </p:ext>
+    </p:extLst>
+  </p:cSld>
+  <p:clrMapOvr>
+    <a:masterClrMapping/>
+  </p:clrMapOvr>
+  <mc:AlternateContent xmlns:mc="http://schemas.openxmlformats.org/markup-compatibility/2006" xmlns:p14="http://schemas.microsoft.com/office/powerpoint/2010/main">
+    <mc:Choice Requires="p14">
+      <p:transition spd="med" p14:dur="700">
+        <p:fade/>
+      </p:transition>
+    </mc:Choice>
+    <mc:Fallback xmlns="">
+      <p:transition spd="med">
+        <p:fade/>
+      </p:transition>
+    </mc:Fallback>
+  </mc:AlternateContent>
+  <p:timing>
+    <p:tnLst>
+      <p:par>
+        <p:cTn id="1" dur="indefinite" restart="never" nodeType="tmRoot"/>
+      </p:par>
+    </p:tnLst>
   </p:timing>
 </p:sld>
 </file>
@@ -35992,15 +40310,15 @@
 <file path=customXml/itemProps1.xml><?xml version="1.0" encoding="utf-8"?>
 <ds:datastoreItem xmlns:ds="http://schemas.openxmlformats.org/officeDocument/2006/customXml" ds:itemID="{45076977-ECB7-44C2-A70D-853BB6B41242}">
   <ds:schemaRefs>
+    <ds:schemaRef ds:uri="4873beb7-5857-4685-be1f-d57550cc96cc"/>
+    <ds:schemaRef ds:uri="http://purl.org/dc/dcmitype/"/>
+    <ds:schemaRef ds:uri="http://www.w3.org/XML/1998/namespace"/>
+    <ds:schemaRef ds:uri="http://schemas.microsoft.com/office/2006/documentManagement/types"/>
+    <ds:schemaRef ds:uri="http://schemas.openxmlformats.org/package/2006/metadata/core-properties"/>
+    <ds:schemaRef ds:uri="http://purl.org/dc/elements/1.1/"/>
+    <ds:schemaRef ds:uri="http://schemas.microsoft.com/office/infopath/2007/PartnerControls"/>
+    <ds:schemaRef ds:uri="http://schemas.microsoft.com/office/2006/metadata/properties"/>
     <ds:schemaRef ds:uri="http://purl.org/dc/terms/"/>
-    <ds:schemaRef ds:uri="http://www.w3.org/XML/1998/namespace"/>
-    <ds:schemaRef ds:uri="http://purl.org/dc/elements/1.1/"/>
-    <ds:schemaRef ds:uri="http://schemas.microsoft.com/office/2006/documentManagement/types"/>
-    <ds:schemaRef ds:uri="http://schemas.microsoft.com/office/infopath/2007/PartnerControls"/>
-    <ds:schemaRef ds:uri="4873beb7-5857-4685-be1f-d57550cc96cc"/>
-    <ds:schemaRef ds:uri="http://schemas.openxmlformats.org/package/2006/metadata/core-properties"/>
-    <ds:schemaRef ds:uri="http://schemas.microsoft.com/office/2006/metadata/properties"/>
-    <ds:schemaRef ds:uri="http://purl.org/dc/dcmitype/"/>
   </ds:schemaRefs>
 </ds:datastoreItem>
 </file>

--- a/presentation.pptx
+++ b/presentation.pptx
@@ -6,10 +6,10 @@
     <p:sldMasterId id="2147483683" r:id="rId5"/>
   </p:sldMasterIdLst>
   <p:notesMasterIdLst>
-    <p:notesMasterId r:id="rId46"/>
+    <p:notesMasterId r:id="rId47"/>
   </p:notesMasterIdLst>
   <p:handoutMasterIdLst>
-    <p:handoutMasterId r:id="rId47"/>
+    <p:handoutMasterId r:id="rId48"/>
   </p:handoutMasterIdLst>
   <p:sldIdLst>
     <p:sldId id="279" r:id="rId6"/>
@@ -32,26 +32,27 @@
     <p:sldId id="292" r:id="rId23"/>
     <p:sldId id="304" r:id="rId24"/>
     <p:sldId id="309" r:id="rId25"/>
-    <p:sldId id="303" r:id="rId26"/>
-    <p:sldId id="305" r:id="rId27"/>
-    <p:sldId id="306" r:id="rId28"/>
-    <p:sldId id="307" r:id="rId29"/>
-    <p:sldId id="308" r:id="rId30"/>
-    <p:sldId id="310" r:id="rId31"/>
-    <p:sldId id="311" r:id="rId32"/>
-    <p:sldId id="312" r:id="rId33"/>
-    <p:sldId id="314" r:id="rId34"/>
-    <p:sldId id="315" r:id="rId35"/>
-    <p:sldId id="316" r:id="rId36"/>
-    <p:sldId id="317" r:id="rId37"/>
-    <p:sldId id="318" r:id="rId38"/>
-    <p:sldId id="319" r:id="rId39"/>
-    <p:sldId id="320" r:id="rId40"/>
-    <p:sldId id="321" r:id="rId41"/>
-    <p:sldId id="322" r:id="rId42"/>
-    <p:sldId id="323" r:id="rId43"/>
-    <p:sldId id="324" r:id="rId44"/>
-    <p:sldId id="325" r:id="rId45"/>
+    <p:sldId id="326" r:id="rId26"/>
+    <p:sldId id="303" r:id="rId27"/>
+    <p:sldId id="305" r:id="rId28"/>
+    <p:sldId id="306" r:id="rId29"/>
+    <p:sldId id="307" r:id="rId30"/>
+    <p:sldId id="308" r:id="rId31"/>
+    <p:sldId id="310" r:id="rId32"/>
+    <p:sldId id="311" r:id="rId33"/>
+    <p:sldId id="312" r:id="rId34"/>
+    <p:sldId id="314" r:id="rId35"/>
+    <p:sldId id="315" r:id="rId36"/>
+    <p:sldId id="316" r:id="rId37"/>
+    <p:sldId id="317" r:id="rId38"/>
+    <p:sldId id="318" r:id="rId39"/>
+    <p:sldId id="319" r:id="rId40"/>
+    <p:sldId id="320" r:id="rId41"/>
+    <p:sldId id="321" r:id="rId42"/>
+    <p:sldId id="322" r:id="rId43"/>
+    <p:sldId id="323" r:id="rId44"/>
+    <p:sldId id="324" r:id="rId45"/>
+    <p:sldId id="325" r:id="rId46"/>
   </p:sldIdLst>
   <p:sldSz cx="12188825" cy="6858000"/>
   <p:notesSz cx="6858000" cy="9144000"/>
@@ -1356,7 +1357,7 @@
           <a:p>
             <a:fld id="{4954C6E1-AF92-4FB7-A013-0B520EBC30AE}" type="datetimeFigureOut">
               <a:rPr lang="en-US"/>
-              <a:t>9/15/2017</a:t>
+              <a:t>9/16/2017</a:t>
             </a:fld>
             <a:endParaRPr/>
           </a:p>
@@ -1521,7 +1522,7 @@
           <a:p>
             <a:fld id="{95C10850-0874-4A61-99B4-D613C5E8D9EA}" type="datetimeFigureOut">
               <a:rPr lang="en-US"/>
-              <a:t>9/15/2017</a:t>
+              <a:t>9/16/2017</a:t>
             </a:fld>
             <a:endParaRPr/>
           </a:p>
@@ -3020,7 +3021,7 @@
           <a:p>
             <a:fld id="{3B9B9059-F1D6-41D0-95CF-D21CAA096B3A}" type="datetimeFigureOut">
               <a:rPr lang="en-US"/>
-              <a:t>9/15/2017</a:t>
+              <a:t>9/16/2017</a:t>
             </a:fld>
             <a:endParaRPr/>
           </a:p>
@@ -3223,7 +3224,7 @@
           <a:p>
             <a:fld id="{3B9B9059-F1D6-41D0-95CF-D21CAA096B3A}" type="datetimeFigureOut">
               <a:rPr lang="en-US"/>
-              <a:t>9/15/2017</a:t>
+              <a:t>9/16/2017</a:t>
             </a:fld>
             <a:endParaRPr/>
           </a:p>
@@ -3403,7 +3404,7 @@
           <a:p>
             <a:fld id="{1BF2FCFF-70EC-4D96-BACE-91E0CA03CC77}" type="datetimeFigureOut">
               <a:rPr lang="en-US" smtClean="0"/>
-              <a:t>9/15/2017</a:t>
+              <a:t>9/16/2017</a:t>
             </a:fld>
             <a:endParaRPr lang="en-US"/>
           </a:p>
@@ -3592,7 +3593,7 @@
           <a:p>
             <a:fld id="{3B9B9059-F1D6-41D0-95CF-D21CAA096B3A}" type="datetimeFigureOut">
               <a:rPr lang="en-US" smtClean="0"/>
-              <a:t>9/15/2017</a:t>
+              <a:t>9/16/2017</a:t>
             </a:fld>
             <a:endParaRPr lang="en-US"/>
           </a:p>
@@ -3857,7 +3858,7 @@
           <a:p>
             <a:fld id="{3B9B9059-F1D6-41D0-95CF-D21CAA096B3A}" type="datetimeFigureOut">
               <a:rPr lang="en-US" smtClean="0"/>
-              <a:t>9/15/2017</a:t>
+              <a:t>9/16/2017</a:t>
             </a:fld>
             <a:endParaRPr lang="en-US"/>
           </a:p>
@@ -4108,7 +4109,7 @@
           <a:p>
             <a:fld id="{3B9B9059-F1D6-41D0-95CF-D21CAA096B3A}" type="datetimeFigureOut">
               <a:rPr lang="en-US" smtClean="0"/>
-              <a:t>9/15/2017</a:t>
+              <a:t>9/16/2017</a:t>
             </a:fld>
             <a:endParaRPr lang="en-US"/>
           </a:p>
@@ -4494,7 +4495,7 @@
           <a:p>
             <a:fld id="{3B9B9059-F1D6-41D0-95CF-D21CAA096B3A}" type="datetimeFigureOut">
               <a:rPr lang="en-US" smtClean="0"/>
-              <a:t>9/15/2017</a:t>
+              <a:t>9/16/2017</a:t>
             </a:fld>
             <a:endParaRPr lang="en-US"/>
           </a:p>
@@ -4631,7 +4632,7 @@
           <a:p>
             <a:fld id="{3B9B9059-F1D6-41D0-95CF-D21CAA096B3A}" type="datetimeFigureOut">
               <a:rPr lang="en-US" smtClean="0"/>
-              <a:t>9/15/2017</a:t>
+              <a:t>9/16/2017</a:t>
             </a:fld>
             <a:endParaRPr lang="en-US"/>
           </a:p>
@@ -4745,7 +4746,7 @@
           <a:p>
             <a:fld id="{1BF2FCFF-70EC-4D96-BACE-91E0CA03CC77}" type="datetimeFigureOut">
               <a:rPr lang="en-US" smtClean="0"/>
-              <a:t>9/15/2017</a:t>
+              <a:t>9/16/2017</a:t>
             </a:fld>
             <a:endParaRPr lang="en-US"/>
           </a:p>
@@ -4969,7 +4970,7 @@
           <a:p>
             <a:fld id="{3B9B9059-F1D6-41D0-95CF-D21CAA096B3A}" type="datetimeFigureOut">
               <a:rPr lang="en-US"/>
-              <a:t>9/15/2017</a:t>
+              <a:t>9/16/2017</a:t>
             </a:fld>
             <a:endParaRPr/>
           </a:p>
@@ -5234,7 +5235,7 @@
           <a:p>
             <a:fld id="{1BF2FCFF-70EC-4D96-BACE-91E0CA03CC77}" type="datetimeFigureOut">
               <a:rPr lang="en-US" smtClean="0"/>
-              <a:t>9/15/2017</a:t>
+              <a:t>9/16/2017</a:t>
             </a:fld>
             <a:endParaRPr lang="en-US"/>
           </a:p>
@@ -5506,7 +5507,7 @@
           <a:p>
             <a:fld id="{1BF2FCFF-70EC-4D96-BACE-91E0CA03CC77}" type="datetimeFigureOut">
               <a:rPr lang="en-US" smtClean="0"/>
-              <a:t>9/15/2017</a:t>
+              <a:t>9/16/2017</a:t>
             </a:fld>
             <a:endParaRPr lang="en-US"/>
           </a:p>
@@ -5695,7 +5696,7 @@
           <a:p>
             <a:fld id="{3B9B9059-F1D6-41D0-95CF-D21CAA096B3A}" type="datetimeFigureOut">
               <a:rPr lang="en-US" smtClean="0"/>
-              <a:t>9/15/2017</a:t>
+              <a:t>9/16/2017</a:t>
             </a:fld>
             <a:endParaRPr lang="en-US"/>
           </a:p>
@@ -5894,7 +5895,7 @@
           <a:p>
             <a:fld id="{3B9B9059-F1D6-41D0-95CF-D21CAA096B3A}" type="datetimeFigureOut">
               <a:rPr lang="en-US" smtClean="0"/>
-              <a:t>9/15/2017</a:t>
+              <a:t>9/16/2017</a:t>
             </a:fld>
             <a:endParaRPr lang="en-US"/>
           </a:p>
@@ -6671,7 +6672,7 @@
           <a:p>
             <a:fld id="{3B9B9059-F1D6-41D0-95CF-D21CAA096B3A}" type="datetimeFigureOut">
               <a:rPr lang="en-US"/>
-              <a:t>9/15/2017</a:t>
+              <a:t>9/16/2017</a:t>
             </a:fld>
             <a:endParaRPr/>
           </a:p>
@@ -6970,7 +6971,7 @@
           <a:p>
             <a:fld id="{3B9B9059-F1D6-41D0-95CF-D21CAA096B3A}" type="datetimeFigureOut">
               <a:rPr lang="en-US"/>
-              <a:t>9/15/2017</a:t>
+              <a:t>9/16/2017</a:t>
             </a:fld>
             <a:endParaRPr/>
           </a:p>
@@ -7427,7 +7428,7 @@
           <a:p>
             <a:fld id="{3B9B9059-F1D6-41D0-95CF-D21CAA096B3A}" type="datetimeFigureOut">
               <a:rPr lang="en-US"/>
-              <a:t>9/15/2017</a:t>
+              <a:t>9/16/2017</a:t>
             </a:fld>
             <a:endParaRPr/>
           </a:p>
@@ -7552,7 +7553,7 @@
           <a:p>
             <a:fld id="{3B9B9059-F1D6-41D0-95CF-D21CAA096B3A}" type="datetimeFigureOut">
               <a:rPr lang="en-US"/>
-              <a:t>9/15/2017</a:t>
+              <a:t>9/16/2017</a:t>
             </a:fld>
             <a:endParaRPr/>
           </a:p>
@@ -8855,7 +8856,7 @@
             <a:fld id="{3B9B9059-F1D6-41D0-95CF-D21CAA096B3A}" type="datetimeFigureOut">
               <a:rPr lang="en-US"/>
               <a:pPr/>
-              <a:t>9/15/2017</a:t>
+              <a:t>9/16/2017</a:t>
             </a:fld>
             <a:endParaRPr/>
           </a:p>
@@ -9415,7 +9416,7 @@
             <a:fld id="{3B9B9059-F1D6-41D0-95CF-D21CAA096B3A}" type="datetimeFigureOut">
               <a:rPr lang="en-US" smtClean="0"/>
               <a:pPr/>
-              <a:t>9/15/2017</a:t>
+              <a:t>9/16/2017</a:t>
             </a:fld>
             <a:endParaRPr lang="en-US"/>
           </a:p>
@@ -19974,6 +19975,143 @@
           <a:chExt cx="0" cy="0"/>
         </a:xfrm>
       </p:grpSpPr>
+      <p:pic>
+        <p:nvPicPr>
+          <p:cNvPr id="4" name="Picture 3"/>
+          <p:cNvPicPr>
+            <a:picLocks noChangeAspect="1"/>
+          </p:cNvPicPr>
+          <p:nvPr/>
+        </p:nvPicPr>
+        <p:blipFill>
+          <a:blip r:embed="rId2">
+            <a:extLst>
+              <a:ext uri="{28A0092B-C50C-407E-A947-70E740481C1C}">
+                <a14:useLocalDpi xmlns:a14="http://schemas.microsoft.com/office/drawing/2010/main" val="0"/>
+              </a:ext>
+            </a:extLst>
+          </a:blip>
+          <a:stretch>
+            <a:fillRect/>
+          </a:stretch>
+        </p:blipFill>
+        <p:spPr>
+          <a:xfrm>
+            <a:off x="4189412" y="228600"/>
+            <a:ext cx="3386138" cy="6019800"/>
+          </a:xfrm>
+          <a:prstGeom prst="roundRect">
+            <a:avLst>
+              <a:gd name="adj" fmla="val 8594"/>
+            </a:avLst>
+          </a:prstGeom>
+          <a:solidFill>
+            <a:srgbClr val="FFFFFF">
+              <a:shade val="85000"/>
+            </a:srgbClr>
+          </a:solidFill>
+          <a:ln>
+            <a:solidFill>
+              <a:schemeClr val="bg2">
+                <a:lumMod val="75000"/>
+              </a:schemeClr>
+            </a:solidFill>
+          </a:ln>
+          <a:effectLst>
+            <a:reflection blurRad="12700" stA="38000" endPos="28000" dist="5000" dir="5400000" sy="-100000" algn="bl" rotWithShape="0"/>
+          </a:effectLst>
+        </p:spPr>
+      </p:pic>
+      <p:pic>
+        <p:nvPicPr>
+          <p:cNvPr id="6" name="Picture 5"/>
+          <p:cNvPicPr>
+            <a:picLocks noChangeAspect="1"/>
+          </p:cNvPicPr>
+          <p:nvPr/>
+        </p:nvPicPr>
+        <p:blipFill>
+          <a:blip r:embed="rId3" cstate="print">
+            <a:extLst>
+              <a:ext uri="{28A0092B-C50C-407E-A947-70E740481C1C}">
+                <a14:useLocalDpi xmlns:a14="http://schemas.microsoft.com/office/drawing/2010/main" val="0"/>
+              </a:ext>
+            </a:extLst>
+          </a:blip>
+          <a:stretch>
+            <a:fillRect/>
+          </a:stretch>
+        </p:blipFill>
+        <p:spPr>
+          <a:xfrm>
+            <a:off x="989012" y="990600"/>
+            <a:ext cx="1028700" cy="1828800"/>
+          </a:xfrm>
+          <a:prstGeom prst="roundRect">
+            <a:avLst>
+              <a:gd name="adj" fmla="val 8594"/>
+            </a:avLst>
+          </a:prstGeom>
+          <a:solidFill>
+            <a:srgbClr val="FFFFFF">
+              <a:shade val="85000"/>
+            </a:srgbClr>
+          </a:solidFill>
+          <a:ln>
+            <a:solidFill>
+              <a:schemeClr val="bg1">
+                <a:lumMod val="85000"/>
+                <a:lumOff val="15000"/>
+              </a:schemeClr>
+            </a:solidFill>
+          </a:ln>
+          <a:effectLst>
+            <a:reflection blurRad="12700" stA="38000" endPos="28000" dist="5000" dir="5400000" sy="-100000" algn="bl" rotWithShape="0"/>
+          </a:effectLst>
+        </p:spPr>
+      </p:pic>
+    </p:spTree>
+    <p:extLst>
+      <p:ext uri="{BB962C8B-B14F-4D97-AF65-F5344CB8AC3E}">
+        <p14:creationId xmlns:p14="http://schemas.microsoft.com/office/powerpoint/2010/main" val="2296067787"/>
+      </p:ext>
+    </p:extLst>
+  </p:cSld>
+  <p:clrMapOvr>
+    <a:masterClrMapping/>
+  </p:clrMapOvr>
+  <mc:AlternateContent xmlns:mc="http://schemas.openxmlformats.org/markup-compatibility/2006" xmlns:p14="http://schemas.microsoft.com/office/powerpoint/2010/main">
+    <mc:Choice Requires="p14">
+      <p:transition spd="med" p14:dur="700">
+        <p:fade/>
+      </p:transition>
+    </mc:Choice>
+    <mc:Fallback xmlns="">
+      <p:transition spd="med">
+        <p:fade/>
+      </p:transition>
+    </mc:Fallback>
+  </mc:AlternateContent>
+</p:sld>
+</file>
+
+<file path=ppt/slides/slide22.xml><?xml version="1.0" encoding="utf-8"?>
+<p:sld xmlns:a="http://schemas.openxmlformats.org/drawingml/2006/main" xmlns:r="http://schemas.openxmlformats.org/officeDocument/2006/relationships" xmlns:p="http://schemas.openxmlformats.org/presentationml/2006/main">
+  <p:cSld>
+    <p:spTree>
+      <p:nvGrpSpPr>
+        <p:cNvPr id="1" name=""/>
+        <p:cNvGrpSpPr/>
+        <p:nvPr/>
+      </p:nvGrpSpPr>
+      <p:grpSpPr>
+        <a:xfrm>
+          <a:off x="0" y="0"/>
+          <a:ext cx="0" cy="0"/>
+          <a:chOff x="0" y="0"/>
+          <a:chExt cx="0" cy="0"/>
+        </a:xfrm>
+      </p:grpSpPr>
       <p:sp>
         <p:nvSpPr>
           <p:cNvPr id="2" name="Title 1"/>
@@ -20547,7 +20685,7 @@
 </p:sld>
 </file>
 
-<file path=ppt/slides/slide22.xml><?xml version="1.0" encoding="utf-8"?>
+<file path=ppt/slides/slide23.xml><?xml version="1.0" encoding="utf-8"?>
 <p:sld xmlns:a="http://schemas.openxmlformats.org/drawingml/2006/main" xmlns:r="http://schemas.openxmlformats.org/officeDocument/2006/relationships" xmlns:p="http://schemas.openxmlformats.org/presentationml/2006/main">
   <p:cSld>
     <p:spTree>
@@ -21070,7 +21208,7 @@
 </p:sld>
 </file>
 
-<file path=ppt/slides/slide23.xml><?xml version="1.0" encoding="utf-8"?>
+<file path=ppt/slides/slide24.xml><?xml version="1.0" encoding="utf-8"?>
 <p:sld xmlns:a="http://schemas.openxmlformats.org/drawingml/2006/main" xmlns:r="http://schemas.openxmlformats.org/officeDocument/2006/relationships" xmlns:p="http://schemas.openxmlformats.org/presentationml/2006/main">
   <p:cSld>
     <p:spTree>
@@ -21593,7 +21731,7 @@
 </p:sld>
 </file>
 
-<file path=ppt/slides/slide24.xml><?xml version="1.0" encoding="utf-8"?>
+<file path=ppt/slides/slide25.xml><?xml version="1.0" encoding="utf-8"?>
 <p:sld xmlns:a="http://schemas.openxmlformats.org/drawingml/2006/main" xmlns:r="http://schemas.openxmlformats.org/officeDocument/2006/relationships" xmlns:p="http://schemas.openxmlformats.org/presentationml/2006/main">
   <p:cSld>
     <p:spTree>
@@ -22116,7 +22254,7 @@
 </p:sld>
 </file>
 
-<file path=ppt/slides/slide25.xml><?xml version="1.0" encoding="utf-8"?>
+<file path=ppt/slides/slide26.xml><?xml version="1.0" encoding="utf-8"?>
 <p:sld xmlns:a="http://schemas.openxmlformats.org/drawingml/2006/main" xmlns:r="http://schemas.openxmlformats.org/officeDocument/2006/relationships" xmlns:p="http://schemas.openxmlformats.org/presentationml/2006/main">
   <p:cSld>
     <p:spTree>
@@ -22639,7 +22777,7 @@
 </p:sld>
 </file>
 
-<file path=ppt/slides/slide26.xml><?xml version="1.0" encoding="utf-8"?>
+<file path=ppt/slides/slide27.xml><?xml version="1.0" encoding="utf-8"?>
 <p:sld xmlns:a="http://schemas.openxmlformats.org/drawingml/2006/main" xmlns:r="http://schemas.openxmlformats.org/officeDocument/2006/relationships" xmlns:p="http://schemas.openxmlformats.org/presentationml/2006/main">
   <p:cSld>
     <p:spTree>
@@ -23224,7 +23362,7 @@
 </p:sld>
 </file>
 
-<file path=ppt/slides/slide27.xml><?xml version="1.0" encoding="utf-8"?>
+<file path=ppt/slides/slide28.xml><?xml version="1.0" encoding="utf-8"?>
 <p:sld xmlns:a="http://schemas.openxmlformats.org/drawingml/2006/main" xmlns:r="http://schemas.openxmlformats.org/officeDocument/2006/relationships" xmlns:p="http://schemas.openxmlformats.org/presentationml/2006/main">
   <p:cSld>
     <p:spTree>
@@ -23747,7 +23885,7 @@
 </p:sld>
 </file>
 
-<file path=ppt/slides/slide28.xml><?xml version="1.0" encoding="utf-8"?>
+<file path=ppt/slides/slide29.xml><?xml version="1.0" encoding="utf-8"?>
 <p:sld xmlns:a="http://schemas.openxmlformats.org/drawingml/2006/main" xmlns:r="http://schemas.openxmlformats.org/officeDocument/2006/relationships" xmlns:p="http://schemas.openxmlformats.org/presentationml/2006/main">
   <p:cSld>
     <p:spTree>
@@ -24242,529 +24380,6 @@
     <p:extLst>
       <p:ext uri="{BB962C8B-B14F-4D97-AF65-F5344CB8AC3E}">
         <p14:creationId xmlns:p14="http://schemas.microsoft.com/office/powerpoint/2010/main" val="2102042778"/>
-      </p:ext>
-    </p:extLst>
-  </p:cSld>
-  <p:clrMapOvr>
-    <a:masterClrMapping/>
-  </p:clrMapOvr>
-  <mc:AlternateContent xmlns:mc="http://schemas.openxmlformats.org/markup-compatibility/2006" xmlns:p14="http://schemas.microsoft.com/office/powerpoint/2010/main">
-    <mc:Choice Requires="p14">
-      <p:transition spd="med" p14:dur="700">
-        <p:fade/>
-      </p:transition>
-    </mc:Choice>
-    <mc:Fallback xmlns="">
-      <p:transition spd="med">
-        <p:fade/>
-      </p:transition>
-    </mc:Fallback>
-  </mc:AlternateContent>
-  <p:timing>
-    <p:tnLst>
-      <p:par>
-        <p:cTn id="1" dur="indefinite" restart="never" nodeType="tmRoot"/>
-      </p:par>
-    </p:tnLst>
-  </p:timing>
-</p:sld>
-</file>
-
-<file path=ppt/slides/slide29.xml><?xml version="1.0" encoding="utf-8"?>
-<p:sld xmlns:a="http://schemas.openxmlformats.org/drawingml/2006/main" xmlns:r="http://schemas.openxmlformats.org/officeDocument/2006/relationships" xmlns:p="http://schemas.openxmlformats.org/presentationml/2006/main">
-  <p:cSld>
-    <p:spTree>
-      <p:nvGrpSpPr>
-        <p:cNvPr id="1" name=""/>
-        <p:cNvGrpSpPr/>
-        <p:nvPr/>
-      </p:nvGrpSpPr>
-      <p:grpSpPr>
-        <a:xfrm>
-          <a:off x="0" y="0"/>
-          <a:ext cx="0" cy="0"/>
-          <a:chOff x="0" y="0"/>
-          <a:chExt cx="0" cy="0"/>
-        </a:xfrm>
-      </p:grpSpPr>
-      <p:pic>
-        <p:nvPicPr>
-          <p:cNvPr id="5" name="Picture 4"/>
-          <p:cNvPicPr>
-            <a:picLocks noChangeAspect="1"/>
-          </p:cNvPicPr>
-          <p:nvPr/>
-        </p:nvPicPr>
-        <p:blipFill>
-          <a:blip r:embed="rId2">
-            <a:extLst>
-              <a:ext uri="{28A0092B-C50C-407E-A947-70E740481C1C}">
-                <a14:useLocalDpi xmlns:a14="http://schemas.microsoft.com/office/drawing/2010/main" val="0"/>
-              </a:ext>
-            </a:extLst>
-          </a:blip>
-          <a:stretch>
-            <a:fillRect/>
-          </a:stretch>
-        </p:blipFill>
-        <p:spPr>
-          <a:xfrm>
-            <a:off x="989012" y="990600"/>
-            <a:ext cx="3992123" cy="5239662"/>
-          </a:xfrm>
-          <a:prstGeom prst="snip2DiagRect">
-            <a:avLst/>
-          </a:prstGeom>
-          <a:solidFill>
-            <a:srgbClr val="FFFFFF">
-              <a:shade val="85000"/>
-            </a:srgbClr>
-          </a:solidFill>
-          <a:ln w="88900" cap="sq">
-            <a:solidFill>
-              <a:srgbClr val="FFFFFF"/>
-            </a:solidFill>
-            <a:miter lim="800000"/>
-          </a:ln>
-          <a:effectLst>
-            <a:outerShdw blurRad="88900" algn="tl" rotWithShape="0">
-              <a:srgbClr val="000000">
-                <a:alpha val="45000"/>
-              </a:srgbClr>
-            </a:outerShdw>
-          </a:effectLst>
-          <a:scene3d>
-            <a:camera prst="orthographicFront"/>
-            <a:lightRig rig="twoPt" dir="t">
-              <a:rot lat="0" lon="0" rev="7200000"/>
-            </a:lightRig>
-          </a:scene3d>
-          <a:sp3d>
-            <a:bevelT w="25400" h="19050"/>
-            <a:contourClr>
-              <a:srgbClr val="FFFFFF"/>
-            </a:contourClr>
-          </a:sp3d>
-        </p:spPr>
-      </p:pic>
-      <p:grpSp>
-        <p:nvGrpSpPr>
-          <p:cNvPr id="22" name="Group 21"/>
-          <p:cNvGrpSpPr/>
-          <p:nvPr/>
-        </p:nvGrpSpPr>
-        <p:grpSpPr>
-          <a:xfrm>
-            <a:off x="308258" y="227525"/>
-            <a:ext cx="1361508" cy="1330443"/>
-            <a:chOff x="2657475" y="1044575"/>
-            <a:chExt cx="4900613" cy="4900613"/>
-          </a:xfrm>
-          <a:solidFill>
-            <a:sysClr val="window" lastClr="FFFFFF"/>
-          </a:solidFill>
-        </p:grpSpPr>
-        <p:sp>
-          <p:nvSpPr>
-            <p:cNvPr id="23" name="Freeform 22"/>
-            <p:cNvSpPr>
-              <a:spLocks noEditPoints="1"/>
-            </p:cNvSpPr>
-            <p:nvPr/>
-          </p:nvSpPr>
-          <p:spPr bwMode="auto">
-            <a:xfrm>
-              <a:off x="2865438" y="1252538"/>
-              <a:ext cx="4484688" cy="4484688"/>
-            </a:xfrm>
-            <a:custGeom>
-              <a:avLst/>
-              <a:gdLst>
-                <a:gd name="T0" fmla="*/ 908 w 1816"/>
-                <a:gd name="T1" fmla="*/ 0 h 1816"/>
-                <a:gd name="T2" fmla="*/ 0 w 1816"/>
-                <a:gd name="T3" fmla="*/ 908 h 1816"/>
-                <a:gd name="T4" fmla="*/ 908 w 1816"/>
-                <a:gd name="T5" fmla="*/ 1816 h 1816"/>
-                <a:gd name="T6" fmla="*/ 1816 w 1816"/>
-                <a:gd name="T7" fmla="*/ 908 h 1816"/>
-                <a:gd name="T8" fmla="*/ 908 w 1816"/>
-                <a:gd name="T9" fmla="*/ 0 h 1816"/>
-                <a:gd name="T10" fmla="*/ 908 w 1816"/>
-                <a:gd name="T11" fmla="*/ 1798 h 1816"/>
-                <a:gd name="T12" fmla="*/ 18 w 1816"/>
-                <a:gd name="T13" fmla="*/ 908 h 1816"/>
-                <a:gd name="T14" fmla="*/ 908 w 1816"/>
-                <a:gd name="T15" fmla="*/ 18 h 1816"/>
-                <a:gd name="T16" fmla="*/ 1798 w 1816"/>
-                <a:gd name="T17" fmla="*/ 908 h 1816"/>
-                <a:gd name="T18" fmla="*/ 908 w 1816"/>
-                <a:gd name="T19" fmla="*/ 1798 h 1816"/>
-              </a:gdLst>
-              <a:ahLst/>
-              <a:cxnLst>
-                <a:cxn ang="0">
-                  <a:pos x="T0" y="T1"/>
-                </a:cxn>
-                <a:cxn ang="0">
-                  <a:pos x="T2" y="T3"/>
-                </a:cxn>
-                <a:cxn ang="0">
-                  <a:pos x="T4" y="T5"/>
-                </a:cxn>
-                <a:cxn ang="0">
-                  <a:pos x="T6" y="T7"/>
-                </a:cxn>
-                <a:cxn ang="0">
-                  <a:pos x="T8" y="T9"/>
-                </a:cxn>
-                <a:cxn ang="0">
-                  <a:pos x="T10" y="T11"/>
-                </a:cxn>
-                <a:cxn ang="0">
-                  <a:pos x="T12" y="T13"/>
-                </a:cxn>
-                <a:cxn ang="0">
-                  <a:pos x="T14" y="T15"/>
-                </a:cxn>
-                <a:cxn ang="0">
-                  <a:pos x="T16" y="T17"/>
-                </a:cxn>
-                <a:cxn ang="0">
-                  <a:pos x="T18" y="T19"/>
-                </a:cxn>
-              </a:cxnLst>
-              <a:rect l="0" t="0" r="r" b="b"/>
-              <a:pathLst>
-                <a:path w="1816" h="1816">
-                  <a:moveTo>
-                    <a:pt x="908" y="0"/>
-                  </a:moveTo>
-                  <a:cubicBezTo>
-                    <a:pt x="407" y="0"/>
-                    <a:pt x="0" y="407"/>
-                    <a:pt x="0" y="908"/>
-                  </a:cubicBezTo>
-                  <a:cubicBezTo>
-                    <a:pt x="0" y="1409"/>
-                    <a:pt x="407" y="1816"/>
-                    <a:pt x="908" y="1816"/>
-                  </a:cubicBezTo>
-                  <a:cubicBezTo>
-                    <a:pt x="1409" y="1816"/>
-                    <a:pt x="1816" y="1409"/>
-                    <a:pt x="1816" y="908"/>
-                  </a:cubicBezTo>
-                  <a:cubicBezTo>
-                    <a:pt x="1816" y="407"/>
-                    <a:pt x="1409" y="0"/>
-                    <a:pt x="908" y="0"/>
-                  </a:cubicBezTo>
-                  <a:close/>
-                  <a:moveTo>
-                    <a:pt x="908" y="1798"/>
-                  </a:moveTo>
-                  <a:cubicBezTo>
-                    <a:pt x="416" y="1798"/>
-                    <a:pt x="18" y="1400"/>
-                    <a:pt x="18" y="908"/>
-                  </a:cubicBezTo>
-                  <a:cubicBezTo>
-                    <a:pt x="18" y="416"/>
-                    <a:pt x="416" y="18"/>
-                    <a:pt x="908" y="18"/>
-                  </a:cubicBezTo>
-                  <a:cubicBezTo>
-                    <a:pt x="1400" y="18"/>
-                    <a:pt x="1798" y="416"/>
-                    <a:pt x="1798" y="908"/>
-                  </a:cubicBezTo>
-                  <a:cubicBezTo>
-                    <a:pt x="1798" y="1400"/>
-                    <a:pt x="1400" y="1798"/>
-                    <a:pt x="908" y="1798"/>
-                  </a:cubicBezTo>
-                  <a:close/>
-                </a:path>
-              </a:pathLst>
-            </a:custGeom>
-            <a:solidFill>
-              <a:srgbClr val="D32E2E"/>
-            </a:solidFill>
-            <a:ln>
-              <a:noFill/>
-            </a:ln>
-            <a:extLst>
-              <a:ext uri="{91240B29-F687-4F45-9708-019B960494DF}">
-                <a14:hiddenLine xmlns:a14="http://schemas.microsoft.com/office/drawing/2010/main" w="9525">
-                  <a:solidFill>
-                    <a:srgbClr val="000000"/>
-                  </a:solidFill>
-                  <a:round/>
-                  <a:headEnd/>
-                  <a:tailEnd/>
-                </a14:hiddenLine>
-              </a:ext>
-            </a:extLst>
-          </p:spPr>
-          <p:txBody>
-            <a:bodyPr vert="horz" wrap="square" lIns="91440" tIns="45720" rIns="91440" bIns="45720" numCol="1" anchor="t" anchorCtr="0" compatLnSpc="1">
-              <a:prstTxWarp prst="textNoShape">
-                <a:avLst/>
-              </a:prstTxWarp>
-            </a:bodyPr>
-            <a:lstStyle/>
-            <a:p>
-              <a:pPr marL="0" marR="0" lvl="0" indent="0" defTabSz="914400" eaLnBrk="1" fontAlgn="auto" latinLnBrk="0" hangingPunct="1">
-                <a:lnSpc>
-                  <a:spcPct val="100000"/>
-                </a:lnSpc>
-                <a:spcBef>
-                  <a:spcPts val="0"/>
-                </a:spcBef>
-                <a:spcAft>
-                  <a:spcPts val="0"/>
-                </a:spcAft>
-                <a:buClrTx/>
-                <a:buSzTx/>
-                <a:buFontTx/>
-                <a:buNone/>
-                <a:tabLst/>
-                <a:defRPr/>
-              </a:pPr>
-              <a:endParaRPr kumimoji="0" lang="en-US" sz="1800" b="0" i="0" u="none" strike="noStrike" kern="0" cap="none" spc="0" normalizeH="0" baseline="0" noProof="0" smtClean="0">
-                <a:ln>
-                  <a:noFill/>
-                </a:ln>
-                <a:solidFill>
-                  <a:prstClr val="black"/>
-                </a:solidFill>
-                <a:effectLst/>
-                <a:uLnTx/>
-                <a:uFillTx/>
-                <a:latin typeface="Century Gothic"/>
-              </a:endParaRPr>
-            </a:p>
-          </p:txBody>
-        </p:sp>
-        <p:sp>
-          <p:nvSpPr>
-            <p:cNvPr id="24" name="Freeform 23"/>
-            <p:cNvSpPr>
-              <a:spLocks noEditPoints="1"/>
-            </p:cNvSpPr>
-            <p:nvPr/>
-          </p:nvSpPr>
-          <p:spPr bwMode="auto">
-            <a:xfrm>
-              <a:off x="2657475" y="1044575"/>
-              <a:ext cx="4900613" cy="4900613"/>
-            </a:xfrm>
-            <a:custGeom>
-              <a:avLst/>
-              <a:gdLst>
-                <a:gd name="T0" fmla="*/ 992 w 1984"/>
-                <a:gd name="T1" fmla="*/ 0 h 1984"/>
-                <a:gd name="T2" fmla="*/ 0 w 1984"/>
-                <a:gd name="T3" fmla="*/ 992 h 1984"/>
-                <a:gd name="T4" fmla="*/ 992 w 1984"/>
-                <a:gd name="T5" fmla="*/ 1984 h 1984"/>
-                <a:gd name="T6" fmla="*/ 1984 w 1984"/>
-                <a:gd name="T7" fmla="*/ 992 h 1984"/>
-                <a:gd name="T8" fmla="*/ 992 w 1984"/>
-                <a:gd name="T9" fmla="*/ 0 h 1984"/>
-                <a:gd name="T10" fmla="*/ 992 w 1984"/>
-                <a:gd name="T11" fmla="*/ 1934 h 1984"/>
-                <a:gd name="T12" fmla="*/ 50 w 1984"/>
-                <a:gd name="T13" fmla="*/ 992 h 1984"/>
-                <a:gd name="T14" fmla="*/ 992 w 1984"/>
-                <a:gd name="T15" fmla="*/ 50 h 1984"/>
-                <a:gd name="T16" fmla="*/ 1934 w 1984"/>
-                <a:gd name="T17" fmla="*/ 992 h 1984"/>
-                <a:gd name="T18" fmla="*/ 992 w 1984"/>
-                <a:gd name="T19" fmla="*/ 1934 h 1984"/>
-              </a:gdLst>
-              <a:ahLst/>
-              <a:cxnLst>
-                <a:cxn ang="0">
-                  <a:pos x="T0" y="T1"/>
-                </a:cxn>
-                <a:cxn ang="0">
-                  <a:pos x="T2" y="T3"/>
-                </a:cxn>
-                <a:cxn ang="0">
-                  <a:pos x="T4" y="T5"/>
-                </a:cxn>
-                <a:cxn ang="0">
-                  <a:pos x="T6" y="T7"/>
-                </a:cxn>
-                <a:cxn ang="0">
-                  <a:pos x="T8" y="T9"/>
-                </a:cxn>
-                <a:cxn ang="0">
-                  <a:pos x="T10" y="T11"/>
-                </a:cxn>
-                <a:cxn ang="0">
-                  <a:pos x="T12" y="T13"/>
-                </a:cxn>
-                <a:cxn ang="0">
-                  <a:pos x="T14" y="T15"/>
-                </a:cxn>
-                <a:cxn ang="0">
-                  <a:pos x="T16" y="T17"/>
-                </a:cxn>
-                <a:cxn ang="0">
-                  <a:pos x="T18" y="T19"/>
-                </a:cxn>
-              </a:cxnLst>
-              <a:rect l="0" t="0" r="r" b="b"/>
-              <a:pathLst>
-                <a:path w="1984" h="1984">
-                  <a:moveTo>
-                    <a:pt x="992" y="0"/>
-                  </a:moveTo>
-                  <a:cubicBezTo>
-                    <a:pt x="444" y="0"/>
-                    <a:pt x="0" y="444"/>
-                    <a:pt x="0" y="992"/>
-                  </a:cubicBezTo>
-                  <a:cubicBezTo>
-                    <a:pt x="0" y="1540"/>
-                    <a:pt x="444" y="1984"/>
-                    <a:pt x="992" y="1984"/>
-                  </a:cubicBezTo>
-                  <a:cubicBezTo>
-                    <a:pt x="1540" y="1984"/>
-                    <a:pt x="1984" y="1540"/>
-                    <a:pt x="1984" y="992"/>
-                  </a:cubicBezTo>
-                  <a:cubicBezTo>
-                    <a:pt x="1984" y="444"/>
-                    <a:pt x="1540" y="0"/>
-                    <a:pt x="992" y="0"/>
-                  </a:cubicBezTo>
-                  <a:close/>
-                  <a:moveTo>
-                    <a:pt x="992" y="1934"/>
-                  </a:moveTo>
-                  <a:cubicBezTo>
-                    <a:pt x="472" y="1934"/>
-                    <a:pt x="50" y="1512"/>
-                    <a:pt x="50" y="992"/>
-                  </a:cubicBezTo>
-                  <a:cubicBezTo>
-                    <a:pt x="50" y="472"/>
-                    <a:pt x="472" y="50"/>
-                    <a:pt x="992" y="50"/>
-                  </a:cubicBezTo>
-                  <a:cubicBezTo>
-                    <a:pt x="1512" y="50"/>
-                    <a:pt x="1934" y="472"/>
-                    <a:pt x="1934" y="992"/>
-                  </a:cubicBezTo>
-                  <a:cubicBezTo>
-                    <a:pt x="1934" y="1512"/>
-                    <a:pt x="1512" y="1934"/>
-                    <a:pt x="992" y="1934"/>
-                  </a:cubicBezTo>
-                  <a:close/>
-                </a:path>
-              </a:pathLst>
-            </a:custGeom>
-            <a:solidFill>
-              <a:srgbClr val="D32E2E"/>
-            </a:solidFill>
-            <a:ln>
-              <a:noFill/>
-            </a:ln>
-            <a:extLst>
-              <a:ext uri="{91240B29-F687-4F45-9708-019B960494DF}">
-                <a14:hiddenLine xmlns:a14="http://schemas.microsoft.com/office/drawing/2010/main" w="9525">
-                  <a:solidFill>
-                    <a:srgbClr val="000000"/>
-                  </a:solidFill>
-                  <a:round/>
-                  <a:headEnd/>
-                  <a:tailEnd/>
-                </a14:hiddenLine>
-              </a:ext>
-            </a:extLst>
-          </p:spPr>
-          <p:txBody>
-            <a:bodyPr vert="horz" wrap="square" lIns="91440" tIns="45720" rIns="91440" bIns="45720" numCol="1" anchor="t" anchorCtr="0" compatLnSpc="1">
-              <a:prstTxWarp prst="textNoShape">
-                <a:avLst/>
-              </a:prstTxWarp>
-            </a:bodyPr>
-            <a:lstStyle/>
-            <a:p>
-              <a:pPr marL="0" marR="0" lvl="0" indent="0" defTabSz="914400" eaLnBrk="1" fontAlgn="auto" latinLnBrk="0" hangingPunct="1">
-                <a:lnSpc>
-                  <a:spcPct val="100000"/>
-                </a:lnSpc>
-                <a:spcBef>
-                  <a:spcPts val="0"/>
-                </a:spcBef>
-                <a:spcAft>
-                  <a:spcPts val="0"/>
-                </a:spcAft>
-                <a:buClrTx/>
-                <a:buSzTx/>
-                <a:buFontTx/>
-                <a:buNone/>
-                <a:tabLst/>
-                <a:defRPr/>
-              </a:pPr>
-              <a:endParaRPr kumimoji="0" lang="en-US" sz="1800" b="0" i="0" u="none" strike="noStrike" kern="0" cap="none" spc="0" normalizeH="0" baseline="0" noProof="0" smtClean="0">
-                <a:ln>
-                  <a:noFill/>
-                </a:ln>
-                <a:solidFill>
-                  <a:prstClr val="black"/>
-                </a:solidFill>
-                <a:effectLst/>
-                <a:uLnTx/>
-                <a:uFillTx/>
-                <a:latin typeface="Century Gothic"/>
-              </a:endParaRPr>
-            </a:p>
-          </p:txBody>
-        </p:sp>
-      </p:grpSp>
-      <p:pic>
-        <p:nvPicPr>
-          <p:cNvPr id="25" name="Picture 24"/>
-          <p:cNvPicPr>
-            <a:picLocks noChangeAspect="1"/>
-          </p:cNvPicPr>
-          <p:nvPr/>
-        </p:nvPicPr>
-        <p:blipFill>
-          <a:blip r:embed="rId3" cstate="print">
-            <a:extLst>
-              <a:ext uri="{28A0092B-C50C-407E-A947-70E740481C1C}">
-                <a14:useLocalDpi xmlns:a14="http://schemas.microsoft.com/office/drawing/2010/main" val="0"/>
-              </a:ext>
-            </a:extLst>
-          </a:blip>
-          <a:stretch>
-            <a:fillRect/>
-          </a:stretch>
-        </p:blipFill>
-        <p:spPr>
-          <a:xfrm>
-            <a:off x="440872" y="337461"/>
-            <a:ext cx="1096280" cy="1096280"/>
-          </a:xfrm>
-          <a:prstGeom prst="rect">
-            <a:avLst/>
-          </a:prstGeom>
-        </p:spPr>
-      </p:pic>
-    </p:spTree>
-    <p:extLst>
-      <p:ext uri="{BB962C8B-B14F-4D97-AF65-F5344CB8AC3E}">
-        <p14:creationId xmlns:p14="http://schemas.microsoft.com/office/powerpoint/2010/main" val="2423406128"/>
       </p:ext>
     </p:extLst>
   </p:cSld>
@@ -25885,6 +25500,529 @@
       </p:grpSpPr>
       <p:pic>
         <p:nvPicPr>
+          <p:cNvPr id="5" name="Picture 4"/>
+          <p:cNvPicPr>
+            <a:picLocks noChangeAspect="1"/>
+          </p:cNvPicPr>
+          <p:nvPr/>
+        </p:nvPicPr>
+        <p:blipFill>
+          <a:blip r:embed="rId2">
+            <a:extLst>
+              <a:ext uri="{28A0092B-C50C-407E-A947-70E740481C1C}">
+                <a14:useLocalDpi xmlns:a14="http://schemas.microsoft.com/office/drawing/2010/main" val="0"/>
+              </a:ext>
+            </a:extLst>
+          </a:blip>
+          <a:stretch>
+            <a:fillRect/>
+          </a:stretch>
+        </p:blipFill>
+        <p:spPr>
+          <a:xfrm>
+            <a:off x="989012" y="990600"/>
+            <a:ext cx="3992123" cy="5239662"/>
+          </a:xfrm>
+          <a:prstGeom prst="snip2DiagRect">
+            <a:avLst/>
+          </a:prstGeom>
+          <a:solidFill>
+            <a:srgbClr val="FFFFFF">
+              <a:shade val="85000"/>
+            </a:srgbClr>
+          </a:solidFill>
+          <a:ln w="88900" cap="sq">
+            <a:solidFill>
+              <a:srgbClr val="FFFFFF"/>
+            </a:solidFill>
+            <a:miter lim="800000"/>
+          </a:ln>
+          <a:effectLst>
+            <a:outerShdw blurRad="88900" algn="tl" rotWithShape="0">
+              <a:srgbClr val="000000">
+                <a:alpha val="45000"/>
+              </a:srgbClr>
+            </a:outerShdw>
+          </a:effectLst>
+          <a:scene3d>
+            <a:camera prst="orthographicFront"/>
+            <a:lightRig rig="twoPt" dir="t">
+              <a:rot lat="0" lon="0" rev="7200000"/>
+            </a:lightRig>
+          </a:scene3d>
+          <a:sp3d>
+            <a:bevelT w="25400" h="19050"/>
+            <a:contourClr>
+              <a:srgbClr val="FFFFFF"/>
+            </a:contourClr>
+          </a:sp3d>
+        </p:spPr>
+      </p:pic>
+      <p:grpSp>
+        <p:nvGrpSpPr>
+          <p:cNvPr id="22" name="Group 21"/>
+          <p:cNvGrpSpPr/>
+          <p:nvPr/>
+        </p:nvGrpSpPr>
+        <p:grpSpPr>
+          <a:xfrm>
+            <a:off x="308258" y="227525"/>
+            <a:ext cx="1361508" cy="1330443"/>
+            <a:chOff x="2657475" y="1044575"/>
+            <a:chExt cx="4900613" cy="4900613"/>
+          </a:xfrm>
+          <a:solidFill>
+            <a:sysClr val="window" lastClr="FFFFFF"/>
+          </a:solidFill>
+        </p:grpSpPr>
+        <p:sp>
+          <p:nvSpPr>
+            <p:cNvPr id="23" name="Freeform 22"/>
+            <p:cNvSpPr>
+              <a:spLocks noEditPoints="1"/>
+            </p:cNvSpPr>
+            <p:nvPr/>
+          </p:nvSpPr>
+          <p:spPr bwMode="auto">
+            <a:xfrm>
+              <a:off x="2865438" y="1252538"/>
+              <a:ext cx="4484688" cy="4484688"/>
+            </a:xfrm>
+            <a:custGeom>
+              <a:avLst/>
+              <a:gdLst>
+                <a:gd name="T0" fmla="*/ 908 w 1816"/>
+                <a:gd name="T1" fmla="*/ 0 h 1816"/>
+                <a:gd name="T2" fmla="*/ 0 w 1816"/>
+                <a:gd name="T3" fmla="*/ 908 h 1816"/>
+                <a:gd name="T4" fmla="*/ 908 w 1816"/>
+                <a:gd name="T5" fmla="*/ 1816 h 1816"/>
+                <a:gd name="T6" fmla="*/ 1816 w 1816"/>
+                <a:gd name="T7" fmla="*/ 908 h 1816"/>
+                <a:gd name="T8" fmla="*/ 908 w 1816"/>
+                <a:gd name="T9" fmla="*/ 0 h 1816"/>
+                <a:gd name="T10" fmla="*/ 908 w 1816"/>
+                <a:gd name="T11" fmla="*/ 1798 h 1816"/>
+                <a:gd name="T12" fmla="*/ 18 w 1816"/>
+                <a:gd name="T13" fmla="*/ 908 h 1816"/>
+                <a:gd name="T14" fmla="*/ 908 w 1816"/>
+                <a:gd name="T15" fmla="*/ 18 h 1816"/>
+                <a:gd name="T16" fmla="*/ 1798 w 1816"/>
+                <a:gd name="T17" fmla="*/ 908 h 1816"/>
+                <a:gd name="T18" fmla="*/ 908 w 1816"/>
+                <a:gd name="T19" fmla="*/ 1798 h 1816"/>
+              </a:gdLst>
+              <a:ahLst/>
+              <a:cxnLst>
+                <a:cxn ang="0">
+                  <a:pos x="T0" y="T1"/>
+                </a:cxn>
+                <a:cxn ang="0">
+                  <a:pos x="T2" y="T3"/>
+                </a:cxn>
+                <a:cxn ang="0">
+                  <a:pos x="T4" y="T5"/>
+                </a:cxn>
+                <a:cxn ang="0">
+                  <a:pos x="T6" y="T7"/>
+                </a:cxn>
+                <a:cxn ang="0">
+                  <a:pos x="T8" y="T9"/>
+                </a:cxn>
+                <a:cxn ang="0">
+                  <a:pos x="T10" y="T11"/>
+                </a:cxn>
+                <a:cxn ang="0">
+                  <a:pos x="T12" y="T13"/>
+                </a:cxn>
+                <a:cxn ang="0">
+                  <a:pos x="T14" y="T15"/>
+                </a:cxn>
+                <a:cxn ang="0">
+                  <a:pos x="T16" y="T17"/>
+                </a:cxn>
+                <a:cxn ang="0">
+                  <a:pos x="T18" y="T19"/>
+                </a:cxn>
+              </a:cxnLst>
+              <a:rect l="0" t="0" r="r" b="b"/>
+              <a:pathLst>
+                <a:path w="1816" h="1816">
+                  <a:moveTo>
+                    <a:pt x="908" y="0"/>
+                  </a:moveTo>
+                  <a:cubicBezTo>
+                    <a:pt x="407" y="0"/>
+                    <a:pt x="0" y="407"/>
+                    <a:pt x="0" y="908"/>
+                  </a:cubicBezTo>
+                  <a:cubicBezTo>
+                    <a:pt x="0" y="1409"/>
+                    <a:pt x="407" y="1816"/>
+                    <a:pt x="908" y="1816"/>
+                  </a:cubicBezTo>
+                  <a:cubicBezTo>
+                    <a:pt x="1409" y="1816"/>
+                    <a:pt x="1816" y="1409"/>
+                    <a:pt x="1816" y="908"/>
+                  </a:cubicBezTo>
+                  <a:cubicBezTo>
+                    <a:pt x="1816" y="407"/>
+                    <a:pt x="1409" y="0"/>
+                    <a:pt x="908" y="0"/>
+                  </a:cubicBezTo>
+                  <a:close/>
+                  <a:moveTo>
+                    <a:pt x="908" y="1798"/>
+                  </a:moveTo>
+                  <a:cubicBezTo>
+                    <a:pt x="416" y="1798"/>
+                    <a:pt x="18" y="1400"/>
+                    <a:pt x="18" y="908"/>
+                  </a:cubicBezTo>
+                  <a:cubicBezTo>
+                    <a:pt x="18" y="416"/>
+                    <a:pt x="416" y="18"/>
+                    <a:pt x="908" y="18"/>
+                  </a:cubicBezTo>
+                  <a:cubicBezTo>
+                    <a:pt x="1400" y="18"/>
+                    <a:pt x="1798" y="416"/>
+                    <a:pt x="1798" y="908"/>
+                  </a:cubicBezTo>
+                  <a:cubicBezTo>
+                    <a:pt x="1798" y="1400"/>
+                    <a:pt x="1400" y="1798"/>
+                    <a:pt x="908" y="1798"/>
+                  </a:cubicBezTo>
+                  <a:close/>
+                </a:path>
+              </a:pathLst>
+            </a:custGeom>
+            <a:solidFill>
+              <a:srgbClr val="D32E2E"/>
+            </a:solidFill>
+            <a:ln>
+              <a:noFill/>
+            </a:ln>
+            <a:extLst>
+              <a:ext uri="{91240B29-F687-4F45-9708-019B960494DF}">
+                <a14:hiddenLine xmlns:a14="http://schemas.microsoft.com/office/drawing/2010/main" w="9525">
+                  <a:solidFill>
+                    <a:srgbClr val="000000"/>
+                  </a:solidFill>
+                  <a:round/>
+                  <a:headEnd/>
+                  <a:tailEnd/>
+                </a14:hiddenLine>
+              </a:ext>
+            </a:extLst>
+          </p:spPr>
+          <p:txBody>
+            <a:bodyPr vert="horz" wrap="square" lIns="91440" tIns="45720" rIns="91440" bIns="45720" numCol="1" anchor="t" anchorCtr="0" compatLnSpc="1">
+              <a:prstTxWarp prst="textNoShape">
+                <a:avLst/>
+              </a:prstTxWarp>
+            </a:bodyPr>
+            <a:lstStyle/>
+            <a:p>
+              <a:pPr marL="0" marR="0" lvl="0" indent="0" defTabSz="914400" eaLnBrk="1" fontAlgn="auto" latinLnBrk="0" hangingPunct="1">
+                <a:lnSpc>
+                  <a:spcPct val="100000"/>
+                </a:lnSpc>
+                <a:spcBef>
+                  <a:spcPts val="0"/>
+                </a:spcBef>
+                <a:spcAft>
+                  <a:spcPts val="0"/>
+                </a:spcAft>
+                <a:buClrTx/>
+                <a:buSzTx/>
+                <a:buFontTx/>
+                <a:buNone/>
+                <a:tabLst/>
+                <a:defRPr/>
+              </a:pPr>
+              <a:endParaRPr kumimoji="0" lang="en-US" sz="1800" b="0" i="0" u="none" strike="noStrike" kern="0" cap="none" spc="0" normalizeH="0" baseline="0" noProof="0" smtClean="0">
+                <a:ln>
+                  <a:noFill/>
+                </a:ln>
+                <a:solidFill>
+                  <a:prstClr val="black"/>
+                </a:solidFill>
+                <a:effectLst/>
+                <a:uLnTx/>
+                <a:uFillTx/>
+                <a:latin typeface="Century Gothic"/>
+              </a:endParaRPr>
+            </a:p>
+          </p:txBody>
+        </p:sp>
+        <p:sp>
+          <p:nvSpPr>
+            <p:cNvPr id="24" name="Freeform 23"/>
+            <p:cNvSpPr>
+              <a:spLocks noEditPoints="1"/>
+            </p:cNvSpPr>
+            <p:nvPr/>
+          </p:nvSpPr>
+          <p:spPr bwMode="auto">
+            <a:xfrm>
+              <a:off x="2657475" y="1044575"/>
+              <a:ext cx="4900613" cy="4900613"/>
+            </a:xfrm>
+            <a:custGeom>
+              <a:avLst/>
+              <a:gdLst>
+                <a:gd name="T0" fmla="*/ 992 w 1984"/>
+                <a:gd name="T1" fmla="*/ 0 h 1984"/>
+                <a:gd name="T2" fmla="*/ 0 w 1984"/>
+                <a:gd name="T3" fmla="*/ 992 h 1984"/>
+                <a:gd name="T4" fmla="*/ 992 w 1984"/>
+                <a:gd name="T5" fmla="*/ 1984 h 1984"/>
+                <a:gd name="T6" fmla="*/ 1984 w 1984"/>
+                <a:gd name="T7" fmla="*/ 992 h 1984"/>
+                <a:gd name="T8" fmla="*/ 992 w 1984"/>
+                <a:gd name="T9" fmla="*/ 0 h 1984"/>
+                <a:gd name="T10" fmla="*/ 992 w 1984"/>
+                <a:gd name="T11" fmla="*/ 1934 h 1984"/>
+                <a:gd name="T12" fmla="*/ 50 w 1984"/>
+                <a:gd name="T13" fmla="*/ 992 h 1984"/>
+                <a:gd name="T14" fmla="*/ 992 w 1984"/>
+                <a:gd name="T15" fmla="*/ 50 h 1984"/>
+                <a:gd name="T16" fmla="*/ 1934 w 1984"/>
+                <a:gd name="T17" fmla="*/ 992 h 1984"/>
+                <a:gd name="T18" fmla="*/ 992 w 1984"/>
+                <a:gd name="T19" fmla="*/ 1934 h 1984"/>
+              </a:gdLst>
+              <a:ahLst/>
+              <a:cxnLst>
+                <a:cxn ang="0">
+                  <a:pos x="T0" y="T1"/>
+                </a:cxn>
+                <a:cxn ang="0">
+                  <a:pos x="T2" y="T3"/>
+                </a:cxn>
+                <a:cxn ang="0">
+                  <a:pos x="T4" y="T5"/>
+                </a:cxn>
+                <a:cxn ang="0">
+                  <a:pos x="T6" y="T7"/>
+                </a:cxn>
+                <a:cxn ang="0">
+                  <a:pos x="T8" y="T9"/>
+                </a:cxn>
+                <a:cxn ang="0">
+                  <a:pos x="T10" y="T11"/>
+                </a:cxn>
+                <a:cxn ang="0">
+                  <a:pos x="T12" y="T13"/>
+                </a:cxn>
+                <a:cxn ang="0">
+                  <a:pos x="T14" y="T15"/>
+                </a:cxn>
+                <a:cxn ang="0">
+                  <a:pos x="T16" y="T17"/>
+                </a:cxn>
+                <a:cxn ang="0">
+                  <a:pos x="T18" y="T19"/>
+                </a:cxn>
+              </a:cxnLst>
+              <a:rect l="0" t="0" r="r" b="b"/>
+              <a:pathLst>
+                <a:path w="1984" h="1984">
+                  <a:moveTo>
+                    <a:pt x="992" y="0"/>
+                  </a:moveTo>
+                  <a:cubicBezTo>
+                    <a:pt x="444" y="0"/>
+                    <a:pt x="0" y="444"/>
+                    <a:pt x="0" y="992"/>
+                  </a:cubicBezTo>
+                  <a:cubicBezTo>
+                    <a:pt x="0" y="1540"/>
+                    <a:pt x="444" y="1984"/>
+                    <a:pt x="992" y="1984"/>
+                  </a:cubicBezTo>
+                  <a:cubicBezTo>
+                    <a:pt x="1540" y="1984"/>
+                    <a:pt x="1984" y="1540"/>
+                    <a:pt x="1984" y="992"/>
+                  </a:cubicBezTo>
+                  <a:cubicBezTo>
+                    <a:pt x="1984" y="444"/>
+                    <a:pt x="1540" y="0"/>
+                    <a:pt x="992" y="0"/>
+                  </a:cubicBezTo>
+                  <a:close/>
+                  <a:moveTo>
+                    <a:pt x="992" y="1934"/>
+                  </a:moveTo>
+                  <a:cubicBezTo>
+                    <a:pt x="472" y="1934"/>
+                    <a:pt x="50" y="1512"/>
+                    <a:pt x="50" y="992"/>
+                  </a:cubicBezTo>
+                  <a:cubicBezTo>
+                    <a:pt x="50" y="472"/>
+                    <a:pt x="472" y="50"/>
+                    <a:pt x="992" y="50"/>
+                  </a:cubicBezTo>
+                  <a:cubicBezTo>
+                    <a:pt x="1512" y="50"/>
+                    <a:pt x="1934" y="472"/>
+                    <a:pt x="1934" y="992"/>
+                  </a:cubicBezTo>
+                  <a:cubicBezTo>
+                    <a:pt x="1934" y="1512"/>
+                    <a:pt x="1512" y="1934"/>
+                    <a:pt x="992" y="1934"/>
+                  </a:cubicBezTo>
+                  <a:close/>
+                </a:path>
+              </a:pathLst>
+            </a:custGeom>
+            <a:solidFill>
+              <a:srgbClr val="D32E2E"/>
+            </a:solidFill>
+            <a:ln>
+              <a:noFill/>
+            </a:ln>
+            <a:extLst>
+              <a:ext uri="{91240B29-F687-4F45-9708-019B960494DF}">
+                <a14:hiddenLine xmlns:a14="http://schemas.microsoft.com/office/drawing/2010/main" w="9525">
+                  <a:solidFill>
+                    <a:srgbClr val="000000"/>
+                  </a:solidFill>
+                  <a:round/>
+                  <a:headEnd/>
+                  <a:tailEnd/>
+                </a14:hiddenLine>
+              </a:ext>
+            </a:extLst>
+          </p:spPr>
+          <p:txBody>
+            <a:bodyPr vert="horz" wrap="square" lIns="91440" tIns="45720" rIns="91440" bIns="45720" numCol="1" anchor="t" anchorCtr="0" compatLnSpc="1">
+              <a:prstTxWarp prst="textNoShape">
+                <a:avLst/>
+              </a:prstTxWarp>
+            </a:bodyPr>
+            <a:lstStyle/>
+            <a:p>
+              <a:pPr marL="0" marR="0" lvl="0" indent="0" defTabSz="914400" eaLnBrk="1" fontAlgn="auto" latinLnBrk="0" hangingPunct="1">
+                <a:lnSpc>
+                  <a:spcPct val="100000"/>
+                </a:lnSpc>
+                <a:spcBef>
+                  <a:spcPts val="0"/>
+                </a:spcBef>
+                <a:spcAft>
+                  <a:spcPts val="0"/>
+                </a:spcAft>
+                <a:buClrTx/>
+                <a:buSzTx/>
+                <a:buFontTx/>
+                <a:buNone/>
+                <a:tabLst/>
+                <a:defRPr/>
+              </a:pPr>
+              <a:endParaRPr kumimoji="0" lang="en-US" sz="1800" b="0" i="0" u="none" strike="noStrike" kern="0" cap="none" spc="0" normalizeH="0" baseline="0" noProof="0" smtClean="0">
+                <a:ln>
+                  <a:noFill/>
+                </a:ln>
+                <a:solidFill>
+                  <a:prstClr val="black"/>
+                </a:solidFill>
+                <a:effectLst/>
+                <a:uLnTx/>
+                <a:uFillTx/>
+                <a:latin typeface="Century Gothic"/>
+              </a:endParaRPr>
+            </a:p>
+          </p:txBody>
+        </p:sp>
+      </p:grpSp>
+      <p:pic>
+        <p:nvPicPr>
+          <p:cNvPr id="25" name="Picture 24"/>
+          <p:cNvPicPr>
+            <a:picLocks noChangeAspect="1"/>
+          </p:cNvPicPr>
+          <p:nvPr/>
+        </p:nvPicPr>
+        <p:blipFill>
+          <a:blip r:embed="rId3" cstate="print">
+            <a:extLst>
+              <a:ext uri="{28A0092B-C50C-407E-A947-70E740481C1C}">
+                <a14:useLocalDpi xmlns:a14="http://schemas.microsoft.com/office/drawing/2010/main" val="0"/>
+              </a:ext>
+            </a:extLst>
+          </a:blip>
+          <a:stretch>
+            <a:fillRect/>
+          </a:stretch>
+        </p:blipFill>
+        <p:spPr>
+          <a:xfrm>
+            <a:off x="440872" y="337461"/>
+            <a:ext cx="1096280" cy="1096280"/>
+          </a:xfrm>
+          <a:prstGeom prst="rect">
+            <a:avLst/>
+          </a:prstGeom>
+        </p:spPr>
+      </p:pic>
+    </p:spTree>
+    <p:extLst>
+      <p:ext uri="{BB962C8B-B14F-4D97-AF65-F5344CB8AC3E}">
+        <p14:creationId xmlns:p14="http://schemas.microsoft.com/office/powerpoint/2010/main" val="2423406128"/>
+      </p:ext>
+    </p:extLst>
+  </p:cSld>
+  <p:clrMapOvr>
+    <a:masterClrMapping/>
+  </p:clrMapOvr>
+  <mc:AlternateContent xmlns:mc="http://schemas.openxmlformats.org/markup-compatibility/2006" xmlns:p14="http://schemas.microsoft.com/office/powerpoint/2010/main">
+    <mc:Choice Requires="p14">
+      <p:transition spd="med" p14:dur="700">
+        <p:fade/>
+      </p:transition>
+    </mc:Choice>
+    <mc:Fallback xmlns="">
+      <p:transition spd="med">
+        <p:fade/>
+      </p:transition>
+    </mc:Fallback>
+  </mc:AlternateContent>
+  <p:timing>
+    <p:tnLst>
+      <p:par>
+        <p:cTn id="1" dur="indefinite" restart="never" nodeType="tmRoot"/>
+      </p:par>
+    </p:tnLst>
+  </p:timing>
+</p:sld>
+</file>
+
+<file path=ppt/slides/slide31.xml><?xml version="1.0" encoding="utf-8"?>
+<p:sld xmlns:a="http://schemas.openxmlformats.org/drawingml/2006/main" xmlns:r="http://schemas.openxmlformats.org/officeDocument/2006/relationships" xmlns:p="http://schemas.openxmlformats.org/presentationml/2006/main">
+  <p:cSld>
+    <p:spTree>
+      <p:nvGrpSpPr>
+        <p:cNvPr id="1" name=""/>
+        <p:cNvGrpSpPr/>
+        <p:nvPr/>
+      </p:nvGrpSpPr>
+      <p:grpSpPr>
+        <a:xfrm>
+          <a:off x="0" y="0"/>
+          <a:ext cx="0" cy="0"/>
+          <a:chOff x="0" y="0"/>
+          <a:chExt cx="0" cy="0"/>
+        </a:xfrm>
+      </p:grpSpPr>
+      <p:pic>
+        <p:nvPicPr>
           <p:cNvPr id="3" name="Picture 2"/>
           <p:cNvPicPr>
             <a:picLocks noChangeAspect="1"/>
@@ -26389,7 +26527,7 @@
 </p:sld>
 </file>
 
-<file path=ppt/slides/slide31.xml><?xml version="1.0" encoding="utf-8"?>
+<file path=ppt/slides/slide32.xml><?xml version="1.0" encoding="utf-8"?>
 <p:sld xmlns:a="http://schemas.openxmlformats.org/drawingml/2006/main" xmlns:r="http://schemas.openxmlformats.org/officeDocument/2006/relationships" xmlns:p="http://schemas.openxmlformats.org/presentationml/2006/main">
   <p:cSld>
     <p:spTree>
@@ -26912,7 +27050,7 @@
 </p:sld>
 </file>
 
-<file path=ppt/slides/slide32.xml><?xml version="1.0" encoding="utf-8"?>
+<file path=ppt/slides/slide33.xml><?xml version="1.0" encoding="utf-8"?>
 <p:sld xmlns:a="http://schemas.openxmlformats.org/drawingml/2006/main" xmlns:r="http://schemas.openxmlformats.org/officeDocument/2006/relationships" xmlns:p="http://schemas.openxmlformats.org/presentationml/2006/main">
   <p:cSld>
     <p:spTree>
@@ -27435,7 +27573,7 @@
 </p:sld>
 </file>
 
-<file path=ppt/slides/slide33.xml><?xml version="1.0" encoding="utf-8"?>
+<file path=ppt/slides/slide34.xml><?xml version="1.0" encoding="utf-8"?>
 <p:sld xmlns:a="http://schemas.openxmlformats.org/drawingml/2006/main" xmlns:r="http://schemas.openxmlformats.org/officeDocument/2006/relationships" xmlns:p="http://schemas.openxmlformats.org/presentationml/2006/main">
   <p:cSld>
     <p:spTree>
@@ -27958,7 +28096,7 @@
 </p:sld>
 </file>
 
-<file path=ppt/slides/slide34.xml><?xml version="1.0" encoding="utf-8"?>
+<file path=ppt/slides/slide35.xml><?xml version="1.0" encoding="utf-8"?>
 <p:sld xmlns:a="http://schemas.openxmlformats.org/drawingml/2006/main" xmlns:r="http://schemas.openxmlformats.org/officeDocument/2006/relationships" xmlns:p="http://schemas.openxmlformats.org/presentationml/2006/main">
   <p:cSld>
     <p:spTree>
@@ -28481,7 +28619,7 @@
 </p:sld>
 </file>
 
-<file path=ppt/slides/slide35.xml><?xml version="1.0" encoding="utf-8"?>
+<file path=ppt/slides/slide36.xml><?xml version="1.0" encoding="utf-8"?>
 <p:sld xmlns:a="http://schemas.openxmlformats.org/drawingml/2006/main" xmlns:r="http://schemas.openxmlformats.org/officeDocument/2006/relationships" xmlns:p="http://schemas.openxmlformats.org/presentationml/2006/main">
   <p:cSld>
     <p:spTree>
@@ -29004,7 +29142,7 @@
 </p:sld>
 </file>
 
-<file path=ppt/slides/slide36.xml><?xml version="1.0" encoding="utf-8"?>
+<file path=ppt/slides/slide37.xml><?xml version="1.0" encoding="utf-8"?>
 <p:sld xmlns:a="http://schemas.openxmlformats.org/drawingml/2006/main" xmlns:r="http://schemas.openxmlformats.org/officeDocument/2006/relationships" xmlns:p="http://schemas.openxmlformats.org/presentationml/2006/main">
   <p:cSld>
     <p:spTree>
@@ -29527,7 +29665,7 @@
 </p:sld>
 </file>
 
-<file path=ppt/slides/slide37.xml><?xml version="1.0" encoding="utf-8"?>
+<file path=ppt/slides/slide38.xml><?xml version="1.0" encoding="utf-8"?>
 <p:sld xmlns:a="http://schemas.openxmlformats.org/drawingml/2006/main" xmlns:r="http://schemas.openxmlformats.org/officeDocument/2006/relationships" xmlns:p="http://schemas.openxmlformats.org/presentationml/2006/main">
   <p:cSld>
     <p:spTree>
@@ -30050,7 +30188,7 @@
 </p:sld>
 </file>
 
-<file path=ppt/slides/slide38.xml><?xml version="1.0" encoding="utf-8"?>
+<file path=ppt/slides/slide39.xml><?xml version="1.0" encoding="utf-8"?>
 <p:sld xmlns:a="http://schemas.openxmlformats.org/drawingml/2006/main" xmlns:r="http://schemas.openxmlformats.org/officeDocument/2006/relationships" xmlns:p="http://schemas.openxmlformats.org/presentationml/2006/main">
   <p:cSld>
     <p:spTree>
@@ -30545,529 +30683,6 @@
     <p:extLst>
       <p:ext uri="{BB962C8B-B14F-4D97-AF65-F5344CB8AC3E}">
         <p14:creationId xmlns:p14="http://schemas.microsoft.com/office/powerpoint/2010/main" val="1326068859"/>
-      </p:ext>
-    </p:extLst>
-  </p:cSld>
-  <p:clrMapOvr>
-    <a:masterClrMapping/>
-  </p:clrMapOvr>
-  <mc:AlternateContent xmlns:mc="http://schemas.openxmlformats.org/markup-compatibility/2006" xmlns:p14="http://schemas.microsoft.com/office/powerpoint/2010/main">
-    <mc:Choice Requires="p14">
-      <p:transition spd="med" p14:dur="700">
-        <p:fade/>
-      </p:transition>
-    </mc:Choice>
-    <mc:Fallback xmlns="">
-      <p:transition spd="med">
-        <p:fade/>
-      </p:transition>
-    </mc:Fallback>
-  </mc:AlternateContent>
-  <p:timing>
-    <p:tnLst>
-      <p:par>
-        <p:cTn id="1" dur="indefinite" restart="never" nodeType="tmRoot"/>
-      </p:par>
-    </p:tnLst>
-  </p:timing>
-</p:sld>
-</file>
-
-<file path=ppt/slides/slide39.xml><?xml version="1.0" encoding="utf-8"?>
-<p:sld xmlns:a="http://schemas.openxmlformats.org/drawingml/2006/main" xmlns:r="http://schemas.openxmlformats.org/officeDocument/2006/relationships" xmlns:p="http://schemas.openxmlformats.org/presentationml/2006/main">
-  <p:cSld>
-    <p:spTree>
-      <p:nvGrpSpPr>
-        <p:cNvPr id="1" name=""/>
-        <p:cNvGrpSpPr/>
-        <p:nvPr/>
-      </p:nvGrpSpPr>
-      <p:grpSpPr>
-        <a:xfrm>
-          <a:off x="0" y="0"/>
-          <a:ext cx="0" cy="0"/>
-          <a:chOff x="0" y="0"/>
-          <a:chExt cx="0" cy="0"/>
-        </a:xfrm>
-      </p:grpSpPr>
-      <p:pic>
-        <p:nvPicPr>
-          <p:cNvPr id="6" name="Picture 5"/>
-          <p:cNvPicPr>
-            <a:picLocks noChangeAspect="1"/>
-          </p:cNvPicPr>
-          <p:nvPr/>
-        </p:nvPicPr>
-        <p:blipFill>
-          <a:blip r:embed="rId2">
-            <a:extLst>
-              <a:ext uri="{28A0092B-C50C-407E-A947-70E740481C1C}">
-                <a14:useLocalDpi xmlns:a14="http://schemas.microsoft.com/office/drawing/2010/main" val="0"/>
-              </a:ext>
-            </a:extLst>
-          </a:blip>
-          <a:stretch>
-            <a:fillRect/>
-          </a:stretch>
-        </p:blipFill>
-        <p:spPr>
-          <a:xfrm>
-            <a:off x="968954" y="990600"/>
-            <a:ext cx="3764921" cy="4989286"/>
-          </a:xfrm>
-          <a:prstGeom prst="snip2DiagRect">
-            <a:avLst/>
-          </a:prstGeom>
-          <a:solidFill>
-            <a:srgbClr val="FFFFFF">
-              <a:shade val="85000"/>
-            </a:srgbClr>
-          </a:solidFill>
-          <a:ln w="88900" cap="sq">
-            <a:solidFill>
-              <a:srgbClr val="FFFFFF"/>
-            </a:solidFill>
-            <a:miter lim="800000"/>
-          </a:ln>
-          <a:effectLst>
-            <a:outerShdw blurRad="88900" algn="tl" rotWithShape="0">
-              <a:srgbClr val="000000">
-                <a:alpha val="45000"/>
-              </a:srgbClr>
-            </a:outerShdw>
-          </a:effectLst>
-          <a:scene3d>
-            <a:camera prst="orthographicFront"/>
-            <a:lightRig rig="twoPt" dir="t">
-              <a:rot lat="0" lon="0" rev="7200000"/>
-            </a:lightRig>
-          </a:scene3d>
-          <a:sp3d>
-            <a:bevelT w="25400" h="19050"/>
-            <a:contourClr>
-              <a:srgbClr val="FFFFFF"/>
-            </a:contourClr>
-          </a:sp3d>
-        </p:spPr>
-      </p:pic>
-      <p:grpSp>
-        <p:nvGrpSpPr>
-          <p:cNvPr id="7" name="Group 6"/>
-          <p:cNvGrpSpPr/>
-          <p:nvPr/>
-        </p:nvGrpSpPr>
-        <p:grpSpPr>
-          <a:xfrm>
-            <a:off x="308258" y="227525"/>
-            <a:ext cx="1361508" cy="1330443"/>
-            <a:chOff x="2657475" y="1044575"/>
-            <a:chExt cx="4900613" cy="4900613"/>
-          </a:xfrm>
-          <a:solidFill>
-            <a:sysClr val="window" lastClr="FFFFFF"/>
-          </a:solidFill>
-        </p:grpSpPr>
-        <p:sp>
-          <p:nvSpPr>
-            <p:cNvPr id="8" name="Freeform 7"/>
-            <p:cNvSpPr>
-              <a:spLocks noEditPoints="1"/>
-            </p:cNvSpPr>
-            <p:nvPr/>
-          </p:nvSpPr>
-          <p:spPr bwMode="auto">
-            <a:xfrm>
-              <a:off x="2865438" y="1252538"/>
-              <a:ext cx="4484688" cy="4484688"/>
-            </a:xfrm>
-            <a:custGeom>
-              <a:avLst/>
-              <a:gdLst>
-                <a:gd name="T0" fmla="*/ 908 w 1816"/>
-                <a:gd name="T1" fmla="*/ 0 h 1816"/>
-                <a:gd name="T2" fmla="*/ 0 w 1816"/>
-                <a:gd name="T3" fmla="*/ 908 h 1816"/>
-                <a:gd name="T4" fmla="*/ 908 w 1816"/>
-                <a:gd name="T5" fmla="*/ 1816 h 1816"/>
-                <a:gd name="T6" fmla="*/ 1816 w 1816"/>
-                <a:gd name="T7" fmla="*/ 908 h 1816"/>
-                <a:gd name="T8" fmla="*/ 908 w 1816"/>
-                <a:gd name="T9" fmla="*/ 0 h 1816"/>
-                <a:gd name="T10" fmla="*/ 908 w 1816"/>
-                <a:gd name="T11" fmla="*/ 1798 h 1816"/>
-                <a:gd name="T12" fmla="*/ 18 w 1816"/>
-                <a:gd name="T13" fmla="*/ 908 h 1816"/>
-                <a:gd name="T14" fmla="*/ 908 w 1816"/>
-                <a:gd name="T15" fmla="*/ 18 h 1816"/>
-                <a:gd name="T16" fmla="*/ 1798 w 1816"/>
-                <a:gd name="T17" fmla="*/ 908 h 1816"/>
-                <a:gd name="T18" fmla="*/ 908 w 1816"/>
-                <a:gd name="T19" fmla="*/ 1798 h 1816"/>
-              </a:gdLst>
-              <a:ahLst/>
-              <a:cxnLst>
-                <a:cxn ang="0">
-                  <a:pos x="T0" y="T1"/>
-                </a:cxn>
-                <a:cxn ang="0">
-                  <a:pos x="T2" y="T3"/>
-                </a:cxn>
-                <a:cxn ang="0">
-                  <a:pos x="T4" y="T5"/>
-                </a:cxn>
-                <a:cxn ang="0">
-                  <a:pos x="T6" y="T7"/>
-                </a:cxn>
-                <a:cxn ang="0">
-                  <a:pos x="T8" y="T9"/>
-                </a:cxn>
-                <a:cxn ang="0">
-                  <a:pos x="T10" y="T11"/>
-                </a:cxn>
-                <a:cxn ang="0">
-                  <a:pos x="T12" y="T13"/>
-                </a:cxn>
-                <a:cxn ang="0">
-                  <a:pos x="T14" y="T15"/>
-                </a:cxn>
-                <a:cxn ang="0">
-                  <a:pos x="T16" y="T17"/>
-                </a:cxn>
-                <a:cxn ang="0">
-                  <a:pos x="T18" y="T19"/>
-                </a:cxn>
-              </a:cxnLst>
-              <a:rect l="0" t="0" r="r" b="b"/>
-              <a:pathLst>
-                <a:path w="1816" h="1816">
-                  <a:moveTo>
-                    <a:pt x="908" y="0"/>
-                  </a:moveTo>
-                  <a:cubicBezTo>
-                    <a:pt x="407" y="0"/>
-                    <a:pt x="0" y="407"/>
-                    <a:pt x="0" y="908"/>
-                  </a:cubicBezTo>
-                  <a:cubicBezTo>
-                    <a:pt x="0" y="1409"/>
-                    <a:pt x="407" y="1816"/>
-                    <a:pt x="908" y="1816"/>
-                  </a:cubicBezTo>
-                  <a:cubicBezTo>
-                    <a:pt x="1409" y="1816"/>
-                    <a:pt x="1816" y="1409"/>
-                    <a:pt x="1816" y="908"/>
-                  </a:cubicBezTo>
-                  <a:cubicBezTo>
-                    <a:pt x="1816" y="407"/>
-                    <a:pt x="1409" y="0"/>
-                    <a:pt x="908" y="0"/>
-                  </a:cubicBezTo>
-                  <a:close/>
-                  <a:moveTo>
-                    <a:pt x="908" y="1798"/>
-                  </a:moveTo>
-                  <a:cubicBezTo>
-                    <a:pt x="416" y="1798"/>
-                    <a:pt x="18" y="1400"/>
-                    <a:pt x="18" y="908"/>
-                  </a:cubicBezTo>
-                  <a:cubicBezTo>
-                    <a:pt x="18" y="416"/>
-                    <a:pt x="416" y="18"/>
-                    <a:pt x="908" y="18"/>
-                  </a:cubicBezTo>
-                  <a:cubicBezTo>
-                    <a:pt x="1400" y="18"/>
-                    <a:pt x="1798" y="416"/>
-                    <a:pt x="1798" y="908"/>
-                  </a:cubicBezTo>
-                  <a:cubicBezTo>
-                    <a:pt x="1798" y="1400"/>
-                    <a:pt x="1400" y="1798"/>
-                    <a:pt x="908" y="1798"/>
-                  </a:cubicBezTo>
-                  <a:close/>
-                </a:path>
-              </a:pathLst>
-            </a:custGeom>
-            <a:solidFill>
-              <a:srgbClr val="D32E2E"/>
-            </a:solidFill>
-            <a:ln>
-              <a:noFill/>
-            </a:ln>
-            <a:extLst>
-              <a:ext uri="{91240B29-F687-4F45-9708-019B960494DF}">
-                <a14:hiddenLine xmlns:a14="http://schemas.microsoft.com/office/drawing/2010/main" w="9525">
-                  <a:solidFill>
-                    <a:srgbClr val="000000"/>
-                  </a:solidFill>
-                  <a:round/>
-                  <a:headEnd/>
-                  <a:tailEnd/>
-                </a14:hiddenLine>
-              </a:ext>
-            </a:extLst>
-          </p:spPr>
-          <p:txBody>
-            <a:bodyPr vert="horz" wrap="square" lIns="91440" tIns="45720" rIns="91440" bIns="45720" numCol="1" anchor="t" anchorCtr="0" compatLnSpc="1">
-              <a:prstTxWarp prst="textNoShape">
-                <a:avLst/>
-              </a:prstTxWarp>
-            </a:bodyPr>
-            <a:lstStyle/>
-            <a:p>
-              <a:pPr marL="0" marR="0" lvl="0" indent="0" defTabSz="914400" eaLnBrk="1" fontAlgn="auto" latinLnBrk="0" hangingPunct="1">
-                <a:lnSpc>
-                  <a:spcPct val="100000"/>
-                </a:lnSpc>
-                <a:spcBef>
-                  <a:spcPts val="0"/>
-                </a:spcBef>
-                <a:spcAft>
-                  <a:spcPts val="0"/>
-                </a:spcAft>
-                <a:buClrTx/>
-                <a:buSzTx/>
-                <a:buFontTx/>
-                <a:buNone/>
-                <a:tabLst/>
-                <a:defRPr/>
-              </a:pPr>
-              <a:endParaRPr kumimoji="0" lang="en-US" sz="1800" b="0" i="0" u="none" strike="noStrike" kern="0" cap="none" spc="0" normalizeH="0" baseline="0" noProof="0" smtClean="0">
-                <a:ln>
-                  <a:noFill/>
-                </a:ln>
-                <a:solidFill>
-                  <a:prstClr val="black"/>
-                </a:solidFill>
-                <a:effectLst/>
-                <a:uLnTx/>
-                <a:uFillTx/>
-                <a:latin typeface="Century Gothic"/>
-              </a:endParaRPr>
-            </a:p>
-          </p:txBody>
-        </p:sp>
-        <p:sp>
-          <p:nvSpPr>
-            <p:cNvPr id="9" name="Freeform 8"/>
-            <p:cNvSpPr>
-              <a:spLocks noEditPoints="1"/>
-            </p:cNvSpPr>
-            <p:nvPr/>
-          </p:nvSpPr>
-          <p:spPr bwMode="auto">
-            <a:xfrm>
-              <a:off x="2657475" y="1044575"/>
-              <a:ext cx="4900613" cy="4900613"/>
-            </a:xfrm>
-            <a:custGeom>
-              <a:avLst/>
-              <a:gdLst>
-                <a:gd name="T0" fmla="*/ 992 w 1984"/>
-                <a:gd name="T1" fmla="*/ 0 h 1984"/>
-                <a:gd name="T2" fmla="*/ 0 w 1984"/>
-                <a:gd name="T3" fmla="*/ 992 h 1984"/>
-                <a:gd name="T4" fmla="*/ 992 w 1984"/>
-                <a:gd name="T5" fmla="*/ 1984 h 1984"/>
-                <a:gd name="T6" fmla="*/ 1984 w 1984"/>
-                <a:gd name="T7" fmla="*/ 992 h 1984"/>
-                <a:gd name="T8" fmla="*/ 992 w 1984"/>
-                <a:gd name="T9" fmla="*/ 0 h 1984"/>
-                <a:gd name="T10" fmla="*/ 992 w 1984"/>
-                <a:gd name="T11" fmla="*/ 1934 h 1984"/>
-                <a:gd name="T12" fmla="*/ 50 w 1984"/>
-                <a:gd name="T13" fmla="*/ 992 h 1984"/>
-                <a:gd name="T14" fmla="*/ 992 w 1984"/>
-                <a:gd name="T15" fmla="*/ 50 h 1984"/>
-                <a:gd name="T16" fmla="*/ 1934 w 1984"/>
-                <a:gd name="T17" fmla="*/ 992 h 1984"/>
-                <a:gd name="T18" fmla="*/ 992 w 1984"/>
-                <a:gd name="T19" fmla="*/ 1934 h 1984"/>
-              </a:gdLst>
-              <a:ahLst/>
-              <a:cxnLst>
-                <a:cxn ang="0">
-                  <a:pos x="T0" y="T1"/>
-                </a:cxn>
-                <a:cxn ang="0">
-                  <a:pos x="T2" y="T3"/>
-                </a:cxn>
-                <a:cxn ang="0">
-                  <a:pos x="T4" y="T5"/>
-                </a:cxn>
-                <a:cxn ang="0">
-                  <a:pos x="T6" y="T7"/>
-                </a:cxn>
-                <a:cxn ang="0">
-                  <a:pos x="T8" y="T9"/>
-                </a:cxn>
-                <a:cxn ang="0">
-                  <a:pos x="T10" y="T11"/>
-                </a:cxn>
-                <a:cxn ang="0">
-                  <a:pos x="T12" y="T13"/>
-                </a:cxn>
-                <a:cxn ang="0">
-                  <a:pos x="T14" y="T15"/>
-                </a:cxn>
-                <a:cxn ang="0">
-                  <a:pos x="T16" y="T17"/>
-                </a:cxn>
-                <a:cxn ang="0">
-                  <a:pos x="T18" y="T19"/>
-                </a:cxn>
-              </a:cxnLst>
-              <a:rect l="0" t="0" r="r" b="b"/>
-              <a:pathLst>
-                <a:path w="1984" h="1984">
-                  <a:moveTo>
-                    <a:pt x="992" y="0"/>
-                  </a:moveTo>
-                  <a:cubicBezTo>
-                    <a:pt x="444" y="0"/>
-                    <a:pt x="0" y="444"/>
-                    <a:pt x="0" y="992"/>
-                  </a:cubicBezTo>
-                  <a:cubicBezTo>
-                    <a:pt x="0" y="1540"/>
-                    <a:pt x="444" y="1984"/>
-                    <a:pt x="992" y="1984"/>
-                  </a:cubicBezTo>
-                  <a:cubicBezTo>
-                    <a:pt x="1540" y="1984"/>
-                    <a:pt x="1984" y="1540"/>
-                    <a:pt x="1984" y="992"/>
-                  </a:cubicBezTo>
-                  <a:cubicBezTo>
-                    <a:pt x="1984" y="444"/>
-                    <a:pt x="1540" y="0"/>
-                    <a:pt x="992" y="0"/>
-                  </a:cubicBezTo>
-                  <a:close/>
-                  <a:moveTo>
-                    <a:pt x="992" y="1934"/>
-                  </a:moveTo>
-                  <a:cubicBezTo>
-                    <a:pt x="472" y="1934"/>
-                    <a:pt x="50" y="1512"/>
-                    <a:pt x="50" y="992"/>
-                  </a:cubicBezTo>
-                  <a:cubicBezTo>
-                    <a:pt x="50" y="472"/>
-                    <a:pt x="472" y="50"/>
-                    <a:pt x="992" y="50"/>
-                  </a:cubicBezTo>
-                  <a:cubicBezTo>
-                    <a:pt x="1512" y="50"/>
-                    <a:pt x="1934" y="472"/>
-                    <a:pt x="1934" y="992"/>
-                  </a:cubicBezTo>
-                  <a:cubicBezTo>
-                    <a:pt x="1934" y="1512"/>
-                    <a:pt x="1512" y="1934"/>
-                    <a:pt x="992" y="1934"/>
-                  </a:cubicBezTo>
-                  <a:close/>
-                </a:path>
-              </a:pathLst>
-            </a:custGeom>
-            <a:solidFill>
-              <a:srgbClr val="D32E2E"/>
-            </a:solidFill>
-            <a:ln>
-              <a:noFill/>
-            </a:ln>
-            <a:extLst>
-              <a:ext uri="{91240B29-F687-4F45-9708-019B960494DF}">
-                <a14:hiddenLine xmlns:a14="http://schemas.microsoft.com/office/drawing/2010/main" w="9525">
-                  <a:solidFill>
-                    <a:srgbClr val="000000"/>
-                  </a:solidFill>
-                  <a:round/>
-                  <a:headEnd/>
-                  <a:tailEnd/>
-                </a14:hiddenLine>
-              </a:ext>
-            </a:extLst>
-          </p:spPr>
-          <p:txBody>
-            <a:bodyPr vert="horz" wrap="square" lIns="91440" tIns="45720" rIns="91440" bIns="45720" numCol="1" anchor="t" anchorCtr="0" compatLnSpc="1">
-              <a:prstTxWarp prst="textNoShape">
-                <a:avLst/>
-              </a:prstTxWarp>
-            </a:bodyPr>
-            <a:lstStyle/>
-            <a:p>
-              <a:pPr marL="0" marR="0" lvl="0" indent="0" defTabSz="914400" eaLnBrk="1" fontAlgn="auto" latinLnBrk="0" hangingPunct="1">
-                <a:lnSpc>
-                  <a:spcPct val="100000"/>
-                </a:lnSpc>
-                <a:spcBef>
-                  <a:spcPts val="0"/>
-                </a:spcBef>
-                <a:spcAft>
-                  <a:spcPts val="0"/>
-                </a:spcAft>
-                <a:buClrTx/>
-                <a:buSzTx/>
-                <a:buFontTx/>
-                <a:buNone/>
-                <a:tabLst/>
-                <a:defRPr/>
-              </a:pPr>
-              <a:endParaRPr kumimoji="0" lang="en-US" sz="1800" b="0" i="0" u="none" strike="noStrike" kern="0" cap="none" spc="0" normalizeH="0" baseline="0" noProof="0" smtClean="0">
-                <a:ln>
-                  <a:noFill/>
-                </a:ln>
-                <a:solidFill>
-                  <a:prstClr val="black"/>
-                </a:solidFill>
-                <a:effectLst/>
-                <a:uLnTx/>
-                <a:uFillTx/>
-                <a:latin typeface="Century Gothic"/>
-              </a:endParaRPr>
-            </a:p>
-          </p:txBody>
-        </p:sp>
-      </p:grpSp>
-      <p:pic>
-        <p:nvPicPr>
-          <p:cNvPr id="10" name="Picture 9"/>
-          <p:cNvPicPr>
-            <a:picLocks noChangeAspect="1"/>
-          </p:cNvPicPr>
-          <p:nvPr/>
-        </p:nvPicPr>
-        <p:blipFill>
-          <a:blip r:embed="rId3" cstate="print">
-            <a:extLst>
-              <a:ext uri="{28A0092B-C50C-407E-A947-70E740481C1C}">
-                <a14:useLocalDpi xmlns:a14="http://schemas.microsoft.com/office/drawing/2010/main" val="0"/>
-              </a:ext>
-            </a:extLst>
-          </a:blip>
-          <a:stretch>
-            <a:fillRect/>
-          </a:stretch>
-        </p:blipFill>
-        <p:spPr>
-          <a:xfrm>
-            <a:off x="440872" y="337461"/>
-            <a:ext cx="1096280" cy="1096280"/>
-          </a:xfrm>
-          <a:prstGeom prst="rect">
-            <a:avLst/>
-          </a:prstGeom>
-        </p:spPr>
-      </p:pic>
-    </p:spTree>
-    <p:extLst>
-      <p:ext uri="{BB962C8B-B14F-4D97-AF65-F5344CB8AC3E}">
-        <p14:creationId xmlns:p14="http://schemas.microsoft.com/office/powerpoint/2010/main" val="3327379930"/>
       </p:ext>
     </p:extLst>
   </p:cSld>
@@ -32142,6 +31757,529 @@
 </file>
 
 <file path=ppt/slides/slide40.xml><?xml version="1.0" encoding="utf-8"?>
+<p:sld xmlns:a="http://schemas.openxmlformats.org/drawingml/2006/main" xmlns:r="http://schemas.openxmlformats.org/officeDocument/2006/relationships" xmlns:p="http://schemas.openxmlformats.org/presentationml/2006/main">
+  <p:cSld>
+    <p:spTree>
+      <p:nvGrpSpPr>
+        <p:cNvPr id="1" name=""/>
+        <p:cNvGrpSpPr/>
+        <p:nvPr/>
+      </p:nvGrpSpPr>
+      <p:grpSpPr>
+        <a:xfrm>
+          <a:off x="0" y="0"/>
+          <a:ext cx="0" cy="0"/>
+          <a:chOff x="0" y="0"/>
+          <a:chExt cx="0" cy="0"/>
+        </a:xfrm>
+      </p:grpSpPr>
+      <p:pic>
+        <p:nvPicPr>
+          <p:cNvPr id="6" name="Picture 5"/>
+          <p:cNvPicPr>
+            <a:picLocks noChangeAspect="1"/>
+          </p:cNvPicPr>
+          <p:nvPr/>
+        </p:nvPicPr>
+        <p:blipFill>
+          <a:blip r:embed="rId2">
+            <a:extLst>
+              <a:ext uri="{28A0092B-C50C-407E-A947-70E740481C1C}">
+                <a14:useLocalDpi xmlns:a14="http://schemas.microsoft.com/office/drawing/2010/main" val="0"/>
+              </a:ext>
+            </a:extLst>
+          </a:blip>
+          <a:stretch>
+            <a:fillRect/>
+          </a:stretch>
+        </p:blipFill>
+        <p:spPr>
+          <a:xfrm>
+            <a:off x="968954" y="990600"/>
+            <a:ext cx="3764921" cy="4989286"/>
+          </a:xfrm>
+          <a:prstGeom prst="snip2DiagRect">
+            <a:avLst/>
+          </a:prstGeom>
+          <a:solidFill>
+            <a:srgbClr val="FFFFFF">
+              <a:shade val="85000"/>
+            </a:srgbClr>
+          </a:solidFill>
+          <a:ln w="88900" cap="sq">
+            <a:solidFill>
+              <a:srgbClr val="FFFFFF"/>
+            </a:solidFill>
+            <a:miter lim="800000"/>
+          </a:ln>
+          <a:effectLst>
+            <a:outerShdw blurRad="88900" algn="tl" rotWithShape="0">
+              <a:srgbClr val="000000">
+                <a:alpha val="45000"/>
+              </a:srgbClr>
+            </a:outerShdw>
+          </a:effectLst>
+          <a:scene3d>
+            <a:camera prst="orthographicFront"/>
+            <a:lightRig rig="twoPt" dir="t">
+              <a:rot lat="0" lon="0" rev="7200000"/>
+            </a:lightRig>
+          </a:scene3d>
+          <a:sp3d>
+            <a:bevelT w="25400" h="19050"/>
+            <a:contourClr>
+              <a:srgbClr val="FFFFFF"/>
+            </a:contourClr>
+          </a:sp3d>
+        </p:spPr>
+      </p:pic>
+      <p:grpSp>
+        <p:nvGrpSpPr>
+          <p:cNvPr id="7" name="Group 6"/>
+          <p:cNvGrpSpPr/>
+          <p:nvPr/>
+        </p:nvGrpSpPr>
+        <p:grpSpPr>
+          <a:xfrm>
+            <a:off x="308258" y="227525"/>
+            <a:ext cx="1361508" cy="1330443"/>
+            <a:chOff x="2657475" y="1044575"/>
+            <a:chExt cx="4900613" cy="4900613"/>
+          </a:xfrm>
+          <a:solidFill>
+            <a:sysClr val="window" lastClr="FFFFFF"/>
+          </a:solidFill>
+        </p:grpSpPr>
+        <p:sp>
+          <p:nvSpPr>
+            <p:cNvPr id="8" name="Freeform 7"/>
+            <p:cNvSpPr>
+              <a:spLocks noEditPoints="1"/>
+            </p:cNvSpPr>
+            <p:nvPr/>
+          </p:nvSpPr>
+          <p:spPr bwMode="auto">
+            <a:xfrm>
+              <a:off x="2865438" y="1252538"/>
+              <a:ext cx="4484688" cy="4484688"/>
+            </a:xfrm>
+            <a:custGeom>
+              <a:avLst/>
+              <a:gdLst>
+                <a:gd name="T0" fmla="*/ 908 w 1816"/>
+                <a:gd name="T1" fmla="*/ 0 h 1816"/>
+                <a:gd name="T2" fmla="*/ 0 w 1816"/>
+                <a:gd name="T3" fmla="*/ 908 h 1816"/>
+                <a:gd name="T4" fmla="*/ 908 w 1816"/>
+                <a:gd name="T5" fmla="*/ 1816 h 1816"/>
+                <a:gd name="T6" fmla="*/ 1816 w 1816"/>
+                <a:gd name="T7" fmla="*/ 908 h 1816"/>
+                <a:gd name="T8" fmla="*/ 908 w 1816"/>
+                <a:gd name="T9" fmla="*/ 0 h 1816"/>
+                <a:gd name="T10" fmla="*/ 908 w 1816"/>
+                <a:gd name="T11" fmla="*/ 1798 h 1816"/>
+                <a:gd name="T12" fmla="*/ 18 w 1816"/>
+                <a:gd name="T13" fmla="*/ 908 h 1816"/>
+                <a:gd name="T14" fmla="*/ 908 w 1816"/>
+                <a:gd name="T15" fmla="*/ 18 h 1816"/>
+                <a:gd name="T16" fmla="*/ 1798 w 1816"/>
+                <a:gd name="T17" fmla="*/ 908 h 1816"/>
+                <a:gd name="T18" fmla="*/ 908 w 1816"/>
+                <a:gd name="T19" fmla="*/ 1798 h 1816"/>
+              </a:gdLst>
+              <a:ahLst/>
+              <a:cxnLst>
+                <a:cxn ang="0">
+                  <a:pos x="T0" y="T1"/>
+                </a:cxn>
+                <a:cxn ang="0">
+                  <a:pos x="T2" y="T3"/>
+                </a:cxn>
+                <a:cxn ang="0">
+                  <a:pos x="T4" y="T5"/>
+                </a:cxn>
+                <a:cxn ang="0">
+                  <a:pos x="T6" y="T7"/>
+                </a:cxn>
+                <a:cxn ang="0">
+                  <a:pos x="T8" y="T9"/>
+                </a:cxn>
+                <a:cxn ang="0">
+                  <a:pos x="T10" y="T11"/>
+                </a:cxn>
+                <a:cxn ang="0">
+                  <a:pos x="T12" y="T13"/>
+                </a:cxn>
+                <a:cxn ang="0">
+                  <a:pos x="T14" y="T15"/>
+                </a:cxn>
+                <a:cxn ang="0">
+                  <a:pos x="T16" y="T17"/>
+                </a:cxn>
+                <a:cxn ang="0">
+                  <a:pos x="T18" y="T19"/>
+                </a:cxn>
+              </a:cxnLst>
+              <a:rect l="0" t="0" r="r" b="b"/>
+              <a:pathLst>
+                <a:path w="1816" h="1816">
+                  <a:moveTo>
+                    <a:pt x="908" y="0"/>
+                  </a:moveTo>
+                  <a:cubicBezTo>
+                    <a:pt x="407" y="0"/>
+                    <a:pt x="0" y="407"/>
+                    <a:pt x="0" y="908"/>
+                  </a:cubicBezTo>
+                  <a:cubicBezTo>
+                    <a:pt x="0" y="1409"/>
+                    <a:pt x="407" y="1816"/>
+                    <a:pt x="908" y="1816"/>
+                  </a:cubicBezTo>
+                  <a:cubicBezTo>
+                    <a:pt x="1409" y="1816"/>
+                    <a:pt x="1816" y="1409"/>
+                    <a:pt x="1816" y="908"/>
+                  </a:cubicBezTo>
+                  <a:cubicBezTo>
+                    <a:pt x="1816" y="407"/>
+                    <a:pt x="1409" y="0"/>
+                    <a:pt x="908" y="0"/>
+                  </a:cubicBezTo>
+                  <a:close/>
+                  <a:moveTo>
+                    <a:pt x="908" y="1798"/>
+                  </a:moveTo>
+                  <a:cubicBezTo>
+                    <a:pt x="416" y="1798"/>
+                    <a:pt x="18" y="1400"/>
+                    <a:pt x="18" y="908"/>
+                  </a:cubicBezTo>
+                  <a:cubicBezTo>
+                    <a:pt x="18" y="416"/>
+                    <a:pt x="416" y="18"/>
+                    <a:pt x="908" y="18"/>
+                  </a:cubicBezTo>
+                  <a:cubicBezTo>
+                    <a:pt x="1400" y="18"/>
+                    <a:pt x="1798" y="416"/>
+                    <a:pt x="1798" y="908"/>
+                  </a:cubicBezTo>
+                  <a:cubicBezTo>
+                    <a:pt x="1798" y="1400"/>
+                    <a:pt x="1400" y="1798"/>
+                    <a:pt x="908" y="1798"/>
+                  </a:cubicBezTo>
+                  <a:close/>
+                </a:path>
+              </a:pathLst>
+            </a:custGeom>
+            <a:solidFill>
+              <a:srgbClr val="D32E2E"/>
+            </a:solidFill>
+            <a:ln>
+              <a:noFill/>
+            </a:ln>
+            <a:extLst>
+              <a:ext uri="{91240B29-F687-4F45-9708-019B960494DF}">
+                <a14:hiddenLine xmlns:a14="http://schemas.microsoft.com/office/drawing/2010/main" w="9525">
+                  <a:solidFill>
+                    <a:srgbClr val="000000"/>
+                  </a:solidFill>
+                  <a:round/>
+                  <a:headEnd/>
+                  <a:tailEnd/>
+                </a14:hiddenLine>
+              </a:ext>
+            </a:extLst>
+          </p:spPr>
+          <p:txBody>
+            <a:bodyPr vert="horz" wrap="square" lIns="91440" tIns="45720" rIns="91440" bIns="45720" numCol="1" anchor="t" anchorCtr="0" compatLnSpc="1">
+              <a:prstTxWarp prst="textNoShape">
+                <a:avLst/>
+              </a:prstTxWarp>
+            </a:bodyPr>
+            <a:lstStyle/>
+            <a:p>
+              <a:pPr marL="0" marR="0" lvl="0" indent="0" defTabSz="914400" eaLnBrk="1" fontAlgn="auto" latinLnBrk="0" hangingPunct="1">
+                <a:lnSpc>
+                  <a:spcPct val="100000"/>
+                </a:lnSpc>
+                <a:spcBef>
+                  <a:spcPts val="0"/>
+                </a:spcBef>
+                <a:spcAft>
+                  <a:spcPts val="0"/>
+                </a:spcAft>
+                <a:buClrTx/>
+                <a:buSzTx/>
+                <a:buFontTx/>
+                <a:buNone/>
+                <a:tabLst/>
+                <a:defRPr/>
+              </a:pPr>
+              <a:endParaRPr kumimoji="0" lang="en-US" sz="1800" b="0" i="0" u="none" strike="noStrike" kern="0" cap="none" spc="0" normalizeH="0" baseline="0" noProof="0" smtClean="0">
+                <a:ln>
+                  <a:noFill/>
+                </a:ln>
+                <a:solidFill>
+                  <a:prstClr val="black"/>
+                </a:solidFill>
+                <a:effectLst/>
+                <a:uLnTx/>
+                <a:uFillTx/>
+                <a:latin typeface="Century Gothic"/>
+              </a:endParaRPr>
+            </a:p>
+          </p:txBody>
+        </p:sp>
+        <p:sp>
+          <p:nvSpPr>
+            <p:cNvPr id="9" name="Freeform 8"/>
+            <p:cNvSpPr>
+              <a:spLocks noEditPoints="1"/>
+            </p:cNvSpPr>
+            <p:nvPr/>
+          </p:nvSpPr>
+          <p:spPr bwMode="auto">
+            <a:xfrm>
+              <a:off x="2657475" y="1044575"/>
+              <a:ext cx="4900613" cy="4900613"/>
+            </a:xfrm>
+            <a:custGeom>
+              <a:avLst/>
+              <a:gdLst>
+                <a:gd name="T0" fmla="*/ 992 w 1984"/>
+                <a:gd name="T1" fmla="*/ 0 h 1984"/>
+                <a:gd name="T2" fmla="*/ 0 w 1984"/>
+                <a:gd name="T3" fmla="*/ 992 h 1984"/>
+                <a:gd name="T4" fmla="*/ 992 w 1984"/>
+                <a:gd name="T5" fmla="*/ 1984 h 1984"/>
+                <a:gd name="T6" fmla="*/ 1984 w 1984"/>
+                <a:gd name="T7" fmla="*/ 992 h 1984"/>
+                <a:gd name="T8" fmla="*/ 992 w 1984"/>
+                <a:gd name="T9" fmla="*/ 0 h 1984"/>
+                <a:gd name="T10" fmla="*/ 992 w 1984"/>
+                <a:gd name="T11" fmla="*/ 1934 h 1984"/>
+                <a:gd name="T12" fmla="*/ 50 w 1984"/>
+                <a:gd name="T13" fmla="*/ 992 h 1984"/>
+                <a:gd name="T14" fmla="*/ 992 w 1984"/>
+                <a:gd name="T15" fmla="*/ 50 h 1984"/>
+                <a:gd name="T16" fmla="*/ 1934 w 1984"/>
+                <a:gd name="T17" fmla="*/ 992 h 1984"/>
+                <a:gd name="T18" fmla="*/ 992 w 1984"/>
+                <a:gd name="T19" fmla="*/ 1934 h 1984"/>
+              </a:gdLst>
+              <a:ahLst/>
+              <a:cxnLst>
+                <a:cxn ang="0">
+                  <a:pos x="T0" y="T1"/>
+                </a:cxn>
+                <a:cxn ang="0">
+                  <a:pos x="T2" y="T3"/>
+                </a:cxn>
+                <a:cxn ang="0">
+                  <a:pos x="T4" y="T5"/>
+                </a:cxn>
+                <a:cxn ang="0">
+                  <a:pos x="T6" y="T7"/>
+                </a:cxn>
+                <a:cxn ang="0">
+                  <a:pos x="T8" y="T9"/>
+                </a:cxn>
+                <a:cxn ang="0">
+                  <a:pos x="T10" y="T11"/>
+                </a:cxn>
+                <a:cxn ang="0">
+                  <a:pos x="T12" y="T13"/>
+                </a:cxn>
+                <a:cxn ang="0">
+                  <a:pos x="T14" y="T15"/>
+                </a:cxn>
+                <a:cxn ang="0">
+                  <a:pos x="T16" y="T17"/>
+                </a:cxn>
+                <a:cxn ang="0">
+                  <a:pos x="T18" y="T19"/>
+                </a:cxn>
+              </a:cxnLst>
+              <a:rect l="0" t="0" r="r" b="b"/>
+              <a:pathLst>
+                <a:path w="1984" h="1984">
+                  <a:moveTo>
+                    <a:pt x="992" y="0"/>
+                  </a:moveTo>
+                  <a:cubicBezTo>
+                    <a:pt x="444" y="0"/>
+                    <a:pt x="0" y="444"/>
+                    <a:pt x="0" y="992"/>
+                  </a:cubicBezTo>
+                  <a:cubicBezTo>
+                    <a:pt x="0" y="1540"/>
+                    <a:pt x="444" y="1984"/>
+                    <a:pt x="992" y="1984"/>
+                  </a:cubicBezTo>
+                  <a:cubicBezTo>
+                    <a:pt x="1540" y="1984"/>
+                    <a:pt x="1984" y="1540"/>
+                    <a:pt x="1984" y="992"/>
+                  </a:cubicBezTo>
+                  <a:cubicBezTo>
+                    <a:pt x="1984" y="444"/>
+                    <a:pt x="1540" y="0"/>
+                    <a:pt x="992" y="0"/>
+                  </a:cubicBezTo>
+                  <a:close/>
+                  <a:moveTo>
+                    <a:pt x="992" y="1934"/>
+                  </a:moveTo>
+                  <a:cubicBezTo>
+                    <a:pt x="472" y="1934"/>
+                    <a:pt x="50" y="1512"/>
+                    <a:pt x="50" y="992"/>
+                  </a:cubicBezTo>
+                  <a:cubicBezTo>
+                    <a:pt x="50" y="472"/>
+                    <a:pt x="472" y="50"/>
+                    <a:pt x="992" y="50"/>
+                  </a:cubicBezTo>
+                  <a:cubicBezTo>
+                    <a:pt x="1512" y="50"/>
+                    <a:pt x="1934" y="472"/>
+                    <a:pt x="1934" y="992"/>
+                  </a:cubicBezTo>
+                  <a:cubicBezTo>
+                    <a:pt x="1934" y="1512"/>
+                    <a:pt x="1512" y="1934"/>
+                    <a:pt x="992" y="1934"/>
+                  </a:cubicBezTo>
+                  <a:close/>
+                </a:path>
+              </a:pathLst>
+            </a:custGeom>
+            <a:solidFill>
+              <a:srgbClr val="D32E2E"/>
+            </a:solidFill>
+            <a:ln>
+              <a:noFill/>
+            </a:ln>
+            <a:extLst>
+              <a:ext uri="{91240B29-F687-4F45-9708-019B960494DF}">
+                <a14:hiddenLine xmlns:a14="http://schemas.microsoft.com/office/drawing/2010/main" w="9525">
+                  <a:solidFill>
+                    <a:srgbClr val="000000"/>
+                  </a:solidFill>
+                  <a:round/>
+                  <a:headEnd/>
+                  <a:tailEnd/>
+                </a14:hiddenLine>
+              </a:ext>
+            </a:extLst>
+          </p:spPr>
+          <p:txBody>
+            <a:bodyPr vert="horz" wrap="square" lIns="91440" tIns="45720" rIns="91440" bIns="45720" numCol="1" anchor="t" anchorCtr="0" compatLnSpc="1">
+              <a:prstTxWarp prst="textNoShape">
+                <a:avLst/>
+              </a:prstTxWarp>
+            </a:bodyPr>
+            <a:lstStyle/>
+            <a:p>
+              <a:pPr marL="0" marR="0" lvl="0" indent="0" defTabSz="914400" eaLnBrk="1" fontAlgn="auto" latinLnBrk="0" hangingPunct="1">
+                <a:lnSpc>
+                  <a:spcPct val="100000"/>
+                </a:lnSpc>
+                <a:spcBef>
+                  <a:spcPts val="0"/>
+                </a:spcBef>
+                <a:spcAft>
+                  <a:spcPts val="0"/>
+                </a:spcAft>
+                <a:buClrTx/>
+                <a:buSzTx/>
+                <a:buFontTx/>
+                <a:buNone/>
+                <a:tabLst/>
+                <a:defRPr/>
+              </a:pPr>
+              <a:endParaRPr kumimoji="0" lang="en-US" sz="1800" b="0" i="0" u="none" strike="noStrike" kern="0" cap="none" spc="0" normalizeH="0" baseline="0" noProof="0" smtClean="0">
+                <a:ln>
+                  <a:noFill/>
+                </a:ln>
+                <a:solidFill>
+                  <a:prstClr val="black"/>
+                </a:solidFill>
+                <a:effectLst/>
+                <a:uLnTx/>
+                <a:uFillTx/>
+                <a:latin typeface="Century Gothic"/>
+              </a:endParaRPr>
+            </a:p>
+          </p:txBody>
+        </p:sp>
+      </p:grpSp>
+      <p:pic>
+        <p:nvPicPr>
+          <p:cNvPr id="10" name="Picture 9"/>
+          <p:cNvPicPr>
+            <a:picLocks noChangeAspect="1"/>
+          </p:cNvPicPr>
+          <p:nvPr/>
+        </p:nvPicPr>
+        <p:blipFill>
+          <a:blip r:embed="rId3" cstate="print">
+            <a:extLst>
+              <a:ext uri="{28A0092B-C50C-407E-A947-70E740481C1C}">
+                <a14:useLocalDpi xmlns:a14="http://schemas.microsoft.com/office/drawing/2010/main" val="0"/>
+              </a:ext>
+            </a:extLst>
+          </a:blip>
+          <a:stretch>
+            <a:fillRect/>
+          </a:stretch>
+        </p:blipFill>
+        <p:spPr>
+          <a:xfrm>
+            <a:off x="440872" y="337461"/>
+            <a:ext cx="1096280" cy="1096280"/>
+          </a:xfrm>
+          <a:prstGeom prst="rect">
+            <a:avLst/>
+          </a:prstGeom>
+        </p:spPr>
+      </p:pic>
+    </p:spTree>
+    <p:extLst>
+      <p:ext uri="{BB962C8B-B14F-4D97-AF65-F5344CB8AC3E}">
+        <p14:creationId xmlns:p14="http://schemas.microsoft.com/office/powerpoint/2010/main" val="3327379930"/>
+      </p:ext>
+    </p:extLst>
+  </p:cSld>
+  <p:clrMapOvr>
+    <a:masterClrMapping/>
+  </p:clrMapOvr>
+  <mc:AlternateContent xmlns:mc="http://schemas.openxmlformats.org/markup-compatibility/2006" xmlns:p14="http://schemas.microsoft.com/office/powerpoint/2010/main">
+    <mc:Choice Requires="p14">
+      <p:transition spd="med" p14:dur="700">
+        <p:fade/>
+      </p:transition>
+    </mc:Choice>
+    <mc:Fallback xmlns="">
+      <p:transition spd="med">
+        <p:fade/>
+      </p:transition>
+    </mc:Fallback>
+  </mc:AlternateContent>
+  <p:timing>
+    <p:tnLst>
+      <p:par>
+        <p:cTn id="1" dur="indefinite" restart="never" nodeType="tmRoot"/>
+      </p:par>
+    </p:tnLst>
+  </p:timing>
+</p:sld>
+</file>
+
+<file path=ppt/slides/slide41.xml><?xml version="1.0" encoding="utf-8"?>
 <p:sld xmlns:a="http://schemas.openxmlformats.org/drawingml/2006/main" xmlns:r="http://schemas.openxmlformats.org/officeDocument/2006/relationships" xmlns:p="http://schemas.openxmlformats.org/presentationml/2006/main">
   <p:cSld>
     <p:spTree>
@@ -39132,133 +39270,6 @@
 </file>
 
 <file path=customXml/item1.xml><?xml version="1.0" encoding="utf-8"?>
-<p:properties xmlns:p="http://schemas.microsoft.com/office/2006/metadata/properties" xmlns:xsi="http://www.w3.org/2001/XMLSchema-instance" xmlns:pc="http://schemas.microsoft.com/office/infopath/2007/PartnerControls">
-  <documentManagement>
-    <DirectSourceMarket xmlns="4873beb7-5857-4685-be1f-d57550cc96cc" xsi:nil="true"/>
-    <ApprovalStatus xmlns="4873beb7-5857-4685-be1f-d57550cc96cc">InProgress</ApprovalStatus>
-    <MarketSpecific xmlns="4873beb7-5857-4685-be1f-d57550cc96cc">false</MarketSpecific>
-    <LocComments xmlns="4873beb7-5857-4685-be1f-d57550cc96cc" xsi:nil="true"/>
-    <ThumbnailAssetId xmlns="4873beb7-5857-4685-be1f-d57550cc96cc" xsi:nil="true"/>
-    <PrimaryImageGen xmlns="4873beb7-5857-4685-be1f-d57550cc96cc">false</PrimaryImageGen>
-    <LegacyData xmlns="4873beb7-5857-4685-be1f-d57550cc96cc" xsi:nil="true"/>
-    <LocRecommendedHandoff xmlns="4873beb7-5857-4685-be1f-d57550cc96cc" xsi:nil="true"/>
-    <BusinessGroup xmlns="4873beb7-5857-4685-be1f-d57550cc96cc" xsi:nil="true"/>
-    <BlockPublish xmlns="4873beb7-5857-4685-be1f-d57550cc96cc">false</BlockPublish>
-    <TPFriendlyName xmlns="4873beb7-5857-4685-be1f-d57550cc96cc" xsi:nil="true"/>
-    <NumericId xmlns="4873beb7-5857-4685-be1f-d57550cc96cc" xsi:nil="true"/>
-    <APEditor xmlns="4873beb7-5857-4685-be1f-d57550cc96cc">
-      <UserInfo>
-        <DisplayName/>
-        <AccountId xsi:nil="true"/>
-        <AccountType/>
-      </UserInfo>
-    </APEditor>
-    <SourceTitle xmlns="4873beb7-5857-4685-be1f-d57550cc96cc" xsi:nil="true"/>
-    <OpenTemplate xmlns="4873beb7-5857-4685-be1f-d57550cc96cc">true</OpenTemplate>
-    <UALocComments xmlns="4873beb7-5857-4685-be1f-d57550cc96cc" xsi:nil="true"/>
-    <ParentAssetId xmlns="4873beb7-5857-4685-be1f-d57550cc96cc" xsi:nil="true"/>
-    <IntlLangReviewDate xmlns="4873beb7-5857-4685-be1f-d57550cc96cc" xsi:nil="true"/>
-    <FeatureTagsTaxHTField0 xmlns="4873beb7-5857-4685-be1f-d57550cc96cc">
-      <Terms xmlns="http://schemas.microsoft.com/office/infopath/2007/PartnerControls"/>
-    </FeatureTagsTaxHTField0>
-    <PublishStatusLookup xmlns="4873beb7-5857-4685-be1f-d57550cc96cc">
-      <Value>1380992</Value>
-    </PublishStatusLookup>
-    <Providers xmlns="4873beb7-5857-4685-be1f-d57550cc96cc" xsi:nil="true"/>
-    <MachineTranslated xmlns="4873beb7-5857-4685-be1f-d57550cc96cc">false</MachineTranslated>
-    <OriginalSourceMarket xmlns="4873beb7-5857-4685-be1f-d57550cc96cc" xsi:nil="true"/>
-    <APDescription xmlns="4873beb7-5857-4685-be1f-d57550cc96cc">This template makes an impression with its bold red background, radial sunburst pattern, and contrasting black title bar. Consider it for your small business or marketing presentation. Or, take advantage of the red color scheme to make a holiday-themed presentation.  Compatible with PowerPoint 2013 and later, this template offers a variety of slide layouts including title slides, bulleted lists, photo with captions, a sample chart, and blank slide, all in a widescreen (16X9) format.
-</APDescription>
-    <ClipArtFilename xmlns="4873beb7-5857-4685-be1f-d57550cc96cc" xsi:nil="true"/>
-    <ContentItem xmlns="4873beb7-5857-4685-be1f-d57550cc96cc" xsi:nil="true"/>
-    <TPInstallLocation xmlns="4873beb7-5857-4685-be1f-d57550cc96cc" xsi:nil="true"/>
-    <PublishTargets xmlns="4873beb7-5857-4685-be1f-d57550cc96cc">OfficeOnlineVNext</PublishTargets>
-    <TimesCloned xmlns="4873beb7-5857-4685-be1f-d57550cc96cc" xsi:nil="true"/>
-    <AssetStart xmlns="4873beb7-5857-4685-be1f-d57550cc96cc">2011-12-19T18:35:00+00:00</AssetStart>
-    <Provider xmlns="4873beb7-5857-4685-be1f-d57550cc96cc" xsi:nil="true"/>
-    <AcquiredFrom xmlns="4873beb7-5857-4685-be1f-d57550cc96cc">Internal MS</AcquiredFrom>
-    <FriendlyTitle xmlns="4873beb7-5857-4685-be1f-d57550cc96cc" xsi:nil="true"/>
-    <LastHandOff xmlns="4873beb7-5857-4685-be1f-d57550cc96cc" xsi:nil="true"/>
-    <TPClientViewer xmlns="4873beb7-5857-4685-be1f-d57550cc96cc" xsi:nil="true"/>
-    <UACurrentWords xmlns="4873beb7-5857-4685-be1f-d57550cc96cc" xsi:nil="true"/>
-    <ArtSampleDocs xmlns="4873beb7-5857-4685-be1f-d57550cc96cc" xsi:nil="true"/>
-    <UALocRecommendation xmlns="4873beb7-5857-4685-be1f-d57550cc96cc">Localize</UALocRecommendation>
-    <Manager xmlns="4873beb7-5857-4685-be1f-d57550cc96cc" xsi:nil="true"/>
-    <ShowIn xmlns="4873beb7-5857-4685-be1f-d57550cc96cc">Show everywhere</ShowIn>
-    <UANotes xmlns="4873beb7-5857-4685-be1f-d57550cc96cc" xsi:nil="true"/>
-    <TemplateStatus xmlns="4873beb7-5857-4685-be1f-d57550cc96cc">Complete</TemplateStatus>
-    <InternalTagsTaxHTField0 xmlns="4873beb7-5857-4685-be1f-d57550cc96cc">
-      <Terms xmlns="http://schemas.microsoft.com/office/infopath/2007/PartnerControls"/>
-    </InternalTagsTaxHTField0>
-    <CSXHash xmlns="4873beb7-5857-4685-be1f-d57550cc96cc" xsi:nil="true"/>
-    <Downloads xmlns="4873beb7-5857-4685-be1f-d57550cc96cc">0</Downloads>
-    <VoteCount xmlns="4873beb7-5857-4685-be1f-d57550cc96cc" xsi:nil="true"/>
-    <OOCacheId xmlns="4873beb7-5857-4685-be1f-d57550cc96cc" xsi:nil="true"/>
-    <IsDeleted xmlns="4873beb7-5857-4685-be1f-d57550cc96cc">false</IsDeleted>
-    <AssetExpire xmlns="4873beb7-5857-4685-be1f-d57550cc96cc">2035-01-01T08:00:00+00:00</AssetExpire>
-    <DSATActionTaken xmlns="4873beb7-5857-4685-be1f-d57550cc96cc" xsi:nil="true"/>
-    <CSXSubmissionMarket xmlns="4873beb7-5857-4685-be1f-d57550cc96cc" xsi:nil="true"/>
-    <TPExecutable xmlns="4873beb7-5857-4685-be1f-d57550cc96cc" xsi:nil="true"/>
-    <SubmitterId xmlns="4873beb7-5857-4685-be1f-d57550cc96cc" xsi:nil="true"/>
-    <EditorialTags xmlns="4873beb7-5857-4685-be1f-d57550cc96cc" xsi:nil="true"/>
-    <ApprovalLog xmlns="4873beb7-5857-4685-be1f-d57550cc96cc" xsi:nil="true"/>
-    <AssetType xmlns="4873beb7-5857-4685-be1f-d57550cc96cc">TP</AssetType>
-    <BugNumber xmlns="4873beb7-5857-4685-be1f-d57550cc96cc" xsi:nil="true"/>
-    <CSXSubmissionDate xmlns="4873beb7-5857-4685-be1f-d57550cc96cc" xsi:nil="true"/>
-    <CSXUpdate xmlns="4873beb7-5857-4685-be1f-d57550cc96cc">false</CSXUpdate>
-    <Milestone xmlns="4873beb7-5857-4685-be1f-d57550cc96cc" xsi:nil="true"/>
-    <RecommendationsModifier xmlns="4873beb7-5857-4685-be1f-d57550cc96cc" xsi:nil="true"/>
-    <OriginAsset xmlns="4873beb7-5857-4685-be1f-d57550cc96cc" xsi:nil="true"/>
-    <TPComponent xmlns="4873beb7-5857-4685-be1f-d57550cc96cc" xsi:nil="true"/>
-    <AssetId xmlns="4873beb7-5857-4685-be1f-d57550cc96cc">TP102804893</AssetId>
-    <IntlLocPriority xmlns="4873beb7-5857-4685-be1f-d57550cc96cc" xsi:nil="true"/>
-    <PolicheckWords xmlns="4873beb7-5857-4685-be1f-d57550cc96cc" xsi:nil="true"/>
-    <TPLaunchHelpLink xmlns="4873beb7-5857-4685-be1f-d57550cc96cc" xsi:nil="true"/>
-    <TPApplication xmlns="4873beb7-5857-4685-be1f-d57550cc96cc" xsi:nil="true"/>
-    <CrawlForDependencies xmlns="4873beb7-5857-4685-be1f-d57550cc96cc">false</CrawlForDependencies>
-    <HandoffToMSDN xmlns="4873beb7-5857-4685-be1f-d57550cc96cc" xsi:nil="true"/>
-    <PlannedPubDate xmlns="4873beb7-5857-4685-be1f-d57550cc96cc" xsi:nil="true"/>
-    <IntlLangReviewer xmlns="4873beb7-5857-4685-be1f-d57550cc96cc" xsi:nil="true"/>
-    <TrustLevel xmlns="4873beb7-5857-4685-be1f-d57550cc96cc">1 Microsoft Managed Content</TrustLevel>
-    <LocLastLocAttemptVersionLookup xmlns="4873beb7-5857-4685-be1f-d57550cc96cc">725212</LocLastLocAttemptVersionLookup>
-    <IsSearchable xmlns="4873beb7-5857-4685-be1f-d57550cc96cc">true</IsSearchable>
-    <TemplateTemplateType xmlns="4873beb7-5857-4685-be1f-d57550cc96cc">PowerPoint Presentation Template</TemplateTemplateType>
-    <CampaignTagsTaxHTField0 xmlns="4873beb7-5857-4685-be1f-d57550cc96cc">
-      <Terms xmlns="http://schemas.microsoft.com/office/infopath/2007/PartnerControls"/>
-    </CampaignTagsTaxHTField0>
-    <TPNamespace xmlns="4873beb7-5857-4685-be1f-d57550cc96cc" xsi:nil="true"/>
-    <TaxCatchAll xmlns="4873beb7-5857-4685-be1f-d57550cc96cc"/>
-    <Markets xmlns="4873beb7-5857-4685-be1f-d57550cc96cc"/>
-    <UAProjectedTotalWords xmlns="4873beb7-5857-4685-be1f-d57550cc96cc" xsi:nil="true"/>
-    <IntlLangReview xmlns="4873beb7-5857-4685-be1f-d57550cc96cc">false</IntlLangReview>
-    <OutputCachingOn xmlns="4873beb7-5857-4685-be1f-d57550cc96cc">false</OutputCachingOn>
-    <AverageRating xmlns="4873beb7-5857-4685-be1f-d57550cc96cc" xsi:nil="true"/>
-    <APAuthor xmlns="4873beb7-5857-4685-be1f-d57550cc96cc">
-      <UserInfo>
-        <DisplayName>REDMOND\v-vaddu</DisplayName>
-        <AccountId>2567</AccountId>
-        <AccountType/>
-      </UserInfo>
-    </APAuthor>
-    <LocManualTestRequired xmlns="4873beb7-5857-4685-be1f-d57550cc96cc">false</LocManualTestRequired>
-    <TPCommandLine xmlns="4873beb7-5857-4685-be1f-d57550cc96cc" xsi:nil="true"/>
-    <TPAppVersion xmlns="4873beb7-5857-4685-be1f-d57550cc96cc" xsi:nil="true"/>
-    <EditorialStatus xmlns="4873beb7-5857-4685-be1f-d57550cc96cc">Complete</EditorialStatus>
-    <LastModifiedDateTime xmlns="4873beb7-5857-4685-be1f-d57550cc96cc" xsi:nil="true"/>
-    <ScenarioTagsTaxHTField0 xmlns="4873beb7-5857-4685-be1f-d57550cc96cc">
-      <Terms xmlns="http://schemas.microsoft.com/office/infopath/2007/PartnerControls"/>
-    </ScenarioTagsTaxHTField0>
-    <OriginalRelease xmlns="4873beb7-5857-4685-be1f-d57550cc96cc">14</OriginalRelease>
-    <TPLaunchHelpLinkType xmlns="4873beb7-5857-4685-be1f-d57550cc96cc">Template</TPLaunchHelpLinkType>
-    <LocalizationTagsTaxHTField0 xmlns="4873beb7-5857-4685-be1f-d57550cc96cc">
-      <Terms xmlns="http://schemas.microsoft.com/office/infopath/2007/PartnerControls"/>
-    </LocalizationTagsTaxHTField0>
-    <LocMarketGroupTiers2 xmlns="4873beb7-5857-4685-be1f-d57550cc96cc" xsi:nil="true"/>
-  </documentManagement>
-</p:properties>
-</file>
-
-<file path=customXml/item2.xml><?xml version="1.0" encoding="utf-8"?>
 <ct:contentTypeSchema xmlns:ct="http://schemas.microsoft.com/office/2006/metadata/contentType" xmlns:ma="http://schemas.microsoft.com/office/2006/metadata/properties/metaAttributes" ct:_="" ma:_="" ma:contentTypeName="TemplateFile" ma:contentTypeID="0x0101006EDDDB5EE6D98C44930B742096920B300400F5B6D36B3EF94B4E9A635CDF2A18F5B8" ma:contentTypeVersion="72" ma:contentTypeDescription="Create a new document." ma:contentTypeScope="" ma:versionID="a23e56308344d904b51738559c3d67c9">
   <xsd:schema xmlns:xsd="http://www.w3.org/2001/XMLSchema" xmlns:xs="http://www.w3.org/2001/XMLSchema" xmlns:p="http://schemas.microsoft.com/office/2006/metadata/properties" xmlns:ns2="4873beb7-5857-4685-be1f-d57550cc96cc" targetNamespace="http://schemas.microsoft.com/office/2006/metadata/properties" ma:root="true" ma:fieldsID="cd0908cc4600e77bf5da051303e00c8d" ns2:_="">
     <xsd:import namespace="4873beb7-5857-4685-be1f-d57550cc96cc"/>
@@ -40298,7 +40309,7 @@
 </ct:contentTypeSchema>
 </file>
 
-<file path=customXml/item3.xml><?xml version="1.0" encoding="utf-8"?>
+<file path=customXml/item2.xml><?xml version="1.0" encoding="utf-8"?>
 <?mso-contentType ?>
 <FormTemplates xmlns="http://schemas.microsoft.com/sharepoint/v3/contenttype/forms">
   <Display>DocumentLibraryForm</Display>
@@ -40307,23 +40318,134 @@
 </FormTemplates>
 </file>
 
-<file path=customXml/itemProps1.xml><?xml version="1.0" encoding="utf-8"?>
-<ds:datastoreItem xmlns:ds="http://schemas.openxmlformats.org/officeDocument/2006/customXml" ds:itemID="{45076977-ECB7-44C2-A70D-853BB6B41242}">
-  <ds:schemaRefs>
-    <ds:schemaRef ds:uri="4873beb7-5857-4685-be1f-d57550cc96cc"/>
-    <ds:schemaRef ds:uri="http://purl.org/dc/dcmitype/"/>
-    <ds:schemaRef ds:uri="http://www.w3.org/XML/1998/namespace"/>
-    <ds:schemaRef ds:uri="http://schemas.microsoft.com/office/2006/documentManagement/types"/>
-    <ds:schemaRef ds:uri="http://schemas.openxmlformats.org/package/2006/metadata/core-properties"/>
-    <ds:schemaRef ds:uri="http://purl.org/dc/elements/1.1/"/>
-    <ds:schemaRef ds:uri="http://schemas.microsoft.com/office/infopath/2007/PartnerControls"/>
-    <ds:schemaRef ds:uri="http://schemas.microsoft.com/office/2006/metadata/properties"/>
-    <ds:schemaRef ds:uri="http://purl.org/dc/terms/"/>
-  </ds:schemaRefs>
-</ds:datastoreItem>
+<file path=customXml/item3.xml><?xml version="1.0" encoding="utf-8"?>
+<p:properties xmlns:p="http://schemas.microsoft.com/office/2006/metadata/properties" xmlns:xsi="http://www.w3.org/2001/XMLSchema-instance" xmlns:pc="http://schemas.microsoft.com/office/infopath/2007/PartnerControls">
+  <documentManagement>
+    <DirectSourceMarket xmlns="4873beb7-5857-4685-be1f-d57550cc96cc" xsi:nil="true"/>
+    <ApprovalStatus xmlns="4873beb7-5857-4685-be1f-d57550cc96cc">InProgress</ApprovalStatus>
+    <MarketSpecific xmlns="4873beb7-5857-4685-be1f-d57550cc96cc">false</MarketSpecific>
+    <LocComments xmlns="4873beb7-5857-4685-be1f-d57550cc96cc" xsi:nil="true"/>
+    <ThumbnailAssetId xmlns="4873beb7-5857-4685-be1f-d57550cc96cc" xsi:nil="true"/>
+    <PrimaryImageGen xmlns="4873beb7-5857-4685-be1f-d57550cc96cc">false</PrimaryImageGen>
+    <LegacyData xmlns="4873beb7-5857-4685-be1f-d57550cc96cc" xsi:nil="true"/>
+    <LocRecommendedHandoff xmlns="4873beb7-5857-4685-be1f-d57550cc96cc" xsi:nil="true"/>
+    <BusinessGroup xmlns="4873beb7-5857-4685-be1f-d57550cc96cc" xsi:nil="true"/>
+    <BlockPublish xmlns="4873beb7-5857-4685-be1f-d57550cc96cc">false</BlockPublish>
+    <TPFriendlyName xmlns="4873beb7-5857-4685-be1f-d57550cc96cc" xsi:nil="true"/>
+    <NumericId xmlns="4873beb7-5857-4685-be1f-d57550cc96cc" xsi:nil="true"/>
+    <APEditor xmlns="4873beb7-5857-4685-be1f-d57550cc96cc">
+      <UserInfo>
+        <DisplayName/>
+        <AccountId xsi:nil="true"/>
+        <AccountType/>
+      </UserInfo>
+    </APEditor>
+    <SourceTitle xmlns="4873beb7-5857-4685-be1f-d57550cc96cc" xsi:nil="true"/>
+    <OpenTemplate xmlns="4873beb7-5857-4685-be1f-d57550cc96cc">true</OpenTemplate>
+    <UALocComments xmlns="4873beb7-5857-4685-be1f-d57550cc96cc" xsi:nil="true"/>
+    <ParentAssetId xmlns="4873beb7-5857-4685-be1f-d57550cc96cc" xsi:nil="true"/>
+    <IntlLangReviewDate xmlns="4873beb7-5857-4685-be1f-d57550cc96cc" xsi:nil="true"/>
+    <FeatureTagsTaxHTField0 xmlns="4873beb7-5857-4685-be1f-d57550cc96cc">
+      <Terms xmlns="http://schemas.microsoft.com/office/infopath/2007/PartnerControls"/>
+    </FeatureTagsTaxHTField0>
+    <PublishStatusLookup xmlns="4873beb7-5857-4685-be1f-d57550cc96cc">
+      <Value>1380992</Value>
+    </PublishStatusLookup>
+    <Providers xmlns="4873beb7-5857-4685-be1f-d57550cc96cc" xsi:nil="true"/>
+    <MachineTranslated xmlns="4873beb7-5857-4685-be1f-d57550cc96cc">false</MachineTranslated>
+    <OriginalSourceMarket xmlns="4873beb7-5857-4685-be1f-d57550cc96cc" xsi:nil="true"/>
+    <APDescription xmlns="4873beb7-5857-4685-be1f-d57550cc96cc">This template makes an impression with its bold red background, radial sunburst pattern, and contrasting black title bar. Consider it for your small business or marketing presentation. Or, take advantage of the red color scheme to make a holiday-themed presentation.  Compatible with PowerPoint 2013 and later, this template offers a variety of slide layouts including title slides, bulleted lists, photo with captions, a sample chart, and blank slide, all in a widescreen (16X9) format.
+</APDescription>
+    <ClipArtFilename xmlns="4873beb7-5857-4685-be1f-d57550cc96cc" xsi:nil="true"/>
+    <ContentItem xmlns="4873beb7-5857-4685-be1f-d57550cc96cc" xsi:nil="true"/>
+    <TPInstallLocation xmlns="4873beb7-5857-4685-be1f-d57550cc96cc" xsi:nil="true"/>
+    <PublishTargets xmlns="4873beb7-5857-4685-be1f-d57550cc96cc">OfficeOnlineVNext</PublishTargets>
+    <TimesCloned xmlns="4873beb7-5857-4685-be1f-d57550cc96cc" xsi:nil="true"/>
+    <AssetStart xmlns="4873beb7-5857-4685-be1f-d57550cc96cc">2011-12-19T18:35:00+00:00</AssetStart>
+    <Provider xmlns="4873beb7-5857-4685-be1f-d57550cc96cc" xsi:nil="true"/>
+    <AcquiredFrom xmlns="4873beb7-5857-4685-be1f-d57550cc96cc">Internal MS</AcquiredFrom>
+    <FriendlyTitle xmlns="4873beb7-5857-4685-be1f-d57550cc96cc" xsi:nil="true"/>
+    <LastHandOff xmlns="4873beb7-5857-4685-be1f-d57550cc96cc" xsi:nil="true"/>
+    <TPClientViewer xmlns="4873beb7-5857-4685-be1f-d57550cc96cc" xsi:nil="true"/>
+    <UACurrentWords xmlns="4873beb7-5857-4685-be1f-d57550cc96cc" xsi:nil="true"/>
+    <ArtSampleDocs xmlns="4873beb7-5857-4685-be1f-d57550cc96cc" xsi:nil="true"/>
+    <UALocRecommendation xmlns="4873beb7-5857-4685-be1f-d57550cc96cc">Localize</UALocRecommendation>
+    <Manager xmlns="4873beb7-5857-4685-be1f-d57550cc96cc" xsi:nil="true"/>
+    <ShowIn xmlns="4873beb7-5857-4685-be1f-d57550cc96cc">Show everywhere</ShowIn>
+    <UANotes xmlns="4873beb7-5857-4685-be1f-d57550cc96cc" xsi:nil="true"/>
+    <TemplateStatus xmlns="4873beb7-5857-4685-be1f-d57550cc96cc">Complete</TemplateStatus>
+    <InternalTagsTaxHTField0 xmlns="4873beb7-5857-4685-be1f-d57550cc96cc">
+      <Terms xmlns="http://schemas.microsoft.com/office/infopath/2007/PartnerControls"/>
+    </InternalTagsTaxHTField0>
+    <CSXHash xmlns="4873beb7-5857-4685-be1f-d57550cc96cc" xsi:nil="true"/>
+    <Downloads xmlns="4873beb7-5857-4685-be1f-d57550cc96cc">0</Downloads>
+    <VoteCount xmlns="4873beb7-5857-4685-be1f-d57550cc96cc" xsi:nil="true"/>
+    <OOCacheId xmlns="4873beb7-5857-4685-be1f-d57550cc96cc" xsi:nil="true"/>
+    <IsDeleted xmlns="4873beb7-5857-4685-be1f-d57550cc96cc">false</IsDeleted>
+    <AssetExpire xmlns="4873beb7-5857-4685-be1f-d57550cc96cc">2035-01-01T08:00:00+00:00</AssetExpire>
+    <DSATActionTaken xmlns="4873beb7-5857-4685-be1f-d57550cc96cc" xsi:nil="true"/>
+    <CSXSubmissionMarket xmlns="4873beb7-5857-4685-be1f-d57550cc96cc" xsi:nil="true"/>
+    <TPExecutable xmlns="4873beb7-5857-4685-be1f-d57550cc96cc" xsi:nil="true"/>
+    <SubmitterId xmlns="4873beb7-5857-4685-be1f-d57550cc96cc" xsi:nil="true"/>
+    <EditorialTags xmlns="4873beb7-5857-4685-be1f-d57550cc96cc" xsi:nil="true"/>
+    <ApprovalLog xmlns="4873beb7-5857-4685-be1f-d57550cc96cc" xsi:nil="true"/>
+    <AssetType xmlns="4873beb7-5857-4685-be1f-d57550cc96cc">TP</AssetType>
+    <BugNumber xmlns="4873beb7-5857-4685-be1f-d57550cc96cc" xsi:nil="true"/>
+    <CSXSubmissionDate xmlns="4873beb7-5857-4685-be1f-d57550cc96cc" xsi:nil="true"/>
+    <CSXUpdate xmlns="4873beb7-5857-4685-be1f-d57550cc96cc">false</CSXUpdate>
+    <Milestone xmlns="4873beb7-5857-4685-be1f-d57550cc96cc" xsi:nil="true"/>
+    <RecommendationsModifier xmlns="4873beb7-5857-4685-be1f-d57550cc96cc" xsi:nil="true"/>
+    <OriginAsset xmlns="4873beb7-5857-4685-be1f-d57550cc96cc" xsi:nil="true"/>
+    <TPComponent xmlns="4873beb7-5857-4685-be1f-d57550cc96cc" xsi:nil="true"/>
+    <AssetId xmlns="4873beb7-5857-4685-be1f-d57550cc96cc">TP102804893</AssetId>
+    <IntlLocPriority xmlns="4873beb7-5857-4685-be1f-d57550cc96cc" xsi:nil="true"/>
+    <PolicheckWords xmlns="4873beb7-5857-4685-be1f-d57550cc96cc" xsi:nil="true"/>
+    <TPLaunchHelpLink xmlns="4873beb7-5857-4685-be1f-d57550cc96cc" xsi:nil="true"/>
+    <TPApplication xmlns="4873beb7-5857-4685-be1f-d57550cc96cc" xsi:nil="true"/>
+    <CrawlForDependencies xmlns="4873beb7-5857-4685-be1f-d57550cc96cc">false</CrawlForDependencies>
+    <HandoffToMSDN xmlns="4873beb7-5857-4685-be1f-d57550cc96cc" xsi:nil="true"/>
+    <PlannedPubDate xmlns="4873beb7-5857-4685-be1f-d57550cc96cc" xsi:nil="true"/>
+    <IntlLangReviewer xmlns="4873beb7-5857-4685-be1f-d57550cc96cc" xsi:nil="true"/>
+    <TrustLevel xmlns="4873beb7-5857-4685-be1f-d57550cc96cc">1 Microsoft Managed Content</TrustLevel>
+    <LocLastLocAttemptVersionLookup xmlns="4873beb7-5857-4685-be1f-d57550cc96cc">725212</LocLastLocAttemptVersionLookup>
+    <IsSearchable xmlns="4873beb7-5857-4685-be1f-d57550cc96cc">true</IsSearchable>
+    <TemplateTemplateType xmlns="4873beb7-5857-4685-be1f-d57550cc96cc">PowerPoint Presentation Template</TemplateTemplateType>
+    <CampaignTagsTaxHTField0 xmlns="4873beb7-5857-4685-be1f-d57550cc96cc">
+      <Terms xmlns="http://schemas.microsoft.com/office/infopath/2007/PartnerControls"/>
+    </CampaignTagsTaxHTField0>
+    <TPNamespace xmlns="4873beb7-5857-4685-be1f-d57550cc96cc" xsi:nil="true"/>
+    <TaxCatchAll xmlns="4873beb7-5857-4685-be1f-d57550cc96cc"/>
+    <Markets xmlns="4873beb7-5857-4685-be1f-d57550cc96cc"/>
+    <UAProjectedTotalWords xmlns="4873beb7-5857-4685-be1f-d57550cc96cc" xsi:nil="true"/>
+    <IntlLangReview xmlns="4873beb7-5857-4685-be1f-d57550cc96cc">false</IntlLangReview>
+    <OutputCachingOn xmlns="4873beb7-5857-4685-be1f-d57550cc96cc">false</OutputCachingOn>
+    <AverageRating xmlns="4873beb7-5857-4685-be1f-d57550cc96cc" xsi:nil="true"/>
+    <APAuthor xmlns="4873beb7-5857-4685-be1f-d57550cc96cc">
+      <UserInfo>
+        <DisplayName>REDMOND\v-vaddu</DisplayName>
+        <AccountId>2567</AccountId>
+        <AccountType/>
+      </UserInfo>
+    </APAuthor>
+    <LocManualTestRequired xmlns="4873beb7-5857-4685-be1f-d57550cc96cc">false</LocManualTestRequired>
+    <TPCommandLine xmlns="4873beb7-5857-4685-be1f-d57550cc96cc" xsi:nil="true"/>
+    <TPAppVersion xmlns="4873beb7-5857-4685-be1f-d57550cc96cc" xsi:nil="true"/>
+    <EditorialStatus xmlns="4873beb7-5857-4685-be1f-d57550cc96cc">Complete</EditorialStatus>
+    <LastModifiedDateTime xmlns="4873beb7-5857-4685-be1f-d57550cc96cc" xsi:nil="true"/>
+    <ScenarioTagsTaxHTField0 xmlns="4873beb7-5857-4685-be1f-d57550cc96cc">
+      <Terms xmlns="http://schemas.microsoft.com/office/infopath/2007/PartnerControls"/>
+    </ScenarioTagsTaxHTField0>
+    <OriginalRelease xmlns="4873beb7-5857-4685-be1f-d57550cc96cc">14</OriginalRelease>
+    <TPLaunchHelpLinkType xmlns="4873beb7-5857-4685-be1f-d57550cc96cc">Template</TPLaunchHelpLinkType>
+    <LocalizationTagsTaxHTField0 xmlns="4873beb7-5857-4685-be1f-d57550cc96cc">
+      <Terms xmlns="http://schemas.microsoft.com/office/infopath/2007/PartnerControls"/>
+    </LocalizationTagsTaxHTField0>
+    <LocMarketGroupTiers2 xmlns="4873beb7-5857-4685-be1f-d57550cc96cc" xsi:nil="true"/>
+  </documentManagement>
+</p:properties>
 </file>
 
-<file path=customXml/itemProps2.xml><?xml version="1.0" encoding="utf-8"?>
+<file path=customXml/itemProps1.xml><?xml version="1.0" encoding="utf-8"?>
 <ds:datastoreItem xmlns:ds="http://schemas.openxmlformats.org/officeDocument/2006/customXml" ds:itemID="{41BC18E0-614B-4152-A3EE-8AA2B60C721E}">
   <ds:schemaRefs>
     <ds:schemaRef ds:uri="http://schemas.microsoft.com/office/2006/metadata/contentType"/>
@@ -40341,10 +40463,26 @@
 </ds:datastoreItem>
 </file>
 
-<file path=customXml/itemProps3.xml><?xml version="1.0" encoding="utf-8"?>
+<file path=customXml/itemProps2.xml><?xml version="1.0" encoding="utf-8"?>
 <ds:datastoreItem xmlns:ds="http://schemas.openxmlformats.org/officeDocument/2006/customXml" ds:itemID="{0A765CE0-A8A0-42E0-82D2-3F870DB4D5F7}">
   <ds:schemaRefs>
     <ds:schemaRef ds:uri="http://schemas.microsoft.com/sharepoint/v3/contenttype/forms"/>
   </ds:schemaRefs>
 </ds:datastoreItem>
+</file>
+
+<file path=customXml/itemProps3.xml><?xml version="1.0" encoding="utf-8"?>
+<ds:datastoreItem xmlns:ds="http://schemas.openxmlformats.org/officeDocument/2006/customXml" ds:itemID="{45076977-ECB7-44C2-A70D-853BB6B41242}">
+  <ds:schemaRefs>
+    <ds:schemaRef ds:uri="http://purl.org/dc/elements/1.1/"/>
+    <ds:schemaRef ds:uri="http://schemas.openxmlformats.org/package/2006/metadata/core-properties"/>
+    <ds:schemaRef ds:uri="http://purl.org/dc/dcmitype/"/>
+    <ds:schemaRef ds:uri="4873beb7-5857-4685-be1f-d57550cc96cc"/>
+    <ds:schemaRef ds:uri="http://www.w3.org/XML/1998/namespace"/>
+    <ds:schemaRef ds:uri="http://schemas.microsoft.com/office/2006/metadata/properties"/>
+    <ds:schemaRef ds:uri="http://schemas.microsoft.com/office/2006/documentManagement/types"/>
+    <ds:schemaRef ds:uri="http://schemas.microsoft.com/office/infopath/2007/PartnerControls"/>
+    <ds:schemaRef ds:uri="http://purl.org/dc/terms/"/>
+  </ds:schemaRefs>
+</ds:datastoreItem>
 </file>